--- a/presentation/Präsentation1.pptx
+++ b/presentation/Präsentation1.pptx
@@ -5,24 +5,27 @@
     <p:sldMasterId id="2147483649" r:id="rId1"/>
   </p:sldMasterIdLst>
   <p:notesMasterIdLst>
-    <p:notesMasterId r:id="rId14"/>
+    <p:notesMasterId r:id="rId17"/>
   </p:notesMasterIdLst>
   <p:handoutMasterIdLst>
-    <p:handoutMasterId r:id="rId15"/>
+    <p:handoutMasterId r:id="rId18"/>
   </p:handoutMasterIdLst>
   <p:sldIdLst>
     <p:sldId id="303" r:id="rId2"/>
     <p:sldId id="311" r:id="rId3"/>
-    <p:sldId id="306" r:id="rId4"/>
-    <p:sldId id="307" r:id="rId5"/>
-    <p:sldId id="308" r:id="rId6"/>
-    <p:sldId id="316" r:id="rId7"/>
-    <p:sldId id="317" r:id="rId8"/>
-    <p:sldId id="313" r:id="rId9"/>
-    <p:sldId id="312" r:id="rId10"/>
-    <p:sldId id="314" r:id="rId11"/>
-    <p:sldId id="315" r:id="rId12"/>
-    <p:sldId id="300" r:id="rId13"/>
+    <p:sldId id="318" r:id="rId4"/>
+    <p:sldId id="319" r:id="rId5"/>
+    <p:sldId id="306" r:id="rId6"/>
+    <p:sldId id="307" r:id="rId7"/>
+    <p:sldId id="308" r:id="rId8"/>
+    <p:sldId id="316" r:id="rId9"/>
+    <p:sldId id="317" r:id="rId10"/>
+    <p:sldId id="320" r:id="rId11"/>
+    <p:sldId id="313" r:id="rId12"/>
+    <p:sldId id="312" r:id="rId13"/>
+    <p:sldId id="314" r:id="rId14"/>
+    <p:sldId id="315" r:id="rId15"/>
+    <p:sldId id="300" r:id="rId16"/>
   </p:sldIdLst>
   <p:sldSz cx="9144000" cy="6858000" type="screen4x3"/>
   <p:notesSz cx="6858000" cy="9144000"/>
@@ -154,6 +157,3442 @@
 </p:presentation>
 </file>
 
+<file path=ppt/diagrams/colors1.xml><?xml version="1.0" encoding="utf-8"?>
+<dgm:colorsDef xmlns:dgm="http://schemas.openxmlformats.org/drawingml/2006/diagram" xmlns:a="http://schemas.openxmlformats.org/drawingml/2006/main" uniqueId="urn:microsoft.com/office/officeart/2005/8/colors/colorful5">
+  <dgm:title val=""/>
+  <dgm:desc val=""/>
+  <dgm:catLst>
+    <dgm:cat type="colorful" pri="10500"/>
+  </dgm:catLst>
+  <dgm:styleLbl name="node0">
+    <dgm:fillClrLst meth="repeat">
+      <a:schemeClr val="accent4"/>
+    </dgm:fillClrLst>
+    <dgm:linClrLst meth="repeat">
+      <a:schemeClr val="lt1"/>
+    </dgm:linClrLst>
+    <dgm:effectClrLst/>
+    <dgm:txLinClrLst/>
+    <dgm:txFillClrLst/>
+    <dgm:txEffectClrLst/>
+  </dgm:styleLbl>
+  <dgm:styleLbl name="node1">
+    <dgm:fillClrLst>
+      <a:schemeClr val="accent5"/>
+      <a:schemeClr val="accent6"/>
+    </dgm:fillClrLst>
+    <dgm:linClrLst meth="repeat">
+      <a:schemeClr val="lt1"/>
+    </dgm:linClrLst>
+    <dgm:effectClrLst/>
+    <dgm:txLinClrLst/>
+    <dgm:txFillClrLst/>
+    <dgm:txEffectClrLst/>
+  </dgm:styleLbl>
+  <dgm:styleLbl name="alignNode1">
+    <dgm:fillClrLst>
+      <a:schemeClr val="accent5"/>
+      <a:schemeClr val="accent6"/>
+    </dgm:fillClrLst>
+    <dgm:linClrLst>
+      <a:schemeClr val="accent5"/>
+      <a:schemeClr val="accent6"/>
+    </dgm:linClrLst>
+    <dgm:effectClrLst/>
+    <dgm:txLinClrLst/>
+    <dgm:txFillClrLst/>
+    <dgm:txEffectClrLst/>
+  </dgm:styleLbl>
+  <dgm:styleLbl name="lnNode1">
+    <dgm:fillClrLst>
+      <a:schemeClr val="accent5"/>
+      <a:schemeClr val="accent6"/>
+    </dgm:fillClrLst>
+    <dgm:linClrLst meth="repeat">
+      <a:schemeClr val="lt1"/>
+    </dgm:linClrLst>
+    <dgm:effectClrLst/>
+    <dgm:txLinClrLst/>
+    <dgm:txFillClrLst/>
+    <dgm:txEffectClrLst/>
+  </dgm:styleLbl>
+  <dgm:styleLbl name="vennNode1">
+    <dgm:fillClrLst>
+      <a:schemeClr val="accent5">
+        <a:alpha val="50000"/>
+      </a:schemeClr>
+      <a:schemeClr val="accent6">
+        <a:alpha val="50000"/>
+      </a:schemeClr>
+    </dgm:fillClrLst>
+    <dgm:linClrLst meth="repeat">
+      <a:schemeClr val="lt1"/>
+    </dgm:linClrLst>
+    <dgm:effectClrLst/>
+    <dgm:txLinClrLst/>
+    <dgm:txFillClrLst/>
+    <dgm:txEffectClrLst/>
+  </dgm:styleLbl>
+  <dgm:styleLbl name="node2">
+    <dgm:fillClrLst>
+      <a:schemeClr val="accent6"/>
+    </dgm:fillClrLst>
+    <dgm:linClrLst meth="repeat">
+      <a:schemeClr val="lt1"/>
+    </dgm:linClrLst>
+    <dgm:effectClrLst/>
+    <dgm:txLinClrLst/>
+    <dgm:txFillClrLst/>
+    <dgm:txEffectClrLst/>
+  </dgm:styleLbl>
+  <dgm:styleLbl name="node3">
+    <dgm:fillClrLst>
+      <a:schemeClr val="accent1"/>
+    </dgm:fillClrLst>
+    <dgm:linClrLst meth="repeat">
+      <a:schemeClr val="lt1"/>
+    </dgm:linClrLst>
+    <dgm:effectClrLst/>
+    <dgm:txLinClrLst/>
+    <dgm:txFillClrLst/>
+    <dgm:txEffectClrLst/>
+  </dgm:styleLbl>
+  <dgm:styleLbl name="node4">
+    <dgm:fillClrLst>
+      <a:schemeClr val="accent2"/>
+    </dgm:fillClrLst>
+    <dgm:linClrLst meth="repeat">
+      <a:schemeClr val="lt1"/>
+    </dgm:linClrLst>
+    <dgm:effectClrLst/>
+    <dgm:txLinClrLst/>
+    <dgm:txFillClrLst/>
+    <dgm:txEffectClrLst/>
+  </dgm:styleLbl>
+  <dgm:styleLbl name="fgImgPlace1">
+    <dgm:fillClrLst>
+      <a:schemeClr val="accent5">
+        <a:tint val="50000"/>
+      </a:schemeClr>
+      <a:schemeClr val="accent6">
+        <a:tint val="50000"/>
+      </a:schemeClr>
+    </dgm:fillClrLst>
+    <dgm:linClrLst meth="repeat">
+      <a:schemeClr val="lt1"/>
+    </dgm:linClrLst>
+    <dgm:effectClrLst/>
+    <dgm:txLinClrLst/>
+    <dgm:txFillClrLst meth="repeat">
+      <a:schemeClr val="lt1"/>
+    </dgm:txFillClrLst>
+    <dgm:txEffectClrLst/>
+  </dgm:styleLbl>
+  <dgm:styleLbl name="alignImgPlace1">
+    <dgm:fillClrLst>
+      <a:schemeClr val="accent5">
+        <a:tint val="50000"/>
+      </a:schemeClr>
+      <a:schemeClr val="accent6">
+        <a:tint val="20000"/>
+      </a:schemeClr>
+    </dgm:fillClrLst>
+    <dgm:linClrLst meth="repeat">
+      <a:schemeClr val="lt1"/>
+    </dgm:linClrLst>
+    <dgm:effectClrLst/>
+    <dgm:txLinClrLst/>
+    <dgm:txFillClrLst meth="repeat">
+      <a:schemeClr val="lt1"/>
+    </dgm:txFillClrLst>
+    <dgm:txEffectClrLst/>
+  </dgm:styleLbl>
+  <dgm:styleLbl name="bgImgPlace1">
+    <dgm:fillClrLst>
+      <a:schemeClr val="accent5">
+        <a:tint val="50000"/>
+      </a:schemeClr>
+      <a:schemeClr val="accent6">
+        <a:tint val="20000"/>
+      </a:schemeClr>
+    </dgm:fillClrLst>
+    <dgm:linClrLst meth="repeat">
+      <a:schemeClr val="lt1"/>
+    </dgm:linClrLst>
+    <dgm:effectClrLst/>
+    <dgm:txLinClrLst/>
+    <dgm:txFillClrLst meth="repeat">
+      <a:schemeClr val="lt1"/>
+    </dgm:txFillClrLst>
+    <dgm:txEffectClrLst/>
+  </dgm:styleLbl>
+  <dgm:styleLbl name="sibTrans2D1">
+    <dgm:fillClrLst>
+      <a:schemeClr val="accent5"/>
+      <a:schemeClr val="accent6"/>
+    </dgm:fillClrLst>
+    <dgm:linClrLst meth="repeat">
+      <a:schemeClr val="lt1"/>
+    </dgm:linClrLst>
+    <dgm:effectClrLst/>
+    <dgm:txLinClrLst/>
+    <dgm:txFillClrLst/>
+    <dgm:txEffectClrLst/>
+  </dgm:styleLbl>
+  <dgm:styleLbl name="fgSibTrans2D1">
+    <dgm:fillClrLst>
+      <a:schemeClr val="accent5"/>
+      <a:schemeClr val="accent6"/>
+    </dgm:fillClrLst>
+    <dgm:linClrLst meth="repeat">
+      <a:schemeClr val="lt1"/>
+    </dgm:linClrLst>
+    <dgm:effectClrLst/>
+    <dgm:txLinClrLst/>
+    <dgm:txFillClrLst meth="repeat">
+      <a:schemeClr val="lt1"/>
+    </dgm:txFillClrLst>
+    <dgm:txEffectClrLst/>
+  </dgm:styleLbl>
+  <dgm:styleLbl name="bgSibTrans2D1">
+    <dgm:fillClrLst>
+      <a:schemeClr val="accent5"/>
+      <a:schemeClr val="accent6"/>
+    </dgm:fillClrLst>
+    <dgm:linClrLst meth="repeat">
+      <a:schemeClr val="lt1"/>
+    </dgm:linClrLst>
+    <dgm:effectClrLst/>
+    <dgm:txLinClrLst/>
+    <dgm:txFillClrLst meth="repeat">
+      <a:schemeClr val="lt1"/>
+    </dgm:txFillClrLst>
+    <dgm:txEffectClrLst/>
+  </dgm:styleLbl>
+  <dgm:styleLbl name="sibTrans1D1">
+    <dgm:fillClrLst/>
+    <dgm:linClrLst>
+      <a:schemeClr val="accent5"/>
+      <a:schemeClr val="accent6"/>
+    </dgm:linClrLst>
+    <dgm:effectClrLst/>
+    <dgm:txLinClrLst/>
+    <dgm:txFillClrLst meth="repeat">
+      <a:schemeClr val="tx1"/>
+    </dgm:txFillClrLst>
+    <dgm:txEffectClrLst/>
+  </dgm:styleLbl>
+  <dgm:styleLbl name="callout">
+    <dgm:fillClrLst meth="repeat">
+      <a:schemeClr val="accent5"/>
+    </dgm:fillClrLst>
+    <dgm:linClrLst meth="repeat">
+      <a:schemeClr val="accent5">
+        <a:tint val="50000"/>
+      </a:schemeClr>
+    </dgm:linClrLst>
+    <dgm:effectClrLst/>
+    <dgm:txLinClrLst/>
+    <dgm:txFillClrLst meth="repeat">
+      <a:schemeClr val="tx1"/>
+    </dgm:txFillClrLst>
+    <dgm:txEffectClrLst/>
+  </dgm:styleLbl>
+  <dgm:styleLbl name="asst0">
+    <dgm:fillClrLst meth="repeat">
+      <a:schemeClr val="accent5"/>
+    </dgm:fillClrLst>
+    <dgm:linClrLst meth="repeat">
+      <a:schemeClr val="lt1">
+        <a:shade val="80000"/>
+      </a:schemeClr>
+    </dgm:linClrLst>
+    <dgm:effectClrLst/>
+    <dgm:txLinClrLst/>
+    <dgm:txFillClrLst/>
+    <dgm:txEffectClrLst/>
+  </dgm:styleLbl>
+  <dgm:styleLbl name="asst1">
+    <dgm:fillClrLst meth="repeat">
+      <a:schemeClr val="accent6"/>
+    </dgm:fillClrLst>
+    <dgm:linClrLst meth="repeat">
+      <a:schemeClr val="lt1">
+        <a:shade val="80000"/>
+      </a:schemeClr>
+    </dgm:linClrLst>
+    <dgm:effectClrLst/>
+    <dgm:txLinClrLst/>
+    <dgm:txFillClrLst/>
+    <dgm:txEffectClrLst/>
+  </dgm:styleLbl>
+  <dgm:styleLbl name="asst2">
+    <dgm:fillClrLst>
+      <a:schemeClr val="accent1"/>
+    </dgm:fillClrLst>
+    <dgm:linClrLst meth="repeat">
+      <a:schemeClr val="lt1"/>
+    </dgm:linClrLst>
+    <dgm:effectClrLst/>
+    <dgm:txLinClrLst/>
+    <dgm:txFillClrLst/>
+    <dgm:txEffectClrLst/>
+  </dgm:styleLbl>
+  <dgm:styleLbl name="asst3">
+    <dgm:fillClrLst>
+      <a:schemeClr val="accent2"/>
+    </dgm:fillClrLst>
+    <dgm:linClrLst meth="repeat">
+      <a:schemeClr val="lt1"/>
+    </dgm:linClrLst>
+    <dgm:effectClrLst/>
+    <dgm:txLinClrLst/>
+    <dgm:txFillClrLst/>
+    <dgm:txEffectClrLst/>
+  </dgm:styleLbl>
+  <dgm:styleLbl name="asst4">
+    <dgm:fillClrLst>
+      <a:schemeClr val="accent3"/>
+    </dgm:fillClrLst>
+    <dgm:linClrLst meth="repeat">
+      <a:schemeClr val="lt1"/>
+    </dgm:linClrLst>
+    <dgm:effectClrLst/>
+    <dgm:txLinClrLst/>
+    <dgm:txFillClrLst/>
+    <dgm:txEffectClrLst/>
+  </dgm:styleLbl>
+  <dgm:styleLbl name="parChTrans2D1">
+    <dgm:fillClrLst meth="repeat">
+      <a:schemeClr val="accent5"/>
+    </dgm:fillClrLst>
+    <dgm:linClrLst meth="repeat">
+      <a:schemeClr val="lt1"/>
+    </dgm:linClrLst>
+    <dgm:effectClrLst/>
+    <dgm:txLinClrLst/>
+    <dgm:txFillClrLst meth="repeat">
+      <a:schemeClr val="lt1"/>
+    </dgm:txFillClrLst>
+    <dgm:txEffectClrLst/>
+  </dgm:styleLbl>
+  <dgm:styleLbl name="parChTrans2D2">
+    <dgm:fillClrLst meth="repeat">
+      <a:schemeClr val="accent6"/>
+    </dgm:fillClrLst>
+    <dgm:linClrLst meth="repeat">
+      <a:schemeClr val="lt1"/>
+    </dgm:linClrLst>
+    <dgm:effectClrLst/>
+    <dgm:txLinClrLst/>
+    <dgm:txFillClrLst/>
+    <dgm:txEffectClrLst/>
+  </dgm:styleLbl>
+  <dgm:styleLbl name="parChTrans2D3">
+    <dgm:fillClrLst meth="repeat">
+      <a:schemeClr val="accent6"/>
+    </dgm:fillClrLst>
+    <dgm:linClrLst meth="repeat">
+      <a:schemeClr val="lt1"/>
+    </dgm:linClrLst>
+    <dgm:effectClrLst/>
+    <dgm:txLinClrLst/>
+    <dgm:txFillClrLst/>
+    <dgm:txEffectClrLst/>
+  </dgm:styleLbl>
+  <dgm:styleLbl name="parChTrans2D4">
+    <dgm:fillClrLst meth="repeat">
+      <a:schemeClr val="accent1"/>
+    </dgm:fillClrLst>
+    <dgm:linClrLst meth="repeat">
+      <a:schemeClr val="lt1"/>
+    </dgm:linClrLst>
+    <dgm:effectClrLst/>
+    <dgm:txLinClrLst/>
+    <dgm:txFillClrLst meth="repeat">
+      <a:schemeClr val="lt1"/>
+    </dgm:txFillClrLst>
+    <dgm:txEffectClrLst/>
+  </dgm:styleLbl>
+  <dgm:styleLbl name="parChTrans1D1">
+    <dgm:fillClrLst meth="repeat">
+      <a:schemeClr val="accent5"/>
+    </dgm:fillClrLst>
+    <dgm:linClrLst meth="repeat">
+      <a:schemeClr val="accent5"/>
+    </dgm:linClrLst>
+    <dgm:effectClrLst/>
+    <dgm:txLinClrLst/>
+    <dgm:txFillClrLst meth="repeat">
+      <a:schemeClr val="tx1"/>
+    </dgm:txFillClrLst>
+    <dgm:txEffectClrLst/>
+  </dgm:styleLbl>
+  <dgm:styleLbl name="parChTrans1D2">
+    <dgm:fillClrLst meth="repeat">
+      <a:schemeClr val="accent6">
+        <a:tint val="90000"/>
+      </a:schemeClr>
+    </dgm:fillClrLst>
+    <dgm:linClrLst meth="repeat">
+      <a:schemeClr val="accent6"/>
+    </dgm:linClrLst>
+    <dgm:effectClrLst/>
+    <dgm:txLinClrLst/>
+    <dgm:txFillClrLst meth="repeat">
+      <a:schemeClr val="tx1"/>
+    </dgm:txFillClrLst>
+    <dgm:txEffectClrLst/>
+  </dgm:styleLbl>
+  <dgm:styleLbl name="parChTrans1D3">
+    <dgm:fillClrLst meth="repeat">
+      <a:schemeClr val="accent6">
+        <a:tint val="70000"/>
+      </a:schemeClr>
+    </dgm:fillClrLst>
+    <dgm:linClrLst meth="repeat">
+      <a:schemeClr val="accent1"/>
+    </dgm:linClrLst>
+    <dgm:effectClrLst/>
+    <dgm:txLinClrLst/>
+    <dgm:txFillClrLst meth="repeat">
+      <a:schemeClr val="tx1"/>
+    </dgm:txFillClrLst>
+    <dgm:txEffectClrLst/>
+  </dgm:styleLbl>
+  <dgm:styleLbl name="parChTrans1D4">
+    <dgm:fillClrLst meth="repeat">
+      <a:schemeClr val="accent6">
+        <a:tint val="50000"/>
+      </a:schemeClr>
+    </dgm:fillClrLst>
+    <dgm:linClrLst meth="repeat">
+      <a:schemeClr val="accent2"/>
+    </dgm:linClrLst>
+    <dgm:effectClrLst/>
+    <dgm:txLinClrLst/>
+    <dgm:txFillClrLst meth="repeat">
+      <a:schemeClr val="tx1"/>
+    </dgm:txFillClrLst>
+    <dgm:txEffectClrLst/>
+  </dgm:styleLbl>
+  <dgm:styleLbl name="fgAcc1">
+    <dgm:fillClrLst meth="repeat">
+      <a:schemeClr val="lt1">
+        <a:alpha val="90000"/>
+      </a:schemeClr>
+    </dgm:fillClrLst>
+    <dgm:linClrLst>
+      <a:schemeClr val="accent5"/>
+      <a:schemeClr val="accent6"/>
+    </dgm:linClrLst>
+    <dgm:effectClrLst/>
+    <dgm:txLinClrLst/>
+    <dgm:txFillClrLst meth="repeat">
+      <a:schemeClr val="dk1"/>
+    </dgm:txFillClrLst>
+    <dgm:txEffectClrLst/>
+  </dgm:styleLbl>
+  <dgm:styleLbl name="conFgAcc1">
+    <dgm:fillClrLst meth="repeat">
+      <a:schemeClr val="lt1">
+        <a:alpha val="90000"/>
+      </a:schemeClr>
+    </dgm:fillClrLst>
+    <dgm:linClrLst>
+      <a:schemeClr val="accent5"/>
+      <a:schemeClr val="accent6"/>
+    </dgm:linClrLst>
+    <dgm:effectClrLst/>
+    <dgm:txLinClrLst/>
+    <dgm:txFillClrLst meth="repeat">
+      <a:schemeClr val="dk1"/>
+    </dgm:txFillClrLst>
+    <dgm:txEffectClrLst/>
+  </dgm:styleLbl>
+  <dgm:styleLbl name="alignAcc1">
+    <dgm:fillClrLst meth="repeat">
+      <a:schemeClr val="lt1">
+        <a:alpha val="90000"/>
+      </a:schemeClr>
+    </dgm:fillClrLst>
+    <dgm:linClrLst>
+      <a:schemeClr val="accent5"/>
+      <a:schemeClr val="accent6"/>
+    </dgm:linClrLst>
+    <dgm:effectClrLst/>
+    <dgm:txLinClrLst/>
+    <dgm:txFillClrLst meth="repeat">
+      <a:schemeClr val="dk1"/>
+    </dgm:txFillClrLst>
+    <dgm:txEffectClrLst/>
+  </dgm:styleLbl>
+  <dgm:styleLbl name="trAlignAcc1">
+    <dgm:fillClrLst meth="repeat">
+      <a:schemeClr val="lt1">
+        <a:alpha val="40000"/>
+      </a:schemeClr>
+    </dgm:fillClrLst>
+    <dgm:linClrLst meth="repeat">
+      <a:schemeClr val="accent5"/>
+    </dgm:linClrLst>
+    <dgm:effectClrLst/>
+    <dgm:txLinClrLst/>
+    <dgm:txFillClrLst meth="repeat">
+      <a:schemeClr val="dk1"/>
+    </dgm:txFillClrLst>
+    <dgm:txEffectClrLst/>
+  </dgm:styleLbl>
+  <dgm:styleLbl name="bgAcc1">
+    <dgm:fillClrLst meth="repeat">
+      <a:schemeClr val="lt1">
+        <a:alpha val="90000"/>
+      </a:schemeClr>
+    </dgm:fillClrLst>
+    <dgm:linClrLst>
+      <a:schemeClr val="accent5"/>
+      <a:schemeClr val="accent6"/>
+    </dgm:linClrLst>
+    <dgm:effectClrLst/>
+    <dgm:txLinClrLst/>
+    <dgm:txFillClrLst meth="repeat">
+      <a:schemeClr val="dk1"/>
+    </dgm:txFillClrLst>
+    <dgm:txEffectClrLst/>
+  </dgm:styleLbl>
+  <dgm:styleLbl name="solidFgAcc1">
+    <dgm:fillClrLst meth="repeat">
+      <a:schemeClr val="lt1"/>
+    </dgm:fillClrLst>
+    <dgm:linClrLst>
+      <a:schemeClr val="accent5"/>
+      <a:schemeClr val="accent6"/>
+    </dgm:linClrLst>
+    <dgm:effectClrLst/>
+    <dgm:txLinClrLst/>
+    <dgm:txFillClrLst meth="repeat">
+      <a:schemeClr val="dk1"/>
+    </dgm:txFillClrLst>
+    <dgm:txEffectClrLst/>
+  </dgm:styleLbl>
+  <dgm:styleLbl name="solidAlignAcc1">
+    <dgm:fillClrLst meth="repeat">
+      <a:schemeClr val="lt1"/>
+    </dgm:fillClrLst>
+    <dgm:linClrLst>
+      <a:schemeClr val="accent5"/>
+      <a:schemeClr val="accent6"/>
+    </dgm:linClrLst>
+    <dgm:effectClrLst/>
+    <dgm:txLinClrLst/>
+    <dgm:txFillClrLst meth="repeat">
+      <a:schemeClr val="dk1"/>
+    </dgm:txFillClrLst>
+    <dgm:txEffectClrLst/>
+  </dgm:styleLbl>
+  <dgm:styleLbl name="solidBgAcc1">
+    <dgm:fillClrLst meth="repeat">
+      <a:schemeClr val="lt1"/>
+    </dgm:fillClrLst>
+    <dgm:linClrLst>
+      <a:schemeClr val="accent5"/>
+      <a:schemeClr val="accent6"/>
+    </dgm:linClrLst>
+    <dgm:effectClrLst/>
+    <dgm:txLinClrLst/>
+    <dgm:txFillClrLst meth="repeat">
+      <a:schemeClr val="dk1"/>
+    </dgm:txFillClrLst>
+    <dgm:txEffectClrLst/>
+  </dgm:styleLbl>
+  <dgm:styleLbl name="fgAccFollowNode1">
+    <dgm:fillClrLst>
+      <a:schemeClr val="accent5">
+        <a:tint val="40000"/>
+        <a:alpha val="90000"/>
+      </a:schemeClr>
+      <a:schemeClr val="accent6">
+        <a:tint val="40000"/>
+        <a:alpha val="90000"/>
+      </a:schemeClr>
+    </dgm:fillClrLst>
+    <dgm:linClrLst>
+      <a:schemeClr val="accent5">
+        <a:tint val="40000"/>
+        <a:alpha val="90000"/>
+      </a:schemeClr>
+      <a:schemeClr val="accent5">
+        <a:tint val="40000"/>
+        <a:alpha val="90000"/>
+      </a:schemeClr>
+    </dgm:linClrLst>
+    <dgm:effectClrLst/>
+    <dgm:txLinClrLst/>
+    <dgm:txFillClrLst meth="repeat">
+      <a:schemeClr val="dk1"/>
+    </dgm:txFillClrLst>
+    <dgm:txEffectClrLst/>
+  </dgm:styleLbl>
+  <dgm:styleLbl name="alignAccFollowNode1">
+    <dgm:fillClrLst>
+      <a:schemeClr val="accent5">
+        <a:tint val="40000"/>
+        <a:alpha val="90000"/>
+      </a:schemeClr>
+      <a:schemeClr val="accent6">
+        <a:tint val="40000"/>
+        <a:alpha val="90000"/>
+      </a:schemeClr>
+    </dgm:fillClrLst>
+    <dgm:linClrLst>
+      <a:schemeClr val="accent5">
+        <a:tint val="40000"/>
+        <a:alpha val="90000"/>
+      </a:schemeClr>
+      <a:schemeClr val="accent6">
+        <a:tint val="40000"/>
+        <a:alpha val="90000"/>
+      </a:schemeClr>
+    </dgm:linClrLst>
+    <dgm:effectClrLst/>
+    <dgm:txLinClrLst/>
+    <dgm:txFillClrLst meth="repeat">
+      <a:schemeClr val="dk1"/>
+    </dgm:txFillClrLst>
+    <dgm:txEffectClrLst/>
+  </dgm:styleLbl>
+  <dgm:styleLbl name="bgAccFollowNode1">
+    <dgm:fillClrLst>
+      <a:schemeClr val="accent5">
+        <a:tint val="40000"/>
+        <a:alpha val="90000"/>
+      </a:schemeClr>
+      <a:schemeClr val="accent6">
+        <a:tint val="40000"/>
+        <a:alpha val="90000"/>
+      </a:schemeClr>
+    </dgm:fillClrLst>
+    <dgm:linClrLst>
+      <a:schemeClr val="accent5">
+        <a:tint val="40000"/>
+        <a:alpha val="90000"/>
+      </a:schemeClr>
+      <a:schemeClr val="accent6">
+        <a:tint val="40000"/>
+        <a:alpha val="90000"/>
+      </a:schemeClr>
+    </dgm:linClrLst>
+    <dgm:effectClrLst/>
+    <dgm:txLinClrLst/>
+    <dgm:txFillClrLst meth="repeat">
+      <a:schemeClr val="dk1"/>
+    </dgm:txFillClrLst>
+    <dgm:txEffectClrLst/>
+  </dgm:styleLbl>
+  <dgm:styleLbl name="fgAcc0">
+    <dgm:fillClrLst meth="repeat">
+      <a:schemeClr val="lt1">
+        <a:alpha val="90000"/>
+      </a:schemeClr>
+    </dgm:fillClrLst>
+    <dgm:linClrLst>
+      <a:schemeClr val="accent4"/>
+    </dgm:linClrLst>
+    <dgm:effectClrLst/>
+    <dgm:txLinClrLst/>
+    <dgm:txFillClrLst meth="repeat">
+      <a:schemeClr val="dk1"/>
+    </dgm:txFillClrLst>
+    <dgm:txEffectClrLst/>
+  </dgm:styleLbl>
+  <dgm:styleLbl name="fgAcc2">
+    <dgm:fillClrLst meth="repeat">
+      <a:schemeClr val="lt1">
+        <a:alpha val="90000"/>
+      </a:schemeClr>
+    </dgm:fillClrLst>
+    <dgm:linClrLst>
+      <a:schemeClr val="accent6"/>
+    </dgm:linClrLst>
+    <dgm:effectClrLst/>
+    <dgm:txLinClrLst/>
+    <dgm:txFillClrLst meth="repeat">
+      <a:schemeClr val="dk1"/>
+    </dgm:txFillClrLst>
+    <dgm:txEffectClrLst/>
+  </dgm:styleLbl>
+  <dgm:styleLbl name="fgAcc3">
+    <dgm:fillClrLst meth="repeat">
+      <a:schemeClr val="lt1">
+        <a:alpha val="90000"/>
+      </a:schemeClr>
+    </dgm:fillClrLst>
+    <dgm:linClrLst>
+      <a:schemeClr val="accent1"/>
+    </dgm:linClrLst>
+    <dgm:effectClrLst/>
+    <dgm:txLinClrLst/>
+    <dgm:txFillClrLst meth="repeat">
+      <a:schemeClr val="dk1"/>
+    </dgm:txFillClrLst>
+    <dgm:txEffectClrLst/>
+  </dgm:styleLbl>
+  <dgm:styleLbl name="fgAcc4">
+    <dgm:fillClrLst meth="repeat">
+      <a:schemeClr val="lt1">
+        <a:alpha val="90000"/>
+      </a:schemeClr>
+    </dgm:fillClrLst>
+    <dgm:linClrLst>
+      <a:schemeClr val="accent2"/>
+    </dgm:linClrLst>
+    <dgm:effectClrLst/>
+    <dgm:txLinClrLst/>
+    <dgm:txFillClrLst meth="repeat">
+      <a:schemeClr val="dk1"/>
+    </dgm:txFillClrLst>
+    <dgm:txEffectClrLst/>
+  </dgm:styleLbl>
+  <dgm:styleLbl name="bgShp">
+    <dgm:fillClrLst meth="repeat">
+      <a:schemeClr val="accent5">
+        <a:tint val="40000"/>
+      </a:schemeClr>
+    </dgm:fillClrLst>
+    <dgm:linClrLst meth="repeat">
+      <a:schemeClr val="dk1"/>
+    </dgm:linClrLst>
+    <dgm:effectClrLst/>
+    <dgm:txLinClrLst/>
+    <dgm:txFillClrLst meth="repeat">
+      <a:schemeClr val="dk1"/>
+    </dgm:txFillClrLst>
+    <dgm:txEffectClrLst/>
+  </dgm:styleLbl>
+  <dgm:styleLbl name="dkBgShp">
+    <dgm:fillClrLst meth="repeat">
+      <a:schemeClr val="accent5">
+        <a:shade val="90000"/>
+      </a:schemeClr>
+    </dgm:fillClrLst>
+    <dgm:linClrLst meth="repeat">
+      <a:schemeClr val="dk1"/>
+    </dgm:linClrLst>
+    <dgm:effectClrLst/>
+    <dgm:txLinClrLst/>
+    <dgm:txFillClrLst meth="repeat">
+      <a:schemeClr val="lt1"/>
+    </dgm:txFillClrLst>
+    <dgm:txEffectClrLst/>
+  </dgm:styleLbl>
+  <dgm:styleLbl name="trBgShp">
+    <dgm:fillClrLst meth="repeat">
+      <a:schemeClr val="accent5">
+        <a:tint val="50000"/>
+        <a:alpha val="40000"/>
+      </a:schemeClr>
+    </dgm:fillClrLst>
+    <dgm:linClrLst meth="repeat">
+      <a:schemeClr val="accent5"/>
+    </dgm:linClrLst>
+    <dgm:effectClrLst/>
+    <dgm:txLinClrLst/>
+    <dgm:txFillClrLst meth="repeat">
+      <a:schemeClr val="lt1"/>
+    </dgm:txFillClrLst>
+    <dgm:txEffectClrLst/>
+  </dgm:styleLbl>
+  <dgm:styleLbl name="fgShp">
+    <dgm:fillClrLst meth="repeat">
+      <a:schemeClr val="accent5">
+        <a:tint val="40000"/>
+      </a:schemeClr>
+    </dgm:fillClrLst>
+    <dgm:linClrLst meth="repeat">
+      <a:schemeClr val="lt1"/>
+    </dgm:linClrLst>
+    <dgm:effectClrLst/>
+    <dgm:txLinClrLst/>
+    <dgm:txFillClrLst meth="repeat">
+      <a:schemeClr val="dk1"/>
+    </dgm:txFillClrLst>
+    <dgm:txEffectClrLst/>
+  </dgm:styleLbl>
+  <dgm:styleLbl name="revTx">
+    <dgm:fillClrLst meth="repeat">
+      <a:schemeClr val="lt1">
+        <a:alpha val="0"/>
+      </a:schemeClr>
+    </dgm:fillClrLst>
+    <dgm:linClrLst meth="repeat">
+      <a:schemeClr val="dk1">
+        <a:alpha val="0"/>
+      </a:schemeClr>
+    </dgm:linClrLst>
+    <dgm:effectClrLst/>
+    <dgm:txLinClrLst/>
+    <dgm:txFillClrLst meth="repeat">
+      <a:schemeClr val="tx1"/>
+    </dgm:txFillClrLst>
+    <dgm:txEffectClrLst/>
+  </dgm:styleLbl>
+</dgm:colorsDef>
+</file>
+
+<file path=ppt/diagrams/data1.xml><?xml version="1.0" encoding="utf-8"?>
+<dgm:dataModel xmlns:dgm="http://schemas.openxmlformats.org/drawingml/2006/diagram" xmlns:a="http://schemas.openxmlformats.org/drawingml/2006/main">
+  <dgm:ptLst>
+    <dgm:pt modelId="{A845F36F-30CC-4199-8E1A-54248063F77F}" type="doc">
+      <dgm:prSet loTypeId="urn:microsoft.com/office/officeart/2005/8/layout/chevron2" loCatId="process" qsTypeId="urn:microsoft.com/office/officeart/2005/8/quickstyle/simple1" qsCatId="simple" csTypeId="urn:microsoft.com/office/officeart/2005/8/colors/colorful5" csCatId="colorful" phldr="1"/>
+      <dgm:spPr/>
+    </dgm:pt>
+    <dgm:pt modelId="{541B621A-F318-4799-B44C-94D64E982E25}">
+      <dgm:prSet phldrT="[Text]" custT="1"/>
+      <dgm:spPr/>
+      <dgm:t>
+        <a:bodyPr/>
+        <a:lstStyle/>
+        <a:p>
+          <a:r>
+            <a:rPr lang="de-DE" sz="2000" b="1" smtClean="0"/>
+            <a:t>Feature Extraction</a:t>
+          </a:r>
+          <a:endParaRPr lang="de-DE" sz="2000" b="1" dirty="0"/>
+        </a:p>
+      </dgm:t>
+    </dgm:pt>
+    <dgm:pt modelId="{6A27DC28-A4FE-42ED-8D14-ECAE6A671CE0}" type="sibTrans" cxnId="{E3945B01-FCFD-45CF-A4D6-A28FB7D47DB7}">
+      <dgm:prSet/>
+      <dgm:spPr/>
+      <dgm:t>
+        <a:bodyPr/>
+        <a:lstStyle/>
+        <a:p>
+          <a:endParaRPr lang="de-DE"/>
+        </a:p>
+      </dgm:t>
+    </dgm:pt>
+    <dgm:pt modelId="{7DA0A342-8CF4-4644-B2EE-93DF4BDCEA4C}" type="parTrans" cxnId="{E3945B01-FCFD-45CF-A4D6-A28FB7D47DB7}">
+      <dgm:prSet/>
+      <dgm:spPr/>
+      <dgm:t>
+        <a:bodyPr/>
+        <a:lstStyle/>
+        <a:p>
+          <a:endParaRPr lang="de-DE"/>
+        </a:p>
+      </dgm:t>
+    </dgm:pt>
+    <dgm:pt modelId="{6B92CBE7-E902-444D-AE52-E860F2FCD728}">
+      <dgm:prSet phldrT="[Text]" custT="1"/>
+      <dgm:spPr/>
+      <dgm:t>
+        <a:bodyPr/>
+        <a:lstStyle/>
+        <a:p>
+          <a:r>
+            <a:rPr lang="de-DE" sz="2000" b="1" smtClean="0"/>
+            <a:t>Data Acquisition</a:t>
+          </a:r>
+          <a:endParaRPr lang="de-DE" sz="2000" b="1" dirty="0"/>
+        </a:p>
+      </dgm:t>
+    </dgm:pt>
+    <dgm:pt modelId="{4DE79FA1-C7AF-492E-95C1-FA5893C46F58}" type="parTrans" cxnId="{E25EF656-E91D-4B71-8114-8BB43E720F86}">
+      <dgm:prSet/>
+      <dgm:spPr/>
+      <dgm:t>
+        <a:bodyPr/>
+        <a:lstStyle/>
+        <a:p>
+          <a:endParaRPr lang="de-DE"/>
+        </a:p>
+      </dgm:t>
+    </dgm:pt>
+    <dgm:pt modelId="{9D4A27C7-10E3-4CED-904E-F34E4CBCDAD2}" type="sibTrans" cxnId="{E25EF656-E91D-4B71-8114-8BB43E720F86}">
+      <dgm:prSet/>
+      <dgm:spPr/>
+      <dgm:t>
+        <a:bodyPr/>
+        <a:lstStyle/>
+        <a:p>
+          <a:endParaRPr lang="de-DE"/>
+        </a:p>
+      </dgm:t>
+    </dgm:pt>
+    <dgm:pt modelId="{413350AB-9F93-41E0-8970-40018F35EE75}">
+      <dgm:prSet phldrT="[Text]" custT="1"/>
+      <dgm:spPr/>
+      <dgm:t>
+        <a:bodyPr/>
+        <a:lstStyle/>
+        <a:p>
+          <a:endParaRPr lang="de-DE" sz="2000" b="1" dirty="0">
+            <a:solidFill>
+              <a:schemeClr val="bg1"/>
+            </a:solidFill>
+          </a:endParaRPr>
+        </a:p>
+      </dgm:t>
+    </dgm:pt>
+    <dgm:pt modelId="{56425014-3B7D-4F39-B72F-E8FA71C9C4BA}" type="parTrans" cxnId="{0B6F3640-AF25-4A9B-84AD-3B93F9B386F6}">
+      <dgm:prSet/>
+      <dgm:spPr/>
+      <dgm:t>
+        <a:bodyPr/>
+        <a:lstStyle/>
+        <a:p>
+          <a:endParaRPr lang="de-DE"/>
+        </a:p>
+      </dgm:t>
+    </dgm:pt>
+    <dgm:pt modelId="{4342373A-4CA9-44C9-AE5D-0295F535E961}" type="sibTrans" cxnId="{0B6F3640-AF25-4A9B-84AD-3B93F9B386F6}">
+      <dgm:prSet/>
+      <dgm:spPr/>
+      <dgm:t>
+        <a:bodyPr/>
+        <a:lstStyle/>
+        <a:p>
+          <a:endParaRPr lang="de-DE"/>
+        </a:p>
+      </dgm:t>
+    </dgm:pt>
+    <dgm:pt modelId="{C654C476-F2BC-4F28-A196-F009235CD57C}">
+      <dgm:prSet phldrT="[Text]" custT="1"/>
+      <dgm:spPr/>
+      <dgm:t>
+        <a:bodyPr/>
+        <a:lstStyle/>
+        <a:p>
+          <a:r>
+            <a:rPr lang="de-DE" sz="2000" b="1" dirty="0" err="1" smtClean="0"/>
+            <a:t>Preprocessing</a:t>
+          </a:r>
+          <a:endParaRPr lang="de-DE" sz="2000" b="1" dirty="0"/>
+        </a:p>
+      </dgm:t>
+    </dgm:pt>
+    <dgm:pt modelId="{522EB042-FE23-4E62-8615-EEDC33755027}" type="parTrans" cxnId="{F0869BAC-565C-4D45-A16A-9861C6E6D191}">
+      <dgm:prSet/>
+      <dgm:spPr/>
+      <dgm:t>
+        <a:bodyPr/>
+        <a:lstStyle/>
+        <a:p>
+          <a:endParaRPr lang="de-DE"/>
+        </a:p>
+      </dgm:t>
+    </dgm:pt>
+    <dgm:pt modelId="{76E23FF4-9F31-41EE-9CB3-670015BB8A83}" type="sibTrans" cxnId="{F0869BAC-565C-4D45-A16A-9861C6E6D191}">
+      <dgm:prSet/>
+      <dgm:spPr/>
+      <dgm:t>
+        <a:bodyPr/>
+        <a:lstStyle/>
+        <a:p>
+          <a:endParaRPr lang="de-DE"/>
+        </a:p>
+      </dgm:t>
+    </dgm:pt>
+    <dgm:pt modelId="{BCFD4DBA-ED5D-494C-8FF1-59E4C902FD9C}">
+      <dgm:prSet phldrT="[Text]" custT="1"/>
+      <dgm:spPr/>
+      <dgm:t>
+        <a:bodyPr/>
+        <a:lstStyle/>
+        <a:p>
+          <a:endParaRPr lang="de-DE" sz="2000" b="1" dirty="0">
+            <a:solidFill>
+              <a:schemeClr val="bg1"/>
+            </a:solidFill>
+          </a:endParaRPr>
+        </a:p>
+      </dgm:t>
+    </dgm:pt>
+    <dgm:pt modelId="{D4513B5B-94ED-4D11-BC47-4E3E64D98443}" type="parTrans" cxnId="{5CA89E96-E248-4A3D-A102-79743578314D}">
+      <dgm:prSet/>
+      <dgm:spPr/>
+      <dgm:t>
+        <a:bodyPr/>
+        <a:lstStyle/>
+        <a:p>
+          <a:endParaRPr lang="de-DE"/>
+        </a:p>
+      </dgm:t>
+    </dgm:pt>
+    <dgm:pt modelId="{D6388B87-C3A7-4CD8-AB3A-64852C3E9322}" type="sibTrans" cxnId="{5CA89E96-E248-4A3D-A102-79743578314D}">
+      <dgm:prSet/>
+      <dgm:spPr/>
+      <dgm:t>
+        <a:bodyPr/>
+        <a:lstStyle/>
+        <a:p>
+          <a:endParaRPr lang="de-DE"/>
+        </a:p>
+      </dgm:t>
+    </dgm:pt>
+    <dgm:pt modelId="{AC671DB7-A9FD-4672-932A-69B9E15B58DE}">
+      <dgm:prSet phldrT="[Text]" custT="1"/>
+      <dgm:spPr/>
+      <dgm:t>
+        <a:bodyPr/>
+        <a:lstStyle/>
+        <a:p>
+          <a:endParaRPr lang="de-DE" sz="2000" b="1" dirty="0">
+            <a:solidFill>
+              <a:schemeClr val="bg1"/>
+            </a:solidFill>
+          </a:endParaRPr>
+        </a:p>
+      </dgm:t>
+    </dgm:pt>
+    <dgm:pt modelId="{3D220C18-1CB4-40BE-AEF1-89D4E102711E}" type="parTrans" cxnId="{F715B01A-5C04-4447-990A-EB6CEAAECFB3}">
+      <dgm:prSet/>
+      <dgm:spPr/>
+      <dgm:t>
+        <a:bodyPr/>
+        <a:lstStyle/>
+        <a:p>
+          <a:endParaRPr lang="de-DE"/>
+        </a:p>
+      </dgm:t>
+    </dgm:pt>
+    <dgm:pt modelId="{5F830E5E-FA51-4251-86BA-7F256313EEA7}" type="sibTrans" cxnId="{F715B01A-5C04-4447-990A-EB6CEAAECFB3}">
+      <dgm:prSet/>
+      <dgm:spPr/>
+      <dgm:t>
+        <a:bodyPr/>
+        <a:lstStyle/>
+        <a:p>
+          <a:endParaRPr lang="de-DE"/>
+        </a:p>
+      </dgm:t>
+    </dgm:pt>
+    <dgm:pt modelId="{C37C915D-7028-488B-8229-58693C3F1620}">
+      <dgm:prSet phldrT="[Text]" custT="1"/>
+      <dgm:spPr/>
+      <dgm:t>
+        <a:bodyPr/>
+        <a:lstStyle/>
+        <a:p>
+          <a:endParaRPr lang="de-DE" sz="2000" b="1" dirty="0">
+            <a:solidFill>
+              <a:schemeClr val="bg1"/>
+            </a:solidFill>
+          </a:endParaRPr>
+        </a:p>
+      </dgm:t>
+    </dgm:pt>
+    <dgm:pt modelId="{B2047586-CFFF-4057-B845-3DDDDC0851C5}" type="parTrans" cxnId="{A63358DF-6267-4B60-BBCA-206B169C23EE}">
+      <dgm:prSet/>
+      <dgm:spPr/>
+      <dgm:t>
+        <a:bodyPr/>
+        <a:lstStyle/>
+        <a:p>
+          <a:endParaRPr lang="de-DE"/>
+        </a:p>
+      </dgm:t>
+    </dgm:pt>
+    <dgm:pt modelId="{C429D1C5-E23D-4EAE-8316-F7176599AE3F}" type="sibTrans" cxnId="{A63358DF-6267-4B60-BBCA-206B169C23EE}">
+      <dgm:prSet/>
+      <dgm:spPr/>
+      <dgm:t>
+        <a:bodyPr/>
+        <a:lstStyle/>
+        <a:p>
+          <a:endParaRPr lang="de-DE"/>
+        </a:p>
+      </dgm:t>
+    </dgm:pt>
+    <dgm:pt modelId="{EF10002A-AE70-43EB-95FD-01D393D1B149}">
+      <dgm:prSet phldrT="[Text]" custT="1"/>
+      <dgm:spPr/>
+      <dgm:t>
+        <a:bodyPr/>
+        <a:lstStyle/>
+        <a:p>
+          <a:r>
+            <a:rPr lang="de-DE" sz="2000" b="1" dirty="0" err="1" smtClean="0"/>
+            <a:t>Postprocessing</a:t>
+          </a:r>
+          <a:endParaRPr lang="de-DE" sz="2000" b="1" dirty="0"/>
+        </a:p>
+      </dgm:t>
+    </dgm:pt>
+    <dgm:pt modelId="{5E6D3100-C56F-4DD9-858F-F059F62EF7E9}" type="parTrans" cxnId="{924F3FCC-4469-4E8D-81B6-35EB4E71A37E}">
+      <dgm:prSet/>
+      <dgm:spPr/>
+      <dgm:t>
+        <a:bodyPr/>
+        <a:lstStyle/>
+        <a:p>
+          <a:endParaRPr lang="de-DE"/>
+        </a:p>
+      </dgm:t>
+    </dgm:pt>
+    <dgm:pt modelId="{7663D679-0B55-4CD4-BA2E-FED6EF3E874B}" type="sibTrans" cxnId="{924F3FCC-4469-4E8D-81B6-35EB4E71A37E}">
+      <dgm:prSet/>
+      <dgm:spPr/>
+      <dgm:t>
+        <a:bodyPr/>
+        <a:lstStyle/>
+        <a:p>
+          <a:endParaRPr lang="de-DE"/>
+        </a:p>
+      </dgm:t>
+    </dgm:pt>
+    <dgm:pt modelId="{6B8236A5-3549-4C03-8FDB-CDAE0B620C58}">
+      <dgm:prSet phldrT="[Text]" custT="1"/>
+      <dgm:spPr/>
+      <dgm:t>
+        <a:bodyPr/>
+        <a:lstStyle/>
+        <a:p>
+          <a:r>
+            <a:rPr lang="de-DE" sz="2000" b="1" smtClean="0"/>
+            <a:t>Classification &amp; Comparison</a:t>
+          </a:r>
+          <a:endParaRPr lang="de-DE" sz="2000" b="1" dirty="0"/>
+        </a:p>
+      </dgm:t>
+    </dgm:pt>
+    <dgm:pt modelId="{C18CD82F-E98B-45AF-8393-E1FFC9C20443}" type="parTrans" cxnId="{BFE40FE6-5E01-488B-A872-FC83461B7C0A}">
+      <dgm:prSet/>
+      <dgm:spPr/>
+      <dgm:t>
+        <a:bodyPr/>
+        <a:lstStyle/>
+        <a:p>
+          <a:endParaRPr lang="de-DE"/>
+        </a:p>
+      </dgm:t>
+    </dgm:pt>
+    <dgm:pt modelId="{D7936AEE-5466-42F9-A8C3-9FAAB478F0F5}" type="sibTrans" cxnId="{BFE40FE6-5E01-488B-A872-FC83461B7C0A}">
+      <dgm:prSet/>
+      <dgm:spPr/>
+      <dgm:t>
+        <a:bodyPr/>
+        <a:lstStyle/>
+        <a:p>
+          <a:endParaRPr lang="de-DE"/>
+        </a:p>
+      </dgm:t>
+    </dgm:pt>
+    <dgm:pt modelId="{B7DE9923-7F86-424A-BB28-0EA2A1F2D607}">
+      <dgm:prSet phldrT="[Text]" custT="1"/>
+      <dgm:spPr/>
+      <dgm:t>
+        <a:bodyPr/>
+        <a:lstStyle/>
+        <a:p>
+          <a:endParaRPr lang="de-DE" sz="2000" b="1" dirty="0">
+            <a:solidFill>
+              <a:schemeClr val="bg1"/>
+            </a:solidFill>
+          </a:endParaRPr>
+        </a:p>
+      </dgm:t>
+    </dgm:pt>
+    <dgm:pt modelId="{5146309B-2A4F-4C27-8C73-E7E556E74B94}" type="parTrans" cxnId="{FB9011BB-DE27-4F1B-8A47-0E5CA6C51F52}">
+      <dgm:prSet/>
+      <dgm:spPr/>
+      <dgm:t>
+        <a:bodyPr/>
+        <a:lstStyle/>
+        <a:p>
+          <a:endParaRPr lang="de-DE"/>
+        </a:p>
+      </dgm:t>
+    </dgm:pt>
+    <dgm:pt modelId="{10BE0DD1-6920-44CF-A8F5-E414A207AC73}" type="sibTrans" cxnId="{FB9011BB-DE27-4F1B-8A47-0E5CA6C51F52}">
+      <dgm:prSet/>
+      <dgm:spPr/>
+      <dgm:t>
+        <a:bodyPr/>
+        <a:lstStyle/>
+        <a:p>
+          <a:endParaRPr lang="de-DE"/>
+        </a:p>
+      </dgm:t>
+    </dgm:pt>
+    <dgm:pt modelId="{9B86C69D-6A6C-436C-BB0E-E3CD192C9631}" type="pres">
+      <dgm:prSet presAssocID="{A845F36F-30CC-4199-8E1A-54248063F77F}" presName="linearFlow" presStyleCnt="0">
+        <dgm:presLayoutVars>
+          <dgm:dir/>
+          <dgm:animLvl val="lvl"/>
+          <dgm:resizeHandles val="exact"/>
+        </dgm:presLayoutVars>
+      </dgm:prSet>
+      <dgm:spPr/>
+    </dgm:pt>
+    <dgm:pt modelId="{BB437D99-03E5-49F7-AF6C-9C4ECF33DE10}" type="pres">
+      <dgm:prSet presAssocID="{413350AB-9F93-41E0-8970-40018F35EE75}" presName="composite" presStyleCnt="0"/>
+      <dgm:spPr/>
+    </dgm:pt>
+    <dgm:pt modelId="{1334A13D-F0E4-4DE2-8A9E-AFAB9739D856}" type="pres">
+      <dgm:prSet presAssocID="{413350AB-9F93-41E0-8970-40018F35EE75}" presName="parentText" presStyleLbl="alignNode1" presStyleIdx="0" presStyleCnt="5">
+        <dgm:presLayoutVars>
+          <dgm:chMax val="1"/>
+          <dgm:bulletEnabled val="1"/>
+        </dgm:presLayoutVars>
+      </dgm:prSet>
+      <dgm:spPr/>
+    </dgm:pt>
+    <dgm:pt modelId="{345B9379-9D00-4E9A-88A0-9A89A90705D4}" type="pres">
+      <dgm:prSet presAssocID="{413350AB-9F93-41E0-8970-40018F35EE75}" presName="descendantText" presStyleLbl="alignAcc1" presStyleIdx="0" presStyleCnt="5">
+        <dgm:presLayoutVars>
+          <dgm:bulletEnabled val="1"/>
+        </dgm:presLayoutVars>
+      </dgm:prSet>
+      <dgm:spPr/>
+    </dgm:pt>
+    <dgm:pt modelId="{F33E56CC-5361-4766-A5DE-F4C0A08E9C58}" type="pres">
+      <dgm:prSet presAssocID="{4342373A-4CA9-44C9-AE5D-0295F535E961}" presName="sp" presStyleCnt="0"/>
+      <dgm:spPr/>
+    </dgm:pt>
+    <dgm:pt modelId="{AF25E257-2AB9-49CC-B6A8-223EEE2E23A6}" type="pres">
+      <dgm:prSet presAssocID="{BCFD4DBA-ED5D-494C-8FF1-59E4C902FD9C}" presName="composite" presStyleCnt="0"/>
+      <dgm:spPr/>
+    </dgm:pt>
+    <dgm:pt modelId="{AE6372F7-3A8A-4D6C-96A6-F6C12593CB6B}" type="pres">
+      <dgm:prSet presAssocID="{BCFD4DBA-ED5D-494C-8FF1-59E4C902FD9C}" presName="parentText" presStyleLbl="alignNode1" presStyleIdx="1" presStyleCnt="5">
+        <dgm:presLayoutVars>
+          <dgm:chMax val="1"/>
+          <dgm:bulletEnabled val="1"/>
+        </dgm:presLayoutVars>
+      </dgm:prSet>
+      <dgm:spPr/>
+    </dgm:pt>
+    <dgm:pt modelId="{5B7B2730-1446-4684-BEFF-3FBDAD6B338F}" type="pres">
+      <dgm:prSet presAssocID="{BCFD4DBA-ED5D-494C-8FF1-59E4C902FD9C}" presName="descendantText" presStyleLbl="alignAcc1" presStyleIdx="1" presStyleCnt="5">
+        <dgm:presLayoutVars>
+          <dgm:bulletEnabled val="1"/>
+        </dgm:presLayoutVars>
+      </dgm:prSet>
+      <dgm:spPr/>
+      <dgm:t>
+        <a:bodyPr/>
+        <a:lstStyle/>
+        <a:p>
+          <a:endParaRPr lang="de-DE"/>
+        </a:p>
+      </dgm:t>
+    </dgm:pt>
+    <dgm:pt modelId="{CB041CFB-3EA2-4954-83B3-8A3C767C3F4C}" type="pres">
+      <dgm:prSet presAssocID="{D6388B87-C3A7-4CD8-AB3A-64852C3E9322}" presName="sp" presStyleCnt="0"/>
+      <dgm:spPr/>
+    </dgm:pt>
+    <dgm:pt modelId="{CA1F09AE-8281-4963-8E73-90E76A380017}" type="pres">
+      <dgm:prSet presAssocID="{AC671DB7-A9FD-4672-932A-69B9E15B58DE}" presName="composite" presStyleCnt="0"/>
+      <dgm:spPr/>
+    </dgm:pt>
+    <dgm:pt modelId="{5B19FEF8-CAC6-4574-A67E-C952F588D0D2}" type="pres">
+      <dgm:prSet presAssocID="{AC671DB7-A9FD-4672-932A-69B9E15B58DE}" presName="parentText" presStyleLbl="alignNode1" presStyleIdx="2" presStyleCnt="5">
+        <dgm:presLayoutVars>
+          <dgm:chMax val="1"/>
+          <dgm:bulletEnabled val="1"/>
+        </dgm:presLayoutVars>
+      </dgm:prSet>
+      <dgm:spPr/>
+    </dgm:pt>
+    <dgm:pt modelId="{1E11BB37-4ACE-4054-B12B-3C4A8C3C2DE1}" type="pres">
+      <dgm:prSet presAssocID="{AC671DB7-A9FD-4672-932A-69B9E15B58DE}" presName="descendantText" presStyleLbl="alignAcc1" presStyleIdx="2" presStyleCnt="5">
+        <dgm:presLayoutVars>
+          <dgm:bulletEnabled val="1"/>
+        </dgm:presLayoutVars>
+      </dgm:prSet>
+      <dgm:spPr/>
+      <dgm:t>
+        <a:bodyPr/>
+        <a:lstStyle/>
+        <a:p>
+          <a:endParaRPr lang="de-DE"/>
+        </a:p>
+      </dgm:t>
+    </dgm:pt>
+    <dgm:pt modelId="{0F5AD38D-2C84-4827-A69D-67A29470DBCD}" type="pres">
+      <dgm:prSet presAssocID="{5F830E5E-FA51-4251-86BA-7F256313EEA7}" presName="sp" presStyleCnt="0"/>
+      <dgm:spPr/>
+    </dgm:pt>
+    <dgm:pt modelId="{4864392A-A877-494E-9BC7-44B127F8CB77}" type="pres">
+      <dgm:prSet presAssocID="{C37C915D-7028-488B-8229-58693C3F1620}" presName="composite" presStyleCnt="0"/>
+      <dgm:spPr/>
+    </dgm:pt>
+    <dgm:pt modelId="{30F5BBE5-D1A3-4709-899F-FD47840A8E3C}" type="pres">
+      <dgm:prSet presAssocID="{C37C915D-7028-488B-8229-58693C3F1620}" presName="parentText" presStyleLbl="alignNode1" presStyleIdx="3" presStyleCnt="5">
+        <dgm:presLayoutVars>
+          <dgm:chMax val="1"/>
+          <dgm:bulletEnabled val="1"/>
+        </dgm:presLayoutVars>
+      </dgm:prSet>
+      <dgm:spPr/>
+    </dgm:pt>
+    <dgm:pt modelId="{5802484E-802E-4043-8A1D-54A7F465DEB9}" type="pres">
+      <dgm:prSet presAssocID="{C37C915D-7028-488B-8229-58693C3F1620}" presName="descendantText" presStyleLbl="alignAcc1" presStyleIdx="3" presStyleCnt="5">
+        <dgm:presLayoutVars>
+          <dgm:bulletEnabled val="1"/>
+        </dgm:presLayoutVars>
+      </dgm:prSet>
+      <dgm:spPr/>
+      <dgm:t>
+        <a:bodyPr/>
+        <a:lstStyle/>
+        <a:p>
+          <a:endParaRPr lang="de-DE"/>
+        </a:p>
+      </dgm:t>
+    </dgm:pt>
+    <dgm:pt modelId="{7E6CED2D-74F1-410A-8D7F-7DB858DCE010}" type="pres">
+      <dgm:prSet presAssocID="{C429D1C5-E23D-4EAE-8316-F7176599AE3F}" presName="sp" presStyleCnt="0"/>
+      <dgm:spPr/>
+    </dgm:pt>
+    <dgm:pt modelId="{C1BDC3B8-AC96-4867-ADEC-3E4585FB9C7F}" type="pres">
+      <dgm:prSet presAssocID="{B7DE9923-7F86-424A-BB28-0EA2A1F2D607}" presName="composite" presStyleCnt="0"/>
+      <dgm:spPr/>
+    </dgm:pt>
+    <dgm:pt modelId="{984D793E-AD9F-4B17-B501-63C694295D4E}" type="pres">
+      <dgm:prSet presAssocID="{B7DE9923-7F86-424A-BB28-0EA2A1F2D607}" presName="parentText" presStyleLbl="alignNode1" presStyleIdx="4" presStyleCnt="5">
+        <dgm:presLayoutVars>
+          <dgm:chMax val="1"/>
+          <dgm:bulletEnabled val="1"/>
+        </dgm:presLayoutVars>
+      </dgm:prSet>
+      <dgm:spPr/>
+    </dgm:pt>
+    <dgm:pt modelId="{D532A752-33EF-4B19-87F3-BBFC8B2AEF58}" type="pres">
+      <dgm:prSet presAssocID="{B7DE9923-7F86-424A-BB28-0EA2A1F2D607}" presName="descendantText" presStyleLbl="alignAcc1" presStyleIdx="4" presStyleCnt="5">
+        <dgm:presLayoutVars>
+          <dgm:bulletEnabled val="1"/>
+        </dgm:presLayoutVars>
+      </dgm:prSet>
+      <dgm:spPr/>
+    </dgm:pt>
+  </dgm:ptLst>
+  <dgm:cxnLst>
+    <dgm:cxn modelId="{F2C20B38-0CDB-4C8D-8FB1-89779046A150}" type="presOf" srcId="{AC671DB7-A9FD-4672-932A-69B9E15B58DE}" destId="{5B19FEF8-CAC6-4574-A67E-C952F588D0D2}" srcOrd="0" destOrd="0" presId="urn:microsoft.com/office/officeart/2005/8/layout/chevron2"/>
+    <dgm:cxn modelId="{59505865-74A2-4126-8485-D013010EE329}" type="presOf" srcId="{EF10002A-AE70-43EB-95FD-01D393D1B149}" destId="{5802484E-802E-4043-8A1D-54A7F465DEB9}" srcOrd="0" destOrd="0" presId="urn:microsoft.com/office/officeart/2005/8/layout/chevron2"/>
+    <dgm:cxn modelId="{BFE40FE6-5E01-488B-A872-FC83461B7C0A}" srcId="{B7DE9923-7F86-424A-BB28-0EA2A1F2D607}" destId="{6B8236A5-3549-4C03-8FDB-CDAE0B620C58}" srcOrd="0" destOrd="0" parTransId="{C18CD82F-E98B-45AF-8393-E1FFC9C20443}" sibTransId="{D7936AEE-5466-42F9-A8C3-9FAAB478F0F5}"/>
+    <dgm:cxn modelId="{F715B01A-5C04-4447-990A-EB6CEAAECFB3}" srcId="{A845F36F-30CC-4199-8E1A-54248063F77F}" destId="{AC671DB7-A9FD-4672-932A-69B9E15B58DE}" srcOrd="2" destOrd="0" parTransId="{3D220C18-1CB4-40BE-AEF1-89D4E102711E}" sibTransId="{5F830E5E-FA51-4251-86BA-7F256313EEA7}"/>
+    <dgm:cxn modelId="{FB9011BB-DE27-4F1B-8A47-0E5CA6C51F52}" srcId="{A845F36F-30CC-4199-8E1A-54248063F77F}" destId="{B7DE9923-7F86-424A-BB28-0EA2A1F2D607}" srcOrd="4" destOrd="0" parTransId="{5146309B-2A4F-4C27-8C73-E7E556E74B94}" sibTransId="{10BE0DD1-6920-44CF-A8F5-E414A207AC73}"/>
+    <dgm:cxn modelId="{5CA89E96-E248-4A3D-A102-79743578314D}" srcId="{A845F36F-30CC-4199-8E1A-54248063F77F}" destId="{BCFD4DBA-ED5D-494C-8FF1-59E4C902FD9C}" srcOrd="1" destOrd="0" parTransId="{D4513B5B-94ED-4D11-BC47-4E3E64D98443}" sibTransId="{D6388B87-C3A7-4CD8-AB3A-64852C3E9322}"/>
+    <dgm:cxn modelId="{393133DC-A419-4655-8DC2-65ABB260B134}" type="presOf" srcId="{541B621A-F318-4799-B44C-94D64E982E25}" destId="{1E11BB37-4ACE-4054-B12B-3C4A8C3C2DE1}" srcOrd="0" destOrd="0" presId="urn:microsoft.com/office/officeart/2005/8/layout/chevron2"/>
+    <dgm:cxn modelId="{0B6F3640-AF25-4A9B-84AD-3B93F9B386F6}" srcId="{A845F36F-30CC-4199-8E1A-54248063F77F}" destId="{413350AB-9F93-41E0-8970-40018F35EE75}" srcOrd="0" destOrd="0" parTransId="{56425014-3B7D-4F39-B72F-E8FA71C9C4BA}" sibTransId="{4342373A-4CA9-44C9-AE5D-0295F535E961}"/>
+    <dgm:cxn modelId="{55EADAD0-4AE6-4EA2-ACC4-3695A5EDDE52}" type="presOf" srcId="{BCFD4DBA-ED5D-494C-8FF1-59E4C902FD9C}" destId="{AE6372F7-3A8A-4D6C-96A6-F6C12593CB6B}" srcOrd="0" destOrd="0" presId="urn:microsoft.com/office/officeart/2005/8/layout/chevron2"/>
+    <dgm:cxn modelId="{1ABB9F0B-0C01-4C23-B446-C7EBAA83C03B}" type="presOf" srcId="{413350AB-9F93-41E0-8970-40018F35EE75}" destId="{1334A13D-F0E4-4DE2-8A9E-AFAB9739D856}" srcOrd="0" destOrd="0" presId="urn:microsoft.com/office/officeart/2005/8/layout/chevron2"/>
+    <dgm:cxn modelId="{35F7A427-4C95-4B31-A286-302FDD142FF0}" type="presOf" srcId="{A845F36F-30CC-4199-8E1A-54248063F77F}" destId="{9B86C69D-6A6C-436C-BB0E-E3CD192C9631}" srcOrd="0" destOrd="0" presId="urn:microsoft.com/office/officeart/2005/8/layout/chevron2"/>
+    <dgm:cxn modelId="{E3945B01-FCFD-45CF-A4D6-A28FB7D47DB7}" srcId="{AC671DB7-A9FD-4672-932A-69B9E15B58DE}" destId="{541B621A-F318-4799-B44C-94D64E982E25}" srcOrd="0" destOrd="0" parTransId="{7DA0A342-8CF4-4644-B2EE-93DF4BDCEA4C}" sibTransId="{6A27DC28-A4FE-42ED-8D14-ECAE6A671CE0}"/>
+    <dgm:cxn modelId="{CD64587A-07C9-42C5-AF64-BF17FD705FBE}" type="presOf" srcId="{B7DE9923-7F86-424A-BB28-0EA2A1F2D607}" destId="{984D793E-AD9F-4B17-B501-63C694295D4E}" srcOrd="0" destOrd="0" presId="urn:microsoft.com/office/officeart/2005/8/layout/chevron2"/>
+    <dgm:cxn modelId="{6EA316DC-0907-4EB9-B148-134AF127C9F9}" type="presOf" srcId="{6B8236A5-3549-4C03-8FDB-CDAE0B620C58}" destId="{D532A752-33EF-4B19-87F3-BBFC8B2AEF58}" srcOrd="0" destOrd="0" presId="urn:microsoft.com/office/officeart/2005/8/layout/chevron2"/>
+    <dgm:cxn modelId="{F0869BAC-565C-4D45-A16A-9861C6E6D191}" srcId="{BCFD4DBA-ED5D-494C-8FF1-59E4C902FD9C}" destId="{C654C476-F2BC-4F28-A196-F009235CD57C}" srcOrd="0" destOrd="0" parTransId="{522EB042-FE23-4E62-8615-EEDC33755027}" sibTransId="{76E23FF4-9F31-41EE-9CB3-670015BB8A83}"/>
+    <dgm:cxn modelId="{924F3FCC-4469-4E8D-81B6-35EB4E71A37E}" srcId="{C37C915D-7028-488B-8229-58693C3F1620}" destId="{EF10002A-AE70-43EB-95FD-01D393D1B149}" srcOrd="0" destOrd="0" parTransId="{5E6D3100-C56F-4DD9-858F-F059F62EF7E9}" sibTransId="{7663D679-0B55-4CD4-BA2E-FED6EF3E874B}"/>
+    <dgm:cxn modelId="{17D44CA2-33E2-4464-B88D-8471806CFAF9}" type="presOf" srcId="{C654C476-F2BC-4F28-A196-F009235CD57C}" destId="{5B7B2730-1446-4684-BEFF-3FBDAD6B338F}" srcOrd="0" destOrd="0" presId="urn:microsoft.com/office/officeart/2005/8/layout/chevron2"/>
+    <dgm:cxn modelId="{CD4DD00C-EDE9-4874-BFF5-BE6179EE2BDB}" type="presOf" srcId="{C37C915D-7028-488B-8229-58693C3F1620}" destId="{30F5BBE5-D1A3-4709-899F-FD47840A8E3C}" srcOrd="0" destOrd="0" presId="urn:microsoft.com/office/officeart/2005/8/layout/chevron2"/>
+    <dgm:cxn modelId="{D277E939-9CB6-4A71-B842-012727EC49BC}" type="presOf" srcId="{6B92CBE7-E902-444D-AE52-E860F2FCD728}" destId="{345B9379-9D00-4E9A-88A0-9A89A90705D4}" srcOrd="0" destOrd="0" presId="urn:microsoft.com/office/officeart/2005/8/layout/chevron2"/>
+    <dgm:cxn modelId="{A63358DF-6267-4B60-BBCA-206B169C23EE}" srcId="{A845F36F-30CC-4199-8E1A-54248063F77F}" destId="{C37C915D-7028-488B-8229-58693C3F1620}" srcOrd="3" destOrd="0" parTransId="{B2047586-CFFF-4057-B845-3DDDDC0851C5}" sibTransId="{C429D1C5-E23D-4EAE-8316-F7176599AE3F}"/>
+    <dgm:cxn modelId="{E25EF656-E91D-4B71-8114-8BB43E720F86}" srcId="{413350AB-9F93-41E0-8970-40018F35EE75}" destId="{6B92CBE7-E902-444D-AE52-E860F2FCD728}" srcOrd="0" destOrd="0" parTransId="{4DE79FA1-C7AF-492E-95C1-FA5893C46F58}" sibTransId="{9D4A27C7-10E3-4CED-904E-F34E4CBCDAD2}"/>
+    <dgm:cxn modelId="{15BE0397-8E73-46D0-B986-5DF5481A1E55}" type="presParOf" srcId="{9B86C69D-6A6C-436C-BB0E-E3CD192C9631}" destId="{BB437D99-03E5-49F7-AF6C-9C4ECF33DE10}" srcOrd="0" destOrd="0" presId="urn:microsoft.com/office/officeart/2005/8/layout/chevron2"/>
+    <dgm:cxn modelId="{1BC6F27F-AA88-4273-A397-73A3B85CA330}" type="presParOf" srcId="{BB437D99-03E5-49F7-AF6C-9C4ECF33DE10}" destId="{1334A13D-F0E4-4DE2-8A9E-AFAB9739D856}" srcOrd="0" destOrd="0" presId="urn:microsoft.com/office/officeart/2005/8/layout/chevron2"/>
+    <dgm:cxn modelId="{0BB8A153-FBFB-4647-BECD-517FECB817D2}" type="presParOf" srcId="{BB437D99-03E5-49F7-AF6C-9C4ECF33DE10}" destId="{345B9379-9D00-4E9A-88A0-9A89A90705D4}" srcOrd="1" destOrd="0" presId="urn:microsoft.com/office/officeart/2005/8/layout/chevron2"/>
+    <dgm:cxn modelId="{BD6F2FC4-1AA3-4CD9-8980-3EBAD6AA4E41}" type="presParOf" srcId="{9B86C69D-6A6C-436C-BB0E-E3CD192C9631}" destId="{F33E56CC-5361-4766-A5DE-F4C0A08E9C58}" srcOrd="1" destOrd="0" presId="urn:microsoft.com/office/officeart/2005/8/layout/chevron2"/>
+    <dgm:cxn modelId="{86D9D86C-DD6D-4C5E-B62E-C5E58CAE84B2}" type="presParOf" srcId="{9B86C69D-6A6C-436C-BB0E-E3CD192C9631}" destId="{AF25E257-2AB9-49CC-B6A8-223EEE2E23A6}" srcOrd="2" destOrd="0" presId="urn:microsoft.com/office/officeart/2005/8/layout/chevron2"/>
+    <dgm:cxn modelId="{2C5FC377-3714-4DE8-880C-EEC4BE7DD133}" type="presParOf" srcId="{AF25E257-2AB9-49CC-B6A8-223EEE2E23A6}" destId="{AE6372F7-3A8A-4D6C-96A6-F6C12593CB6B}" srcOrd="0" destOrd="0" presId="urn:microsoft.com/office/officeart/2005/8/layout/chevron2"/>
+    <dgm:cxn modelId="{AE142C53-5D41-46EA-B6E7-F503F8032074}" type="presParOf" srcId="{AF25E257-2AB9-49CC-B6A8-223EEE2E23A6}" destId="{5B7B2730-1446-4684-BEFF-3FBDAD6B338F}" srcOrd="1" destOrd="0" presId="urn:microsoft.com/office/officeart/2005/8/layout/chevron2"/>
+    <dgm:cxn modelId="{ADED7373-7D4F-4217-89CB-BDEF229E5957}" type="presParOf" srcId="{9B86C69D-6A6C-436C-BB0E-E3CD192C9631}" destId="{CB041CFB-3EA2-4954-83B3-8A3C767C3F4C}" srcOrd="3" destOrd="0" presId="urn:microsoft.com/office/officeart/2005/8/layout/chevron2"/>
+    <dgm:cxn modelId="{3FE24690-5156-4FAE-A337-19B5BCB5DCC9}" type="presParOf" srcId="{9B86C69D-6A6C-436C-BB0E-E3CD192C9631}" destId="{CA1F09AE-8281-4963-8E73-90E76A380017}" srcOrd="4" destOrd="0" presId="urn:microsoft.com/office/officeart/2005/8/layout/chevron2"/>
+    <dgm:cxn modelId="{E5F603D1-2F83-463A-85D8-52B82862EBAF}" type="presParOf" srcId="{CA1F09AE-8281-4963-8E73-90E76A380017}" destId="{5B19FEF8-CAC6-4574-A67E-C952F588D0D2}" srcOrd="0" destOrd="0" presId="urn:microsoft.com/office/officeart/2005/8/layout/chevron2"/>
+    <dgm:cxn modelId="{68FA7162-9FB4-4FB4-A9C2-CC4F4D6E7171}" type="presParOf" srcId="{CA1F09AE-8281-4963-8E73-90E76A380017}" destId="{1E11BB37-4ACE-4054-B12B-3C4A8C3C2DE1}" srcOrd="1" destOrd="0" presId="urn:microsoft.com/office/officeart/2005/8/layout/chevron2"/>
+    <dgm:cxn modelId="{39B0EF4F-ED43-4595-9260-55F7A487DCC7}" type="presParOf" srcId="{9B86C69D-6A6C-436C-BB0E-E3CD192C9631}" destId="{0F5AD38D-2C84-4827-A69D-67A29470DBCD}" srcOrd="5" destOrd="0" presId="urn:microsoft.com/office/officeart/2005/8/layout/chevron2"/>
+    <dgm:cxn modelId="{E4581818-F0D7-40EA-B264-BB12693B769D}" type="presParOf" srcId="{9B86C69D-6A6C-436C-BB0E-E3CD192C9631}" destId="{4864392A-A877-494E-9BC7-44B127F8CB77}" srcOrd="6" destOrd="0" presId="urn:microsoft.com/office/officeart/2005/8/layout/chevron2"/>
+    <dgm:cxn modelId="{D453EE5C-FDB5-4050-87A4-6B26C187B2D3}" type="presParOf" srcId="{4864392A-A877-494E-9BC7-44B127F8CB77}" destId="{30F5BBE5-D1A3-4709-899F-FD47840A8E3C}" srcOrd="0" destOrd="0" presId="urn:microsoft.com/office/officeart/2005/8/layout/chevron2"/>
+    <dgm:cxn modelId="{BC29A17B-AE9A-467C-A432-DE34A35E1602}" type="presParOf" srcId="{4864392A-A877-494E-9BC7-44B127F8CB77}" destId="{5802484E-802E-4043-8A1D-54A7F465DEB9}" srcOrd="1" destOrd="0" presId="urn:microsoft.com/office/officeart/2005/8/layout/chevron2"/>
+    <dgm:cxn modelId="{C67D3FED-1884-45EA-AFAE-7B0D0BC9EC12}" type="presParOf" srcId="{9B86C69D-6A6C-436C-BB0E-E3CD192C9631}" destId="{7E6CED2D-74F1-410A-8D7F-7DB858DCE010}" srcOrd="7" destOrd="0" presId="urn:microsoft.com/office/officeart/2005/8/layout/chevron2"/>
+    <dgm:cxn modelId="{543624BD-FCB5-476F-9EF5-A6DCFDED6016}" type="presParOf" srcId="{9B86C69D-6A6C-436C-BB0E-E3CD192C9631}" destId="{C1BDC3B8-AC96-4867-ADEC-3E4585FB9C7F}" srcOrd="8" destOrd="0" presId="urn:microsoft.com/office/officeart/2005/8/layout/chevron2"/>
+    <dgm:cxn modelId="{04E2E1EB-07A5-495B-83F7-F3B69DAAFC70}" type="presParOf" srcId="{C1BDC3B8-AC96-4867-ADEC-3E4585FB9C7F}" destId="{984D793E-AD9F-4B17-B501-63C694295D4E}" srcOrd="0" destOrd="0" presId="urn:microsoft.com/office/officeart/2005/8/layout/chevron2"/>
+    <dgm:cxn modelId="{1FD595B5-536F-4EF7-82C4-DE5A29B264E0}" type="presParOf" srcId="{C1BDC3B8-AC96-4867-ADEC-3E4585FB9C7F}" destId="{D532A752-33EF-4B19-87F3-BBFC8B2AEF58}" srcOrd="1" destOrd="0" presId="urn:microsoft.com/office/officeart/2005/8/layout/chevron2"/>
+  </dgm:cxnLst>
+  <dgm:bg/>
+  <dgm:whole/>
+  <dgm:extLst>
+    <a:ext uri="http://schemas.microsoft.com/office/drawing/2008/diagram">
+      <dsp:dataModelExt xmlns:dsp="http://schemas.microsoft.com/office/drawing/2008/diagram" relId="rId7" minVer="http://schemas.openxmlformats.org/drawingml/2006/diagram"/>
+    </a:ext>
+  </dgm:extLst>
+</dgm:dataModel>
+</file>
+
+<file path=ppt/diagrams/drawing1.xml><?xml version="1.0" encoding="utf-8"?>
+<dsp:drawing xmlns:dgm="http://schemas.openxmlformats.org/drawingml/2006/diagram" xmlns:dsp="http://schemas.microsoft.com/office/drawing/2008/diagram" xmlns:a="http://schemas.openxmlformats.org/drawingml/2006/main">
+  <dsp:spTree>
+    <dsp:nvGrpSpPr>
+      <dsp:cNvPr id="0" name=""/>
+      <dsp:cNvGrpSpPr/>
+    </dsp:nvGrpSpPr>
+    <dsp:grpSpPr/>
+    <dsp:sp modelId="{1334A13D-F0E4-4DE2-8A9E-AFAB9739D856}">
+      <dsp:nvSpPr>
+        <dsp:cNvPr id="0" name=""/>
+        <dsp:cNvSpPr/>
+      </dsp:nvSpPr>
+      <dsp:spPr>
+        <a:xfrm rot="5400000">
+          <a:off x="-154436" y="156421"/>
+          <a:ext cx="1029577" cy="720704"/>
+        </a:xfrm>
+        <a:prstGeom prst="chevron">
+          <a:avLst/>
+        </a:prstGeom>
+        <a:solidFill>
+          <a:schemeClr val="accent5">
+            <a:hueOff val="0"/>
+            <a:satOff val="0"/>
+            <a:lumOff val="0"/>
+            <a:alphaOff val="0"/>
+          </a:schemeClr>
+        </a:solidFill>
+        <a:ln w="25400" cap="flat" cmpd="sng" algn="ctr">
+          <a:solidFill>
+            <a:schemeClr val="accent5">
+              <a:hueOff val="0"/>
+              <a:satOff val="0"/>
+              <a:lumOff val="0"/>
+              <a:alphaOff val="0"/>
+            </a:schemeClr>
+          </a:solidFill>
+          <a:prstDash val="solid"/>
+        </a:ln>
+        <a:effectLst/>
+      </dsp:spPr>
+      <dsp:style>
+        <a:lnRef idx="2">
+          <a:scrgbClr r="0" g="0" b="0"/>
+        </a:lnRef>
+        <a:fillRef idx="1">
+          <a:scrgbClr r="0" g="0" b="0"/>
+        </a:fillRef>
+        <a:effectRef idx="0">
+          <a:scrgbClr r="0" g="0" b="0"/>
+        </a:effectRef>
+        <a:fontRef idx="minor">
+          <a:schemeClr val="lt1"/>
+        </a:fontRef>
+      </dsp:style>
+      <dsp:txBody>
+        <a:bodyPr spcFirstLastPara="0" vert="horz" wrap="square" lIns="12700" tIns="12700" rIns="12700" bIns="12700" numCol="1" spcCol="1270" anchor="ctr" anchorCtr="0">
+          <a:noAutofit/>
+        </a:bodyPr>
+        <a:lstStyle/>
+        <a:p>
+          <a:pPr lvl="0" algn="ctr" defTabSz="889000">
+            <a:lnSpc>
+              <a:spcPct val="90000"/>
+            </a:lnSpc>
+            <a:spcBef>
+              <a:spcPct val="0"/>
+            </a:spcBef>
+            <a:spcAft>
+              <a:spcPct val="35000"/>
+            </a:spcAft>
+          </a:pPr>
+          <a:endParaRPr lang="de-DE" sz="2000" b="1" kern="1200" dirty="0">
+            <a:solidFill>
+              <a:schemeClr val="bg1"/>
+            </a:solidFill>
+          </a:endParaRPr>
+        </a:p>
+      </dsp:txBody>
+      <dsp:txXfrm rot="-5400000">
+        <a:off x="1" y="362336"/>
+        <a:ext cx="720704" cy="308873"/>
+      </dsp:txXfrm>
+    </dsp:sp>
+    <dsp:sp modelId="{345B9379-9D00-4E9A-88A0-9A89A90705D4}">
+      <dsp:nvSpPr>
+        <dsp:cNvPr id="0" name=""/>
+        <dsp:cNvSpPr/>
+      </dsp:nvSpPr>
+      <dsp:spPr>
+        <a:xfrm rot="5400000">
+          <a:off x="3628707" y="-2906019"/>
+          <a:ext cx="669225" cy="6485232"/>
+        </a:xfrm>
+        <a:prstGeom prst="round2SameRect">
+          <a:avLst/>
+        </a:prstGeom>
+        <a:solidFill>
+          <a:schemeClr val="lt1">
+            <a:alpha val="90000"/>
+            <a:hueOff val="0"/>
+            <a:satOff val="0"/>
+            <a:lumOff val="0"/>
+            <a:alphaOff val="0"/>
+          </a:schemeClr>
+        </a:solidFill>
+        <a:ln w="25400" cap="flat" cmpd="sng" algn="ctr">
+          <a:solidFill>
+            <a:schemeClr val="accent5">
+              <a:hueOff val="0"/>
+              <a:satOff val="0"/>
+              <a:lumOff val="0"/>
+              <a:alphaOff val="0"/>
+            </a:schemeClr>
+          </a:solidFill>
+          <a:prstDash val="solid"/>
+        </a:ln>
+        <a:effectLst/>
+      </dsp:spPr>
+      <dsp:style>
+        <a:lnRef idx="2">
+          <a:scrgbClr r="0" g="0" b="0"/>
+        </a:lnRef>
+        <a:fillRef idx="1">
+          <a:scrgbClr r="0" g="0" b="0"/>
+        </a:fillRef>
+        <a:effectRef idx="0">
+          <a:scrgbClr r="0" g="0" b="0"/>
+        </a:effectRef>
+        <a:fontRef idx="minor"/>
+      </dsp:style>
+      <dsp:txBody>
+        <a:bodyPr spcFirstLastPara="0" vert="horz" wrap="square" lIns="142240" tIns="12700" rIns="12700" bIns="12700" numCol="1" spcCol="1270" anchor="ctr" anchorCtr="0">
+          <a:noAutofit/>
+        </a:bodyPr>
+        <a:lstStyle/>
+        <a:p>
+          <a:pPr marL="228600" lvl="1" indent="-228600" algn="l" defTabSz="889000">
+            <a:lnSpc>
+              <a:spcPct val="90000"/>
+            </a:lnSpc>
+            <a:spcBef>
+              <a:spcPct val="0"/>
+            </a:spcBef>
+            <a:spcAft>
+              <a:spcPct val="15000"/>
+            </a:spcAft>
+            <a:buChar char="••"/>
+          </a:pPr>
+          <a:r>
+            <a:rPr lang="de-DE" sz="2000" b="1" kern="1200" smtClean="0"/>
+            <a:t>Data Acquisition</a:t>
+          </a:r>
+          <a:endParaRPr lang="de-DE" sz="2000" b="1" kern="1200" dirty="0"/>
+        </a:p>
+      </dsp:txBody>
+      <dsp:txXfrm rot="-5400000">
+        <a:off x="720704" y="34653"/>
+        <a:ext cx="6452563" cy="603887"/>
+      </dsp:txXfrm>
+    </dsp:sp>
+    <dsp:sp modelId="{AE6372F7-3A8A-4D6C-96A6-F6C12593CB6B}">
+      <dsp:nvSpPr>
+        <dsp:cNvPr id="0" name=""/>
+        <dsp:cNvSpPr/>
+      </dsp:nvSpPr>
+      <dsp:spPr>
+        <a:xfrm rot="5400000">
+          <a:off x="-154436" y="1068164"/>
+          <a:ext cx="1029577" cy="720704"/>
+        </a:xfrm>
+        <a:prstGeom prst="chevron">
+          <a:avLst/>
+        </a:prstGeom>
+        <a:solidFill>
+          <a:schemeClr val="accent5">
+            <a:hueOff val="-139587"/>
+            <a:satOff val="0"/>
+            <a:lumOff val="-11422"/>
+            <a:alphaOff val="0"/>
+          </a:schemeClr>
+        </a:solidFill>
+        <a:ln w="25400" cap="flat" cmpd="sng" algn="ctr">
+          <a:solidFill>
+            <a:schemeClr val="accent5">
+              <a:hueOff val="-139587"/>
+              <a:satOff val="0"/>
+              <a:lumOff val="-11422"/>
+              <a:alphaOff val="0"/>
+            </a:schemeClr>
+          </a:solidFill>
+          <a:prstDash val="solid"/>
+        </a:ln>
+        <a:effectLst/>
+      </dsp:spPr>
+      <dsp:style>
+        <a:lnRef idx="2">
+          <a:scrgbClr r="0" g="0" b="0"/>
+        </a:lnRef>
+        <a:fillRef idx="1">
+          <a:scrgbClr r="0" g="0" b="0"/>
+        </a:fillRef>
+        <a:effectRef idx="0">
+          <a:scrgbClr r="0" g="0" b="0"/>
+        </a:effectRef>
+        <a:fontRef idx="minor">
+          <a:schemeClr val="lt1"/>
+        </a:fontRef>
+      </dsp:style>
+      <dsp:txBody>
+        <a:bodyPr spcFirstLastPara="0" vert="horz" wrap="square" lIns="12700" tIns="12700" rIns="12700" bIns="12700" numCol="1" spcCol="1270" anchor="ctr" anchorCtr="0">
+          <a:noAutofit/>
+        </a:bodyPr>
+        <a:lstStyle/>
+        <a:p>
+          <a:pPr lvl="0" algn="ctr" defTabSz="889000">
+            <a:lnSpc>
+              <a:spcPct val="90000"/>
+            </a:lnSpc>
+            <a:spcBef>
+              <a:spcPct val="0"/>
+            </a:spcBef>
+            <a:spcAft>
+              <a:spcPct val="35000"/>
+            </a:spcAft>
+          </a:pPr>
+          <a:endParaRPr lang="de-DE" sz="2000" b="1" kern="1200" dirty="0">
+            <a:solidFill>
+              <a:schemeClr val="bg1"/>
+            </a:solidFill>
+          </a:endParaRPr>
+        </a:p>
+      </dsp:txBody>
+      <dsp:txXfrm rot="-5400000">
+        <a:off x="1" y="1274079"/>
+        <a:ext cx="720704" cy="308873"/>
+      </dsp:txXfrm>
+    </dsp:sp>
+    <dsp:sp modelId="{5B7B2730-1446-4684-BEFF-3FBDAD6B338F}">
+      <dsp:nvSpPr>
+        <dsp:cNvPr id="0" name=""/>
+        <dsp:cNvSpPr/>
+      </dsp:nvSpPr>
+      <dsp:spPr>
+        <a:xfrm rot="5400000">
+          <a:off x="3628707" y="-1994275"/>
+          <a:ext cx="669225" cy="6485232"/>
+        </a:xfrm>
+        <a:prstGeom prst="round2SameRect">
+          <a:avLst/>
+        </a:prstGeom>
+        <a:solidFill>
+          <a:schemeClr val="lt1">
+            <a:alpha val="90000"/>
+            <a:hueOff val="0"/>
+            <a:satOff val="0"/>
+            <a:lumOff val="0"/>
+            <a:alphaOff val="0"/>
+          </a:schemeClr>
+        </a:solidFill>
+        <a:ln w="25400" cap="flat" cmpd="sng" algn="ctr">
+          <a:solidFill>
+            <a:schemeClr val="accent5">
+              <a:hueOff val="-139587"/>
+              <a:satOff val="0"/>
+              <a:lumOff val="-11422"/>
+              <a:alphaOff val="0"/>
+            </a:schemeClr>
+          </a:solidFill>
+          <a:prstDash val="solid"/>
+        </a:ln>
+        <a:effectLst/>
+      </dsp:spPr>
+      <dsp:style>
+        <a:lnRef idx="2">
+          <a:scrgbClr r="0" g="0" b="0"/>
+        </a:lnRef>
+        <a:fillRef idx="1">
+          <a:scrgbClr r="0" g="0" b="0"/>
+        </a:fillRef>
+        <a:effectRef idx="0">
+          <a:scrgbClr r="0" g="0" b="0"/>
+        </a:effectRef>
+        <a:fontRef idx="minor"/>
+      </dsp:style>
+      <dsp:txBody>
+        <a:bodyPr spcFirstLastPara="0" vert="horz" wrap="square" lIns="142240" tIns="12700" rIns="12700" bIns="12700" numCol="1" spcCol="1270" anchor="ctr" anchorCtr="0">
+          <a:noAutofit/>
+        </a:bodyPr>
+        <a:lstStyle/>
+        <a:p>
+          <a:pPr marL="228600" lvl="1" indent="-228600" algn="l" defTabSz="889000">
+            <a:lnSpc>
+              <a:spcPct val="90000"/>
+            </a:lnSpc>
+            <a:spcBef>
+              <a:spcPct val="0"/>
+            </a:spcBef>
+            <a:spcAft>
+              <a:spcPct val="15000"/>
+            </a:spcAft>
+            <a:buChar char="••"/>
+          </a:pPr>
+          <a:r>
+            <a:rPr lang="de-DE" sz="2000" b="1" kern="1200" dirty="0" err="1" smtClean="0"/>
+            <a:t>Preprocessing</a:t>
+          </a:r>
+          <a:endParaRPr lang="de-DE" sz="2000" b="1" kern="1200" dirty="0"/>
+        </a:p>
+      </dsp:txBody>
+      <dsp:txXfrm rot="-5400000">
+        <a:off x="720704" y="946397"/>
+        <a:ext cx="6452563" cy="603887"/>
+      </dsp:txXfrm>
+    </dsp:sp>
+    <dsp:sp modelId="{5B19FEF8-CAC6-4574-A67E-C952F588D0D2}">
+      <dsp:nvSpPr>
+        <dsp:cNvPr id="0" name=""/>
+        <dsp:cNvSpPr/>
+      </dsp:nvSpPr>
+      <dsp:spPr>
+        <a:xfrm rot="5400000">
+          <a:off x="-154436" y="1979907"/>
+          <a:ext cx="1029577" cy="720704"/>
+        </a:xfrm>
+        <a:prstGeom prst="chevron">
+          <a:avLst/>
+        </a:prstGeom>
+        <a:solidFill>
+          <a:schemeClr val="accent5">
+            <a:hueOff val="-279175"/>
+            <a:satOff val="0"/>
+            <a:lumOff val="-22843"/>
+            <a:alphaOff val="0"/>
+          </a:schemeClr>
+        </a:solidFill>
+        <a:ln w="25400" cap="flat" cmpd="sng" algn="ctr">
+          <a:solidFill>
+            <a:schemeClr val="accent5">
+              <a:hueOff val="-279175"/>
+              <a:satOff val="0"/>
+              <a:lumOff val="-22843"/>
+              <a:alphaOff val="0"/>
+            </a:schemeClr>
+          </a:solidFill>
+          <a:prstDash val="solid"/>
+        </a:ln>
+        <a:effectLst/>
+      </dsp:spPr>
+      <dsp:style>
+        <a:lnRef idx="2">
+          <a:scrgbClr r="0" g="0" b="0"/>
+        </a:lnRef>
+        <a:fillRef idx="1">
+          <a:scrgbClr r="0" g="0" b="0"/>
+        </a:fillRef>
+        <a:effectRef idx="0">
+          <a:scrgbClr r="0" g="0" b="0"/>
+        </a:effectRef>
+        <a:fontRef idx="minor">
+          <a:schemeClr val="lt1"/>
+        </a:fontRef>
+      </dsp:style>
+      <dsp:txBody>
+        <a:bodyPr spcFirstLastPara="0" vert="horz" wrap="square" lIns="12700" tIns="12700" rIns="12700" bIns="12700" numCol="1" spcCol="1270" anchor="ctr" anchorCtr="0">
+          <a:noAutofit/>
+        </a:bodyPr>
+        <a:lstStyle/>
+        <a:p>
+          <a:pPr lvl="0" algn="ctr" defTabSz="889000">
+            <a:lnSpc>
+              <a:spcPct val="90000"/>
+            </a:lnSpc>
+            <a:spcBef>
+              <a:spcPct val="0"/>
+            </a:spcBef>
+            <a:spcAft>
+              <a:spcPct val="35000"/>
+            </a:spcAft>
+          </a:pPr>
+          <a:endParaRPr lang="de-DE" sz="2000" b="1" kern="1200" dirty="0">
+            <a:solidFill>
+              <a:schemeClr val="bg1"/>
+            </a:solidFill>
+          </a:endParaRPr>
+        </a:p>
+      </dsp:txBody>
+      <dsp:txXfrm rot="-5400000">
+        <a:off x="1" y="2185822"/>
+        <a:ext cx="720704" cy="308873"/>
+      </dsp:txXfrm>
+    </dsp:sp>
+    <dsp:sp modelId="{1E11BB37-4ACE-4054-B12B-3C4A8C3C2DE1}">
+      <dsp:nvSpPr>
+        <dsp:cNvPr id="0" name=""/>
+        <dsp:cNvSpPr/>
+      </dsp:nvSpPr>
+      <dsp:spPr>
+        <a:xfrm rot="5400000">
+          <a:off x="3628707" y="-1082532"/>
+          <a:ext cx="669225" cy="6485232"/>
+        </a:xfrm>
+        <a:prstGeom prst="round2SameRect">
+          <a:avLst/>
+        </a:prstGeom>
+        <a:solidFill>
+          <a:schemeClr val="lt1">
+            <a:alpha val="90000"/>
+            <a:hueOff val="0"/>
+            <a:satOff val="0"/>
+            <a:lumOff val="0"/>
+            <a:alphaOff val="0"/>
+          </a:schemeClr>
+        </a:solidFill>
+        <a:ln w="25400" cap="flat" cmpd="sng" algn="ctr">
+          <a:solidFill>
+            <a:schemeClr val="accent5">
+              <a:hueOff val="-279175"/>
+              <a:satOff val="0"/>
+              <a:lumOff val="-22843"/>
+              <a:alphaOff val="0"/>
+            </a:schemeClr>
+          </a:solidFill>
+          <a:prstDash val="solid"/>
+        </a:ln>
+        <a:effectLst/>
+      </dsp:spPr>
+      <dsp:style>
+        <a:lnRef idx="2">
+          <a:scrgbClr r="0" g="0" b="0"/>
+        </a:lnRef>
+        <a:fillRef idx="1">
+          <a:scrgbClr r="0" g="0" b="0"/>
+        </a:fillRef>
+        <a:effectRef idx="0">
+          <a:scrgbClr r="0" g="0" b="0"/>
+        </a:effectRef>
+        <a:fontRef idx="minor"/>
+      </dsp:style>
+      <dsp:txBody>
+        <a:bodyPr spcFirstLastPara="0" vert="horz" wrap="square" lIns="142240" tIns="12700" rIns="12700" bIns="12700" numCol="1" spcCol="1270" anchor="ctr" anchorCtr="0">
+          <a:noAutofit/>
+        </a:bodyPr>
+        <a:lstStyle/>
+        <a:p>
+          <a:pPr marL="228600" lvl="1" indent="-228600" algn="l" defTabSz="889000">
+            <a:lnSpc>
+              <a:spcPct val="90000"/>
+            </a:lnSpc>
+            <a:spcBef>
+              <a:spcPct val="0"/>
+            </a:spcBef>
+            <a:spcAft>
+              <a:spcPct val="15000"/>
+            </a:spcAft>
+            <a:buChar char="••"/>
+          </a:pPr>
+          <a:r>
+            <a:rPr lang="de-DE" sz="2000" b="1" kern="1200" smtClean="0"/>
+            <a:t>Feature Extraction</a:t>
+          </a:r>
+          <a:endParaRPr lang="de-DE" sz="2000" b="1" kern="1200" dirty="0"/>
+        </a:p>
+      </dsp:txBody>
+      <dsp:txXfrm rot="-5400000">
+        <a:off x="720704" y="1858140"/>
+        <a:ext cx="6452563" cy="603887"/>
+      </dsp:txXfrm>
+    </dsp:sp>
+    <dsp:sp modelId="{30F5BBE5-D1A3-4709-899F-FD47840A8E3C}">
+      <dsp:nvSpPr>
+        <dsp:cNvPr id="0" name=""/>
+        <dsp:cNvSpPr/>
+      </dsp:nvSpPr>
+      <dsp:spPr>
+        <a:xfrm rot="5400000">
+          <a:off x="-154436" y="2891651"/>
+          <a:ext cx="1029577" cy="720704"/>
+        </a:xfrm>
+        <a:prstGeom prst="chevron">
+          <a:avLst/>
+        </a:prstGeom>
+        <a:solidFill>
+          <a:schemeClr val="accent5">
+            <a:hueOff val="-418762"/>
+            <a:satOff val="0"/>
+            <a:lumOff val="-34265"/>
+            <a:alphaOff val="0"/>
+          </a:schemeClr>
+        </a:solidFill>
+        <a:ln w="25400" cap="flat" cmpd="sng" algn="ctr">
+          <a:solidFill>
+            <a:schemeClr val="accent5">
+              <a:hueOff val="-418762"/>
+              <a:satOff val="0"/>
+              <a:lumOff val="-34265"/>
+              <a:alphaOff val="0"/>
+            </a:schemeClr>
+          </a:solidFill>
+          <a:prstDash val="solid"/>
+        </a:ln>
+        <a:effectLst/>
+      </dsp:spPr>
+      <dsp:style>
+        <a:lnRef idx="2">
+          <a:scrgbClr r="0" g="0" b="0"/>
+        </a:lnRef>
+        <a:fillRef idx="1">
+          <a:scrgbClr r="0" g="0" b="0"/>
+        </a:fillRef>
+        <a:effectRef idx="0">
+          <a:scrgbClr r="0" g="0" b="0"/>
+        </a:effectRef>
+        <a:fontRef idx="minor">
+          <a:schemeClr val="lt1"/>
+        </a:fontRef>
+      </dsp:style>
+      <dsp:txBody>
+        <a:bodyPr spcFirstLastPara="0" vert="horz" wrap="square" lIns="12700" tIns="12700" rIns="12700" bIns="12700" numCol="1" spcCol="1270" anchor="ctr" anchorCtr="0">
+          <a:noAutofit/>
+        </a:bodyPr>
+        <a:lstStyle/>
+        <a:p>
+          <a:pPr lvl="0" algn="ctr" defTabSz="889000">
+            <a:lnSpc>
+              <a:spcPct val="90000"/>
+            </a:lnSpc>
+            <a:spcBef>
+              <a:spcPct val="0"/>
+            </a:spcBef>
+            <a:spcAft>
+              <a:spcPct val="35000"/>
+            </a:spcAft>
+          </a:pPr>
+          <a:endParaRPr lang="de-DE" sz="2000" b="1" kern="1200" dirty="0">
+            <a:solidFill>
+              <a:schemeClr val="bg1"/>
+            </a:solidFill>
+          </a:endParaRPr>
+        </a:p>
+      </dsp:txBody>
+      <dsp:txXfrm rot="-5400000">
+        <a:off x="1" y="3097566"/>
+        <a:ext cx="720704" cy="308873"/>
+      </dsp:txXfrm>
+    </dsp:sp>
+    <dsp:sp modelId="{5802484E-802E-4043-8A1D-54A7F465DEB9}">
+      <dsp:nvSpPr>
+        <dsp:cNvPr id="0" name=""/>
+        <dsp:cNvSpPr/>
+      </dsp:nvSpPr>
+      <dsp:spPr>
+        <a:xfrm rot="5400000">
+          <a:off x="3628707" y="-170789"/>
+          <a:ext cx="669225" cy="6485232"/>
+        </a:xfrm>
+        <a:prstGeom prst="round2SameRect">
+          <a:avLst/>
+        </a:prstGeom>
+        <a:solidFill>
+          <a:schemeClr val="lt1">
+            <a:alpha val="90000"/>
+            <a:hueOff val="0"/>
+            <a:satOff val="0"/>
+            <a:lumOff val="0"/>
+            <a:alphaOff val="0"/>
+          </a:schemeClr>
+        </a:solidFill>
+        <a:ln w="25400" cap="flat" cmpd="sng" algn="ctr">
+          <a:solidFill>
+            <a:schemeClr val="accent5">
+              <a:hueOff val="-418762"/>
+              <a:satOff val="0"/>
+              <a:lumOff val="-34265"/>
+              <a:alphaOff val="0"/>
+            </a:schemeClr>
+          </a:solidFill>
+          <a:prstDash val="solid"/>
+        </a:ln>
+        <a:effectLst/>
+      </dsp:spPr>
+      <dsp:style>
+        <a:lnRef idx="2">
+          <a:scrgbClr r="0" g="0" b="0"/>
+        </a:lnRef>
+        <a:fillRef idx="1">
+          <a:scrgbClr r="0" g="0" b="0"/>
+        </a:fillRef>
+        <a:effectRef idx="0">
+          <a:scrgbClr r="0" g="0" b="0"/>
+        </a:effectRef>
+        <a:fontRef idx="minor"/>
+      </dsp:style>
+      <dsp:txBody>
+        <a:bodyPr spcFirstLastPara="0" vert="horz" wrap="square" lIns="142240" tIns="12700" rIns="12700" bIns="12700" numCol="1" spcCol="1270" anchor="ctr" anchorCtr="0">
+          <a:noAutofit/>
+        </a:bodyPr>
+        <a:lstStyle/>
+        <a:p>
+          <a:pPr marL="228600" lvl="1" indent="-228600" algn="l" defTabSz="889000">
+            <a:lnSpc>
+              <a:spcPct val="90000"/>
+            </a:lnSpc>
+            <a:spcBef>
+              <a:spcPct val="0"/>
+            </a:spcBef>
+            <a:spcAft>
+              <a:spcPct val="15000"/>
+            </a:spcAft>
+            <a:buChar char="••"/>
+          </a:pPr>
+          <a:r>
+            <a:rPr lang="de-DE" sz="2000" b="1" kern="1200" dirty="0" err="1" smtClean="0"/>
+            <a:t>Postprocessing</a:t>
+          </a:r>
+          <a:endParaRPr lang="de-DE" sz="2000" b="1" kern="1200" dirty="0"/>
+        </a:p>
+      </dsp:txBody>
+      <dsp:txXfrm rot="-5400000">
+        <a:off x="720704" y="2769883"/>
+        <a:ext cx="6452563" cy="603887"/>
+      </dsp:txXfrm>
+    </dsp:sp>
+    <dsp:sp modelId="{984D793E-AD9F-4B17-B501-63C694295D4E}">
+      <dsp:nvSpPr>
+        <dsp:cNvPr id="0" name=""/>
+        <dsp:cNvSpPr/>
+      </dsp:nvSpPr>
+      <dsp:spPr>
+        <a:xfrm rot="5400000">
+          <a:off x="-154436" y="3803394"/>
+          <a:ext cx="1029577" cy="720704"/>
+        </a:xfrm>
+        <a:prstGeom prst="chevron">
+          <a:avLst/>
+        </a:prstGeom>
+        <a:solidFill>
+          <a:schemeClr val="accent5">
+            <a:hueOff val="-558350"/>
+            <a:satOff val="0"/>
+            <a:lumOff val="-45686"/>
+            <a:alphaOff val="0"/>
+          </a:schemeClr>
+        </a:solidFill>
+        <a:ln w="25400" cap="flat" cmpd="sng" algn="ctr">
+          <a:solidFill>
+            <a:schemeClr val="accent5">
+              <a:hueOff val="-558350"/>
+              <a:satOff val="0"/>
+              <a:lumOff val="-45686"/>
+              <a:alphaOff val="0"/>
+            </a:schemeClr>
+          </a:solidFill>
+          <a:prstDash val="solid"/>
+        </a:ln>
+        <a:effectLst/>
+      </dsp:spPr>
+      <dsp:style>
+        <a:lnRef idx="2">
+          <a:scrgbClr r="0" g="0" b="0"/>
+        </a:lnRef>
+        <a:fillRef idx="1">
+          <a:scrgbClr r="0" g="0" b="0"/>
+        </a:fillRef>
+        <a:effectRef idx="0">
+          <a:scrgbClr r="0" g="0" b="0"/>
+        </a:effectRef>
+        <a:fontRef idx="minor">
+          <a:schemeClr val="lt1"/>
+        </a:fontRef>
+      </dsp:style>
+      <dsp:txBody>
+        <a:bodyPr spcFirstLastPara="0" vert="horz" wrap="square" lIns="12700" tIns="12700" rIns="12700" bIns="12700" numCol="1" spcCol="1270" anchor="ctr" anchorCtr="0">
+          <a:noAutofit/>
+        </a:bodyPr>
+        <a:lstStyle/>
+        <a:p>
+          <a:pPr lvl="0" algn="ctr" defTabSz="889000">
+            <a:lnSpc>
+              <a:spcPct val="90000"/>
+            </a:lnSpc>
+            <a:spcBef>
+              <a:spcPct val="0"/>
+            </a:spcBef>
+            <a:spcAft>
+              <a:spcPct val="35000"/>
+            </a:spcAft>
+          </a:pPr>
+          <a:endParaRPr lang="de-DE" sz="2000" b="1" kern="1200" dirty="0">
+            <a:solidFill>
+              <a:schemeClr val="bg1"/>
+            </a:solidFill>
+          </a:endParaRPr>
+        </a:p>
+      </dsp:txBody>
+      <dsp:txXfrm rot="-5400000">
+        <a:off x="1" y="4009309"/>
+        <a:ext cx="720704" cy="308873"/>
+      </dsp:txXfrm>
+    </dsp:sp>
+    <dsp:sp modelId="{D532A752-33EF-4B19-87F3-BBFC8B2AEF58}">
+      <dsp:nvSpPr>
+        <dsp:cNvPr id="0" name=""/>
+        <dsp:cNvSpPr/>
+      </dsp:nvSpPr>
+      <dsp:spPr>
+        <a:xfrm rot="5400000">
+          <a:off x="3628707" y="740954"/>
+          <a:ext cx="669225" cy="6485232"/>
+        </a:xfrm>
+        <a:prstGeom prst="round2SameRect">
+          <a:avLst/>
+        </a:prstGeom>
+        <a:solidFill>
+          <a:schemeClr val="lt1">
+            <a:alpha val="90000"/>
+            <a:hueOff val="0"/>
+            <a:satOff val="0"/>
+            <a:lumOff val="0"/>
+            <a:alphaOff val="0"/>
+          </a:schemeClr>
+        </a:solidFill>
+        <a:ln w="25400" cap="flat" cmpd="sng" algn="ctr">
+          <a:solidFill>
+            <a:schemeClr val="accent5">
+              <a:hueOff val="-558350"/>
+              <a:satOff val="0"/>
+              <a:lumOff val="-45686"/>
+              <a:alphaOff val="0"/>
+            </a:schemeClr>
+          </a:solidFill>
+          <a:prstDash val="solid"/>
+        </a:ln>
+        <a:effectLst/>
+      </dsp:spPr>
+      <dsp:style>
+        <a:lnRef idx="2">
+          <a:scrgbClr r="0" g="0" b="0"/>
+        </a:lnRef>
+        <a:fillRef idx="1">
+          <a:scrgbClr r="0" g="0" b="0"/>
+        </a:fillRef>
+        <a:effectRef idx="0">
+          <a:scrgbClr r="0" g="0" b="0"/>
+        </a:effectRef>
+        <a:fontRef idx="minor"/>
+      </dsp:style>
+      <dsp:txBody>
+        <a:bodyPr spcFirstLastPara="0" vert="horz" wrap="square" lIns="142240" tIns="12700" rIns="12700" bIns="12700" numCol="1" spcCol="1270" anchor="ctr" anchorCtr="0">
+          <a:noAutofit/>
+        </a:bodyPr>
+        <a:lstStyle/>
+        <a:p>
+          <a:pPr marL="228600" lvl="1" indent="-228600" algn="l" defTabSz="889000">
+            <a:lnSpc>
+              <a:spcPct val="90000"/>
+            </a:lnSpc>
+            <a:spcBef>
+              <a:spcPct val="0"/>
+            </a:spcBef>
+            <a:spcAft>
+              <a:spcPct val="15000"/>
+            </a:spcAft>
+            <a:buChar char="••"/>
+          </a:pPr>
+          <a:r>
+            <a:rPr lang="de-DE" sz="2000" b="1" kern="1200" smtClean="0"/>
+            <a:t>Classification &amp; Comparison</a:t>
+          </a:r>
+          <a:endParaRPr lang="de-DE" sz="2000" b="1" kern="1200" dirty="0"/>
+        </a:p>
+      </dsp:txBody>
+      <dsp:txXfrm rot="-5400000">
+        <a:off x="720704" y="3681627"/>
+        <a:ext cx="6452563" cy="603887"/>
+      </dsp:txXfrm>
+    </dsp:sp>
+  </dsp:spTree>
+</dsp:drawing>
+</file>
+
+<file path=ppt/diagrams/layout1.xml><?xml version="1.0" encoding="utf-8"?>
+<dgm:layoutDef xmlns:dgm="http://schemas.openxmlformats.org/drawingml/2006/diagram" xmlns:a="http://schemas.openxmlformats.org/drawingml/2006/main" uniqueId="urn:microsoft.com/office/officeart/2005/8/layout/chevron2">
+  <dgm:title val=""/>
+  <dgm:desc val=""/>
+  <dgm:catLst>
+    <dgm:cat type="process" pri="12000"/>
+    <dgm:cat type="list" pri="16000"/>
+    <dgm:cat type="convert" pri="11000"/>
+  </dgm:catLst>
+  <dgm:sampData>
+    <dgm:dataModel>
+      <dgm:ptLst>
+        <dgm:pt modelId="0" type="doc"/>
+        <dgm:pt modelId="1">
+          <dgm:prSet phldr="1"/>
+        </dgm:pt>
+        <dgm:pt modelId="11">
+          <dgm:prSet phldr="1"/>
+        </dgm:pt>
+        <dgm:pt modelId="12">
+          <dgm:prSet phldr="1"/>
+        </dgm:pt>
+        <dgm:pt modelId="2">
+          <dgm:prSet phldr="1"/>
+        </dgm:pt>
+        <dgm:pt modelId="21">
+          <dgm:prSet phldr="1"/>
+        </dgm:pt>
+        <dgm:pt modelId="22">
+          <dgm:prSet phldr="1"/>
+        </dgm:pt>
+        <dgm:pt modelId="3">
+          <dgm:prSet phldr="1"/>
+        </dgm:pt>
+        <dgm:pt modelId="31">
+          <dgm:prSet phldr="1"/>
+        </dgm:pt>
+        <dgm:pt modelId="32">
+          <dgm:prSet phldr="1"/>
+        </dgm:pt>
+      </dgm:ptLst>
+      <dgm:cxnLst>
+        <dgm:cxn modelId="4" srcId="0" destId="1" srcOrd="0" destOrd="0"/>
+        <dgm:cxn modelId="5" srcId="0" destId="2" srcOrd="1" destOrd="0"/>
+        <dgm:cxn modelId="6" srcId="0" destId="3" srcOrd="2" destOrd="0"/>
+        <dgm:cxn modelId="13" srcId="1" destId="11" srcOrd="0" destOrd="0"/>
+        <dgm:cxn modelId="14" srcId="1" destId="12" srcOrd="1" destOrd="0"/>
+        <dgm:cxn modelId="23" srcId="2" destId="21" srcOrd="0" destOrd="0"/>
+        <dgm:cxn modelId="24" srcId="2" destId="22" srcOrd="1" destOrd="0"/>
+        <dgm:cxn modelId="33" srcId="3" destId="31" srcOrd="0" destOrd="0"/>
+        <dgm:cxn modelId="34" srcId="3" destId="32" srcOrd="1" destOrd="0"/>
+      </dgm:cxnLst>
+      <dgm:bg/>
+      <dgm:whole/>
+    </dgm:dataModel>
+  </dgm:sampData>
+  <dgm:styleData>
+    <dgm:dataModel>
+      <dgm:ptLst>
+        <dgm:pt modelId="0" type="doc"/>
+        <dgm:pt modelId="1"/>
+      </dgm:ptLst>
+      <dgm:cxnLst>
+        <dgm:cxn modelId="4" srcId="0" destId="1" srcOrd="0" destOrd="0"/>
+      </dgm:cxnLst>
+      <dgm:bg/>
+      <dgm:whole/>
+    </dgm:dataModel>
+  </dgm:styleData>
+  <dgm:clrData>
+    <dgm:dataModel>
+      <dgm:ptLst>
+        <dgm:pt modelId="0" type="doc"/>
+        <dgm:pt modelId="1"/>
+        <dgm:pt modelId="11"/>
+        <dgm:pt modelId="2"/>
+        <dgm:pt modelId="21"/>
+        <dgm:pt modelId="3"/>
+        <dgm:pt modelId="31"/>
+        <dgm:pt modelId="4"/>
+        <dgm:pt modelId="41"/>
+      </dgm:ptLst>
+      <dgm:cxnLst>
+        <dgm:cxn modelId="5" srcId="0" destId="1" srcOrd="0" destOrd="0"/>
+        <dgm:cxn modelId="6" srcId="0" destId="2" srcOrd="1" destOrd="0"/>
+        <dgm:cxn modelId="7" srcId="0" destId="3" srcOrd="2" destOrd="0"/>
+        <dgm:cxn modelId="8" srcId="0" destId="4" srcOrd="3" destOrd="0"/>
+        <dgm:cxn modelId="13" srcId="1" destId="11" srcOrd="0" destOrd="0"/>
+        <dgm:cxn modelId="23" srcId="2" destId="21" srcOrd="0" destOrd="0"/>
+        <dgm:cxn modelId="33" srcId="3" destId="31" srcOrd="0" destOrd="0"/>
+        <dgm:cxn modelId="43" srcId="4" destId="41" srcOrd="0" destOrd="0"/>
+      </dgm:cxnLst>
+      <dgm:bg/>
+      <dgm:whole/>
+    </dgm:dataModel>
+  </dgm:clrData>
+  <dgm:layoutNode name="linearFlow">
+    <dgm:varLst>
+      <dgm:dir/>
+      <dgm:animLvl val="lvl"/>
+      <dgm:resizeHandles val="exact"/>
+    </dgm:varLst>
+    <dgm:alg type="lin">
+      <dgm:param type="linDir" val="fromT"/>
+      <dgm:param type="nodeHorzAlign" val="l"/>
+    </dgm:alg>
+    <dgm:shape xmlns:r="http://schemas.openxmlformats.org/officeDocument/2006/relationships" r:blip="">
+      <dgm:adjLst/>
+    </dgm:shape>
+    <dgm:presOf/>
+    <dgm:constrLst>
+      <dgm:constr type="h" for="ch" forName="composite" refType="h"/>
+      <dgm:constr type="w" for="ch" forName="composite" refType="w"/>
+      <dgm:constr type="h" for="des" forName="parentText" op="equ"/>
+      <dgm:constr type="h" for="ch" forName="sp" val="-14.88"/>
+      <dgm:constr type="h" for="ch" forName="sp" refType="w" refFor="des" refForName="parentText" op="gte" fact="-0.3"/>
+      <dgm:constr type="primFontSz" for="des" forName="parentText" op="equ" val="65"/>
+      <dgm:constr type="primFontSz" for="des" forName="descendantText" op="equ" val="65"/>
+    </dgm:constrLst>
+    <dgm:ruleLst/>
+    <dgm:forEach name="Name0" axis="ch" ptType="node">
+      <dgm:layoutNode name="composite">
+        <dgm:alg type="composite"/>
+        <dgm:shape xmlns:r="http://schemas.openxmlformats.org/officeDocument/2006/relationships" r:blip="">
+          <dgm:adjLst/>
+        </dgm:shape>
+        <dgm:presOf/>
+        <dgm:choose name="Name1">
+          <dgm:if name="Name2" func="var" arg="dir" op="equ" val="norm">
+            <dgm:constrLst>
+              <dgm:constr type="t" for="ch" forName="parentText"/>
+              <dgm:constr type="l" for="ch" forName="parentText"/>
+              <dgm:constr type="w" for="ch" forName="parentText" refType="w" fact="0.4"/>
+              <dgm:constr type="h" for="ch" forName="parentText" refType="h"/>
+              <dgm:constr type="w" for="ch" forName="parentText" refType="w" op="lte" fact="0.5"/>
+              <dgm:constr type="w" for="ch" forName="parentText" refType="h" refFor="ch" refForName="parentText" op="lte" fact="0.7"/>
+              <dgm:constr type="h" for="ch" forName="parentText" refType="w" refFor="ch" refForName="parentText" op="lte" fact="3"/>
+              <dgm:constr type="l" for="ch" forName="descendantText" refType="w" refFor="ch" refForName="parentText"/>
+              <dgm:constr type="w" for="ch" forName="descendantText" refType="w"/>
+              <dgm:constr type="wOff" for="ch" forName="descendantText" refType="w" refFor="ch" refForName="parentText" fact="-1"/>
+              <dgm:constr type="t" for="ch" forName="descendantText"/>
+              <dgm:constr type="b" for="ch" forName="descendantText" refType="h" refFor="ch" refForName="parentText"/>
+              <dgm:constr type="bOff" for="ch" forName="descendantText" refType="w" refFor="ch" refForName="parentText" fact="-0.5"/>
+            </dgm:constrLst>
+          </dgm:if>
+          <dgm:else name="Name3">
+            <dgm:constrLst>
+              <dgm:constr type="t" for="ch" forName="parentText"/>
+              <dgm:constr type="r" for="ch" forName="parentText" refType="w"/>
+              <dgm:constr type="w" for="ch" forName="parentText" refType="w" fact="0.4"/>
+              <dgm:constr type="h" for="ch" forName="parentText" refType="h"/>
+              <dgm:constr type="w" for="ch" forName="parentText" refType="w" op="lte" fact="0.5"/>
+              <dgm:constr type="w" for="ch" forName="parentText" refType="h" refFor="ch" refForName="parentText" op="lte" fact="0.7"/>
+              <dgm:constr type="h" for="ch" forName="parentText" refType="w" refFor="ch" refForName="parentText" op="lte" fact="3"/>
+              <dgm:constr type="l" for="ch" forName="descendantText"/>
+              <dgm:constr type="w" for="ch" forName="descendantText" refType="w"/>
+              <dgm:constr type="wOff" for="ch" forName="descendantText" refType="w" refFor="ch" refForName="parentText" fact="-1"/>
+              <dgm:constr type="t" for="ch" forName="descendantText"/>
+              <dgm:constr type="b" for="ch" forName="descendantText" refType="h" refFor="ch" refForName="parentText"/>
+              <dgm:constr type="bOff" for="ch" forName="descendantText" refType="w" refFor="ch" refForName="parentText" fact="-0.5"/>
+            </dgm:constrLst>
+          </dgm:else>
+        </dgm:choose>
+        <dgm:ruleLst/>
+        <dgm:layoutNode name="parentText" styleLbl="alignNode1">
+          <dgm:varLst>
+            <dgm:chMax val="1"/>
+            <dgm:bulletEnabled val="1"/>
+          </dgm:varLst>
+          <dgm:alg type="tx"/>
+          <dgm:shape xmlns:r="http://schemas.openxmlformats.org/officeDocument/2006/relationships" rot="90" type="chevron" r:blip="">
+            <dgm:adjLst/>
+          </dgm:shape>
+          <dgm:presOf axis="self" ptType="node"/>
+          <dgm:constrLst>
+            <dgm:constr type="lMarg" refType="primFontSz" fact="0.05"/>
+            <dgm:constr type="rMarg" refType="primFontSz" fact="0.05"/>
+            <dgm:constr type="tMarg" refType="primFontSz" fact="0.05"/>
+            <dgm:constr type="bMarg" refType="primFontSz" fact="0.05"/>
+          </dgm:constrLst>
+          <dgm:ruleLst>
+            <dgm:rule type="h" val="100" fact="NaN" max="NaN"/>
+            <dgm:rule type="primFontSz" val="24" fact="NaN" max="NaN"/>
+            <dgm:rule type="h" val="110" fact="NaN" max="NaN"/>
+            <dgm:rule type="primFontSz" val="18" fact="NaN" max="NaN"/>
+            <dgm:rule type="h" val="INF" fact="NaN" max="NaN"/>
+            <dgm:rule type="primFontSz" val="5" fact="NaN" max="NaN"/>
+          </dgm:ruleLst>
+        </dgm:layoutNode>
+        <dgm:layoutNode name="descendantText" styleLbl="alignAcc1">
+          <dgm:varLst>
+            <dgm:bulletEnabled val="1"/>
+          </dgm:varLst>
+          <dgm:choose name="Name4">
+            <dgm:if name="Name5" func="var" arg="dir" op="equ" val="norm">
+              <dgm:alg type="tx">
+                <dgm:param type="stBulletLvl" val="1"/>
+                <dgm:param type="txAnchorVertCh" val="mid"/>
+              </dgm:alg>
+              <dgm:shape xmlns:r="http://schemas.openxmlformats.org/officeDocument/2006/relationships" rot="90" type="round2SameRect" r:blip="">
+                <dgm:adjLst/>
+              </dgm:shape>
+            </dgm:if>
+            <dgm:else name="Name6">
+              <dgm:alg type="tx">
+                <dgm:param type="stBulletLvl" val="1"/>
+                <dgm:param type="txAnchorVertCh" val="mid"/>
+              </dgm:alg>
+              <dgm:shape xmlns:r="http://schemas.openxmlformats.org/officeDocument/2006/relationships" rot="-90" type="round2SameRect" r:blip="">
+                <dgm:adjLst/>
+              </dgm:shape>
+            </dgm:else>
+          </dgm:choose>
+          <dgm:presOf axis="des" ptType="node"/>
+          <dgm:choose name="Name7">
+            <dgm:if name="Name8" func="var" arg="dir" op="equ" val="norm">
+              <dgm:constrLst>
+                <dgm:constr type="secFontSz" refType="primFontSz"/>
+                <dgm:constr type="tMarg" refType="primFontSz" fact="0.05"/>
+                <dgm:constr type="bMarg" refType="primFontSz" fact="0.05"/>
+                <dgm:constr type="rMarg" refType="primFontSz" fact="0.05"/>
+              </dgm:constrLst>
+            </dgm:if>
+            <dgm:else name="Name9">
+              <dgm:constrLst>
+                <dgm:constr type="secFontSz" refType="primFontSz"/>
+                <dgm:constr type="tMarg" refType="primFontSz" fact="0.05"/>
+                <dgm:constr type="bMarg" refType="primFontSz" fact="0.05"/>
+                <dgm:constr type="lMarg" refType="primFontSz" fact="0.05"/>
+              </dgm:constrLst>
+            </dgm:else>
+          </dgm:choose>
+          <dgm:ruleLst>
+            <dgm:rule type="primFontSz" val="5" fact="NaN" max="NaN"/>
+          </dgm:ruleLst>
+        </dgm:layoutNode>
+      </dgm:layoutNode>
+      <dgm:forEach name="Name10" axis="followSib" ptType="sibTrans" cnt="1">
+        <dgm:layoutNode name="sp">
+          <dgm:alg type="sp"/>
+          <dgm:shape xmlns:r="http://schemas.openxmlformats.org/officeDocument/2006/relationships" r:blip="">
+            <dgm:adjLst/>
+          </dgm:shape>
+          <dgm:presOf axis="self"/>
+          <dgm:constrLst>
+            <dgm:constr type="w" val="1"/>
+            <dgm:constr type="h" val="37.5"/>
+          </dgm:constrLst>
+          <dgm:ruleLst/>
+        </dgm:layoutNode>
+      </dgm:forEach>
+    </dgm:forEach>
+  </dgm:layoutNode>
+</dgm:layoutDef>
+</file>
+
+<file path=ppt/diagrams/quickStyle1.xml><?xml version="1.0" encoding="utf-8"?>
+<dgm:styleDef xmlns:dgm="http://schemas.openxmlformats.org/drawingml/2006/diagram" xmlns:a="http://schemas.openxmlformats.org/drawingml/2006/main" uniqueId="urn:microsoft.com/office/officeart/2005/8/quickstyle/simple1">
+  <dgm:title val=""/>
+  <dgm:desc val=""/>
+  <dgm:catLst>
+    <dgm:cat type="simple" pri="10100"/>
+  </dgm:catLst>
+  <dgm:scene3d>
+    <a:camera prst="orthographicFront"/>
+    <a:lightRig rig="threePt" dir="t"/>
+  </dgm:scene3d>
+  <dgm:styleLbl name="node0">
+    <dgm:scene3d>
+      <a:camera prst="orthographicFront"/>
+      <a:lightRig rig="threePt" dir="t"/>
+    </dgm:scene3d>
+    <dgm:sp3d/>
+    <dgm:txPr/>
+    <dgm:style>
+      <a:lnRef idx="2">
+        <a:scrgbClr r="0" g="0" b="0"/>
+      </a:lnRef>
+      <a:fillRef idx="1">
+        <a:scrgbClr r="0" g="0" b="0"/>
+      </a:fillRef>
+      <a:effectRef idx="0">
+        <a:scrgbClr r="0" g="0" b="0"/>
+      </a:effectRef>
+      <a:fontRef idx="minor">
+        <a:schemeClr val="lt1"/>
+      </a:fontRef>
+    </dgm:style>
+  </dgm:styleLbl>
+  <dgm:styleLbl name="lnNode1">
+    <dgm:scene3d>
+      <a:camera prst="orthographicFront"/>
+      <a:lightRig rig="threePt" dir="t"/>
+    </dgm:scene3d>
+    <dgm:sp3d/>
+    <dgm:txPr/>
+    <dgm:style>
+      <a:lnRef idx="2">
+        <a:scrgbClr r="0" g="0" b="0"/>
+      </a:lnRef>
+      <a:fillRef idx="1">
+        <a:scrgbClr r="0" g="0" b="0"/>
+      </a:fillRef>
+      <a:effectRef idx="0">
+        <a:scrgbClr r="0" g="0" b="0"/>
+      </a:effectRef>
+      <a:fontRef idx="minor">
+        <a:schemeClr val="lt1"/>
+      </a:fontRef>
+    </dgm:style>
+  </dgm:styleLbl>
+  <dgm:styleLbl name="vennNode1">
+    <dgm:scene3d>
+      <a:camera prst="orthographicFront"/>
+      <a:lightRig rig="threePt" dir="t"/>
+    </dgm:scene3d>
+    <dgm:sp3d/>
+    <dgm:txPr/>
+    <dgm:style>
+      <a:lnRef idx="2">
+        <a:scrgbClr r="0" g="0" b="0"/>
+      </a:lnRef>
+      <a:fillRef idx="1">
+        <a:scrgbClr r="0" g="0" b="0"/>
+      </a:fillRef>
+      <a:effectRef idx="0">
+        <a:scrgbClr r="0" g="0" b="0"/>
+      </a:effectRef>
+      <a:fontRef idx="minor">
+        <a:schemeClr val="tx1"/>
+      </a:fontRef>
+    </dgm:style>
+  </dgm:styleLbl>
+  <dgm:styleLbl name="alignNode1">
+    <dgm:scene3d>
+      <a:camera prst="orthographicFront"/>
+      <a:lightRig rig="threePt" dir="t"/>
+    </dgm:scene3d>
+    <dgm:sp3d/>
+    <dgm:txPr/>
+    <dgm:style>
+      <a:lnRef idx="2">
+        <a:scrgbClr r="0" g="0" b="0"/>
+      </a:lnRef>
+      <a:fillRef idx="1">
+        <a:scrgbClr r="0" g="0" b="0"/>
+      </a:fillRef>
+      <a:effectRef idx="0">
+        <a:scrgbClr r="0" g="0" b="0"/>
+      </a:effectRef>
+      <a:fontRef idx="minor">
+        <a:schemeClr val="lt1"/>
+      </a:fontRef>
+    </dgm:style>
+  </dgm:styleLbl>
+  <dgm:styleLbl name="node1">
+    <dgm:scene3d>
+      <a:camera prst="orthographicFront"/>
+      <a:lightRig rig="threePt" dir="t"/>
+    </dgm:scene3d>
+    <dgm:sp3d/>
+    <dgm:txPr/>
+    <dgm:style>
+      <a:lnRef idx="2">
+        <a:scrgbClr r="0" g="0" b="0"/>
+      </a:lnRef>
+      <a:fillRef idx="1">
+        <a:scrgbClr r="0" g="0" b="0"/>
+      </a:fillRef>
+      <a:effectRef idx="0">
+        <a:scrgbClr r="0" g="0" b="0"/>
+      </a:effectRef>
+      <a:fontRef idx="minor">
+        <a:schemeClr val="lt1"/>
+      </a:fontRef>
+    </dgm:style>
+  </dgm:styleLbl>
+  <dgm:styleLbl name="node2">
+    <dgm:scene3d>
+      <a:camera prst="orthographicFront"/>
+      <a:lightRig rig="threePt" dir="t"/>
+    </dgm:scene3d>
+    <dgm:sp3d/>
+    <dgm:txPr/>
+    <dgm:style>
+      <a:lnRef idx="2">
+        <a:scrgbClr r="0" g="0" b="0"/>
+      </a:lnRef>
+      <a:fillRef idx="1">
+        <a:scrgbClr r="0" g="0" b="0"/>
+      </a:fillRef>
+      <a:effectRef idx="0">
+        <a:scrgbClr r="0" g="0" b="0"/>
+      </a:effectRef>
+      <a:fontRef idx="minor">
+        <a:schemeClr val="lt1"/>
+      </a:fontRef>
+    </dgm:style>
+  </dgm:styleLbl>
+  <dgm:styleLbl name="node3">
+    <dgm:scene3d>
+      <a:camera prst="orthographicFront"/>
+      <a:lightRig rig="threePt" dir="t"/>
+    </dgm:scene3d>
+    <dgm:sp3d/>
+    <dgm:txPr/>
+    <dgm:style>
+      <a:lnRef idx="2">
+        <a:scrgbClr r="0" g="0" b="0"/>
+      </a:lnRef>
+      <a:fillRef idx="1">
+        <a:scrgbClr r="0" g="0" b="0"/>
+      </a:fillRef>
+      <a:effectRef idx="0">
+        <a:scrgbClr r="0" g="0" b="0"/>
+      </a:effectRef>
+      <a:fontRef idx="minor">
+        <a:schemeClr val="lt1"/>
+      </a:fontRef>
+    </dgm:style>
+  </dgm:styleLbl>
+  <dgm:styleLbl name="node4">
+    <dgm:scene3d>
+      <a:camera prst="orthographicFront"/>
+      <a:lightRig rig="threePt" dir="t"/>
+    </dgm:scene3d>
+    <dgm:sp3d/>
+    <dgm:txPr/>
+    <dgm:style>
+      <a:lnRef idx="2">
+        <a:scrgbClr r="0" g="0" b="0"/>
+      </a:lnRef>
+      <a:fillRef idx="1">
+        <a:scrgbClr r="0" g="0" b="0"/>
+      </a:fillRef>
+      <a:effectRef idx="0">
+        <a:scrgbClr r="0" g="0" b="0"/>
+      </a:effectRef>
+      <a:fontRef idx="minor">
+        <a:schemeClr val="lt1"/>
+      </a:fontRef>
+    </dgm:style>
+  </dgm:styleLbl>
+  <dgm:styleLbl name="fgImgPlace1">
+    <dgm:scene3d>
+      <a:camera prst="orthographicFront"/>
+      <a:lightRig rig="threePt" dir="t"/>
+    </dgm:scene3d>
+    <dgm:sp3d/>
+    <dgm:txPr/>
+    <dgm:style>
+      <a:lnRef idx="2">
+        <a:scrgbClr r="0" g="0" b="0"/>
+      </a:lnRef>
+      <a:fillRef idx="1">
+        <a:scrgbClr r="0" g="0" b="0"/>
+      </a:fillRef>
+      <a:effectRef idx="0">
+        <a:scrgbClr r="0" g="0" b="0"/>
+      </a:effectRef>
+      <a:fontRef idx="minor"/>
+    </dgm:style>
+  </dgm:styleLbl>
+  <dgm:styleLbl name="alignImgPlace1">
+    <dgm:scene3d>
+      <a:camera prst="orthographicFront"/>
+      <a:lightRig rig="threePt" dir="t"/>
+    </dgm:scene3d>
+    <dgm:sp3d/>
+    <dgm:txPr/>
+    <dgm:style>
+      <a:lnRef idx="2">
+        <a:scrgbClr r="0" g="0" b="0"/>
+      </a:lnRef>
+      <a:fillRef idx="1">
+        <a:scrgbClr r="0" g="0" b="0"/>
+      </a:fillRef>
+      <a:effectRef idx="0">
+        <a:scrgbClr r="0" g="0" b="0"/>
+      </a:effectRef>
+      <a:fontRef idx="minor"/>
+    </dgm:style>
+  </dgm:styleLbl>
+  <dgm:styleLbl name="bgImgPlace1">
+    <dgm:scene3d>
+      <a:camera prst="orthographicFront"/>
+      <a:lightRig rig="threePt" dir="t"/>
+    </dgm:scene3d>
+    <dgm:sp3d/>
+    <dgm:txPr/>
+    <dgm:style>
+      <a:lnRef idx="2">
+        <a:scrgbClr r="0" g="0" b="0"/>
+      </a:lnRef>
+      <a:fillRef idx="1">
+        <a:scrgbClr r="0" g="0" b="0"/>
+      </a:fillRef>
+      <a:effectRef idx="0">
+        <a:scrgbClr r="0" g="0" b="0"/>
+      </a:effectRef>
+      <a:fontRef idx="minor"/>
+    </dgm:style>
+  </dgm:styleLbl>
+  <dgm:styleLbl name="sibTrans2D1">
+    <dgm:scene3d>
+      <a:camera prst="orthographicFront"/>
+      <a:lightRig rig="threePt" dir="t"/>
+    </dgm:scene3d>
+    <dgm:sp3d/>
+    <dgm:txPr/>
+    <dgm:style>
+      <a:lnRef idx="0">
+        <a:scrgbClr r="0" g="0" b="0"/>
+      </a:lnRef>
+      <a:fillRef idx="1">
+        <a:scrgbClr r="0" g="0" b="0"/>
+      </a:fillRef>
+      <a:effectRef idx="0">
+        <a:scrgbClr r="0" g="0" b="0"/>
+      </a:effectRef>
+      <a:fontRef idx="minor">
+        <a:schemeClr val="lt1"/>
+      </a:fontRef>
+    </dgm:style>
+  </dgm:styleLbl>
+  <dgm:styleLbl name="fgSibTrans2D1">
+    <dgm:scene3d>
+      <a:camera prst="orthographicFront"/>
+      <a:lightRig rig="threePt" dir="t"/>
+    </dgm:scene3d>
+    <dgm:sp3d/>
+    <dgm:txPr/>
+    <dgm:style>
+      <a:lnRef idx="0">
+        <a:scrgbClr r="0" g="0" b="0"/>
+      </a:lnRef>
+      <a:fillRef idx="1">
+        <a:scrgbClr r="0" g="0" b="0"/>
+      </a:fillRef>
+      <a:effectRef idx="0">
+        <a:scrgbClr r="0" g="0" b="0"/>
+      </a:effectRef>
+      <a:fontRef idx="minor">
+        <a:schemeClr val="lt1"/>
+      </a:fontRef>
+    </dgm:style>
+  </dgm:styleLbl>
+  <dgm:styleLbl name="bgSibTrans2D1">
+    <dgm:scene3d>
+      <a:camera prst="orthographicFront"/>
+      <a:lightRig rig="threePt" dir="t"/>
+    </dgm:scene3d>
+    <dgm:sp3d/>
+    <dgm:txPr/>
+    <dgm:style>
+      <a:lnRef idx="0">
+        <a:scrgbClr r="0" g="0" b="0"/>
+      </a:lnRef>
+      <a:fillRef idx="1">
+        <a:scrgbClr r="0" g="0" b="0"/>
+      </a:fillRef>
+      <a:effectRef idx="0">
+        <a:scrgbClr r="0" g="0" b="0"/>
+      </a:effectRef>
+      <a:fontRef idx="minor">
+        <a:schemeClr val="lt1"/>
+      </a:fontRef>
+    </dgm:style>
+  </dgm:styleLbl>
+  <dgm:styleLbl name="sibTrans1D1">
+    <dgm:scene3d>
+      <a:camera prst="orthographicFront"/>
+      <a:lightRig rig="threePt" dir="t"/>
+    </dgm:scene3d>
+    <dgm:sp3d/>
+    <dgm:txPr/>
+    <dgm:style>
+      <a:lnRef idx="1">
+        <a:scrgbClr r="0" g="0" b="0"/>
+      </a:lnRef>
+      <a:fillRef idx="0">
+        <a:scrgbClr r="0" g="0" b="0"/>
+      </a:fillRef>
+      <a:effectRef idx="0">
+        <a:scrgbClr r="0" g="0" b="0"/>
+      </a:effectRef>
+      <a:fontRef idx="minor"/>
+    </dgm:style>
+  </dgm:styleLbl>
+  <dgm:styleLbl name="callout">
+    <dgm:scene3d>
+      <a:camera prst="orthographicFront"/>
+      <a:lightRig rig="threePt" dir="t"/>
+    </dgm:scene3d>
+    <dgm:sp3d/>
+    <dgm:txPr/>
+    <dgm:style>
+      <a:lnRef idx="2">
+        <a:scrgbClr r="0" g="0" b="0"/>
+      </a:lnRef>
+      <a:fillRef idx="1">
+        <a:scrgbClr r="0" g="0" b="0"/>
+      </a:fillRef>
+      <a:effectRef idx="0">
+        <a:scrgbClr r="0" g="0" b="0"/>
+      </a:effectRef>
+      <a:fontRef idx="minor"/>
+    </dgm:style>
+  </dgm:styleLbl>
+  <dgm:styleLbl name="asst0">
+    <dgm:scene3d>
+      <a:camera prst="orthographicFront"/>
+      <a:lightRig rig="threePt" dir="t"/>
+    </dgm:scene3d>
+    <dgm:sp3d/>
+    <dgm:txPr/>
+    <dgm:style>
+      <a:lnRef idx="2">
+        <a:scrgbClr r="0" g="0" b="0"/>
+      </a:lnRef>
+      <a:fillRef idx="1">
+        <a:scrgbClr r="0" g="0" b="0"/>
+      </a:fillRef>
+      <a:effectRef idx="0">
+        <a:scrgbClr r="0" g="0" b="0"/>
+      </a:effectRef>
+      <a:fontRef idx="minor">
+        <a:schemeClr val="lt1"/>
+      </a:fontRef>
+    </dgm:style>
+  </dgm:styleLbl>
+  <dgm:styleLbl name="asst1">
+    <dgm:scene3d>
+      <a:camera prst="orthographicFront"/>
+      <a:lightRig rig="threePt" dir="t"/>
+    </dgm:scene3d>
+    <dgm:sp3d/>
+    <dgm:txPr/>
+    <dgm:style>
+      <a:lnRef idx="2">
+        <a:scrgbClr r="0" g="0" b="0"/>
+      </a:lnRef>
+      <a:fillRef idx="1">
+        <a:scrgbClr r="0" g="0" b="0"/>
+      </a:fillRef>
+      <a:effectRef idx="0">
+        <a:scrgbClr r="0" g="0" b="0"/>
+      </a:effectRef>
+      <a:fontRef idx="minor">
+        <a:schemeClr val="lt1"/>
+      </a:fontRef>
+    </dgm:style>
+  </dgm:styleLbl>
+  <dgm:styleLbl name="asst2">
+    <dgm:scene3d>
+      <a:camera prst="orthographicFront"/>
+      <a:lightRig rig="threePt" dir="t"/>
+    </dgm:scene3d>
+    <dgm:sp3d/>
+    <dgm:txPr/>
+    <dgm:style>
+      <a:lnRef idx="2">
+        <a:scrgbClr r="0" g="0" b="0"/>
+      </a:lnRef>
+      <a:fillRef idx="1">
+        <a:scrgbClr r="0" g="0" b="0"/>
+      </a:fillRef>
+      <a:effectRef idx="0">
+        <a:scrgbClr r="0" g="0" b="0"/>
+      </a:effectRef>
+      <a:fontRef idx="minor">
+        <a:schemeClr val="lt1"/>
+      </a:fontRef>
+    </dgm:style>
+  </dgm:styleLbl>
+  <dgm:styleLbl name="asst3">
+    <dgm:scene3d>
+      <a:camera prst="orthographicFront"/>
+      <a:lightRig rig="threePt" dir="t"/>
+    </dgm:scene3d>
+    <dgm:sp3d/>
+    <dgm:txPr/>
+    <dgm:style>
+      <a:lnRef idx="2">
+        <a:scrgbClr r="0" g="0" b="0"/>
+      </a:lnRef>
+      <a:fillRef idx="1">
+        <a:scrgbClr r="0" g="0" b="0"/>
+      </a:fillRef>
+      <a:effectRef idx="0">
+        <a:scrgbClr r="0" g="0" b="0"/>
+      </a:effectRef>
+      <a:fontRef idx="minor">
+        <a:schemeClr val="lt1"/>
+      </a:fontRef>
+    </dgm:style>
+  </dgm:styleLbl>
+  <dgm:styleLbl name="asst4">
+    <dgm:scene3d>
+      <a:camera prst="orthographicFront"/>
+      <a:lightRig rig="threePt" dir="t"/>
+    </dgm:scene3d>
+    <dgm:sp3d/>
+    <dgm:txPr/>
+    <dgm:style>
+      <a:lnRef idx="2">
+        <a:scrgbClr r="0" g="0" b="0"/>
+      </a:lnRef>
+      <a:fillRef idx="1">
+        <a:scrgbClr r="0" g="0" b="0"/>
+      </a:fillRef>
+      <a:effectRef idx="0">
+        <a:scrgbClr r="0" g="0" b="0"/>
+      </a:effectRef>
+      <a:fontRef idx="minor">
+        <a:schemeClr val="lt1"/>
+      </a:fontRef>
+    </dgm:style>
+  </dgm:styleLbl>
+  <dgm:styleLbl name="parChTrans2D1">
+    <dgm:scene3d>
+      <a:camera prst="orthographicFront"/>
+      <a:lightRig rig="threePt" dir="t"/>
+    </dgm:scene3d>
+    <dgm:sp3d/>
+    <dgm:txPr/>
+    <dgm:style>
+      <a:lnRef idx="2">
+        <a:scrgbClr r="0" g="0" b="0"/>
+      </a:lnRef>
+      <a:fillRef idx="1">
+        <a:scrgbClr r="0" g="0" b="0"/>
+      </a:fillRef>
+      <a:effectRef idx="0">
+        <a:scrgbClr r="0" g="0" b="0"/>
+      </a:effectRef>
+      <a:fontRef idx="minor">
+        <a:schemeClr val="lt1"/>
+      </a:fontRef>
+    </dgm:style>
+  </dgm:styleLbl>
+  <dgm:styleLbl name="parChTrans2D2">
+    <dgm:scene3d>
+      <a:camera prst="orthographicFront"/>
+      <a:lightRig rig="threePt" dir="t"/>
+    </dgm:scene3d>
+    <dgm:sp3d/>
+    <dgm:txPr/>
+    <dgm:style>
+      <a:lnRef idx="2">
+        <a:scrgbClr r="0" g="0" b="0"/>
+      </a:lnRef>
+      <a:fillRef idx="1">
+        <a:scrgbClr r="0" g="0" b="0"/>
+      </a:fillRef>
+      <a:effectRef idx="0">
+        <a:scrgbClr r="0" g="0" b="0"/>
+      </a:effectRef>
+      <a:fontRef idx="minor">
+        <a:schemeClr val="lt1"/>
+      </a:fontRef>
+    </dgm:style>
+  </dgm:styleLbl>
+  <dgm:styleLbl name="parChTrans2D3">
+    <dgm:scene3d>
+      <a:camera prst="orthographicFront"/>
+      <a:lightRig rig="threePt" dir="t"/>
+    </dgm:scene3d>
+    <dgm:sp3d/>
+    <dgm:txPr/>
+    <dgm:style>
+      <a:lnRef idx="2">
+        <a:scrgbClr r="0" g="0" b="0"/>
+      </a:lnRef>
+      <a:fillRef idx="1">
+        <a:scrgbClr r="0" g="0" b="0"/>
+      </a:fillRef>
+      <a:effectRef idx="0">
+        <a:scrgbClr r="0" g="0" b="0"/>
+      </a:effectRef>
+      <a:fontRef idx="minor">
+        <a:schemeClr val="lt1"/>
+      </a:fontRef>
+    </dgm:style>
+  </dgm:styleLbl>
+  <dgm:styleLbl name="parChTrans2D4">
+    <dgm:scene3d>
+      <a:camera prst="orthographicFront"/>
+      <a:lightRig rig="threePt" dir="t"/>
+    </dgm:scene3d>
+    <dgm:sp3d/>
+    <dgm:txPr/>
+    <dgm:style>
+      <a:lnRef idx="2">
+        <a:scrgbClr r="0" g="0" b="0"/>
+      </a:lnRef>
+      <a:fillRef idx="1">
+        <a:scrgbClr r="0" g="0" b="0"/>
+      </a:fillRef>
+      <a:effectRef idx="0">
+        <a:scrgbClr r="0" g="0" b="0"/>
+      </a:effectRef>
+      <a:fontRef idx="minor">
+        <a:schemeClr val="lt1"/>
+      </a:fontRef>
+    </dgm:style>
+  </dgm:styleLbl>
+  <dgm:styleLbl name="parChTrans1D1">
+    <dgm:scene3d>
+      <a:camera prst="orthographicFront"/>
+      <a:lightRig rig="threePt" dir="t"/>
+    </dgm:scene3d>
+    <dgm:sp3d/>
+    <dgm:txPr/>
+    <dgm:style>
+      <a:lnRef idx="2">
+        <a:scrgbClr r="0" g="0" b="0"/>
+      </a:lnRef>
+      <a:fillRef idx="0">
+        <a:scrgbClr r="0" g="0" b="0"/>
+      </a:fillRef>
+      <a:effectRef idx="0">
+        <a:scrgbClr r="0" g="0" b="0"/>
+      </a:effectRef>
+      <a:fontRef idx="minor"/>
+    </dgm:style>
+  </dgm:styleLbl>
+  <dgm:styleLbl name="parChTrans1D2">
+    <dgm:scene3d>
+      <a:camera prst="orthographicFront"/>
+      <a:lightRig rig="threePt" dir="t"/>
+    </dgm:scene3d>
+    <dgm:sp3d/>
+    <dgm:txPr/>
+    <dgm:style>
+      <a:lnRef idx="2">
+        <a:scrgbClr r="0" g="0" b="0"/>
+      </a:lnRef>
+      <a:fillRef idx="0">
+        <a:scrgbClr r="0" g="0" b="0"/>
+      </a:fillRef>
+      <a:effectRef idx="0">
+        <a:scrgbClr r="0" g="0" b="0"/>
+      </a:effectRef>
+      <a:fontRef idx="minor"/>
+    </dgm:style>
+  </dgm:styleLbl>
+  <dgm:styleLbl name="parChTrans1D3">
+    <dgm:scene3d>
+      <a:camera prst="orthographicFront"/>
+      <a:lightRig rig="threePt" dir="t"/>
+    </dgm:scene3d>
+    <dgm:sp3d/>
+    <dgm:txPr/>
+    <dgm:style>
+      <a:lnRef idx="2">
+        <a:scrgbClr r="0" g="0" b="0"/>
+      </a:lnRef>
+      <a:fillRef idx="0">
+        <a:scrgbClr r="0" g="0" b="0"/>
+      </a:fillRef>
+      <a:effectRef idx="0">
+        <a:scrgbClr r="0" g="0" b="0"/>
+      </a:effectRef>
+      <a:fontRef idx="minor"/>
+    </dgm:style>
+  </dgm:styleLbl>
+  <dgm:styleLbl name="parChTrans1D4">
+    <dgm:scene3d>
+      <a:camera prst="orthographicFront"/>
+      <a:lightRig rig="threePt" dir="t"/>
+    </dgm:scene3d>
+    <dgm:sp3d/>
+    <dgm:txPr/>
+    <dgm:style>
+      <a:lnRef idx="2">
+        <a:scrgbClr r="0" g="0" b="0"/>
+      </a:lnRef>
+      <a:fillRef idx="0">
+        <a:scrgbClr r="0" g="0" b="0"/>
+      </a:fillRef>
+      <a:effectRef idx="0">
+        <a:scrgbClr r="0" g="0" b="0"/>
+      </a:effectRef>
+      <a:fontRef idx="minor"/>
+    </dgm:style>
+  </dgm:styleLbl>
+  <dgm:styleLbl name="fgAcc1">
+    <dgm:scene3d>
+      <a:camera prst="orthographicFront"/>
+      <a:lightRig rig="threePt" dir="t"/>
+    </dgm:scene3d>
+    <dgm:sp3d/>
+    <dgm:txPr/>
+    <dgm:style>
+      <a:lnRef idx="2">
+        <a:scrgbClr r="0" g="0" b="0"/>
+      </a:lnRef>
+      <a:fillRef idx="1">
+        <a:scrgbClr r="0" g="0" b="0"/>
+      </a:fillRef>
+      <a:effectRef idx="0">
+        <a:scrgbClr r="0" g="0" b="0"/>
+      </a:effectRef>
+      <a:fontRef idx="minor"/>
+    </dgm:style>
+  </dgm:styleLbl>
+  <dgm:styleLbl name="conFgAcc1">
+    <dgm:scene3d>
+      <a:camera prst="orthographicFront"/>
+      <a:lightRig rig="threePt" dir="t"/>
+    </dgm:scene3d>
+    <dgm:sp3d/>
+    <dgm:txPr/>
+    <dgm:style>
+      <a:lnRef idx="2">
+        <a:scrgbClr r="0" g="0" b="0"/>
+      </a:lnRef>
+      <a:fillRef idx="1">
+        <a:scrgbClr r="0" g="0" b="0"/>
+      </a:fillRef>
+      <a:effectRef idx="0">
+        <a:scrgbClr r="0" g="0" b="0"/>
+      </a:effectRef>
+      <a:fontRef idx="minor"/>
+    </dgm:style>
+  </dgm:styleLbl>
+  <dgm:styleLbl name="alignAcc1">
+    <dgm:scene3d>
+      <a:camera prst="orthographicFront"/>
+      <a:lightRig rig="threePt" dir="t"/>
+    </dgm:scene3d>
+    <dgm:sp3d/>
+    <dgm:txPr/>
+    <dgm:style>
+      <a:lnRef idx="2">
+        <a:scrgbClr r="0" g="0" b="0"/>
+      </a:lnRef>
+      <a:fillRef idx="1">
+        <a:scrgbClr r="0" g="0" b="0"/>
+      </a:fillRef>
+      <a:effectRef idx="0">
+        <a:scrgbClr r="0" g="0" b="0"/>
+      </a:effectRef>
+      <a:fontRef idx="minor"/>
+    </dgm:style>
+  </dgm:styleLbl>
+  <dgm:styleLbl name="trAlignAcc1">
+    <dgm:scene3d>
+      <a:camera prst="orthographicFront"/>
+      <a:lightRig rig="threePt" dir="t"/>
+    </dgm:scene3d>
+    <dgm:sp3d/>
+    <dgm:txPr/>
+    <dgm:style>
+      <a:lnRef idx="1">
+        <a:scrgbClr r="0" g="0" b="0"/>
+      </a:lnRef>
+      <a:fillRef idx="1">
+        <a:scrgbClr r="0" g="0" b="0"/>
+      </a:fillRef>
+      <a:effectRef idx="0">
+        <a:scrgbClr r="0" g="0" b="0"/>
+      </a:effectRef>
+      <a:fontRef idx="minor"/>
+    </dgm:style>
+  </dgm:styleLbl>
+  <dgm:styleLbl name="bgAcc1">
+    <dgm:scene3d>
+      <a:camera prst="orthographicFront"/>
+      <a:lightRig rig="threePt" dir="t"/>
+    </dgm:scene3d>
+    <dgm:sp3d/>
+    <dgm:txPr/>
+    <dgm:style>
+      <a:lnRef idx="2">
+        <a:scrgbClr r="0" g="0" b="0"/>
+      </a:lnRef>
+      <a:fillRef idx="1">
+        <a:scrgbClr r="0" g="0" b="0"/>
+      </a:fillRef>
+      <a:effectRef idx="0">
+        <a:scrgbClr r="0" g="0" b="0"/>
+      </a:effectRef>
+      <a:fontRef idx="minor"/>
+    </dgm:style>
+  </dgm:styleLbl>
+  <dgm:styleLbl name="solidFgAcc1">
+    <dgm:scene3d>
+      <a:camera prst="orthographicFront"/>
+      <a:lightRig rig="threePt" dir="t"/>
+    </dgm:scene3d>
+    <dgm:sp3d/>
+    <dgm:txPr/>
+    <dgm:style>
+      <a:lnRef idx="2">
+        <a:scrgbClr r="0" g="0" b="0"/>
+      </a:lnRef>
+      <a:fillRef idx="1">
+        <a:scrgbClr r="0" g="0" b="0"/>
+      </a:fillRef>
+      <a:effectRef idx="0">
+        <a:scrgbClr r="0" g="0" b="0"/>
+      </a:effectRef>
+      <a:fontRef idx="minor"/>
+    </dgm:style>
+  </dgm:styleLbl>
+  <dgm:styleLbl name="solidAlignAcc1">
+    <dgm:scene3d>
+      <a:camera prst="orthographicFront"/>
+      <a:lightRig rig="threePt" dir="t"/>
+    </dgm:scene3d>
+    <dgm:sp3d/>
+    <dgm:txPr/>
+    <dgm:style>
+      <a:lnRef idx="2">
+        <a:scrgbClr r="0" g="0" b="0"/>
+      </a:lnRef>
+      <a:fillRef idx="1">
+        <a:scrgbClr r="0" g="0" b="0"/>
+      </a:fillRef>
+      <a:effectRef idx="0">
+        <a:scrgbClr r="0" g="0" b="0"/>
+      </a:effectRef>
+      <a:fontRef idx="minor"/>
+    </dgm:style>
+  </dgm:styleLbl>
+  <dgm:styleLbl name="solidBgAcc1">
+    <dgm:scene3d>
+      <a:camera prst="orthographicFront"/>
+      <a:lightRig rig="threePt" dir="t"/>
+    </dgm:scene3d>
+    <dgm:sp3d/>
+    <dgm:txPr/>
+    <dgm:style>
+      <a:lnRef idx="2">
+        <a:scrgbClr r="0" g="0" b="0"/>
+      </a:lnRef>
+      <a:fillRef idx="1">
+        <a:scrgbClr r="0" g="0" b="0"/>
+      </a:fillRef>
+      <a:effectRef idx="0">
+        <a:scrgbClr r="0" g="0" b="0"/>
+      </a:effectRef>
+      <a:fontRef idx="minor"/>
+    </dgm:style>
+  </dgm:styleLbl>
+  <dgm:styleLbl name="fgAccFollowNode1">
+    <dgm:scene3d>
+      <a:camera prst="orthographicFront"/>
+      <a:lightRig rig="threePt" dir="t"/>
+    </dgm:scene3d>
+    <dgm:sp3d/>
+    <dgm:txPr/>
+    <dgm:style>
+      <a:lnRef idx="2">
+        <a:scrgbClr r="0" g="0" b="0"/>
+      </a:lnRef>
+      <a:fillRef idx="1">
+        <a:scrgbClr r="0" g="0" b="0"/>
+      </a:fillRef>
+      <a:effectRef idx="0">
+        <a:scrgbClr r="0" g="0" b="0"/>
+      </a:effectRef>
+      <a:fontRef idx="minor"/>
+    </dgm:style>
+  </dgm:styleLbl>
+  <dgm:styleLbl name="alignAccFollowNode1">
+    <dgm:scene3d>
+      <a:camera prst="orthographicFront"/>
+      <a:lightRig rig="threePt" dir="t"/>
+    </dgm:scene3d>
+    <dgm:sp3d/>
+    <dgm:txPr/>
+    <dgm:style>
+      <a:lnRef idx="2">
+        <a:scrgbClr r="0" g="0" b="0"/>
+      </a:lnRef>
+      <a:fillRef idx="1">
+        <a:scrgbClr r="0" g="0" b="0"/>
+      </a:fillRef>
+      <a:effectRef idx="0">
+        <a:scrgbClr r="0" g="0" b="0"/>
+      </a:effectRef>
+      <a:fontRef idx="minor"/>
+    </dgm:style>
+  </dgm:styleLbl>
+  <dgm:styleLbl name="bgAccFollowNode1">
+    <dgm:scene3d>
+      <a:camera prst="orthographicFront"/>
+      <a:lightRig rig="threePt" dir="t"/>
+    </dgm:scene3d>
+    <dgm:sp3d/>
+    <dgm:txPr/>
+    <dgm:style>
+      <a:lnRef idx="2">
+        <a:scrgbClr r="0" g="0" b="0"/>
+      </a:lnRef>
+      <a:fillRef idx="1">
+        <a:scrgbClr r="0" g="0" b="0"/>
+      </a:fillRef>
+      <a:effectRef idx="0">
+        <a:scrgbClr r="0" g="0" b="0"/>
+      </a:effectRef>
+      <a:fontRef idx="minor"/>
+    </dgm:style>
+  </dgm:styleLbl>
+  <dgm:styleLbl name="fgAcc0">
+    <dgm:scene3d>
+      <a:camera prst="orthographicFront"/>
+      <a:lightRig rig="threePt" dir="t"/>
+    </dgm:scene3d>
+    <dgm:sp3d/>
+    <dgm:txPr/>
+    <dgm:style>
+      <a:lnRef idx="2">
+        <a:scrgbClr r="0" g="0" b="0"/>
+      </a:lnRef>
+      <a:fillRef idx="1">
+        <a:scrgbClr r="0" g="0" b="0"/>
+      </a:fillRef>
+      <a:effectRef idx="0">
+        <a:scrgbClr r="0" g="0" b="0"/>
+      </a:effectRef>
+      <a:fontRef idx="minor"/>
+    </dgm:style>
+  </dgm:styleLbl>
+  <dgm:styleLbl name="fgAcc2">
+    <dgm:scene3d>
+      <a:camera prst="orthographicFront"/>
+      <a:lightRig rig="threePt" dir="t"/>
+    </dgm:scene3d>
+    <dgm:sp3d/>
+    <dgm:txPr/>
+    <dgm:style>
+      <a:lnRef idx="2">
+        <a:scrgbClr r="0" g="0" b="0"/>
+      </a:lnRef>
+      <a:fillRef idx="1">
+        <a:scrgbClr r="0" g="0" b="0"/>
+      </a:fillRef>
+      <a:effectRef idx="0">
+        <a:scrgbClr r="0" g="0" b="0"/>
+      </a:effectRef>
+      <a:fontRef idx="minor"/>
+    </dgm:style>
+  </dgm:styleLbl>
+  <dgm:styleLbl name="fgAcc3">
+    <dgm:scene3d>
+      <a:camera prst="orthographicFront"/>
+      <a:lightRig rig="threePt" dir="t"/>
+    </dgm:scene3d>
+    <dgm:sp3d/>
+    <dgm:txPr/>
+    <dgm:style>
+      <a:lnRef idx="2">
+        <a:scrgbClr r="0" g="0" b="0"/>
+      </a:lnRef>
+      <a:fillRef idx="1">
+        <a:scrgbClr r="0" g="0" b="0"/>
+      </a:fillRef>
+      <a:effectRef idx="0">
+        <a:scrgbClr r="0" g="0" b="0"/>
+      </a:effectRef>
+      <a:fontRef idx="minor"/>
+    </dgm:style>
+  </dgm:styleLbl>
+  <dgm:styleLbl name="fgAcc4">
+    <dgm:scene3d>
+      <a:camera prst="orthographicFront"/>
+      <a:lightRig rig="threePt" dir="t"/>
+    </dgm:scene3d>
+    <dgm:sp3d/>
+    <dgm:txPr/>
+    <dgm:style>
+      <a:lnRef idx="2">
+        <a:scrgbClr r="0" g="0" b="0"/>
+      </a:lnRef>
+      <a:fillRef idx="1">
+        <a:scrgbClr r="0" g="0" b="0"/>
+      </a:fillRef>
+      <a:effectRef idx="0">
+        <a:scrgbClr r="0" g="0" b="0"/>
+      </a:effectRef>
+      <a:fontRef idx="minor"/>
+    </dgm:style>
+  </dgm:styleLbl>
+  <dgm:styleLbl name="bgShp">
+    <dgm:scene3d>
+      <a:camera prst="orthographicFront"/>
+      <a:lightRig rig="threePt" dir="t"/>
+    </dgm:scene3d>
+    <dgm:sp3d/>
+    <dgm:txPr/>
+    <dgm:style>
+      <a:lnRef idx="0">
+        <a:scrgbClr r="0" g="0" b="0"/>
+      </a:lnRef>
+      <a:fillRef idx="1">
+        <a:scrgbClr r="0" g="0" b="0"/>
+      </a:fillRef>
+      <a:effectRef idx="0">
+        <a:scrgbClr r="0" g="0" b="0"/>
+      </a:effectRef>
+      <a:fontRef idx="minor"/>
+    </dgm:style>
+  </dgm:styleLbl>
+  <dgm:styleLbl name="dkBgShp">
+    <dgm:scene3d>
+      <a:camera prst="orthographicFront"/>
+      <a:lightRig rig="threePt" dir="t"/>
+    </dgm:scene3d>
+    <dgm:sp3d/>
+    <dgm:txPr/>
+    <dgm:style>
+      <a:lnRef idx="0">
+        <a:scrgbClr r="0" g="0" b="0"/>
+      </a:lnRef>
+      <a:fillRef idx="1">
+        <a:scrgbClr r="0" g="0" b="0"/>
+      </a:fillRef>
+      <a:effectRef idx="0">
+        <a:scrgbClr r="0" g="0" b="0"/>
+      </a:effectRef>
+      <a:fontRef idx="minor"/>
+    </dgm:style>
+  </dgm:styleLbl>
+  <dgm:styleLbl name="trBgShp">
+    <dgm:scene3d>
+      <a:camera prst="orthographicFront"/>
+      <a:lightRig rig="threePt" dir="t"/>
+    </dgm:scene3d>
+    <dgm:sp3d/>
+    <dgm:txPr/>
+    <dgm:style>
+      <a:lnRef idx="0">
+        <a:scrgbClr r="0" g="0" b="0"/>
+      </a:lnRef>
+      <a:fillRef idx="1">
+        <a:scrgbClr r="0" g="0" b="0"/>
+      </a:fillRef>
+      <a:effectRef idx="0">
+        <a:scrgbClr r="0" g="0" b="0"/>
+      </a:effectRef>
+      <a:fontRef idx="minor"/>
+    </dgm:style>
+  </dgm:styleLbl>
+  <dgm:styleLbl name="fgShp">
+    <dgm:scene3d>
+      <a:camera prst="orthographicFront"/>
+      <a:lightRig rig="threePt" dir="t"/>
+    </dgm:scene3d>
+    <dgm:sp3d/>
+    <dgm:txPr/>
+    <dgm:style>
+      <a:lnRef idx="2">
+        <a:scrgbClr r="0" g="0" b="0"/>
+      </a:lnRef>
+      <a:fillRef idx="1">
+        <a:scrgbClr r="0" g="0" b="0"/>
+      </a:fillRef>
+      <a:effectRef idx="0">
+        <a:scrgbClr r="0" g="0" b="0"/>
+      </a:effectRef>
+      <a:fontRef idx="minor"/>
+    </dgm:style>
+  </dgm:styleLbl>
+  <dgm:styleLbl name="revTx">
+    <dgm:scene3d>
+      <a:camera prst="orthographicFront"/>
+      <a:lightRig rig="threePt" dir="t"/>
+    </dgm:scene3d>
+    <dgm:sp3d/>
+    <dgm:txPr/>
+    <dgm:style>
+      <a:lnRef idx="0">
+        <a:scrgbClr r="0" g="0" b="0"/>
+      </a:lnRef>
+      <a:fillRef idx="0">
+        <a:scrgbClr r="0" g="0" b="0"/>
+      </a:fillRef>
+      <a:effectRef idx="0">
+        <a:scrgbClr r="0" g="0" b="0"/>
+      </a:effectRef>
+      <a:fontRef idx="minor"/>
+    </dgm:style>
+  </dgm:styleLbl>
+</dgm:styleDef>
+</file>
+
 <file path=ppt/handoutMasters/handoutMaster1.xml><?xml version="1.0" encoding="utf-8"?>
 <p:handoutMaster xmlns:a="http://schemas.openxmlformats.org/drawingml/2006/main" xmlns:r="http://schemas.openxmlformats.org/officeDocument/2006/relationships" xmlns:p="http://schemas.openxmlformats.org/presentationml/2006/main">
   <p:cSld>
@@ -288,7 +3727,7 @@
               <a:pPr>
                 <a:defRPr/>
               </a:pPr>
-              <a:t>07.01.2015</a:t>
+              <a:t>12.01.2015</a:t>
             </a:fld>
             <a:endParaRPr lang="de-DE" dirty="0">
               <a:latin typeface="Lucida Sans Unicode"/>
@@ -555,7 +3994,7 @@
               <a:pPr>
                 <a:defRPr/>
               </a:pPr>
-              <a:t>07.01.2015</a:t>
+              <a:t>12.01.2015</a:t>
             </a:fld>
             <a:endParaRPr lang="de-DE" dirty="0"/>
           </a:p>
@@ -1001,7 +4440,7 @@
               <a:pPr>
                 <a:defRPr/>
               </a:pPr>
-              <a:t>07.01.2015</a:t>
+              <a:t>12.01.2015</a:t>
             </a:fld>
             <a:endParaRPr lang="de-DE" dirty="0"/>
           </a:p>
@@ -1040,6 +4479,403 @@
     <p:extLst>
       <p:ext uri="{BB962C8B-B14F-4D97-AF65-F5344CB8AC3E}">
         <p14:creationId xmlns:p14="http://schemas.microsoft.com/office/powerpoint/2010/main" val="3016917085"/>
+      </p:ext>
+    </p:extLst>
+  </p:cSld>
+  <p:clrMapOvr>
+    <a:masterClrMapping/>
+  </p:clrMapOvr>
+</p:notes>
+</file>
+
+<file path=ppt/notesSlides/notesSlide10.xml><?xml version="1.0" encoding="utf-8"?>
+<p:notes xmlns:a="http://schemas.openxmlformats.org/drawingml/2006/main" xmlns:r="http://schemas.openxmlformats.org/officeDocument/2006/relationships" xmlns:p="http://schemas.openxmlformats.org/presentationml/2006/main">
+  <p:cSld>
+    <p:spTree>
+      <p:nvGrpSpPr>
+        <p:cNvPr id="1" name=""/>
+        <p:cNvGrpSpPr/>
+        <p:nvPr/>
+      </p:nvGrpSpPr>
+      <p:grpSpPr>
+        <a:xfrm>
+          <a:off x="0" y="0"/>
+          <a:ext cx="0" cy="0"/>
+          <a:chOff x="0" y="0"/>
+          <a:chExt cx="0" cy="0"/>
+        </a:xfrm>
+      </p:grpSpPr>
+      <p:sp>
+        <p:nvSpPr>
+          <p:cNvPr id="2" name="Folienbildplatzhalter 1"/>
+          <p:cNvSpPr>
+            <a:spLocks noGrp="1" noRot="1" noChangeAspect="1"/>
+          </p:cNvSpPr>
+          <p:nvPr>
+            <p:ph type="sldImg"/>
+          </p:nvPr>
+        </p:nvSpPr>
+        <p:spPr/>
+      </p:sp>
+      <p:sp>
+        <p:nvSpPr>
+          <p:cNvPr id="3" name="Notizenplatzhalter 2"/>
+          <p:cNvSpPr>
+            <a:spLocks noGrp="1"/>
+          </p:cNvSpPr>
+          <p:nvPr>
+            <p:ph type="body" idx="1"/>
+          </p:nvPr>
+        </p:nvSpPr>
+        <p:spPr/>
+        <p:txBody>
+          <a:bodyPr/>
+          <a:lstStyle/>
+          <a:p>
+            <a:r>
+              <a:rPr lang="en-US" dirty="0" smtClean="0"/>
+              <a:t>this is a thesis we already had in the lecture</a:t>
+            </a:r>
+          </a:p>
+          <a:p>
+            <a:endParaRPr lang="en-US" dirty="0" smtClean="0"/>
+          </a:p>
+          <a:p>
+            <a:r>
+              <a:rPr lang="en-US" dirty="0" smtClean="0"/>
+              <a:t>but as a small reminder</a:t>
+            </a:r>
+          </a:p>
+          <a:p>
+            <a:r>
+              <a:rPr lang="en-US" dirty="0" smtClean="0"/>
+              <a:t>they assume that every speaker can be assign to one of these animals</a:t>
+            </a:r>
+          </a:p>
+          <a:p>
+            <a:r>
+              <a:rPr lang="en-US" dirty="0" smtClean="0"/>
+              <a:t>every animal represent a other </a:t>
+            </a:r>
+            <a:r>
+              <a:rPr lang="en-US" dirty="0" err="1" smtClean="0"/>
+              <a:t>charateristic</a:t>
+            </a:r>
+            <a:r>
+              <a:rPr lang="en-US" dirty="0" smtClean="0"/>
+              <a:t> of speaker</a:t>
+            </a:r>
+          </a:p>
+          <a:p>
+            <a:endParaRPr lang="en-US" dirty="0" smtClean="0"/>
+          </a:p>
+          <a:p>
+            <a:r>
+              <a:rPr lang="en-US" dirty="0" smtClean="0"/>
+              <a:t>sheep, 	represent the most speaker</a:t>
+            </a:r>
+          </a:p>
+          <a:p>
+            <a:r>
+              <a:rPr lang="en-US" dirty="0" smtClean="0"/>
+              <a:t>goats, 	where not much samples are right classified, speaker who could not authenticated are goats</a:t>
+            </a:r>
+          </a:p>
+          <a:p>
+            <a:r>
+              <a:rPr lang="en-US" dirty="0" smtClean="0"/>
+              <a:t>lambs, 	where many wrong samples are assign to, need to look on the vertical</a:t>
+            </a:r>
+          </a:p>
+          <a:p>
+            <a:r>
+              <a:rPr lang="en-US" dirty="0" smtClean="0"/>
+              <a:t>wolves,	where a lot of samples are </a:t>
+            </a:r>
+            <a:r>
+              <a:rPr lang="en-US" dirty="0" err="1" smtClean="0"/>
+              <a:t>classifed</a:t>
+            </a:r>
+            <a:r>
+              <a:rPr lang="en-US" dirty="0" smtClean="0"/>
+              <a:t> to few other speaker</a:t>
+            </a:r>
+          </a:p>
+          <a:p>
+            <a:endParaRPr lang="en-US" dirty="0" smtClean="0"/>
+          </a:p>
+          <a:p>
+            <a:r>
+              <a:rPr lang="en-US" dirty="0" smtClean="0"/>
+              <a:t>this categorization we did with all our speaker an come to the conclusion shows in this table </a:t>
+            </a:r>
+          </a:p>
+          <a:p>
+            <a:r>
+              <a:rPr lang="en-US" dirty="0" smtClean="0"/>
+              <a:t>where we can see that the most are </a:t>
+            </a:r>
+            <a:r>
+              <a:rPr lang="en-US" dirty="0" err="1" smtClean="0"/>
+              <a:t>sheeps</a:t>
+            </a:r>
+            <a:r>
+              <a:rPr lang="en-US" dirty="0" smtClean="0"/>
+              <a:t> and </a:t>
+            </a:r>
+            <a:r>
+              <a:rPr lang="en-US" dirty="0" err="1" smtClean="0"/>
+              <a:t>easly</a:t>
+            </a:r>
+            <a:r>
+              <a:rPr lang="en-US" dirty="0" smtClean="0"/>
+              <a:t> to accepted by the system</a:t>
+            </a:r>
+          </a:p>
+          <a:p>
+            <a:r>
+              <a:rPr lang="en-US" dirty="0" smtClean="0"/>
+              <a:t>and only 10% shown this unwanted feature</a:t>
+            </a:r>
+            <a:endParaRPr lang="de-DE" dirty="0"/>
+          </a:p>
+        </p:txBody>
+      </p:sp>
+      <p:sp>
+        <p:nvSpPr>
+          <p:cNvPr id="4" name="Datumsplatzhalter 3"/>
+          <p:cNvSpPr>
+            <a:spLocks noGrp="1"/>
+          </p:cNvSpPr>
+          <p:nvPr>
+            <p:ph type="dt" idx="10"/>
+          </p:nvPr>
+        </p:nvSpPr>
+        <p:spPr/>
+        <p:txBody>
+          <a:bodyPr/>
+          <a:lstStyle/>
+          <a:p>
+            <a:pPr>
+              <a:defRPr/>
+            </a:pPr>
+            <a:fld id="{BB20452E-8883-5147-AA9D-6D93D27285EC}" type="datetime1">
+              <a:rPr lang="de-DE" smtClean="0"/>
+              <a:pPr>
+                <a:defRPr/>
+              </a:pPr>
+              <a:t>12.01.2015</a:t>
+            </a:fld>
+            <a:endParaRPr lang="de-DE" dirty="0"/>
+          </a:p>
+        </p:txBody>
+      </p:sp>
+      <p:sp>
+        <p:nvSpPr>
+          <p:cNvPr id="5" name="Foliennummernplatzhalter 4"/>
+          <p:cNvSpPr>
+            <a:spLocks noGrp="1"/>
+          </p:cNvSpPr>
+          <p:nvPr>
+            <p:ph type="sldNum" sz="quarter" idx="11"/>
+          </p:nvPr>
+        </p:nvSpPr>
+        <p:spPr/>
+        <p:txBody>
+          <a:bodyPr/>
+          <a:lstStyle/>
+          <a:p>
+            <a:pPr>
+              <a:defRPr/>
+            </a:pPr>
+            <a:fld id="{1184DDCB-7D1B-CB4F-980B-B02904018ECE}" type="slidenum">
+              <a:rPr lang="de-DE" smtClean="0"/>
+              <a:pPr>
+                <a:defRPr/>
+              </a:pPr>
+              <a:t>12</a:t>
+            </a:fld>
+            <a:endParaRPr lang="de-DE" dirty="0"/>
+          </a:p>
+        </p:txBody>
+      </p:sp>
+    </p:spTree>
+    <p:extLst>
+      <p:ext uri="{BB962C8B-B14F-4D97-AF65-F5344CB8AC3E}">
+        <p14:creationId xmlns:p14="http://schemas.microsoft.com/office/powerpoint/2010/main" val="1404781169"/>
+      </p:ext>
+    </p:extLst>
+  </p:cSld>
+  <p:clrMapOvr>
+    <a:masterClrMapping/>
+  </p:clrMapOvr>
+</p:notes>
+</file>
+
+<file path=ppt/notesSlides/notesSlide11.xml><?xml version="1.0" encoding="utf-8"?>
+<p:notes xmlns:a="http://schemas.openxmlformats.org/drawingml/2006/main" xmlns:r="http://schemas.openxmlformats.org/officeDocument/2006/relationships" xmlns:p="http://schemas.openxmlformats.org/presentationml/2006/main">
+  <p:cSld>
+    <p:spTree>
+      <p:nvGrpSpPr>
+        <p:cNvPr id="1" name=""/>
+        <p:cNvGrpSpPr/>
+        <p:nvPr/>
+      </p:nvGrpSpPr>
+      <p:grpSpPr>
+        <a:xfrm>
+          <a:off x="0" y="0"/>
+          <a:ext cx="0" cy="0"/>
+          <a:chOff x="0" y="0"/>
+          <a:chExt cx="0" cy="0"/>
+        </a:xfrm>
+      </p:grpSpPr>
+      <p:sp>
+        <p:nvSpPr>
+          <p:cNvPr id="2" name="Folienbildplatzhalter 1"/>
+          <p:cNvSpPr>
+            <a:spLocks noGrp="1" noRot="1" noChangeAspect="1"/>
+          </p:cNvSpPr>
+          <p:nvPr>
+            <p:ph type="sldImg"/>
+          </p:nvPr>
+        </p:nvSpPr>
+        <p:spPr/>
+      </p:sp>
+      <p:sp>
+        <p:nvSpPr>
+          <p:cNvPr id="3" name="Notizenplatzhalter 2"/>
+          <p:cNvSpPr>
+            <a:spLocks noGrp="1"/>
+          </p:cNvSpPr>
+          <p:nvPr>
+            <p:ph type="body" idx="1"/>
+          </p:nvPr>
+        </p:nvSpPr>
+        <p:spPr/>
+        <p:txBody>
+          <a:bodyPr/>
+          <a:lstStyle/>
+          <a:p>
+            <a:r>
+              <a:rPr lang="en-US" dirty="0" smtClean="0"/>
+              <a:t>what did we learn about </a:t>
+            </a:r>
+            <a:r>
+              <a:rPr lang="en-US" dirty="0" err="1" smtClean="0"/>
+              <a:t>skeaper</a:t>
+            </a:r>
+            <a:r>
+              <a:rPr lang="en-US" dirty="0" smtClean="0"/>
+              <a:t> recognition in our project?</a:t>
+            </a:r>
+          </a:p>
+          <a:p>
+            <a:r>
+              <a:rPr lang="en-US" dirty="0" smtClean="0"/>
+              <a:t>even with a non optimal database</a:t>
+            </a:r>
+          </a:p>
+          <a:p>
+            <a:r>
+              <a:rPr lang="en-US" b="1" dirty="0" smtClean="0"/>
+              <a:t>but</a:t>
+            </a:r>
+            <a:r>
+              <a:rPr lang="en-US" dirty="0" smtClean="0"/>
+              <a:t> </a:t>
+            </a:r>
+          </a:p>
+          <a:p>
+            <a:r>
+              <a:rPr lang="en-US" dirty="0" smtClean="0"/>
+              <a:t>with the right tools, feature extraction and classification</a:t>
+            </a:r>
+          </a:p>
+          <a:p>
+            <a:r>
+              <a:rPr lang="en-US" dirty="0" smtClean="0"/>
+              <a:t>We could accomplish </a:t>
+            </a:r>
+          </a:p>
+          <a:p>
+            <a:r>
+              <a:rPr lang="en-US" dirty="0" smtClean="0"/>
+              <a:t>A good result of 97.5% of right </a:t>
+            </a:r>
+            <a:r>
+              <a:rPr lang="en-US" dirty="0" err="1" smtClean="0"/>
+              <a:t>authentificated</a:t>
+            </a:r>
+            <a:r>
+              <a:rPr lang="en-US" baseline="0" dirty="0" smtClean="0"/>
+              <a:t> speakers</a:t>
+            </a:r>
+            <a:endParaRPr lang="de-DE" dirty="0"/>
+          </a:p>
+        </p:txBody>
+      </p:sp>
+      <p:sp>
+        <p:nvSpPr>
+          <p:cNvPr id="4" name="Datumsplatzhalter 3"/>
+          <p:cNvSpPr>
+            <a:spLocks noGrp="1"/>
+          </p:cNvSpPr>
+          <p:nvPr>
+            <p:ph type="dt" idx="10"/>
+          </p:nvPr>
+        </p:nvSpPr>
+        <p:spPr/>
+        <p:txBody>
+          <a:bodyPr/>
+          <a:lstStyle/>
+          <a:p>
+            <a:pPr>
+              <a:defRPr/>
+            </a:pPr>
+            <a:fld id="{BB20452E-8883-5147-AA9D-6D93D27285EC}" type="datetime1">
+              <a:rPr lang="de-DE" smtClean="0"/>
+              <a:pPr>
+                <a:defRPr/>
+              </a:pPr>
+              <a:t>12.01.2015</a:t>
+            </a:fld>
+            <a:endParaRPr lang="de-DE" dirty="0"/>
+          </a:p>
+        </p:txBody>
+      </p:sp>
+      <p:sp>
+        <p:nvSpPr>
+          <p:cNvPr id="5" name="Foliennummernplatzhalter 4"/>
+          <p:cNvSpPr>
+            <a:spLocks noGrp="1"/>
+          </p:cNvSpPr>
+          <p:nvPr>
+            <p:ph type="sldNum" sz="quarter" idx="11"/>
+          </p:nvPr>
+        </p:nvSpPr>
+        <p:spPr/>
+        <p:txBody>
+          <a:bodyPr/>
+          <a:lstStyle/>
+          <a:p>
+            <a:pPr>
+              <a:defRPr/>
+            </a:pPr>
+            <a:fld id="{1184DDCB-7D1B-CB4F-980B-B02904018ECE}" type="slidenum">
+              <a:rPr lang="de-DE" smtClean="0"/>
+              <a:pPr>
+                <a:defRPr/>
+              </a:pPr>
+              <a:t>13</a:t>
+            </a:fld>
+            <a:endParaRPr lang="de-DE" dirty="0"/>
+          </a:p>
+        </p:txBody>
+      </p:sp>
+    </p:spTree>
+    <p:extLst>
+      <p:ext uri="{BB962C8B-B14F-4D97-AF65-F5344CB8AC3E}">
+        <p14:creationId xmlns:p14="http://schemas.microsoft.com/office/powerpoint/2010/main" val="2525518952"/>
       </p:ext>
     </p:extLst>
   </p:cSld>
@@ -1093,48 +4929,6 @@
           <a:bodyPr/>
           <a:lstStyle/>
           <a:p>
-            <a:r>
-              <a:rPr lang="de-DE" dirty="0" smtClean="0"/>
-              <a:t>Loss</a:t>
-            </a:r>
-            <a:r>
-              <a:rPr lang="de-DE" baseline="0" dirty="0" smtClean="0"/>
-              <a:t> </a:t>
-            </a:r>
-            <a:r>
-              <a:rPr lang="de-DE" baseline="0" dirty="0" err="1" smtClean="0"/>
-              <a:t>of</a:t>
-            </a:r>
-            <a:r>
-              <a:rPr lang="de-DE" baseline="0" dirty="0" smtClean="0"/>
-              <a:t> </a:t>
-            </a:r>
-            <a:r>
-              <a:rPr lang="de-DE" baseline="0" dirty="0" err="1" smtClean="0"/>
-              <a:t>Bandwidh</a:t>
-            </a:r>
-            <a:endParaRPr lang="de-DE" baseline="0" dirty="0" smtClean="0"/>
-          </a:p>
-          <a:p>
-            <a:endParaRPr lang="de-DE" baseline="0" dirty="0" smtClean="0"/>
-          </a:p>
-          <a:p>
-            <a:r>
-              <a:rPr lang="de-DE" baseline="0" dirty="0" smtClean="0"/>
-              <a:t>Not </a:t>
-            </a:r>
-            <a:r>
-              <a:rPr lang="de-DE" baseline="0" dirty="0" err="1" smtClean="0"/>
-              <a:t>ever</a:t>
-            </a:r>
-            <a:r>
-              <a:rPr lang="de-DE" baseline="0" dirty="0" smtClean="0"/>
-              <a:t> 5 </a:t>
-            </a:r>
-            <a:r>
-              <a:rPr lang="de-DE" baseline="0" dirty="0" err="1" smtClean="0"/>
-              <a:t>recordings</a:t>
-            </a:r>
             <a:endParaRPr lang="de-DE" dirty="0"/>
           </a:p>
         </p:txBody>
@@ -1162,7 +4956,7 @@
               <a:pPr>
                 <a:defRPr/>
               </a:pPr>
-              <a:t>07.01.2015</a:t>
+              <a:t>12.01.2015</a:t>
             </a:fld>
             <a:endParaRPr lang="de-DE" dirty="0"/>
           </a:p>
@@ -1200,7 +4994,7 @@
     </p:spTree>
     <p:extLst>
       <p:ext uri="{BB962C8B-B14F-4D97-AF65-F5344CB8AC3E}">
-        <p14:creationId xmlns:p14="http://schemas.microsoft.com/office/powerpoint/2010/main" val="445486014"/>
+        <p14:creationId xmlns:p14="http://schemas.microsoft.com/office/powerpoint/2010/main" val="525118577"/>
       </p:ext>
     </p:extLst>
   </p:cSld>
@@ -1254,7 +5048,56 @@
           <a:bodyPr/>
           <a:lstStyle/>
           <a:p>
-            <a:endParaRPr lang="de-DE" dirty="0"/>
+            <a:r>
+              <a:rPr lang="de-DE" dirty="0" err="1" smtClean="0"/>
+              <a:t>Proccessing</a:t>
+            </a:r>
+            <a:r>
+              <a:rPr lang="de-DE" baseline="0" dirty="0" smtClean="0"/>
+              <a:t> </a:t>
+            </a:r>
+            <a:r>
+              <a:rPr lang="de-DE" baseline="0" dirty="0" err="1" smtClean="0"/>
+              <a:t>chain</a:t>
+            </a:r>
+            <a:r>
+              <a:rPr lang="de-DE" baseline="0" dirty="0" smtClean="0"/>
+              <a:t> aus der </a:t>
+            </a:r>
+            <a:r>
+              <a:rPr lang="de-DE" baseline="0" dirty="0" err="1" smtClean="0"/>
+              <a:t>lectrure</a:t>
+            </a:r>
+            <a:endParaRPr lang="de-DE" baseline="0" dirty="0" smtClean="0"/>
+          </a:p>
+          <a:p>
+            <a:r>
+              <a:rPr lang="de-DE" baseline="0" dirty="0" err="1" smtClean="0"/>
+              <a:t>Postprocessing</a:t>
+            </a:r>
+            <a:r>
+              <a:rPr lang="de-DE" baseline="0" dirty="0" smtClean="0"/>
+              <a:t> eingefügt</a:t>
+            </a:r>
+          </a:p>
+          <a:p>
+            <a:r>
+              <a:rPr lang="de-DE" baseline="0" dirty="0" smtClean="0"/>
+              <a:t>Das ist unsere </a:t>
+            </a:r>
+            <a:r>
+              <a:rPr lang="de-DE" baseline="0" dirty="0" err="1" smtClean="0"/>
+              <a:t>gliederung</a:t>
+            </a:r>
+            <a:r>
+              <a:rPr lang="de-DE" baseline="0" dirty="0" smtClean="0"/>
+              <a:t> des </a:t>
+            </a:r>
+            <a:r>
+              <a:rPr lang="de-DE" baseline="0" dirty="0" err="1" smtClean="0"/>
+              <a:t>projektes</a:t>
+            </a:r>
+            <a:endParaRPr lang="de-DE" baseline="0" dirty="0" smtClean="0"/>
           </a:p>
         </p:txBody>
       </p:sp>
@@ -1281,7 +5124,7 @@
               <a:pPr>
                 <a:defRPr/>
               </a:pPr>
-              <a:t>07.01.2015</a:t>
+              <a:t>12.01.2015</a:t>
             </a:fld>
             <a:endParaRPr lang="de-DE" dirty="0"/>
           </a:p>
@@ -1319,7 +5162,7 @@
     </p:spTree>
     <p:extLst>
       <p:ext uri="{BB962C8B-B14F-4D97-AF65-F5344CB8AC3E}">
-        <p14:creationId xmlns:p14="http://schemas.microsoft.com/office/powerpoint/2010/main" val="1534159042"/>
+        <p14:creationId xmlns:p14="http://schemas.microsoft.com/office/powerpoint/2010/main" val="2223671764"/>
       </p:ext>
     </p:extLst>
   </p:cSld>
@@ -1373,24 +5216,86 @@
           <a:bodyPr/>
           <a:lstStyle/>
           <a:p>
-            <a:pPr marL="0" marR="0" indent="0" algn="l" defTabSz="914400" rtl="0" eaLnBrk="0" fontAlgn="base" latinLnBrk="0" hangingPunct="0">
-              <a:lnSpc>
-                <a:spcPct val="100000"/>
-              </a:lnSpc>
-              <a:spcBef>
-                <a:spcPct val="0"/>
-              </a:spcBef>
-              <a:spcAft>
-                <a:spcPct val="0"/>
-              </a:spcAft>
-              <a:buClrTx/>
-              <a:buSzTx/>
-              <a:buFontTx/>
-              <a:buNone/>
-              <a:tabLst/>
-              <a:defRPr/>
-            </a:pPr>
+            <a:r>
+              <a:rPr lang="de-DE" dirty="0" smtClean="0"/>
+              <a:t>Database</a:t>
+            </a:r>
+            <a:r>
+              <a:rPr lang="de-DE" baseline="0" dirty="0" smtClean="0"/>
+              <a:t> </a:t>
+            </a:r>
+            <a:r>
+              <a:rPr lang="de-DE" baseline="0" dirty="0" err="1" smtClean="0"/>
+              <a:t>from</a:t>
+            </a:r>
+            <a:r>
+              <a:rPr lang="de-DE" baseline="0" dirty="0" smtClean="0"/>
+              <a:t> </a:t>
+            </a:r>
+            <a:r>
+              <a:rPr lang="de-DE" baseline="0" dirty="0" err="1" smtClean="0"/>
+              <a:t>hyke</a:t>
+            </a:r>
+            <a:r>
+              <a:rPr lang="de-DE" baseline="0" dirty="0" smtClean="0"/>
+              <a:t> </a:t>
+            </a:r>
+            <a:r>
+              <a:rPr lang="de-DE" baseline="0" dirty="0" err="1" smtClean="0"/>
+              <a:t>projekt</a:t>
+            </a:r>
+            <a:endParaRPr lang="de-DE" baseline="0" dirty="0" smtClean="0"/>
+          </a:p>
+          <a:p>
             <a:endParaRPr lang="de-DE" dirty="0" smtClean="0"/>
+          </a:p>
+          <a:p>
+            <a:endParaRPr lang="de-DE" dirty="0" smtClean="0"/>
+          </a:p>
+          <a:p>
+            <a:r>
+              <a:rPr lang="de-DE" b="0" dirty="0" smtClean="0"/>
+              <a:t>Loss</a:t>
+            </a:r>
+            <a:r>
+              <a:rPr lang="de-DE" b="0" baseline="0" dirty="0" smtClean="0"/>
+              <a:t> </a:t>
+            </a:r>
+            <a:r>
+              <a:rPr lang="de-DE" b="0" baseline="0" dirty="0" err="1" smtClean="0"/>
+              <a:t>of</a:t>
+            </a:r>
+            <a:r>
+              <a:rPr lang="de-DE" b="0" baseline="0" dirty="0" smtClean="0"/>
+              <a:t> </a:t>
+            </a:r>
+            <a:r>
+              <a:rPr lang="de-DE" b="0" baseline="0" dirty="0" err="1" smtClean="0"/>
+              <a:t>Bandwidh</a:t>
+            </a:r>
+            <a:endParaRPr lang="de-DE" b="0" baseline="0" dirty="0" smtClean="0"/>
+          </a:p>
+          <a:p>
+            <a:endParaRPr lang="de-DE" baseline="0" dirty="0" smtClean="0"/>
+          </a:p>
+          <a:p>
+            <a:r>
+              <a:rPr lang="de-DE" baseline="0" dirty="0" smtClean="0"/>
+              <a:t>Not </a:t>
+            </a:r>
+            <a:r>
+              <a:rPr lang="de-DE" baseline="0" dirty="0" err="1" smtClean="0"/>
+              <a:t>ever</a:t>
+            </a:r>
+            <a:r>
+              <a:rPr lang="de-DE" baseline="0" dirty="0" smtClean="0"/>
+              <a:t> 5 </a:t>
+            </a:r>
+            <a:r>
+              <a:rPr lang="de-DE" baseline="0" dirty="0" err="1" smtClean="0"/>
+              <a:t>recordings</a:t>
+            </a:r>
+            <a:endParaRPr lang="de-DE" dirty="0"/>
           </a:p>
         </p:txBody>
       </p:sp>
@@ -1417,7 +5322,7 @@
               <a:pPr>
                 <a:defRPr/>
               </a:pPr>
-              <a:t>07.01.2015</a:t>
+              <a:t>12.01.2015</a:t>
             </a:fld>
             <a:endParaRPr lang="de-DE" dirty="0"/>
           </a:p>
@@ -1455,7 +5360,7 @@
     </p:spTree>
     <p:extLst>
       <p:ext uri="{BB962C8B-B14F-4D97-AF65-F5344CB8AC3E}">
-        <p14:creationId xmlns:p14="http://schemas.microsoft.com/office/powerpoint/2010/main" val="2007482241"/>
+        <p14:creationId xmlns:p14="http://schemas.microsoft.com/office/powerpoint/2010/main" val="445486014"/>
       </p:ext>
     </p:extLst>
   </p:cSld>
@@ -1509,48 +5414,31 @@
           <a:bodyPr/>
           <a:lstStyle/>
           <a:p>
-            <a:pPr marL="0" marR="0" indent="0" algn="l" defTabSz="914400" rtl="0" eaLnBrk="0" fontAlgn="base" latinLnBrk="0" hangingPunct="0">
-              <a:lnSpc>
-                <a:spcPct val="100000"/>
-              </a:lnSpc>
-              <a:spcBef>
-                <a:spcPct val="0"/>
-              </a:spcBef>
-              <a:spcAft>
-                <a:spcPct val="0"/>
-              </a:spcAft>
-              <a:buClrTx/>
-              <a:buSzTx/>
-              <a:buFontTx/>
-              <a:buNone/>
-              <a:tabLst/>
-              <a:defRPr/>
-            </a:pPr>
-            <a:r>
-              <a:rPr lang="de-DE" sz="2800" dirty="0" err="1" smtClean="0"/>
-              <a:t>What</a:t>
-            </a:r>
-            <a:r>
-              <a:rPr lang="de-DE" sz="2800" dirty="0" smtClean="0"/>
+            <a:r>
+              <a:rPr lang="de-DE" dirty="0" smtClean="0"/>
+              <a:t>- 6 </a:t>
+            </a:r>
+            <a:r>
+              <a:rPr lang="de-DE" dirty="0" err="1" smtClean="0"/>
+              <a:t>datasets</a:t>
+            </a:r>
+            <a:r>
+              <a:rPr lang="de-DE" dirty="0" smtClean="0"/>
               <a:t> </a:t>
             </a:r>
             <a:r>
-              <a:rPr lang="de-DE" sz="2800" dirty="0" err="1" smtClean="0"/>
-              <a:t>is</a:t>
-            </a:r>
-            <a:r>
-              <a:rPr lang="de-DE" sz="2800" dirty="0" smtClean="0"/>
+              <a:rPr lang="de-DE" dirty="0" err="1" smtClean="0"/>
+              <a:t>as</a:t>
+            </a:r>
+            <a:r>
+              <a:rPr lang="de-DE" dirty="0" smtClean="0"/>
               <a:t> </a:t>
             </a:r>
             <a:r>
-              <a:rPr lang="de-DE" sz="2800" dirty="0" err="1" smtClean="0"/>
-              <a:t>weka</a:t>
-            </a:r>
-            <a:r>
-              <a:rPr lang="de-DE" sz="2800" dirty="0" smtClean="0"/>
-              <a:t>?</a:t>
-            </a:r>
-            <a:endParaRPr lang="de-DE" sz="1100" dirty="0" smtClean="0"/>
+              <a:rPr lang="de-DE" dirty="0" err="1" smtClean="0"/>
+              <a:t>result</a:t>
+            </a:r>
+            <a:endParaRPr lang="de-DE" dirty="0"/>
           </a:p>
         </p:txBody>
       </p:sp>
@@ -1577,7 +5465,7 @@
               <a:pPr>
                 <a:defRPr/>
               </a:pPr>
-              <a:t>07.01.2015</a:t>
+              <a:t>12.01.2015</a:t>
             </a:fld>
             <a:endParaRPr lang="de-DE" dirty="0"/>
           </a:p>
@@ -1615,7 +5503,7 @@
     </p:spTree>
     <p:extLst>
       <p:ext uri="{BB962C8B-B14F-4D97-AF65-F5344CB8AC3E}">
-        <p14:creationId xmlns:p14="http://schemas.microsoft.com/office/powerpoint/2010/main" val="2007482241"/>
+        <p14:creationId xmlns:p14="http://schemas.microsoft.com/office/powerpoint/2010/main" val="1534159042"/>
       </p:ext>
     </p:extLst>
   </p:cSld>
@@ -1687,503 +5575,32 @@
               <a:defRPr/>
             </a:pPr>
             <a:r>
-              <a:rPr lang="en-US" dirty="0" smtClean="0"/>
-              <a:t>so we come to our classification</a:t>
-            </a:r>
-          </a:p>
-          <a:p>
-            <a:pPr marL="0" marR="0" indent="0" algn="l" defTabSz="914400" rtl="0" eaLnBrk="0" fontAlgn="base" latinLnBrk="0" hangingPunct="0">
-              <a:lnSpc>
-                <a:spcPct val="100000"/>
-              </a:lnSpc>
-              <a:spcBef>
-                <a:spcPct val="0"/>
-              </a:spcBef>
-              <a:spcAft>
-                <a:spcPct val="0"/>
-              </a:spcAft>
-              <a:buClrTx/>
-              <a:buSzTx/>
-              <a:buFontTx/>
-              <a:buNone/>
-              <a:tabLst/>
-              <a:defRPr/>
-            </a:pPr>
-            <a:r>
-              <a:rPr lang="en-US" dirty="0" smtClean="0"/>
-              <a:t>where we also used </a:t>
-            </a:r>
-            <a:r>
-              <a:rPr lang="en-US" dirty="0" err="1" smtClean="0"/>
-              <a:t>weka</a:t>
-            </a:r>
-            <a:r>
-              <a:rPr lang="en-US" dirty="0" smtClean="0"/>
-              <a:t> for our task of the closed set authentication</a:t>
-            </a:r>
-          </a:p>
-          <a:p>
-            <a:pPr marL="0" marR="0" indent="0" algn="l" defTabSz="914400" rtl="0" eaLnBrk="0" fontAlgn="base" latinLnBrk="0" hangingPunct="0">
-              <a:lnSpc>
-                <a:spcPct val="100000"/>
-              </a:lnSpc>
-              <a:spcBef>
-                <a:spcPct val="0"/>
-              </a:spcBef>
-              <a:spcAft>
-                <a:spcPct val="0"/>
-              </a:spcAft>
-              <a:buClrTx/>
-              <a:buSzTx/>
-              <a:buFontTx/>
-              <a:buNone/>
-              <a:tabLst/>
-              <a:defRPr/>
-            </a:pPr>
-            <a:endParaRPr lang="en-US" dirty="0" smtClean="0"/>
-          </a:p>
-          <a:p>
-            <a:pPr marL="0" marR="0" indent="0" algn="l" defTabSz="914400" rtl="0" eaLnBrk="0" fontAlgn="base" latinLnBrk="0" hangingPunct="0">
-              <a:lnSpc>
-                <a:spcPct val="100000"/>
-              </a:lnSpc>
-              <a:spcBef>
-                <a:spcPct val="0"/>
-              </a:spcBef>
-              <a:spcAft>
-                <a:spcPct val="0"/>
-              </a:spcAft>
-              <a:buClrTx/>
-              <a:buSzTx/>
-              <a:buFontTx/>
-              <a:buNone/>
-              <a:tabLst/>
-              <a:defRPr/>
-            </a:pPr>
-            <a:r>
-              <a:rPr lang="en-US" dirty="0" err="1" smtClean="0"/>
-              <a:t>weka</a:t>
-            </a:r>
-            <a:r>
-              <a:rPr lang="en-US" dirty="0" smtClean="0"/>
-              <a:t> provides us a huge amount of possible classifier, </a:t>
-            </a:r>
-          </a:p>
-          <a:p>
-            <a:pPr marL="0" marR="0" indent="0" algn="l" defTabSz="914400" rtl="0" eaLnBrk="0" fontAlgn="base" latinLnBrk="0" hangingPunct="0">
-              <a:lnSpc>
-                <a:spcPct val="100000"/>
-              </a:lnSpc>
-              <a:spcBef>
-                <a:spcPct val="0"/>
-              </a:spcBef>
-              <a:spcAft>
-                <a:spcPct val="0"/>
-              </a:spcAft>
-              <a:buClrTx/>
-              <a:buSzTx/>
-              <a:buFontTx/>
-              <a:buNone/>
-              <a:tabLst/>
-              <a:defRPr/>
-            </a:pPr>
-            <a:r>
-              <a:rPr lang="en-US" dirty="0" smtClean="0"/>
-              <a:t>which we all tried and compare the results to find the best classifier </a:t>
-            </a:r>
-          </a:p>
-          <a:p>
-            <a:pPr marL="0" marR="0" indent="0" algn="l" defTabSz="914400" rtl="0" eaLnBrk="0" fontAlgn="base" latinLnBrk="0" hangingPunct="0">
-              <a:lnSpc>
-                <a:spcPct val="100000"/>
-              </a:lnSpc>
-              <a:spcBef>
-                <a:spcPct val="0"/>
-              </a:spcBef>
-              <a:spcAft>
-                <a:spcPct val="0"/>
-              </a:spcAft>
-              <a:buClrTx/>
-              <a:buSzTx/>
-              <a:buFontTx/>
-              <a:buNone/>
-              <a:tabLst/>
-              <a:defRPr/>
-            </a:pPr>
-            <a:endParaRPr lang="en-US" dirty="0" smtClean="0"/>
-          </a:p>
-          <a:p>
-            <a:pPr marL="0" marR="0" indent="0" algn="l" defTabSz="914400" rtl="0" eaLnBrk="0" fontAlgn="base" latinLnBrk="0" hangingPunct="0">
-              <a:lnSpc>
-                <a:spcPct val="100000"/>
-              </a:lnSpc>
-              <a:spcBef>
-                <a:spcPct val="0"/>
-              </a:spcBef>
-              <a:spcAft>
-                <a:spcPct val="0"/>
-              </a:spcAft>
-              <a:buClrTx/>
-              <a:buSzTx/>
-              <a:buFontTx/>
-              <a:buNone/>
-              <a:tabLst/>
-              <a:defRPr/>
-            </a:pPr>
-            <a:r>
-              <a:rPr lang="en-US" dirty="0" smtClean="0"/>
-              <a:t>as the best classifier turned out the IBK and the </a:t>
-            </a:r>
-            <a:r>
-              <a:rPr lang="en-US" dirty="0" err="1" smtClean="0"/>
-              <a:t>RandomForest</a:t>
-            </a:r>
-            <a:r>
-              <a:rPr lang="en-US" dirty="0" smtClean="0"/>
-              <a:t> with the results shown in this table</a:t>
-            </a:r>
-          </a:p>
-          <a:p>
-            <a:pPr marL="0" marR="0" indent="0" algn="l" defTabSz="914400" rtl="0" eaLnBrk="0" fontAlgn="base" latinLnBrk="0" hangingPunct="0">
-              <a:lnSpc>
-                <a:spcPct val="100000"/>
-              </a:lnSpc>
-              <a:spcBef>
-                <a:spcPct val="0"/>
-              </a:spcBef>
-              <a:spcAft>
-                <a:spcPct val="0"/>
-              </a:spcAft>
-              <a:buClrTx/>
-              <a:buSzTx/>
-              <a:buFontTx/>
-              <a:buNone/>
-              <a:tabLst/>
-              <a:defRPr/>
-            </a:pPr>
-            <a:r>
-              <a:rPr lang="en-US" dirty="0" smtClean="0"/>
-              <a:t>these results say that we could match samples from one recording to the origin speaker with a probability of 56%</a:t>
-            </a:r>
-          </a:p>
-          <a:p>
-            <a:pPr marL="0" marR="0" indent="0" algn="l" defTabSz="914400" rtl="0" eaLnBrk="0" fontAlgn="base" latinLnBrk="0" hangingPunct="0">
-              <a:lnSpc>
-                <a:spcPct val="100000"/>
-              </a:lnSpc>
-              <a:spcBef>
-                <a:spcPct val="0"/>
-              </a:spcBef>
-              <a:spcAft>
-                <a:spcPct val="0"/>
-              </a:spcAft>
-              <a:buClrTx/>
-              <a:buSzTx/>
-              <a:buFontTx/>
-              <a:buNone/>
-              <a:tabLst/>
-              <a:defRPr/>
-            </a:pPr>
-            <a:endParaRPr lang="en-US" dirty="0" smtClean="0"/>
-          </a:p>
-          <a:p>
-            <a:pPr marL="0" marR="0" indent="0" algn="l" defTabSz="914400" rtl="0" eaLnBrk="0" fontAlgn="base" latinLnBrk="0" hangingPunct="0">
-              <a:lnSpc>
-                <a:spcPct val="100000"/>
-              </a:lnSpc>
-              <a:spcBef>
-                <a:spcPct val="0"/>
-              </a:spcBef>
-              <a:spcAft>
-                <a:spcPct val="0"/>
-              </a:spcAft>
-              <a:buClrTx/>
-              <a:buSzTx/>
-              <a:buFontTx/>
-              <a:buNone/>
-              <a:tabLst/>
-              <a:defRPr/>
-            </a:pPr>
-            <a:r>
-              <a:rPr lang="en-US" dirty="0" smtClean="0"/>
-              <a:t>on first sight these results </a:t>
-            </a:r>
-            <a:r>
-              <a:rPr lang="en-US" dirty="0" err="1" smtClean="0"/>
-              <a:t>doesnt</a:t>
-            </a:r>
-            <a:r>
-              <a:rPr lang="en-US" dirty="0" smtClean="0"/>
-              <a:t> look particularly well, but we have to consider </a:t>
-            </a:r>
-          </a:p>
-          <a:p>
-            <a:pPr marL="0" marR="0" indent="0" algn="l" defTabSz="914400" rtl="0" eaLnBrk="0" fontAlgn="base" latinLnBrk="0" hangingPunct="0">
-              <a:lnSpc>
-                <a:spcPct val="100000"/>
-              </a:lnSpc>
-              <a:spcBef>
-                <a:spcPct val="0"/>
-              </a:spcBef>
-              <a:spcAft>
-                <a:spcPct val="0"/>
-              </a:spcAft>
-              <a:buClrTx/>
-              <a:buSzTx/>
-              <a:buFontTx/>
-              <a:buNone/>
-              <a:tabLst/>
-              <a:defRPr/>
-            </a:pPr>
-            <a:r>
-              <a:rPr lang="en-US" dirty="0" smtClean="0"/>
-              <a:t>that the classifier was able to distinguish one sample from over 80 other speaker with a 56% which is quite well</a:t>
-            </a:r>
-          </a:p>
-          <a:p>
-            <a:pPr marL="0" marR="0" indent="0" algn="l" defTabSz="914400" rtl="0" eaLnBrk="0" fontAlgn="base" latinLnBrk="0" hangingPunct="0">
-              <a:lnSpc>
-                <a:spcPct val="100000"/>
-              </a:lnSpc>
-              <a:spcBef>
-                <a:spcPct val="0"/>
-              </a:spcBef>
-              <a:spcAft>
-                <a:spcPct val="0"/>
-              </a:spcAft>
-              <a:buClrTx/>
-              <a:buSzTx/>
-              <a:buFontTx/>
-              <a:buNone/>
-              <a:tabLst/>
-              <a:defRPr/>
-            </a:pPr>
-            <a:endParaRPr lang="en-US" dirty="0" smtClean="0"/>
-          </a:p>
-          <a:p>
-            <a:pPr marL="0" marR="0" indent="0" algn="l" defTabSz="914400" rtl="0" eaLnBrk="0" fontAlgn="base" latinLnBrk="0" hangingPunct="0">
-              <a:lnSpc>
-                <a:spcPct val="100000"/>
-              </a:lnSpc>
-              <a:spcBef>
-                <a:spcPct val="0"/>
-              </a:spcBef>
-              <a:spcAft>
-                <a:spcPct val="0"/>
-              </a:spcAft>
-              <a:buClrTx/>
-              <a:buSzTx/>
-              <a:buFontTx/>
-              <a:buNone/>
-              <a:tabLst/>
-              <a:defRPr/>
-            </a:pPr>
-            <a:r>
-              <a:rPr lang="en-US" dirty="0" smtClean="0"/>
-              <a:t>And</a:t>
-            </a:r>
-            <a:r>
-              <a:rPr lang="en-US" baseline="0" dirty="0" smtClean="0"/>
-              <a:t> more important is the fact that</a:t>
-            </a:r>
-            <a:endParaRPr lang="en-US" dirty="0" smtClean="0"/>
-          </a:p>
-          <a:p>
-            <a:pPr marL="0" marR="0" indent="0" algn="l" defTabSz="914400" rtl="0" eaLnBrk="0" fontAlgn="base" latinLnBrk="0" hangingPunct="0">
-              <a:lnSpc>
-                <a:spcPct val="100000"/>
-              </a:lnSpc>
-              <a:spcBef>
-                <a:spcPct val="0"/>
-              </a:spcBef>
-              <a:spcAft>
-                <a:spcPct val="0"/>
-              </a:spcAft>
-              <a:buClrTx/>
-              <a:buSzTx/>
-              <a:buFontTx/>
-              <a:buNone/>
-              <a:tabLst/>
-              <a:defRPr/>
-            </a:pPr>
-            <a:r>
-              <a:rPr lang="en-US" dirty="0" smtClean="0"/>
-              <a:t>the main task was not to match samples with speaker, the main task was to match recordings to speaker</a:t>
-            </a:r>
-          </a:p>
-          <a:p>
-            <a:pPr marL="0" marR="0" indent="0" algn="l" defTabSz="914400" rtl="0" eaLnBrk="0" fontAlgn="base" latinLnBrk="0" hangingPunct="0">
-              <a:lnSpc>
-                <a:spcPct val="100000"/>
-              </a:lnSpc>
-              <a:spcBef>
-                <a:spcPct val="0"/>
-              </a:spcBef>
-              <a:spcAft>
-                <a:spcPct val="0"/>
-              </a:spcAft>
-              <a:buClrTx/>
-              <a:buSzTx/>
-              <a:buFontTx/>
-              <a:buNone/>
-              <a:tabLst/>
-              <a:defRPr/>
-            </a:pPr>
-            <a:endParaRPr lang="en-US" dirty="0" smtClean="0"/>
-          </a:p>
-          <a:p>
-            <a:pPr marL="0" marR="0" indent="0" algn="l" defTabSz="914400" rtl="0" eaLnBrk="0" fontAlgn="base" latinLnBrk="0" hangingPunct="0">
-              <a:lnSpc>
-                <a:spcPct val="100000"/>
-              </a:lnSpc>
-              <a:spcBef>
-                <a:spcPct val="0"/>
-              </a:spcBef>
-              <a:spcAft>
-                <a:spcPct val="0"/>
-              </a:spcAft>
-              <a:buClrTx/>
-              <a:buSzTx/>
-              <a:buFontTx/>
-              <a:buNone/>
-              <a:tabLst/>
-              <a:defRPr/>
-            </a:pPr>
-            <a:r>
-              <a:rPr lang="en-US" dirty="0" smtClean="0"/>
-              <a:t>due to the fact</a:t>
-            </a:r>
-          </a:p>
-          <a:p>
-            <a:pPr marL="0" marR="0" indent="0" algn="l" defTabSz="914400" rtl="0" eaLnBrk="0" fontAlgn="base" latinLnBrk="0" hangingPunct="0">
-              <a:lnSpc>
-                <a:spcPct val="100000"/>
-              </a:lnSpc>
-              <a:spcBef>
-                <a:spcPct val="0"/>
-              </a:spcBef>
-              <a:spcAft>
-                <a:spcPct val="0"/>
-              </a:spcAft>
-              <a:buClrTx/>
-              <a:buSzTx/>
-              <a:buFontTx/>
-              <a:buNone/>
-              <a:tabLst/>
-              <a:defRPr/>
-            </a:pPr>
-            <a:r>
-              <a:rPr lang="en-US" dirty="0" smtClean="0"/>
-              <a:t>we only used ONE recording each speaker in the test set</a:t>
-            </a:r>
-          </a:p>
-          <a:p>
-            <a:pPr marL="0" marR="0" indent="0" algn="l" defTabSz="914400" rtl="0" eaLnBrk="0" fontAlgn="base" latinLnBrk="0" hangingPunct="0">
-              <a:lnSpc>
-                <a:spcPct val="100000"/>
-              </a:lnSpc>
-              <a:spcBef>
-                <a:spcPct val="0"/>
-              </a:spcBef>
-              <a:spcAft>
-                <a:spcPct val="0"/>
-              </a:spcAft>
-              <a:buClrTx/>
-              <a:buSzTx/>
-              <a:buFontTx/>
-              <a:buNone/>
-              <a:tabLst/>
-              <a:defRPr/>
-            </a:pPr>
-            <a:r>
-              <a:rPr lang="en-US" dirty="0" smtClean="0"/>
-              <a:t>and only ONE speaker is speaking in the recording</a:t>
-            </a:r>
-          </a:p>
-          <a:p>
-            <a:pPr marL="0" marR="0" indent="0" algn="l" defTabSz="914400" rtl="0" eaLnBrk="0" fontAlgn="base" latinLnBrk="0" hangingPunct="0">
-              <a:lnSpc>
-                <a:spcPct val="100000"/>
-              </a:lnSpc>
-              <a:spcBef>
-                <a:spcPct val="0"/>
-              </a:spcBef>
-              <a:spcAft>
-                <a:spcPct val="0"/>
-              </a:spcAft>
-              <a:buClrTx/>
-              <a:buSzTx/>
-              <a:buFontTx/>
-              <a:buNone/>
-              <a:tabLst/>
-              <a:defRPr/>
-            </a:pPr>
-            <a:endParaRPr lang="en-US" dirty="0" smtClean="0"/>
-          </a:p>
-          <a:p>
-            <a:pPr marL="0" marR="0" indent="0" algn="l" defTabSz="914400" rtl="0" eaLnBrk="0" fontAlgn="base" latinLnBrk="0" hangingPunct="0">
-              <a:lnSpc>
-                <a:spcPct val="100000"/>
-              </a:lnSpc>
-              <a:spcBef>
-                <a:spcPct val="0"/>
-              </a:spcBef>
-              <a:spcAft>
-                <a:spcPct val="0"/>
-              </a:spcAft>
-              <a:buClrTx/>
-              <a:buSzTx/>
-              <a:buFontTx/>
-              <a:buNone/>
-              <a:tabLst/>
-              <a:defRPr/>
-            </a:pPr>
-            <a:r>
-              <a:rPr lang="en-US" dirty="0" smtClean="0"/>
-              <a:t>we just need the majority of the sample to be classified right</a:t>
-            </a:r>
-          </a:p>
-          <a:p>
-            <a:pPr marL="0" marR="0" indent="0" algn="l" defTabSz="914400" rtl="0" eaLnBrk="0" fontAlgn="base" latinLnBrk="0" hangingPunct="0">
-              <a:lnSpc>
-                <a:spcPct val="100000"/>
-              </a:lnSpc>
-              <a:spcBef>
-                <a:spcPct val="0"/>
-              </a:spcBef>
-              <a:spcAft>
-                <a:spcPct val="0"/>
-              </a:spcAft>
-              <a:buClrTx/>
-              <a:buSzTx/>
-              <a:buFontTx/>
-              <a:buNone/>
-              <a:tabLst/>
-              <a:defRPr/>
-            </a:pPr>
-            <a:endParaRPr lang="en-US" dirty="0" smtClean="0"/>
-          </a:p>
-          <a:p>
-            <a:pPr marL="0" marR="0" indent="0" algn="l" defTabSz="914400" rtl="0" eaLnBrk="0" fontAlgn="base" latinLnBrk="0" hangingPunct="0">
-              <a:lnSpc>
-                <a:spcPct val="100000"/>
-              </a:lnSpc>
-              <a:spcBef>
-                <a:spcPct val="0"/>
-              </a:spcBef>
-              <a:spcAft>
-                <a:spcPct val="0"/>
-              </a:spcAft>
-              <a:buClrTx/>
-              <a:buSzTx/>
-              <a:buFontTx/>
-              <a:buNone/>
-              <a:tabLst/>
-              <a:defRPr/>
-            </a:pPr>
-            <a:r>
-              <a:rPr lang="en-US" dirty="0" smtClean="0"/>
-              <a:t>lets just take a look of the results</a:t>
+              <a:rPr lang="de-DE" dirty="0" smtClean="0"/>
+              <a:t>Data rein ins </a:t>
+            </a:r>
+            <a:r>
+              <a:rPr lang="de-DE" dirty="0" err="1" smtClean="0"/>
+              <a:t>tool</a:t>
+            </a:r>
+            <a:r>
+              <a:rPr lang="de-DE" dirty="0" smtClean="0"/>
+              <a:t> und viele </a:t>
+            </a:r>
+            <a:r>
+              <a:rPr lang="de-DE" dirty="0" err="1" smtClean="0"/>
+              <a:t>viele</a:t>
+            </a:r>
+            <a:r>
+              <a:rPr lang="de-DE" baseline="0" dirty="0" smtClean="0"/>
+              <a:t> </a:t>
+            </a:r>
+            <a:r>
+              <a:rPr lang="de-DE" baseline="0" dirty="0" err="1" smtClean="0"/>
+              <a:t>features</a:t>
+            </a:r>
+            <a:r>
+              <a:rPr lang="de-DE" baseline="0" dirty="0" smtClean="0"/>
+              <a:t> raus</a:t>
             </a:r>
             <a:endParaRPr lang="de-DE" dirty="0" smtClean="0"/>
           </a:p>
@@ -2212,7 +5629,7 @@
               <a:pPr>
                 <a:defRPr/>
               </a:pPr>
-              <a:t>07.01.2015</a:t>
+              <a:t>12.01.2015</a:t>
             </a:fld>
             <a:endParaRPr lang="de-DE" dirty="0"/>
           </a:p>
@@ -2304,50 +5721,104 @@
           <a:bodyPr/>
           <a:lstStyle/>
           <a:p>
-            <a:r>
-              <a:rPr lang="en-US" dirty="0" smtClean="0"/>
-              <a:t>here we see all samples </a:t>
-            </a:r>
-          </a:p>
-          <a:p>
-            <a:r>
-              <a:rPr lang="en-US" dirty="0" smtClean="0"/>
-              <a:t>and where they were classified</a:t>
-            </a:r>
-          </a:p>
-          <a:p>
-            <a:endParaRPr lang="en-US" dirty="0" smtClean="0"/>
-          </a:p>
-          <a:p>
-            <a:r>
-              <a:rPr lang="en-US" dirty="0" smtClean="0"/>
-              <a:t>we also see that the classification is result is good because the majority of the sample lie on the diagonal of the matrix</a:t>
-            </a:r>
-          </a:p>
-          <a:p>
-            <a:endParaRPr lang="en-US" dirty="0" smtClean="0"/>
-          </a:p>
-          <a:p>
-            <a:r>
-              <a:rPr lang="en-US" dirty="0" smtClean="0"/>
-              <a:t>on a closer look we see that</a:t>
-            </a:r>
-          </a:p>
-          <a:p>
-            <a:r>
-              <a:rPr lang="en-US" dirty="0" smtClean="0"/>
-              <a:t>some speaker were much harder to identified as other were almost all sample were right classified</a:t>
-            </a:r>
-          </a:p>
-          <a:p>
-            <a:endParaRPr lang="en-US" dirty="0" smtClean="0"/>
-          </a:p>
-          <a:p>
-            <a:r>
-              <a:rPr lang="en-US" dirty="0" smtClean="0"/>
-              <a:t>we come to our last topic</a:t>
-            </a:r>
-            <a:endParaRPr lang="de-DE" dirty="0"/>
+            <a:pPr marL="0" marR="0" indent="0" algn="l" defTabSz="914400" rtl="0" eaLnBrk="0" fontAlgn="base" latinLnBrk="0" hangingPunct="0">
+              <a:lnSpc>
+                <a:spcPct val="100000"/>
+              </a:lnSpc>
+              <a:spcBef>
+                <a:spcPct val="0"/>
+              </a:spcBef>
+              <a:spcAft>
+                <a:spcPct val="0"/>
+              </a:spcAft>
+              <a:buClrTx/>
+              <a:buSzTx/>
+              <a:buFontTx/>
+              <a:buNone/>
+              <a:tabLst/>
+              <a:defRPr/>
+            </a:pPr>
+            <a:r>
+              <a:rPr lang="de-DE" sz="2800" dirty="0" err="1" smtClean="0"/>
+              <a:t>To</a:t>
+            </a:r>
+            <a:r>
+              <a:rPr lang="de-DE" sz="2800" dirty="0" smtClean="0"/>
+              <a:t> </a:t>
+            </a:r>
+            <a:r>
+              <a:rPr lang="de-DE" sz="2800" dirty="0" err="1" smtClean="0"/>
+              <a:t>improve</a:t>
+            </a:r>
+            <a:r>
+              <a:rPr lang="de-DE" sz="2800" dirty="0" smtClean="0"/>
+              <a:t> </a:t>
+            </a:r>
+            <a:r>
+              <a:rPr lang="de-DE" sz="2800" dirty="0" err="1" smtClean="0"/>
+              <a:t>data</a:t>
+            </a:r>
+            <a:r>
+              <a:rPr lang="de-DE" sz="2800" baseline="0" dirty="0" smtClean="0"/>
+              <a:t> </a:t>
+            </a:r>
+            <a:r>
+              <a:rPr lang="de-DE" sz="2800" baseline="0" dirty="0" err="1" smtClean="0"/>
+              <a:t>for</a:t>
+            </a:r>
+            <a:r>
+              <a:rPr lang="de-DE" sz="2800" baseline="0" dirty="0" smtClean="0"/>
+              <a:t> </a:t>
+            </a:r>
+            <a:r>
+              <a:rPr lang="de-DE" sz="2800" baseline="0" dirty="0" err="1" smtClean="0"/>
+              <a:t>classification</a:t>
+            </a:r>
+            <a:endParaRPr lang="de-DE" sz="2800" dirty="0" smtClean="0"/>
+          </a:p>
+          <a:p>
+            <a:pPr marL="0" marR="0" indent="0" algn="l" defTabSz="914400" rtl="0" eaLnBrk="0" fontAlgn="base" latinLnBrk="0" hangingPunct="0">
+              <a:lnSpc>
+                <a:spcPct val="100000"/>
+              </a:lnSpc>
+              <a:spcBef>
+                <a:spcPct val="0"/>
+              </a:spcBef>
+              <a:spcAft>
+                <a:spcPct val="0"/>
+              </a:spcAft>
+              <a:buClrTx/>
+              <a:buSzTx/>
+              <a:buFontTx/>
+              <a:buNone/>
+              <a:tabLst/>
+              <a:defRPr/>
+            </a:pPr>
+            <a:r>
+              <a:rPr lang="de-DE" sz="2800" dirty="0" err="1" smtClean="0"/>
+              <a:t>What</a:t>
+            </a:r>
+            <a:r>
+              <a:rPr lang="de-DE" sz="2800" dirty="0" smtClean="0"/>
+              <a:t> </a:t>
+            </a:r>
+            <a:r>
+              <a:rPr lang="de-DE" sz="2800" dirty="0" err="1" smtClean="0"/>
+              <a:t>is</a:t>
+            </a:r>
+            <a:r>
+              <a:rPr lang="de-DE" sz="2800" dirty="0" smtClean="0"/>
+              <a:t> </a:t>
+            </a:r>
+            <a:r>
+              <a:rPr lang="de-DE" sz="2800" dirty="0" err="1" smtClean="0"/>
+              <a:t>weka</a:t>
+            </a:r>
+            <a:r>
+              <a:rPr lang="de-DE" sz="2800" dirty="0" smtClean="0"/>
+              <a:t>?</a:t>
+            </a:r>
+            <a:endParaRPr lang="de-DE" sz="1100" dirty="0" smtClean="0"/>
           </a:p>
         </p:txBody>
       </p:sp>
@@ -2374,7 +5845,7 @@
               <a:pPr>
                 <a:defRPr/>
               </a:pPr>
-              <a:t>07.01.2015</a:t>
+              <a:t>12.01.2015</a:t>
             </a:fld>
             <a:endParaRPr lang="de-DE" dirty="0"/>
           </a:p>
@@ -2412,7 +5883,7 @@
     </p:spTree>
     <p:extLst>
       <p:ext uri="{BB962C8B-B14F-4D97-AF65-F5344CB8AC3E}">
-        <p14:creationId xmlns:p14="http://schemas.microsoft.com/office/powerpoint/2010/main" val="4078180298"/>
+        <p14:creationId xmlns:p14="http://schemas.microsoft.com/office/powerpoint/2010/main" val="2007482241"/>
       </p:ext>
     </p:extLst>
   </p:cSld>
@@ -2466,112 +5937,523 @@
           <a:bodyPr/>
           <a:lstStyle/>
           <a:p>
+            <a:pPr marL="0" marR="0" indent="0" algn="l" defTabSz="914400" rtl="0" eaLnBrk="0" fontAlgn="base" latinLnBrk="0" hangingPunct="0">
+              <a:lnSpc>
+                <a:spcPct val="100000"/>
+              </a:lnSpc>
+              <a:spcBef>
+                <a:spcPct val="0"/>
+              </a:spcBef>
+              <a:spcAft>
+                <a:spcPct val="0"/>
+              </a:spcAft>
+              <a:buClrTx/>
+              <a:buSzTx/>
+              <a:buFontTx/>
+              <a:buNone/>
+              <a:tabLst/>
+              <a:defRPr/>
+            </a:pPr>
             <a:r>
               <a:rPr lang="en-US" dirty="0" smtClean="0"/>
-              <a:t>this is a thesis we already had in the lecture</a:t>
-            </a:r>
-          </a:p>
-          <a:p>
+              <a:t>so we come to our classification</a:t>
+            </a:r>
+          </a:p>
+          <a:p>
+            <a:pPr marL="0" marR="0" indent="0" algn="l" defTabSz="914400" rtl="0" eaLnBrk="0" fontAlgn="base" latinLnBrk="0" hangingPunct="0">
+              <a:lnSpc>
+                <a:spcPct val="100000"/>
+              </a:lnSpc>
+              <a:spcBef>
+                <a:spcPct val="0"/>
+              </a:spcBef>
+              <a:spcAft>
+                <a:spcPct val="0"/>
+              </a:spcAft>
+              <a:buClrTx/>
+              <a:buSzTx/>
+              <a:buFontTx/>
+              <a:buNone/>
+              <a:tabLst/>
+              <a:defRPr/>
+            </a:pPr>
+            <a:r>
+              <a:rPr lang="en-US" dirty="0" smtClean="0"/>
+              <a:t>where we also used </a:t>
+            </a:r>
+            <a:r>
+              <a:rPr lang="en-US" dirty="0" err="1" smtClean="0"/>
+              <a:t>weka</a:t>
+            </a:r>
+            <a:r>
+              <a:rPr lang="en-US" dirty="0" smtClean="0"/>
+              <a:t> for our task of the closed set authentication</a:t>
+            </a:r>
+          </a:p>
+          <a:p>
+            <a:pPr marL="0" marR="0" indent="0" algn="l" defTabSz="914400" rtl="0" eaLnBrk="0" fontAlgn="base" latinLnBrk="0" hangingPunct="0">
+              <a:lnSpc>
+                <a:spcPct val="100000"/>
+              </a:lnSpc>
+              <a:spcBef>
+                <a:spcPct val="0"/>
+              </a:spcBef>
+              <a:spcAft>
+                <a:spcPct val="0"/>
+              </a:spcAft>
+              <a:buClrTx/>
+              <a:buSzTx/>
+              <a:buFontTx/>
+              <a:buNone/>
+              <a:tabLst/>
+              <a:defRPr/>
+            </a:pPr>
             <a:endParaRPr lang="en-US" dirty="0" smtClean="0"/>
           </a:p>
           <a:p>
+            <a:pPr marL="0" marR="0" indent="0" algn="l" defTabSz="914400" rtl="0" eaLnBrk="0" fontAlgn="base" latinLnBrk="0" hangingPunct="0">
+              <a:lnSpc>
+                <a:spcPct val="100000"/>
+              </a:lnSpc>
+              <a:spcBef>
+                <a:spcPct val="0"/>
+              </a:spcBef>
+              <a:spcAft>
+                <a:spcPct val="0"/>
+              </a:spcAft>
+              <a:buClrTx/>
+              <a:buSzTx/>
+              <a:buFontTx/>
+              <a:buNone/>
+              <a:tabLst/>
+              <a:defRPr/>
+            </a:pPr>
+            <a:r>
+              <a:rPr lang="en-US" dirty="0" err="1" smtClean="0"/>
+              <a:t>weka</a:t>
+            </a:r>
             <a:r>
               <a:rPr lang="en-US" dirty="0" smtClean="0"/>
-              <a:t>but as a small reminder</a:t>
-            </a:r>
-          </a:p>
-          <a:p>
+              <a:t> provides us a huge amount of possible classifier, </a:t>
+            </a:r>
+          </a:p>
+          <a:p>
+            <a:pPr marL="0" marR="0" indent="0" algn="l" defTabSz="914400" rtl="0" eaLnBrk="0" fontAlgn="base" latinLnBrk="0" hangingPunct="0">
+              <a:lnSpc>
+                <a:spcPct val="100000"/>
+              </a:lnSpc>
+              <a:spcBef>
+                <a:spcPct val="0"/>
+              </a:spcBef>
+              <a:spcAft>
+                <a:spcPct val="0"/>
+              </a:spcAft>
+              <a:buClrTx/>
+              <a:buSzTx/>
+              <a:buFontTx/>
+              <a:buNone/>
+              <a:tabLst/>
+              <a:defRPr/>
+            </a:pPr>
             <a:r>
               <a:rPr lang="en-US" dirty="0" smtClean="0"/>
-              <a:t>they assume that every speaker can be assign to one of these animals</a:t>
-            </a:r>
-          </a:p>
-          <a:p>
+              <a:t>which we all tried and compare the results to find the best classifier </a:t>
+            </a:r>
+          </a:p>
+          <a:p>
+            <a:pPr marL="0" marR="0" indent="0" algn="l" defTabSz="914400" rtl="0" eaLnBrk="0" fontAlgn="base" latinLnBrk="0" hangingPunct="0">
+              <a:lnSpc>
+                <a:spcPct val="100000"/>
+              </a:lnSpc>
+              <a:spcBef>
+                <a:spcPct val="0"/>
+              </a:spcBef>
+              <a:spcAft>
+                <a:spcPct val="0"/>
+              </a:spcAft>
+              <a:buClrTx/>
+              <a:buSzTx/>
+              <a:buFontTx/>
+              <a:buNone/>
+              <a:tabLst/>
+              <a:defRPr/>
+            </a:pPr>
+            <a:endParaRPr lang="en-US" dirty="0" smtClean="0"/>
+          </a:p>
+          <a:p>
+            <a:pPr marL="0" marR="0" indent="0" algn="l" defTabSz="914400" rtl="0" eaLnBrk="0" fontAlgn="base" latinLnBrk="0" hangingPunct="0">
+              <a:lnSpc>
+                <a:spcPct val="100000"/>
+              </a:lnSpc>
+              <a:spcBef>
+                <a:spcPct val="0"/>
+              </a:spcBef>
+              <a:spcAft>
+                <a:spcPct val="0"/>
+              </a:spcAft>
+              <a:buClrTx/>
+              <a:buSzTx/>
+              <a:buFontTx/>
+              <a:buNone/>
+              <a:tabLst/>
+              <a:defRPr/>
+            </a:pPr>
             <a:r>
               <a:rPr lang="en-US" dirty="0" smtClean="0"/>
-              <a:t>every animal represent a other </a:t>
+              <a:t>as the best classifier turned out the IBK and the </a:t>
             </a:r>
             <a:r>
               <a:rPr lang="en-US" dirty="0" err="1" smtClean="0"/>
-              <a:t>charateristic</a:t>
+              <a:t>RandomForest</a:t>
             </a:r>
             <a:r>
               <a:rPr lang="en-US" dirty="0" smtClean="0"/>
-              <a:t> of speaker</a:t>
-            </a:r>
-          </a:p>
-          <a:p>
+              <a:t> with the results shown in this table</a:t>
+            </a:r>
+          </a:p>
+          <a:p>
+            <a:pPr marL="0" marR="0" indent="0" algn="l" defTabSz="914400" rtl="0" eaLnBrk="0" fontAlgn="base" latinLnBrk="0" hangingPunct="0">
+              <a:lnSpc>
+                <a:spcPct val="100000"/>
+              </a:lnSpc>
+              <a:spcBef>
+                <a:spcPct val="0"/>
+              </a:spcBef>
+              <a:spcAft>
+                <a:spcPct val="0"/>
+              </a:spcAft>
+              <a:buClrTx/>
+              <a:buSzTx/>
+              <a:buFontTx/>
+              <a:buNone/>
+              <a:tabLst/>
+              <a:defRPr/>
+            </a:pPr>
+            <a:r>
+              <a:rPr lang="en-US" dirty="0" smtClean="0"/>
+              <a:t>these results say that we could match samples from one recording to the origin speaker with a probability of 56%</a:t>
+            </a:r>
+          </a:p>
+          <a:p>
+            <a:pPr marL="0" marR="0" indent="0" algn="l" defTabSz="914400" rtl="0" eaLnBrk="0" fontAlgn="base" latinLnBrk="0" hangingPunct="0">
+              <a:lnSpc>
+                <a:spcPct val="100000"/>
+              </a:lnSpc>
+              <a:spcBef>
+                <a:spcPct val="0"/>
+              </a:spcBef>
+              <a:spcAft>
+                <a:spcPct val="0"/>
+              </a:spcAft>
+              <a:buClrTx/>
+              <a:buSzTx/>
+              <a:buFontTx/>
+              <a:buNone/>
+              <a:tabLst/>
+              <a:defRPr/>
+            </a:pPr>
             <a:endParaRPr lang="en-US" dirty="0" smtClean="0"/>
           </a:p>
           <a:p>
+            <a:pPr marL="0" marR="0" indent="0" algn="l" defTabSz="914400" rtl="0" eaLnBrk="0" fontAlgn="base" latinLnBrk="0" hangingPunct="0">
+              <a:lnSpc>
+                <a:spcPct val="100000"/>
+              </a:lnSpc>
+              <a:spcBef>
+                <a:spcPct val="0"/>
+              </a:spcBef>
+              <a:spcAft>
+                <a:spcPct val="0"/>
+              </a:spcAft>
+              <a:buClrTx/>
+              <a:buSzTx/>
+              <a:buFontTx/>
+              <a:buNone/>
+              <a:tabLst/>
+              <a:defRPr/>
+            </a:pPr>
             <a:r>
               <a:rPr lang="en-US" dirty="0" smtClean="0"/>
-              <a:t>sheep, 	represent the most speaker</a:t>
-            </a:r>
-          </a:p>
-          <a:p>
+              <a:t>on first sight these results </a:t>
+            </a:r>
+            <a:r>
+              <a:rPr lang="en-US" dirty="0" err="1" smtClean="0"/>
+              <a:t>doesnt</a:t>
+            </a:r>
             <a:r>
               <a:rPr lang="en-US" dirty="0" smtClean="0"/>
-              <a:t>goats, 	where not much samples are right classified, speaker who could not authenticated are goats</a:t>
-            </a:r>
-          </a:p>
-          <a:p>
+              <a:t> look particularly well, but we have to consider </a:t>
+            </a:r>
+          </a:p>
+          <a:p>
+            <a:pPr marL="0" marR="0" indent="0" algn="l" defTabSz="914400" rtl="0" eaLnBrk="0" fontAlgn="base" latinLnBrk="0" hangingPunct="0">
+              <a:lnSpc>
+                <a:spcPct val="100000"/>
+              </a:lnSpc>
+              <a:spcBef>
+                <a:spcPct val="0"/>
+              </a:spcBef>
+              <a:spcAft>
+                <a:spcPct val="0"/>
+              </a:spcAft>
+              <a:buClrTx/>
+              <a:buSzTx/>
+              <a:buFontTx/>
+              <a:buNone/>
+              <a:tabLst/>
+              <a:defRPr/>
+            </a:pPr>
             <a:r>
               <a:rPr lang="en-US" dirty="0" smtClean="0"/>
-              <a:t>lambs, 	where many wrong samples are assign to, need to look on the vertical</a:t>
-            </a:r>
-          </a:p>
-          <a:p>
+              <a:t>that the classifier was able to distinguish one sample from over 80 other speaker with a 56% which is quite well</a:t>
+            </a:r>
+          </a:p>
+          <a:p>
+            <a:pPr marL="0" marR="0" indent="0" algn="l" defTabSz="914400" rtl="0" eaLnBrk="0" fontAlgn="base" latinLnBrk="0" hangingPunct="0">
+              <a:lnSpc>
+                <a:spcPct val="100000"/>
+              </a:lnSpc>
+              <a:spcBef>
+                <a:spcPct val="0"/>
+              </a:spcBef>
+              <a:spcAft>
+                <a:spcPct val="0"/>
+              </a:spcAft>
+              <a:buClrTx/>
+              <a:buSzTx/>
+              <a:buFontTx/>
+              <a:buNone/>
+              <a:tabLst/>
+              <a:defRPr/>
+            </a:pPr>
+            <a:endParaRPr lang="en-US" dirty="0" smtClean="0"/>
+          </a:p>
+          <a:p>
+            <a:pPr marL="0" marR="0" indent="0" algn="l" defTabSz="914400" rtl="0" eaLnBrk="0" fontAlgn="base" latinLnBrk="0" hangingPunct="0">
+              <a:lnSpc>
+                <a:spcPct val="100000"/>
+              </a:lnSpc>
+              <a:spcBef>
+                <a:spcPct val="0"/>
+              </a:spcBef>
+              <a:spcAft>
+                <a:spcPct val="0"/>
+              </a:spcAft>
+              <a:buClrTx/>
+              <a:buSzTx/>
+              <a:buFontTx/>
+              <a:buNone/>
+              <a:tabLst/>
+              <a:defRPr/>
+            </a:pPr>
             <a:r>
               <a:rPr lang="en-US" dirty="0" smtClean="0"/>
-              <a:t>wolves,	where a lot of samples are </a:t>
-            </a:r>
-            <a:r>
-              <a:rPr lang="en-US" dirty="0" err="1" smtClean="0"/>
-              <a:t>classifed</a:t>
-            </a:r>
+              <a:t>And</a:t>
+            </a:r>
+            <a:r>
+              <a:rPr lang="en-US" baseline="0" dirty="0" smtClean="0"/>
+              <a:t> more important is the fact that</a:t>
+            </a:r>
+            <a:endParaRPr lang="en-US" dirty="0" smtClean="0"/>
+          </a:p>
+          <a:p>
+            <a:pPr marL="0" marR="0" indent="0" algn="l" defTabSz="914400" rtl="0" eaLnBrk="0" fontAlgn="base" latinLnBrk="0" hangingPunct="0">
+              <a:lnSpc>
+                <a:spcPct val="100000"/>
+              </a:lnSpc>
+              <a:spcBef>
+                <a:spcPct val="0"/>
+              </a:spcBef>
+              <a:spcAft>
+                <a:spcPct val="0"/>
+              </a:spcAft>
+              <a:buClrTx/>
+              <a:buSzTx/>
+              <a:buFontTx/>
+              <a:buNone/>
+              <a:tabLst/>
+              <a:defRPr/>
+            </a:pPr>
             <a:r>
               <a:rPr lang="en-US" dirty="0" smtClean="0"/>
-              <a:t> to few other speaker</a:t>
-            </a:r>
-          </a:p>
-          <a:p>
+              <a:t>the main task was not to match samples with speaker, the main task was to match recordings to speaker</a:t>
+            </a:r>
+          </a:p>
+          <a:p>
+            <a:pPr marL="0" marR="0" indent="0" algn="l" defTabSz="914400" rtl="0" eaLnBrk="0" fontAlgn="base" latinLnBrk="0" hangingPunct="0">
+              <a:lnSpc>
+                <a:spcPct val="100000"/>
+              </a:lnSpc>
+              <a:spcBef>
+                <a:spcPct val="0"/>
+              </a:spcBef>
+              <a:spcAft>
+                <a:spcPct val="0"/>
+              </a:spcAft>
+              <a:buClrTx/>
+              <a:buSzTx/>
+              <a:buFontTx/>
+              <a:buNone/>
+              <a:tabLst/>
+              <a:defRPr/>
+            </a:pPr>
             <a:endParaRPr lang="en-US" dirty="0" smtClean="0"/>
           </a:p>
           <a:p>
+            <a:pPr marL="0" marR="0" indent="0" algn="l" defTabSz="914400" rtl="0" eaLnBrk="0" fontAlgn="base" latinLnBrk="0" hangingPunct="0">
+              <a:lnSpc>
+                <a:spcPct val="100000"/>
+              </a:lnSpc>
+              <a:spcBef>
+                <a:spcPct val="0"/>
+              </a:spcBef>
+              <a:spcAft>
+                <a:spcPct val="0"/>
+              </a:spcAft>
+              <a:buClrTx/>
+              <a:buSzTx/>
+              <a:buFontTx/>
+              <a:buNone/>
+              <a:tabLst/>
+              <a:defRPr/>
+            </a:pPr>
             <a:r>
               <a:rPr lang="en-US" dirty="0" smtClean="0"/>
-              <a:t>this categorization we did with all our speaker an come to the conclusion shows in this table </a:t>
-            </a:r>
-          </a:p>
-          <a:p>
+              <a:t>due to the fact</a:t>
+            </a:r>
+          </a:p>
+          <a:p>
+            <a:pPr marL="0" marR="0" indent="0" algn="l" defTabSz="914400" rtl="0" eaLnBrk="0" fontAlgn="base" latinLnBrk="0" hangingPunct="0">
+              <a:lnSpc>
+                <a:spcPct val="100000"/>
+              </a:lnSpc>
+              <a:spcBef>
+                <a:spcPct val="0"/>
+              </a:spcBef>
+              <a:spcAft>
+                <a:spcPct val="0"/>
+              </a:spcAft>
+              <a:buClrTx/>
+              <a:buSzTx/>
+              <a:buFontTx/>
+              <a:buNone/>
+              <a:tabLst/>
+              <a:defRPr/>
+            </a:pPr>
             <a:r>
               <a:rPr lang="en-US" dirty="0" smtClean="0"/>
-              <a:t>where we can see that the most are </a:t>
-            </a:r>
-            <a:r>
-              <a:rPr lang="en-US" dirty="0" err="1" smtClean="0"/>
-              <a:t>sheeps</a:t>
-            </a:r>
+              <a:t>we only used ONE recording each speaker in the test set</a:t>
+            </a:r>
+          </a:p>
+          <a:p>
+            <a:pPr marL="0" marR="0" indent="0" algn="l" defTabSz="914400" rtl="0" eaLnBrk="0" fontAlgn="base" latinLnBrk="0" hangingPunct="0">
+              <a:lnSpc>
+                <a:spcPct val="100000"/>
+              </a:lnSpc>
+              <a:spcBef>
+                <a:spcPct val="0"/>
+              </a:spcBef>
+              <a:spcAft>
+                <a:spcPct val="0"/>
+              </a:spcAft>
+              <a:buClrTx/>
+              <a:buSzTx/>
+              <a:buFontTx/>
+              <a:buNone/>
+              <a:tabLst/>
+              <a:defRPr/>
+            </a:pPr>
             <a:r>
               <a:rPr lang="en-US" dirty="0" smtClean="0"/>
-              <a:t> and </a:t>
-            </a:r>
-            <a:r>
-              <a:rPr lang="en-US" dirty="0" err="1" smtClean="0"/>
-              <a:t>easly</a:t>
-            </a:r>
+              <a:t>and only ONE speaker is speaking in the recording</a:t>
+            </a:r>
+          </a:p>
+          <a:p>
+            <a:pPr marL="0" marR="0" indent="0" algn="l" defTabSz="914400" rtl="0" eaLnBrk="0" fontAlgn="base" latinLnBrk="0" hangingPunct="0">
+              <a:lnSpc>
+                <a:spcPct val="100000"/>
+              </a:lnSpc>
+              <a:spcBef>
+                <a:spcPct val="0"/>
+              </a:spcBef>
+              <a:spcAft>
+                <a:spcPct val="0"/>
+              </a:spcAft>
+              <a:buClrTx/>
+              <a:buSzTx/>
+              <a:buFontTx/>
+              <a:buNone/>
+              <a:tabLst/>
+              <a:defRPr/>
+            </a:pPr>
+            <a:endParaRPr lang="en-US" dirty="0" smtClean="0"/>
+          </a:p>
+          <a:p>
+            <a:pPr marL="0" marR="0" indent="0" algn="l" defTabSz="914400" rtl="0" eaLnBrk="0" fontAlgn="base" latinLnBrk="0" hangingPunct="0">
+              <a:lnSpc>
+                <a:spcPct val="100000"/>
+              </a:lnSpc>
+              <a:spcBef>
+                <a:spcPct val="0"/>
+              </a:spcBef>
+              <a:spcAft>
+                <a:spcPct val="0"/>
+              </a:spcAft>
+              <a:buClrTx/>
+              <a:buSzTx/>
+              <a:buFontTx/>
+              <a:buNone/>
+              <a:tabLst/>
+              <a:defRPr/>
+            </a:pPr>
             <a:r>
               <a:rPr lang="en-US" dirty="0" smtClean="0"/>
-              <a:t> to accepted by the system</a:t>
-            </a:r>
-          </a:p>
-          <a:p>
+              <a:t>we just need the majority of the sample to be classified right</a:t>
+            </a:r>
+          </a:p>
+          <a:p>
+            <a:pPr marL="0" marR="0" indent="0" algn="l" defTabSz="914400" rtl="0" eaLnBrk="0" fontAlgn="base" latinLnBrk="0" hangingPunct="0">
+              <a:lnSpc>
+                <a:spcPct val="100000"/>
+              </a:lnSpc>
+              <a:spcBef>
+                <a:spcPct val="0"/>
+              </a:spcBef>
+              <a:spcAft>
+                <a:spcPct val="0"/>
+              </a:spcAft>
+              <a:buClrTx/>
+              <a:buSzTx/>
+              <a:buFontTx/>
+              <a:buNone/>
+              <a:tabLst/>
+              <a:defRPr/>
+            </a:pPr>
+            <a:endParaRPr lang="en-US" dirty="0" smtClean="0"/>
+          </a:p>
+          <a:p>
+            <a:pPr marL="0" marR="0" indent="0" algn="l" defTabSz="914400" rtl="0" eaLnBrk="0" fontAlgn="base" latinLnBrk="0" hangingPunct="0">
+              <a:lnSpc>
+                <a:spcPct val="100000"/>
+              </a:lnSpc>
+              <a:spcBef>
+                <a:spcPct val="0"/>
+              </a:spcBef>
+              <a:spcAft>
+                <a:spcPct val="0"/>
+              </a:spcAft>
+              <a:buClrTx/>
+              <a:buSzTx/>
+              <a:buFontTx/>
+              <a:buNone/>
+              <a:tabLst/>
+              <a:defRPr/>
+            </a:pPr>
             <a:r>
               <a:rPr lang="en-US" dirty="0" smtClean="0"/>
-              <a:t>and only 10% shown this unwanted feature</a:t>
-            </a:r>
-            <a:endParaRPr lang="de-DE" dirty="0"/>
+              <a:t>lets just take a look of the results</a:t>
+            </a:r>
+            <a:endParaRPr lang="de-DE" dirty="0" smtClean="0"/>
           </a:p>
         </p:txBody>
       </p:sp>
@@ -2598,7 +6480,7 @@
               <a:pPr>
                 <a:defRPr/>
               </a:pPr>
-              <a:t>07.01.2015</a:t>
+              <a:t>12.01.2015</a:t>
             </a:fld>
             <a:endParaRPr lang="de-DE" dirty="0"/>
           </a:p>
@@ -2636,7 +6518,7 @@
     </p:spTree>
     <p:extLst>
       <p:ext uri="{BB962C8B-B14F-4D97-AF65-F5344CB8AC3E}">
-        <p14:creationId xmlns:p14="http://schemas.microsoft.com/office/powerpoint/2010/main" val="1404781169"/>
+        <p14:creationId xmlns:p14="http://schemas.microsoft.com/office/powerpoint/2010/main" val="2007482241"/>
       </p:ext>
     </p:extLst>
   </p:cSld>
@@ -2692,57 +6574,46 @@
           <a:p>
             <a:r>
               <a:rPr lang="en-US" dirty="0" smtClean="0"/>
-              <a:t>what did we learn about </a:t>
-            </a:r>
-            <a:r>
-              <a:rPr lang="en-US" dirty="0" err="1" smtClean="0"/>
-              <a:t>skeaper</a:t>
-            </a:r>
+              <a:t>here we see all samples </a:t>
+            </a:r>
+          </a:p>
+          <a:p>
             <a:r>
               <a:rPr lang="en-US" dirty="0" smtClean="0"/>
-              <a:t> recognition in our project?</a:t>
-            </a:r>
+              <a:t>and where they were classified</a:t>
+            </a:r>
+          </a:p>
+          <a:p>
+            <a:endParaRPr lang="en-US" dirty="0" smtClean="0"/>
           </a:p>
           <a:p>
             <a:r>
               <a:rPr lang="en-US" dirty="0" smtClean="0"/>
-              <a:t>even with a non optimal database</a:t>
-            </a:r>
-          </a:p>
-          <a:p>
-            <a:r>
-              <a:rPr lang="en-US" b="1" dirty="0" smtClean="0"/>
-              <a:t>but</a:t>
-            </a:r>
+              <a:t>we also see that the classification is result is good because the majority of the sample lie on the diagonal of the matrix</a:t>
+            </a:r>
+          </a:p>
+          <a:p>
+            <a:endParaRPr lang="en-US" dirty="0" smtClean="0"/>
+          </a:p>
+          <a:p>
             <a:r>
               <a:rPr lang="en-US" dirty="0" smtClean="0"/>
-              <a:t> </a:t>
+              <a:t>on a closer look we see that</a:t>
             </a:r>
           </a:p>
           <a:p>
             <a:r>
               <a:rPr lang="en-US" dirty="0" smtClean="0"/>
-              <a:t>with the right tools, feature extraction and classification</a:t>
-            </a:r>
+              <a:t>some speaker were much harder to identified as other were almost all sample were right classified</a:t>
+            </a:r>
+          </a:p>
+          <a:p>
+            <a:endParaRPr lang="en-US" dirty="0" smtClean="0"/>
           </a:p>
           <a:p>
             <a:r>
               <a:rPr lang="en-US" dirty="0" smtClean="0"/>
-              <a:t>We could accomplish </a:t>
-            </a:r>
-          </a:p>
-          <a:p>
-            <a:r>
-              <a:rPr lang="en-US" dirty="0" smtClean="0"/>
-              <a:t>A good result of 97.5% of right </a:t>
-            </a:r>
-            <a:r>
-              <a:rPr lang="en-US" dirty="0" err="1" smtClean="0"/>
-              <a:t>authentificated</a:t>
-            </a:r>
-            <a:r>
-              <a:rPr lang="en-US" baseline="0" dirty="0" smtClean="0"/>
-              <a:t> speakers</a:t>
+              <a:t>we come to our last topic</a:t>
             </a:r>
             <a:endParaRPr lang="de-DE" dirty="0"/>
           </a:p>
@@ -2771,7 +6642,7 @@
               <a:pPr>
                 <a:defRPr/>
               </a:pPr>
-              <a:t>07.01.2015</a:t>
+              <a:t>12.01.2015</a:t>
             </a:fld>
             <a:endParaRPr lang="de-DE" dirty="0"/>
           </a:p>
@@ -2800,7 +6671,7 @@
               <a:pPr>
                 <a:defRPr/>
               </a:pPr>
-              <a:t>10</a:t>
+              <a:t>11</a:t>
             </a:fld>
             <a:endParaRPr lang="de-DE" dirty="0"/>
           </a:p>
@@ -2809,7 +6680,7 @@
     </p:spTree>
     <p:extLst>
       <p:ext uri="{BB962C8B-B14F-4D97-AF65-F5344CB8AC3E}">
-        <p14:creationId xmlns:p14="http://schemas.microsoft.com/office/powerpoint/2010/main" val="2525518952"/>
+        <p14:creationId xmlns:p14="http://schemas.microsoft.com/office/powerpoint/2010/main" val="4078180298"/>
       </p:ext>
     </p:extLst>
   </p:cSld>
@@ -6291,96 +10162,54 @@
             <p:ph type="body" sz="quarter" idx="10"/>
           </p:nvPr>
         </p:nvSpPr>
-        <p:spPr>
-          <a:xfrm>
-            <a:off x="2" y="1296268"/>
-            <a:ext cx="8537574" cy="3644900"/>
-          </a:xfrm>
-        </p:spPr>
+        <p:spPr/>
         <p:txBody>
           <a:bodyPr/>
           <a:lstStyle/>
           <a:p>
-            <a:pPr marL="350520" indent="0">
-              <a:buNone/>
-            </a:pPr>
-            <a:endParaRPr lang="en-US" sz="2400" dirty="0" smtClean="0"/>
-          </a:p>
-          <a:p>
-            <a:pPr marL="350520" indent="0">
-              <a:buNone/>
-            </a:pPr>
-            <a:endParaRPr lang="en-US" sz="2400" dirty="0"/>
-          </a:p>
-          <a:p>
-            <a:pPr marL="350520" indent="0">
-              <a:buNone/>
-            </a:pPr>
-            <a:r>
-              <a:rPr lang="en-US" sz="2400" dirty="0" smtClean="0"/>
-              <a:t>With:</a:t>
-            </a:r>
-          </a:p>
-          <a:p>
-            <a:r>
-              <a:rPr lang="en-US" sz="2400" dirty="0" smtClean="0"/>
-              <a:t>Non optimal database</a:t>
-            </a:r>
-            <a:endParaRPr lang="en-US" sz="2400" dirty="0" smtClean="0"/>
-          </a:p>
-          <a:p>
-            <a:r>
-              <a:rPr lang="en-US" sz="2400" dirty="0" smtClean="0"/>
-              <a:t>Good feature extraction tool</a:t>
-            </a:r>
-            <a:endParaRPr lang="en-US" sz="2400" dirty="0" smtClean="0"/>
-          </a:p>
-          <a:p>
-            <a:r>
-              <a:rPr lang="en-US" sz="2400" dirty="0" smtClean="0"/>
-              <a:t>Good classification tool</a:t>
-            </a:r>
-            <a:endParaRPr lang="en-US" sz="2400" dirty="0" smtClean="0"/>
-          </a:p>
-          <a:p>
-            <a:r>
-              <a:rPr lang="en-US" sz="2400" dirty="0" smtClean="0"/>
-              <a:t>Minimal post-processing</a:t>
-            </a:r>
-          </a:p>
-          <a:p>
-            <a:endParaRPr lang="en-US" sz="2400" dirty="0"/>
-          </a:p>
-          <a:p>
-            <a:pPr marL="350520" indent="0">
-              <a:buNone/>
-            </a:pPr>
-            <a:endParaRPr lang="en-US" sz="2400" dirty="0" smtClean="0"/>
-          </a:p>
-          <a:p>
-            <a:pPr marL="350520" indent="0">
-              <a:buNone/>
-            </a:pPr>
-            <a:r>
-              <a:rPr lang="en-US" sz="2400" dirty="0" smtClean="0"/>
-              <a:t>We accomplish:</a:t>
-            </a:r>
-          </a:p>
-          <a:p>
-            <a:r>
-              <a:rPr lang="en-US" sz="2400" dirty="0" smtClean="0"/>
-              <a:t>97,5</a:t>
-            </a:r>
-            <a:r>
-              <a:rPr lang="en-US" sz="2400" dirty="0" smtClean="0"/>
-              <a:t>% authentication rate</a:t>
-            </a:r>
-          </a:p>
-          <a:p>
-            <a:endParaRPr lang="de-DE" sz="2400" dirty="0" smtClean="0"/>
-          </a:p>
-          <a:p>
-            <a:endParaRPr lang="de-DE" sz="2400" dirty="0"/>
+            <a:r>
+              <a:rPr lang="en-US" dirty="0" err="1" smtClean="0"/>
+              <a:t>Unterschied</a:t>
+            </a:r>
+            <a:r>
+              <a:rPr lang="en-US" dirty="0" smtClean="0"/>
+              <a:t> samples recordings</a:t>
+            </a:r>
+          </a:p>
+          <a:p>
+            <a:endParaRPr lang="en-US" dirty="0"/>
+          </a:p>
+          <a:p>
+            <a:r>
+              <a:rPr lang="en-US" dirty="0" smtClean="0"/>
+              <a:t>Speaker </a:t>
+            </a:r>
+            <a:r>
+              <a:rPr lang="en-US" dirty="0"/>
+              <a:t>is correct classified, if the majority of samples of one recording is correct </a:t>
+            </a:r>
+            <a:r>
+              <a:rPr lang="en-US" dirty="0" smtClean="0"/>
+              <a:t>classified</a:t>
+            </a:r>
+            <a:endParaRPr lang="de-DE" dirty="0" smtClean="0"/>
+          </a:p>
+          <a:p>
+            <a:endParaRPr lang="de-DE" dirty="0" smtClean="0"/>
+          </a:p>
+          <a:p>
+            <a:r>
+              <a:rPr lang="de-DE" dirty="0" smtClean="0"/>
+              <a:t>Tabelle vergleich </a:t>
+            </a:r>
+            <a:r>
+              <a:rPr lang="de-DE" dirty="0" err="1" smtClean="0"/>
+              <a:t>Hyke</a:t>
+            </a:r>
+            <a:r>
+              <a:rPr lang="de-DE" dirty="0" smtClean="0"/>
+              <a:t> vs. unser Ergebnis</a:t>
+            </a:r>
           </a:p>
         </p:txBody>
       </p:sp>
@@ -6400,21 +10229,172 @@
           <a:lstStyle/>
           <a:p>
             <a:r>
-              <a:rPr lang="de-DE" dirty="0" err="1"/>
-              <a:t>C</a:t>
-            </a:r>
-            <a:r>
               <a:rPr lang="de-DE" dirty="0" err="1" smtClean="0"/>
-              <a:t>onclusion</a:t>
+              <a:t>Result</a:t>
+            </a:r>
+            <a:r>
+              <a:rPr lang="de-DE" dirty="0"/>
+              <a:t> </a:t>
+            </a:r>
+            <a:r>
+              <a:rPr lang="de-DE" dirty="0" err="1" smtClean="0"/>
+              <a:t>of</a:t>
+            </a:r>
+            <a:r>
+              <a:rPr lang="de-DE" dirty="0" smtClean="0"/>
+              <a:t> </a:t>
+            </a:r>
+            <a:r>
+              <a:rPr lang="de-DE" dirty="0" err="1" smtClean="0"/>
+              <a:t>classification</a:t>
             </a:r>
             <a:endParaRPr lang="de-DE" dirty="0"/>
+          </a:p>
+        </p:txBody>
+      </p:sp>
+      <p:sp>
+        <p:nvSpPr>
+          <p:cNvPr id="4" name="Textfeld 3"/>
+          <p:cNvSpPr txBox="1"/>
+          <p:nvPr/>
+        </p:nvSpPr>
+        <p:spPr>
+          <a:xfrm>
+            <a:off x="-9361" y="5373216"/>
+            <a:ext cx="8274438" cy="830997"/>
+          </a:xfrm>
+          <a:prstGeom prst="rect">
+            <a:avLst/>
+          </a:prstGeom>
+          <a:noFill/>
+        </p:spPr>
+        <p:txBody>
+          <a:bodyPr wrap="square" rtlCol="0">
+            <a:spAutoFit/>
+          </a:bodyPr>
+          <a:lstStyle/>
+          <a:p>
+            <a:r>
+              <a:rPr lang="en-US" dirty="0" smtClean="0"/>
+              <a:t>Speaker is correct classified, if the majority of samples of </a:t>
+            </a:r>
+            <a:r>
+              <a:rPr lang="en-US" b="1" dirty="0" smtClean="0"/>
+              <a:t>one</a:t>
+            </a:r>
+            <a:r>
+              <a:rPr lang="en-US" dirty="0" smtClean="0"/>
+              <a:t> recording is correct classified</a:t>
+            </a:r>
+            <a:endParaRPr lang="en-US" dirty="0"/>
           </a:p>
         </p:txBody>
       </p:sp>
     </p:spTree>
     <p:extLst>
       <p:ext uri="{BB962C8B-B14F-4D97-AF65-F5344CB8AC3E}">
-        <p14:creationId xmlns:p14="http://schemas.microsoft.com/office/powerpoint/2010/main" val="1622936544"/>
+        <p14:creationId xmlns:p14="http://schemas.microsoft.com/office/powerpoint/2010/main" val="1996667298"/>
+      </p:ext>
+    </p:extLst>
+  </p:cSld>
+  <p:clrMapOvr>
+    <a:masterClrMapping/>
+  </p:clrMapOvr>
+  <p:transition spd="slow" advClick="0" advTm="4000">
+    <p:fade/>
+  </p:transition>
+</p:sld>
+</file>
+
+<file path=ppt/slides/slide11.xml><?xml version="1.0" encoding="utf-8"?>
+<p:sld xmlns:a="http://schemas.openxmlformats.org/drawingml/2006/main" xmlns:r="http://schemas.openxmlformats.org/officeDocument/2006/relationships" xmlns:p="http://schemas.openxmlformats.org/presentationml/2006/main">
+  <p:cSld>
+    <p:spTree>
+      <p:nvGrpSpPr>
+        <p:cNvPr id="1" name=""/>
+        <p:cNvGrpSpPr/>
+        <p:nvPr/>
+      </p:nvGrpSpPr>
+      <p:grpSpPr>
+        <a:xfrm>
+          <a:off x="0" y="0"/>
+          <a:ext cx="0" cy="0"/>
+          <a:chOff x="0" y="0"/>
+          <a:chExt cx="0" cy="0"/>
+        </a:xfrm>
+      </p:grpSpPr>
+      <p:pic>
+        <p:nvPicPr>
+          <p:cNvPr id="4098" name="Picture 2" descr="D:\Eigene Daten\Uni\BioSec\Matrix.png"/>
+          <p:cNvPicPr>
+            <a:picLocks noChangeAspect="1" noChangeArrowheads="1"/>
+          </p:cNvPicPr>
+          <p:nvPr/>
+        </p:nvPicPr>
+        <p:blipFill>
+          <a:blip r:embed="rId3">
+            <a:extLst>
+              <a:ext uri="{28A0092B-C50C-407E-A947-70E740481C1C}">
+                <a14:useLocalDpi xmlns:a14="http://schemas.microsoft.com/office/drawing/2010/main" val="0"/>
+              </a:ext>
+            </a:extLst>
+          </a:blip>
+          <a:srcRect/>
+          <a:stretch>
+            <a:fillRect/>
+          </a:stretch>
+        </p:blipFill>
+        <p:spPr bwMode="auto">
+          <a:xfrm>
+            <a:off x="550065" y="980728"/>
+            <a:ext cx="7868143" cy="5565922"/>
+          </a:xfrm>
+          <a:prstGeom prst="rect">
+            <a:avLst/>
+          </a:prstGeom>
+          <a:noFill/>
+          <a:extLst>
+            <a:ext uri="{909E8E84-426E-40DD-AFC4-6F175D3DCCD1}">
+              <a14:hiddenFill xmlns:a14="http://schemas.microsoft.com/office/drawing/2010/main">
+                <a:solidFill>
+                  <a:srgbClr val="FFFFFF"/>
+                </a:solidFill>
+              </a14:hiddenFill>
+            </a:ext>
+          </a:extLst>
+        </p:spPr>
+      </p:pic>
+      <p:sp>
+        <p:nvSpPr>
+          <p:cNvPr id="3" name="Titel 2"/>
+          <p:cNvSpPr>
+            <a:spLocks noGrp="1"/>
+          </p:cNvSpPr>
+          <p:nvPr>
+            <p:ph type="title"/>
+          </p:nvPr>
+        </p:nvSpPr>
+        <p:spPr/>
+        <p:txBody>
+          <a:bodyPr/>
+          <a:lstStyle/>
+          <a:p>
+            <a:r>
+              <a:rPr lang="en-US" dirty="0" err="1"/>
+              <a:t>C</a:t>
+            </a:r>
+            <a:r>
+              <a:rPr lang="en-US" dirty="0" err="1" smtClean="0"/>
+              <a:t>ovarianzmatrix</a:t>
+            </a:r>
+            <a:endParaRPr lang="en-US" dirty="0"/>
+          </a:p>
+        </p:txBody>
+      </p:sp>
+    </p:spTree>
+    <p:extLst>
+      <p:ext uri="{BB962C8B-B14F-4D97-AF65-F5344CB8AC3E}">
+        <p14:creationId xmlns:p14="http://schemas.microsoft.com/office/powerpoint/2010/main" val="1426215008"/>
       </p:ext>
     </p:extLst>
   </p:cSld>
@@ -6434,7 +10414,7 @@
 </p:sld>
 </file>
 
-<file path=ppt/slides/slide11.xml><?xml version="1.0" encoding="utf-8"?>
+<file path=ppt/slides/slide12.xml><?xml version="1.0" encoding="utf-8"?>
 <p:sld xmlns:a="http://schemas.openxmlformats.org/drawingml/2006/main" xmlns:r="http://schemas.openxmlformats.org/officeDocument/2006/relationships" xmlns:p="http://schemas.openxmlformats.org/presentationml/2006/main">
   <p:cSld>
     <p:spTree>
@@ -6466,6 +10446,515 @@
           <a:bodyPr/>
           <a:lstStyle/>
           <a:p>
+            <a:r>
+              <a:rPr lang="de-DE" sz="2000" dirty="0" err="1" smtClean="0"/>
+              <a:t>Sheeps</a:t>
+            </a:r>
+            <a:r>
+              <a:rPr lang="de-DE" sz="2000" dirty="0" smtClean="0"/>
+              <a:t>: </a:t>
+            </a:r>
+            <a:r>
+              <a:rPr lang="en-US" sz="2000" dirty="0"/>
+              <a:t>easily accepted by the system</a:t>
+            </a:r>
+          </a:p>
+          <a:p>
+            <a:pPr marL="350520" indent="0">
+              <a:buNone/>
+            </a:pPr>
+            <a:endParaRPr lang="de-DE" sz="2000" dirty="0"/>
+          </a:p>
+          <a:p>
+            <a:r>
+              <a:rPr lang="de-DE" sz="2000" dirty="0" err="1" smtClean="0"/>
+              <a:t>Goats</a:t>
+            </a:r>
+            <a:r>
+              <a:rPr lang="de-DE" sz="2000" dirty="0" smtClean="0"/>
+              <a:t>: </a:t>
+            </a:r>
+            <a:r>
+              <a:rPr lang="en-US" sz="2000" dirty="0" smtClean="0"/>
+              <a:t>exceptionally </a:t>
+            </a:r>
+            <a:r>
+              <a:rPr lang="en-US" sz="2000" dirty="0"/>
+              <a:t>unsuccessful at being accepted</a:t>
+            </a:r>
+          </a:p>
+          <a:p>
+            <a:pPr marL="350520" indent="0">
+              <a:buNone/>
+            </a:pPr>
+            <a:endParaRPr lang="de-DE" sz="2000" dirty="0"/>
+          </a:p>
+          <a:p>
+            <a:r>
+              <a:rPr lang="de-DE" sz="2000" dirty="0" smtClean="0"/>
+              <a:t>Lambs: </a:t>
+            </a:r>
+            <a:r>
+              <a:rPr lang="en-US" sz="2000" dirty="0"/>
+              <a:t>exceptionally vulnerable to impersonation</a:t>
+            </a:r>
+          </a:p>
+          <a:p>
+            <a:pPr marL="350520" indent="0">
+              <a:buNone/>
+            </a:pPr>
+            <a:endParaRPr lang="de-DE" sz="2000" dirty="0" smtClean="0"/>
+          </a:p>
+          <a:p>
+            <a:r>
+              <a:rPr lang="de-DE" sz="2000" dirty="0" err="1" smtClean="0"/>
+              <a:t>Wolves</a:t>
+            </a:r>
+            <a:r>
+              <a:rPr lang="de-DE" sz="2000" dirty="0" smtClean="0"/>
+              <a:t>: </a:t>
+            </a:r>
+            <a:r>
+              <a:rPr lang="en-US" sz="2000" dirty="0"/>
+              <a:t>exceptionally successful at impersonation</a:t>
+            </a:r>
+            <a:endParaRPr lang="de-DE" sz="2000" dirty="0"/>
+          </a:p>
+          <a:p>
+            <a:endParaRPr lang="de-DE" sz="2000" dirty="0" smtClean="0"/>
+          </a:p>
+          <a:p>
+            <a:endParaRPr lang="de-DE" sz="2000" dirty="0" smtClean="0"/>
+          </a:p>
+        </p:txBody>
+      </p:sp>
+      <p:sp>
+        <p:nvSpPr>
+          <p:cNvPr id="3" name="Titel 2"/>
+          <p:cNvSpPr>
+            <a:spLocks noGrp="1"/>
+          </p:cNvSpPr>
+          <p:nvPr>
+            <p:ph type="title"/>
+          </p:nvPr>
+        </p:nvSpPr>
+        <p:spPr/>
+        <p:txBody>
+          <a:bodyPr/>
+          <a:lstStyle/>
+          <a:p>
+            <a:r>
+              <a:rPr lang="de-DE" dirty="0" err="1" smtClean="0"/>
+              <a:t>Doddington</a:t>
+            </a:r>
+            <a:r>
+              <a:rPr lang="de-DE" dirty="0" smtClean="0"/>
+              <a:t> Zoo</a:t>
+            </a:r>
+            <a:endParaRPr lang="de-DE" dirty="0"/>
+          </a:p>
+        </p:txBody>
+      </p:sp>
+      <p:graphicFrame>
+        <p:nvGraphicFramePr>
+          <p:cNvPr id="5" name="Tabelle 4"/>
+          <p:cNvGraphicFramePr>
+            <a:graphicFrameLocks noGrp="1"/>
+          </p:cNvGraphicFramePr>
+          <p:nvPr>
+            <p:extLst>
+              <p:ext uri="{D42A27DB-BD31-4B8C-83A1-F6EECF244321}">
+                <p14:modId xmlns:p14="http://schemas.microsoft.com/office/powerpoint/2010/main" val="1656331796"/>
+              </p:ext>
+            </p:extLst>
+          </p:nvPr>
+        </p:nvGraphicFramePr>
+        <p:xfrm>
+          <a:off x="1255630" y="4005064"/>
+          <a:ext cx="6096000" cy="1854200"/>
+        </p:xfrm>
+        <a:graphic>
+          <a:graphicData uri="http://schemas.openxmlformats.org/drawingml/2006/table">
+            <a:tbl>
+              <a:tblPr firstRow="1" bandRow="1">
+                <a:tableStyleId>{21E4AEA4-8DFA-4A89-87EB-49C32662AFE0}</a:tableStyleId>
+              </a:tblPr>
+              <a:tblGrid>
+                <a:gridCol w="3048000"/>
+                <a:gridCol w="3048000"/>
+              </a:tblGrid>
+              <a:tr h="370840">
+                <a:tc>
+                  <a:txBody>
+                    <a:bodyPr/>
+                    <a:lstStyle/>
+                    <a:p>
+                      <a:r>
+                        <a:rPr lang="de-DE" dirty="0" err="1" smtClean="0"/>
+                        <a:t>character</a:t>
+                      </a:r>
+                      <a:endParaRPr lang="de-DE" dirty="0"/>
+                    </a:p>
+                  </a:txBody>
+                  <a:tcPr/>
+                </a:tc>
+                <a:tc>
+                  <a:txBody>
+                    <a:bodyPr/>
+                    <a:lstStyle/>
+                    <a:p>
+                      <a:r>
+                        <a:rPr lang="de-DE" dirty="0" err="1" smtClean="0"/>
+                        <a:t>percentage</a:t>
+                      </a:r>
+                      <a:endParaRPr lang="de-DE" dirty="0"/>
+                    </a:p>
+                  </a:txBody>
+                  <a:tcPr/>
+                </a:tc>
+              </a:tr>
+              <a:tr h="370840">
+                <a:tc>
+                  <a:txBody>
+                    <a:bodyPr/>
+                    <a:lstStyle/>
+                    <a:p>
+                      <a:r>
+                        <a:rPr lang="de-DE" dirty="0" err="1" smtClean="0"/>
+                        <a:t>Sheep</a:t>
+                      </a:r>
+                      <a:endParaRPr lang="de-DE" dirty="0"/>
+                    </a:p>
+                  </a:txBody>
+                  <a:tcPr/>
+                </a:tc>
+                <a:tc>
+                  <a:txBody>
+                    <a:bodyPr/>
+                    <a:lstStyle/>
+                    <a:p>
+                      <a:r>
+                        <a:rPr lang="de-DE" dirty="0" smtClean="0"/>
+                        <a:t>90%</a:t>
+                      </a:r>
+                      <a:endParaRPr lang="de-DE" dirty="0"/>
+                    </a:p>
+                  </a:txBody>
+                  <a:tcPr/>
+                </a:tc>
+              </a:tr>
+              <a:tr h="370840">
+                <a:tc>
+                  <a:txBody>
+                    <a:bodyPr/>
+                    <a:lstStyle/>
+                    <a:p>
+                      <a:r>
+                        <a:rPr lang="de-DE" dirty="0" err="1" smtClean="0"/>
+                        <a:t>Goat</a:t>
+                      </a:r>
+                      <a:endParaRPr lang="de-DE" dirty="0"/>
+                    </a:p>
+                  </a:txBody>
+                  <a:tcPr/>
+                </a:tc>
+                <a:tc>
+                  <a:txBody>
+                    <a:bodyPr/>
+                    <a:lstStyle/>
+                    <a:p>
+                      <a:r>
+                        <a:rPr lang="de-DE" dirty="0" smtClean="0"/>
+                        <a:t>5%</a:t>
+                      </a:r>
+                      <a:endParaRPr lang="de-DE" dirty="0"/>
+                    </a:p>
+                  </a:txBody>
+                  <a:tcPr/>
+                </a:tc>
+              </a:tr>
+              <a:tr h="370840">
+                <a:tc>
+                  <a:txBody>
+                    <a:bodyPr/>
+                    <a:lstStyle/>
+                    <a:p>
+                      <a:r>
+                        <a:rPr lang="de-DE" dirty="0" err="1" smtClean="0"/>
+                        <a:t>Lamp</a:t>
+                      </a:r>
+                      <a:endParaRPr lang="de-DE" dirty="0"/>
+                    </a:p>
+                  </a:txBody>
+                  <a:tcPr/>
+                </a:tc>
+                <a:tc>
+                  <a:txBody>
+                    <a:bodyPr/>
+                    <a:lstStyle/>
+                    <a:p>
+                      <a:r>
+                        <a:rPr lang="de-DE" dirty="0" smtClean="0"/>
+                        <a:t>2,5%</a:t>
+                      </a:r>
+                      <a:endParaRPr lang="de-DE" dirty="0"/>
+                    </a:p>
+                  </a:txBody>
+                  <a:tcPr/>
+                </a:tc>
+              </a:tr>
+              <a:tr h="370840">
+                <a:tc>
+                  <a:txBody>
+                    <a:bodyPr/>
+                    <a:lstStyle/>
+                    <a:p>
+                      <a:r>
+                        <a:rPr lang="de-DE" dirty="0" smtClean="0"/>
+                        <a:t>Wolfs</a:t>
+                      </a:r>
+                      <a:endParaRPr lang="de-DE" dirty="0"/>
+                    </a:p>
+                  </a:txBody>
+                  <a:tcPr/>
+                </a:tc>
+                <a:tc>
+                  <a:txBody>
+                    <a:bodyPr/>
+                    <a:lstStyle/>
+                    <a:p>
+                      <a:r>
+                        <a:rPr lang="de-DE" dirty="0" smtClean="0"/>
+                        <a:t>2,5%</a:t>
+                      </a:r>
+                      <a:endParaRPr lang="de-DE" dirty="0"/>
+                    </a:p>
+                  </a:txBody>
+                  <a:tcPr/>
+                </a:tc>
+              </a:tr>
+            </a:tbl>
+          </a:graphicData>
+        </a:graphic>
+      </p:graphicFrame>
+    </p:spTree>
+    <p:extLst>
+      <p:ext uri="{BB962C8B-B14F-4D97-AF65-F5344CB8AC3E}">
+        <p14:creationId xmlns:p14="http://schemas.microsoft.com/office/powerpoint/2010/main" val="3618806880"/>
+      </p:ext>
+    </p:extLst>
+  </p:cSld>
+  <p:clrMapOvr>
+    <a:masterClrMapping/>
+  </p:clrMapOvr>
+  <p:transition spd="slow" advClick="0" advTm="4000">
+    <p:fade/>
+  </p:transition>
+  <p:timing>
+    <p:tnLst>
+      <p:par>
+        <p:cTn id="1" dur="indefinite" restart="never" nodeType="tmRoot"/>
+      </p:par>
+    </p:tnLst>
+  </p:timing>
+</p:sld>
+</file>
+
+<file path=ppt/slides/slide13.xml><?xml version="1.0" encoding="utf-8"?>
+<p:sld xmlns:a="http://schemas.openxmlformats.org/drawingml/2006/main" xmlns:r="http://schemas.openxmlformats.org/officeDocument/2006/relationships" xmlns:p="http://schemas.openxmlformats.org/presentationml/2006/main">
+  <p:cSld>
+    <p:spTree>
+      <p:nvGrpSpPr>
+        <p:cNvPr id="1" name=""/>
+        <p:cNvGrpSpPr/>
+        <p:nvPr/>
+      </p:nvGrpSpPr>
+      <p:grpSpPr>
+        <a:xfrm>
+          <a:off x="0" y="0"/>
+          <a:ext cx="0" cy="0"/>
+          <a:chOff x="0" y="0"/>
+          <a:chExt cx="0" cy="0"/>
+        </a:xfrm>
+      </p:grpSpPr>
+      <p:sp>
+        <p:nvSpPr>
+          <p:cNvPr id="2" name="Textplatzhalter 1"/>
+          <p:cNvSpPr>
+            <a:spLocks noGrp="1"/>
+          </p:cNvSpPr>
+          <p:nvPr>
+            <p:ph type="body" sz="quarter" idx="10"/>
+          </p:nvPr>
+        </p:nvSpPr>
+        <p:spPr>
+          <a:xfrm>
+            <a:off x="2" y="1296268"/>
+            <a:ext cx="8537574" cy="3644900"/>
+          </a:xfrm>
+        </p:spPr>
+        <p:txBody>
+          <a:bodyPr/>
+          <a:lstStyle/>
+          <a:p>
+            <a:pPr marL="350520" indent="0">
+              <a:buNone/>
+            </a:pPr>
+            <a:endParaRPr lang="en-US" sz="2400" dirty="0" smtClean="0"/>
+          </a:p>
+          <a:p>
+            <a:pPr marL="350520" indent="0">
+              <a:buNone/>
+            </a:pPr>
+            <a:endParaRPr lang="en-US" sz="2400" dirty="0"/>
+          </a:p>
+          <a:p>
+            <a:pPr marL="350520" indent="0">
+              <a:buNone/>
+            </a:pPr>
+            <a:r>
+              <a:rPr lang="en-US" sz="2400" dirty="0" smtClean="0"/>
+              <a:t>With:</a:t>
+            </a:r>
+          </a:p>
+          <a:p>
+            <a:r>
+              <a:rPr lang="en-US" sz="2400" dirty="0" smtClean="0"/>
+              <a:t>Non optimal database</a:t>
+            </a:r>
+          </a:p>
+          <a:p>
+            <a:r>
+              <a:rPr lang="en-US" sz="2400" dirty="0" smtClean="0"/>
+              <a:t>Good feature extraction tool</a:t>
+            </a:r>
+          </a:p>
+          <a:p>
+            <a:r>
+              <a:rPr lang="en-US" sz="2400" dirty="0" smtClean="0"/>
+              <a:t>Good classification tool</a:t>
+            </a:r>
+          </a:p>
+          <a:p>
+            <a:r>
+              <a:rPr lang="en-US" sz="2400" dirty="0" smtClean="0"/>
+              <a:t>Minimal post-processing</a:t>
+            </a:r>
+          </a:p>
+          <a:p>
+            <a:endParaRPr lang="en-US" sz="2400" dirty="0"/>
+          </a:p>
+          <a:p>
+            <a:pPr marL="350520" indent="0">
+              <a:buNone/>
+            </a:pPr>
+            <a:endParaRPr lang="en-US" sz="2400" dirty="0" smtClean="0"/>
+          </a:p>
+          <a:p>
+            <a:pPr marL="350520" indent="0">
+              <a:buNone/>
+            </a:pPr>
+            <a:r>
+              <a:rPr lang="en-US" sz="2400" dirty="0" smtClean="0"/>
+              <a:t>We accomplish:</a:t>
+            </a:r>
+          </a:p>
+          <a:p>
+            <a:r>
+              <a:rPr lang="en-US" sz="2400" dirty="0" smtClean="0"/>
+              <a:t>97,5% authentication rate</a:t>
+            </a:r>
+          </a:p>
+          <a:p>
+            <a:endParaRPr lang="de-DE" sz="2400" dirty="0" smtClean="0"/>
+          </a:p>
+          <a:p>
+            <a:endParaRPr lang="de-DE" sz="2400" dirty="0"/>
+          </a:p>
+        </p:txBody>
+      </p:sp>
+      <p:sp>
+        <p:nvSpPr>
+          <p:cNvPr id="3" name="Titel 2"/>
+          <p:cNvSpPr>
+            <a:spLocks noGrp="1"/>
+          </p:cNvSpPr>
+          <p:nvPr>
+            <p:ph type="title"/>
+          </p:nvPr>
+        </p:nvSpPr>
+        <p:spPr/>
+        <p:txBody>
+          <a:bodyPr/>
+          <a:lstStyle/>
+          <a:p>
+            <a:r>
+              <a:rPr lang="de-DE" dirty="0" err="1"/>
+              <a:t>C</a:t>
+            </a:r>
+            <a:r>
+              <a:rPr lang="de-DE" dirty="0" err="1" smtClean="0"/>
+              <a:t>onclusion</a:t>
+            </a:r>
+            <a:endParaRPr lang="de-DE" dirty="0"/>
+          </a:p>
+        </p:txBody>
+      </p:sp>
+    </p:spTree>
+    <p:extLst>
+      <p:ext uri="{BB962C8B-B14F-4D97-AF65-F5344CB8AC3E}">
+        <p14:creationId xmlns:p14="http://schemas.microsoft.com/office/powerpoint/2010/main" val="1622936544"/>
+      </p:ext>
+    </p:extLst>
+  </p:cSld>
+  <p:clrMapOvr>
+    <a:masterClrMapping/>
+  </p:clrMapOvr>
+  <p:transition spd="slow" advClick="0" advTm="4000">
+    <p:fade/>
+  </p:transition>
+  <p:timing>
+    <p:tnLst>
+      <p:par>
+        <p:cTn id="1" dur="indefinite" restart="never" nodeType="tmRoot"/>
+      </p:par>
+    </p:tnLst>
+  </p:timing>
+</p:sld>
+</file>
+
+<file path=ppt/slides/slide14.xml><?xml version="1.0" encoding="utf-8"?>
+<p:sld xmlns:a="http://schemas.openxmlformats.org/drawingml/2006/main" xmlns:r="http://schemas.openxmlformats.org/officeDocument/2006/relationships" xmlns:p="http://schemas.openxmlformats.org/presentationml/2006/main">
+  <p:cSld>
+    <p:spTree>
+      <p:nvGrpSpPr>
+        <p:cNvPr id="1" name=""/>
+        <p:cNvGrpSpPr/>
+        <p:nvPr/>
+      </p:nvGrpSpPr>
+      <p:grpSpPr>
+        <a:xfrm>
+          <a:off x="0" y="0"/>
+          <a:ext cx="0" cy="0"/>
+          <a:chOff x="0" y="0"/>
+          <a:chExt cx="0" cy="0"/>
+        </a:xfrm>
+      </p:grpSpPr>
+      <p:sp>
+        <p:nvSpPr>
+          <p:cNvPr id="2" name="Textplatzhalter 1"/>
+          <p:cNvSpPr>
+            <a:spLocks noGrp="1"/>
+          </p:cNvSpPr>
+          <p:nvPr>
+            <p:ph type="body" sz="quarter" idx="10"/>
+          </p:nvPr>
+        </p:nvSpPr>
+        <p:spPr/>
+        <p:txBody>
+          <a:bodyPr/>
+          <a:lstStyle/>
+          <a:p>
             <a:pPr marL="350520" indent="0">
               <a:buNone/>
             </a:pPr>
@@ -6828,7 +11317,7 @@
 </p:sld>
 </file>
 
-<file path=ppt/slides/slide12.xml><?xml version="1.0" encoding="utf-8"?>
+<file path=ppt/slides/slide15.xml><?xml version="1.0" encoding="utf-8"?>
 <p:sld xmlns:a="http://schemas.openxmlformats.org/drawingml/2006/main" xmlns:r="http://schemas.openxmlformats.org/officeDocument/2006/relationships" xmlns:p="http://schemas.openxmlformats.org/presentationml/2006/main">
   <p:cSld>
     <p:spTree>
@@ -6895,15 +11384,7 @@
                   <a:srgbClr val="000000"/>
                 </a:solidFill>
               </a:rPr>
-              <a:t>Thank you for your attention</a:t>
-            </a:r>
-            <a:r>
-              <a:rPr lang="en-US" dirty="0" smtClean="0">
-                <a:solidFill>
-                  <a:srgbClr val="000000"/>
-                </a:solidFill>
-              </a:rPr>
-              <a:t>!</a:t>
+              <a:t>Thank you for your attention!</a:t>
             </a:r>
             <a:endParaRPr lang="en-US" dirty="0">
               <a:solidFill>
@@ -6985,34 +11466,87 @@
             </a:pPr>
             <a:r>
               <a:rPr lang="en-US" sz="2000" dirty="0" smtClean="0"/>
-              <a:t>Our </a:t>
+              <a:t>Our task </a:t>
             </a:r>
             <a:r>
               <a:rPr lang="en-US" sz="2000" dirty="0" smtClean="0"/>
-              <a:t>task was:</a:t>
-            </a:r>
-          </a:p>
-          <a:p>
-            <a:pPr lvl="4"/>
+              <a:t>was:</a:t>
+            </a:r>
+          </a:p>
+          <a:p>
             <a:r>
               <a:rPr lang="en-US" sz="2000" dirty="0" smtClean="0"/>
-              <a:t>close set speaker recognition</a:t>
-            </a:r>
-          </a:p>
-          <a:p>
-            <a:pPr lvl="4"/>
+              <a:t>Closed </a:t>
+            </a:r>
+            <a:r>
+              <a:rPr lang="en-US" sz="2000" dirty="0"/>
+              <a:t>set speaker authentication on the </a:t>
+            </a:r>
+            <a:r>
+              <a:rPr lang="en-US" sz="2000" dirty="0" err="1"/>
+              <a:t>Hyke</a:t>
+            </a:r>
+            <a:r>
+              <a:rPr lang="en-US" sz="2000" dirty="0"/>
+              <a:t> speech </a:t>
+            </a:r>
             <a:r>
               <a:rPr lang="en-US" sz="2000" dirty="0" smtClean="0"/>
-              <a:t>Projection of the Speaker to the Characters of „</a:t>
-            </a:r>
-            <a:r>
-              <a:rPr lang="en-US" sz="2000" dirty="0" err="1" smtClean="0"/>
+              <a:t>database</a:t>
+            </a:r>
+          </a:p>
+          <a:p>
+            <a:r>
+              <a:rPr lang="en-US" sz="2000" dirty="0" smtClean="0"/>
+              <a:t>Compare </a:t>
+            </a:r>
+            <a:r>
+              <a:rPr lang="en-US" sz="2000" dirty="0"/>
+              <a:t>the results achieved (in terms of </a:t>
+            </a:r>
+            <a:r>
+              <a:rPr lang="en-US" sz="2000" dirty="0" smtClean="0"/>
+              <a:t>authentication performance</a:t>
+            </a:r>
+            <a:r>
+              <a:rPr lang="en-US" sz="2000" dirty="0"/>
+              <a:t>) to </a:t>
+            </a:r>
+            <a:r>
+              <a:rPr lang="en-US" sz="2000" dirty="0" smtClean="0"/>
+              <a:t>results presented </a:t>
+            </a:r>
+            <a:r>
+              <a:rPr lang="en-US" sz="2000" dirty="0"/>
+              <a:t>in [</a:t>
+            </a:r>
+            <a:r>
+              <a:rPr lang="en-US" sz="2000" dirty="0" smtClean="0"/>
+              <a:t>Reda2011]</a:t>
+            </a:r>
+          </a:p>
+          <a:p>
+            <a:r>
+              <a:rPr lang="en-US" sz="2000" dirty="0" smtClean="0"/>
+              <a:t>A </a:t>
+            </a:r>
+            <a:r>
+              <a:rPr lang="en-US" sz="2000" dirty="0"/>
+              <a:t>projection of the samples in your data set to the characters of ‘</a:t>
+            </a:r>
+            <a:r>
+              <a:rPr lang="en-US" sz="2000" dirty="0" err="1"/>
               <a:t>Doddingtons</a:t>
             </a:r>
             <a:r>
+              <a:rPr lang="en-US" sz="2000" dirty="0"/>
+              <a:t> Zoo</a:t>
+            </a:r>
+            <a:r>
               <a:rPr lang="en-US" sz="2000" dirty="0" smtClean="0"/>
-              <a:t> Zoo“</a:t>
-            </a:r>
+              <a:t>’ [Doddington1998]</a:t>
+            </a:r>
+            <a:endParaRPr lang="en-US" sz="2000" dirty="0" smtClean="0"/>
           </a:p>
         </p:txBody>
       </p:sp>
@@ -7039,45 +11573,6 @@
           </a:p>
         </p:txBody>
       </p:sp>
-      <p:pic>
-        <p:nvPicPr>
-          <p:cNvPr id="2050" name="Picture 2" descr="D:\Eigene Daten\Uni\BioSec\Prozesskette.png"/>
-          <p:cNvPicPr>
-            <a:picLocks noChangeAspect="1" noChangeArrowheads="1"/>
-          </p:cNvPicPr>
-          <p:nvPr/>
-        </p:nvPicPr>
-        <p:blipFill rotWithShape="1">
-          <a:blip r:embed="rId3">
-            <a:extLst>
-              <a:ext uri="{28A0092B-C50C-407E-A947-70E740481C1C}">
-                <a14:useLocalDpi xmlns:a14="http://schemas.microsoft.com/office/drawing/2010/main" val="0"/>
-              </a:ext>
-            </a:extLst>
-          </a:blip>
-          <a:srcRect b="26567"/>
-          <a:stretch/>
-        </p:blipFill>
-        <p:spPr bwMode="auto">
-          <a:xfrm>
-            <a:off x="107504" y="3933056"/>
-            <a:ext cx="8840865" cy="2250035"/>
-          </a:xfrm>
-          <a:prstGeom prst="rect">
-            <a:avLst/>
-          </a:prstGeom>
-          <a:noFill/>
-          <a:extLst>
-            <a:ext uri="{909E8E84-426E-40DD-AFC4-6F175D3DCCD1}">
-              <a14:hiddenFill xmlns:a14="http://schemas.microsoft.com/office/drawing/2010/main">
-                <a:solidFill>
-                  <a:srgbClr val="FFFFFF"/>
-                </a:solidFill>
-              </a14:hiddenFill>
-            </a:ext>
-          </a:extLst>
-        </p:spPr>
-      </p:pic>
     </p:spTree>
     <p:extLst>
       <p:ext uri="{BB962C8B-B14F-4D97-AF65-F5344CB8AC3E}">
@@ -7133,96 +11628,34 @@
           <a:bodyPr/>
           <a:lstStyle/>
           <a:p>
-            <a:pPr marL="350520" indent="0">
-              <a:buNone/>
-            </a:pPr>
-            <a:endParaRPr lang="en-US" sz="2000" dirty="0" smtClean="0"/>
-          </a:p>
-          <a:p>
-            <a:r>
-              <a:rPr lang="en-US" sz="2000" dirty="0" smtClean="0"/>
-              <a:t>Male speaker: 48</a:t>
-            </a:r>
-            <a:endParaRPr lang="en-US" sz="2000" dirty="0"/>
-          </a:p>
-          <a:p>
-            <a:endParaRPr lang="en-US" sz="2000" dirty="0" smtClean="0"/>
-          </a:p>
-          <a:p>
-            <a:r>
-              <a:rPr lang="en-US" sz="2000" dirty="0" smtClean="0"/>
-              <a:t>Female speaker: 35</a:t>
-            </a:r>
-          </a:p>
-          <a:p>
-            <a:endParaRPr lang="en-US" sz="2000" dirty="0" smtClean="0"/>
-          </a:p>
-          <a:p>
-            <a:r>
-              <a:rPr lang="en-US" sz="2000" dirty="0" smtClean="0"/>
-              <a:t>mostly </a:t>
-            </a:r>
-            <a:r>
-              <a:rPr lang="en-US" sz="2000" dirty="0"/>
-              <a:t>5 </a:t>
-            </a:r>
-            <a:r>
-              <a:rPr lang="en-US" sz="2000" dirty="0" smtClean="0"/>
-              <a:t>recordings of each speaker</a:t>
-            </a:r>
-          </a:p>
-          <a:p>
-            <a:endParaRPr lang="en-US" sz="2000" dirty="0" smtClean="0"/>
-          </a:p>
-          <a:p>
-            <a:r>
-              <a:rPr lang="en-US" sz="2000" dirty="0" smtClean="0"/>
-              <a:t>415 recordings with a length between 5 and 35 seconds</a:t>
-            </a:r>
-          </a:p>
-          <a:p>
-            <a:endParaRPr lang="en-US" sz="2000" dirty="0" smtClean="0"/>
-          </a:p>
-          <a:p>
-            <a:r>
-              <a:rPr lang="en-US" sz="2000" dirty="0" smtClean="0"/>
-              <a:t>100mb Size</a:t>
-            </a:r>
-          </a:p>
-          <a:p>
-            <a:endParaRPr lang="en-US" sz="2000" dirty="0" smtClean="0"/>
-          </a:p>
-          <a:p>
-            <a:r>
-              <a:rPr lang="en-US" sz="2000" dirty="0" smtClean="0"/>
-              <a:t>was recorded with normal telephones</a:t>
-            </a:r>
-          </a:p>
-          <a:p>
-            <a:endParaRPr lang="en-US" sz="2000" dirty="0" smtClean="0"/>
-          </a:p>
-          <a:p>
-            <a:endParaRPr lang="en-US" sz="2000" dirty="0" smtClean="0"/>
-          </a:p>
-          <a:p>
-            <a:endParaRPr lang="en-US" sz="2000" dirty="0"/>
-          </a:p>
-          <a:p>
-            <a:pPr marL="350520" indent="0">
-              <a:buNone/>
-            </a:pPr>
-            <a:r>
-              <a:rPr lang="en-US" sz="2000" dirty="0" smtClean="0"/>
-              <a:t>Source: </a:t>
-            </a:r>
-            <a:r>
-              <a:rPr lang="en-US" sz="2000" dirty="0"/>
-              <a:t>http://www.azreda.org/audio.html</a:t>
-            </a:r>
-            <a:endParaRPr lang="en-US" sz="2000" dirty="0" smtClean="0"/>
-          </a:p>
-          <a:p>
-            <a:endParaRPr lang="de-DE" sz="2000" dirty="0"/>
+            <a:r>
+              <a:rPr lang="de-DE" dirty="0" smtClean="0"/>
+              <a:t>Von wem?</a:t>
+            </a:r>
+          </a:p>
+          <a:p>
+            <a:r>
+              <a:rPr lang="de-DE" dirty="0" smtClean="0"/>
+              <a:t>Wo?</a:t>
+            </a:r>
+          </a:p>
+          <a:p>
+            <a:r>
+              <a:rPr lang="de-DE" dirty="0" smtClean="0"/>
+              <a:t>Ziel</a:t>
+            </a:r>
+          </a:p>
+          <a:p>
+            <a:r>
+              <a:rPr lang="de-DE" dirty="0" smtClean="0"/>
+              <a:t>Was wurde dafür getan?</a:t>
+            </a:r>
+          </a:p>
+          <a:p>
+            <a:r>
+              <a:rPr lang="de-DE" dirty="0" smtClean="0"/>
+              <a:t>Was hat das mit uns zu tun?</a:t>
+            </a:r>
           </a:p>
         </p:txBody>
       </p:sp>
@@ -7242,8 +11675,12 @@
           <a:lstStyle/>
           <a:p>
             <a:r>
+              <a:rPr lang="de-DE" dirty="0" err="1" smtClean="0"/>
+              <a:t>Hyke</a:t>
+            </a:r>
+            <a:r>
               <a:rPr lang="de-DE" dirty="0" smtClean="0"/>
-              <a:t>Database</a:t>
+              <a:t> Projekt [Reda2011]</a:t>
             </a:r>
             <a:endParaRPr lang="de-DE" dirty="0"/>
           </a:p>
@@ -7252,7 +11689,7 @@
     </p:spTree>
     <p:extLst>
       <p:ext uri="{BB962C8B-B14F-4D97-AF65-F5344CB8AC3E}">
-        <p14:creationId xmlns:p14="http://schemas.microsoft.com/office/powerpoint/2010/main" val="232153111"/>
+        <p14:creationId xmlns:p14="http://schemas.microsoft.com/office/powerpoint/2010/main" val="717161431"/>
       </p:ext>
     </p:extLst>
   </p:cSld>
@@ -7299,151 +11736,495 @@
             <p:ph type="title"/>
           </p:nvPr>
         </p:nvSpPr>
-        <p:spPr>
-          <a:xfrm>
-            <a:off x="755576" y="3755434"/>
-            <a:ext cx="2257042" cy="457200"/>
-          </a:xfrm>
-        </p:spPr>
+        <p:spPr/>
         <p:txBody>
           <a:bodyPr/>
           <a:lstStyle/>
           <a:p>
-            <a:pPr algn="ctr"/>
-            <a:r>
-              <a:rPr lang="de-DE" dirty="0" smtClean="0"/>
-              <a:t>Train Set</a:t>
-            </a:r>
-            <a:endParaRPr lang="de-DE" dirty="0"/>
+            <a:r>
+              <a:rPr lang="en-US" dirty="0" smtClean="0"/>
+              <a:t>Processing chain</a:t>
+            </a:r>
+            <a:endParaRPr lang="en-US" dirty="0"/>
+          </a:p>
+        </p:txBody>
+      </p:sp>
+      <p:graphicFrame>
+        <p:nvGraphicFramePr>
+          <p:cNvPr id="4" name="Diagramm 3"/>
+          <p:cNvGraphicFramePr/>
+          <p:nvPr>
+            <p:extLst>
+              <p:ext uri="{D42A27DB-BD31-4B8C-83A1-F6EECF244321}">
+                <p14:modId xmlns:p14="http://schemas.microsoft.com/office/powerpoint/2010/main" val="514735004"/>
+              </p:ext>
+            </p:extLst>
+          </p:nvPr>
+        </p:nvGraphicFramePr>
+        <p:xfrm>
+          <a:off x="1115616" y="1412776"/>
+          <a:ext cx="7205937" cy="4680520"/>
+        </p:xfrm>
+        <a:graphic>
+          <a:graphicData uri="http://schemas.openxmlformats.org/drawingml/2006/diagram">
+            <dgm:relIds xmlns:dgm="http://schemas.openxmlformats.org/drawingml/2006/diagram" xmlns:r="http://schemas.openxmlformats.org/officeDocument/2006/relationships" r:dm="rId3" r:lo="rId4" r:qs="rId5" r:cs="rId6"/>
+          </a:graphicData>
+        </a:graphic>
+      </p:graphicFrame>
+    </p:spTree>
+    <p:extLst>
+      <p:ext uri="{BB962C8B-B14F-4D97-AF65-F5344CB8AC3E}">
+        <p14:creationId xmlns:p14="http://schemas.microsoft.com/office/powerpoint/2010/main" val="2633745650"/>
+      </p:ext>
+    </p:extLst>
+  </p:cSld>
+  <p:clrMapOvr>
+    <a:masterClrMapping/>
+  </p:clrMapOvr>
+  <p:transition spd="slow" advClick="0" advTm="4000">
+    <p:fade/>
+  </p:transition>
+  <p:timing>
+    <p:tnLst>
+      <p:par>
+        <p:cTn id="1" dur="indefinite" restart="never" nodeType="tmRoot"/>
+      </p:par>
+    </p:tnLst>
+  </p:timing>
+</p:sld>
+</file>
+
+<file path=ppt/slides/slide5.xml><?xml version="1.0" encoding="utf-8"?>
+<p:sld xmlns:a="http://schemas.openxmlformats.org/drawingml/2006/main" xmlns:r="http://schemas.openxmlformats.org/officeDocument/2006/relationships" xmlns:p="http://schemas.openxmlformats.org/presentationml/2006/main">
+  <p:cSld>
+    <p:spTree>
+      <p:nvGrpSpPr>
+        <p:cNvPr id="1" name=""/>
+        <p:cNvGrpSpPr/>
+        <p:nvPr/>
+      </p:nvGrpSpPr>
+      <p:grpSpPr>
+        <a:xfrm>
+          <a:off x="0" y="0"/>
+          <a:ext cx="0" cy="0"/>
+          <a:chOff x="0" y="0"/>
+          <a:chExt cx="0" cy="0"/>
+        </a:xfrm>
+      </p:grpSpPr>
+      <p:sp>
+        <p:nvSpPr>
+          <p:cNvPr id="2" name="Textplatzhalter 1"/>
+          <p:cNvSpPr>
+            <a:spLocks noGrp="1"/>
+          </p:cNvSpPr>
+          <p:nvPr>
+            <p:ph type="body" sz="quarter" idx="10"/>
+          </p:nvPr>
+        </p:nvSpPr>
+        <p:spPr/>
+        <p:txBody>
+          <a:bodyPr/>
+          <a:lstStyle/>
+          <a:p>
+            <a:pPr marL="350520" indent="0">
+              <a:buNone/>
+            </a:pPr>
+            <a:endParaRPr lang="en-US" sz="2000" dirty="0" smtClean="0"/>
+          </a:p>
+          <a:p>
+            <a:r>
+              <a:rPr lang="en-US" sz="2000" dirty="0"/>
+              <a:t>Speaker </a:t>
+            </a:r>
+            <a:r>
+              <a:rPr lang="en-US" sz="2000" dirty="0" smtClean="0"/>
+              <a:t>83:</a:t>
+            </a:r>
+            <a:endParaRPr lang="en-US" sz="2000" dirty="0" smtClean="0"/>
+          </a:p>
+          <a:p>
+            <a:pPr marL="350520" lvl="4" indent="0">
+              <a:buNone/>
+            </a:pPr>
+            <a:r>
+              <a:rPr lang="en-US" sz="2000" dirty="0" smtClean="0"/>
+              <a:t>	- Male: 48</a:t>
+            </a:r>
+            <a:endParaRPr lang="en-US" sz="2000" dirty="0"/>
+          </a:p>
+          <a:p>
+            <a:pPr marL="350520" lvl="4" indent="0">
+              <a:buNone/>
+            </a:pPr>
+            <a:r>
+              <a:rPr lang="en-US" sz="2000" dirty="0"/>
+              <a:t>	</a:t>
+            </a:r>
+            <a:r>
+              <a:rPr lang="en-US" sz="2000" dirty="0" smtClean="0"/>
+              <a:t>- Female: </a:t>
+            </a:r>
+            <a:r>
+              <a:rPr lang="en-US" sz="2000" dirty="0" smtClean="0"/>
+              <a:t>35</a:t>
+            </a:r>
+          </a:p>
+          <a:p>
+            <a:endParaRPr lang="en-US" sz="2000" dirty="0" smtClean="0"/>
+          </a:p>
+          <a:p>
+            <a:r>
+              <a:rPr lang="en-US" sz="2000" dirty="0" smtClean="0"/>
+              <a:t>Recordings:</a:t>
+            </a:r>
+          </a:p>
+          <a:p>
+            <a:pPr marL="350520" indent="0">
+              <a:buNone/>
+            </a:pPr>
+            <a:r>
+              <a:rPr lang="en-US" sz="2000" dirty="0" smtClean="0"/>
+              <a:t>	- mostly </a:t>
+            </a:r>
+            <a:r>
+              <a:rPr lang="en-US" sz="2000" dirty="0"/>
+              <a:t>5 </a:t>
+            </a:r>
+            <a:r>
+              <a:rPr lang="en-US" sz="2000" dirty="0" smtClean="0"/>
+              <a:t>recordings of each </a:t>
+            </a:r>
+            <a:r>
+              <a:rPr lang="en-US" sz="2000" dirty="0" smtClean="0"/>
+              <a:t>speaker</a:t>
+            </a:r>
+          </a:p>
+          <a:p>
+            <a:pPr marL="350520" indent="0">
+              <a:buNone/>
+            </a:pPr>
+            <a:r>
+              <a:rPr lang="en-US" sz="2000" dirty="0"/>
+              <a:t>	</a:t>
+            </a:r>
+            <a:r>
+              <a:rPr lang="en-US" sz="2000" dirty="0" smtClean="0"/>
+              <a:t>- total recordings: </a:t>
+            </a:r>
+            <a:r>
+              <a:rPr lang="en-US" sz="2000" dirty="0"/>
+              <a:t>415</a:t>
+            </a:r>
+            <a:endParaRPr lang="en-US" sz="2000" dirty="0" smtClean="0"/>
+          </a:p>
+          <a:p>
+            <a:pPr marL="350520" indent="0">
+              <a:buNone/>
+            </a:pPr>
+            <a:r>
+              <a:rPr lang="en-US" sz="2000" dirty="0"/>
+              <a:t>	</a:t>
+            </a:r>
+            <a:r>
+              <a:rPr lang="en-US" sz="2000" dirty="0" smtClean="0"/>
+              <a:t>- </a:t>
+            </a:r>
+            <a:r>
+              <a:rPr lang="en-US" sz="2000" dirty="0" smtClean="0"/>
+              <a:t>length </a:t>
+            </a:r>
+            <a:r>
+              <a:rPr lang="en-US" sz="2000" dirty="0" smtClean="0"/>
+              <a:t>between 5 and 35 </a:t>
+            </a:r>
+            <a:r>
+              <a:rPr lang="en-US" sz="2000" dirty="0" smtClean="0"/>
+              <a:t>seconds</a:t>
+            </a:r>
+          </a:p>
+          <a:p>
+            <a:pPr marL="350520" indent="0">
+              <a:buNone/>
+            </a:pPr>
+            <a:r>
+              <a:rPr lang="en-US" sz="2000" dirty="0"/>
+              <a:t>	</a:t>
+            </a:r>
+            <a:r>
+              <a:rPr lang="en-US" sz="2000" dirty="0" smtClean="0"/>
+              <a:t>- overall Size </a:t>
+            </a:r>
+            <a:r>
+              <a:rPr lang="en-US" sz="2000" dirty="0" smtClean="0"/>
+              <a:t>100mb</a:t>
+            </a:r>
+            <a:endParaRPr lang="en-US" sz="2000" dirty="0"/>
+          </a:p>
+          <a:p>
+            <a:pPr marL="350520" indent="0">
+              <a:buNone/>
+            </a:pPr>
+            <a:r>
+              <a:rPr lang="en-US" sz="2000" dirty="0" smtClean="0"/>
+              <a:t>	</a:t>
+            </a:r>
+            <a:r>
+              <a:rPr lang="en-US" sz="2000" dirty="0" smtClean="0"/>
+              <a:t>- recorded </a:t>
+            </a:r>
+            <a:r>
+              <a:rPr lang="en-US" sz="2000" dirty="0" smtClean="0"/>
+              <a:t>with normal </a:t>
+            </a:r>
+            <a:r>
+              <a:rPr lang="en-US" sz="2000" dirty="0" smtClean="0"/>
+              <a:t>telephones</a:t>
+            </a:r>
+          </a:p>
+          <a:p>
+            <a:pPr marL="350520" indent="0">
+              <a:buNone/>
+            </a:pPr>
+            <a:r>
+              <a:rPr lang="en-US" sz="2000" dirty="0"/>
+              <a:t>	</a:t>
+            </a:r>
+            <a:r>
+              <a:rPr lang="en-US" sz="2000" dirty="0" smtClean="0"/>
+              <a:t>- natural environment</a:t>
+            </a:r>
+            <a:endParaRPr lang="en-US" sz="2000" dirty="0" smtClean="0"/>
+          </a:p>
+          <a:p>
+            <a:endParaRPr lang="en-US" sz="2000" dirty="0" smtClean="0"/>
+          </a:p>
+          <a:p>
+            <a:endParaRPr lang="en-US" sz="2000" dirty="0" smtClean="0"/>
+          </a:p>
+          <a:p>
+            <a:endParaRPr lang="en-US" sz="2000" dirty="0"/>
+          </a:p>
+          <a:p>
+            <a:pPr marL="350520" indent="0">
+              <a:buNone/>
+            </a:pPr>
+            <a:endParaRPr lang="en-US" sz="2000" dirty="0" smtClean="0"/>
+          </a:p>
+          <a:p>
+            <a:pPr marL="350520" indent="0">
+              <a:buNone/>
+            </a:pPr>
+            <a:r>
+              <a:rPr lang="en-US" sz="2000" dirty="0" smtClean="0"/>
+              <a:t>Source</a:t>
+            </a:r>
+            <a:r>
+              <a:rPr lang="en-US" sz="2000" dirty="0" smtClean="0"/>
+              <a:t>: </a:t>
+            </a:r>
+            <a:r>
+              <a:rPr lang="en-US" sz="2000" dirty="0"/>
+              <a:t>http://www.azreda.org/audio.html</a:t>
+            </a:r>
+            <a:endParaRPr lang="en-US" sz="2000" dirty="0" smtClean="0"/>
+          </a:p>
+          <a:p>
+            <a:endParaRPr lang="de-DE" sz="2000" dirty="0"/>
           </a:p>
         </p:txBody>
       </p:sp>
       <p:sp>
         <p:nvSpPr>
-          <p:cNvPr id="8" name="Textfeld 7"/>
-          <p:cNvSpPr txBox="1"/>
-          <p:nvPr/>
+          <p:cNvPr id="3" name="Titel 2"/>
+          <p:cNvSpPr>
+            <a:spLocks noGrp="1"/>
+          </p:cNvSpPr>
+          <p:nvPr>
+            <p:ph type="title"/>
+          </p:nvPr>
         </p:nvSpPr>
+        <p:spPr/>
+        <p:txBody>
+          <a:bodyPr/>
+          <a:lstStyle/>
+          <a:p>
+            <a:r>
+              <a:rPr lang="de-DE" dirty="0" smtClean="0"/>
+              <a:t>Database </a:t>
+            </a:r>
+            <a:r>
+              <a:rPr lang="de-DE" dirty="0" err="1" smtClean="0"/>
+              <a:t>from</a:t>
+            </a:r>
+            <a:r>
+              <a:rPr lang="de-DE" dirty="0" smtClean="0"/>
+              <a:t> </a:t>
+            </a:r>
+            <a:r>
+              <a:rPr lang="de-DE" dirty="0" err="1" smtClean="0"/>
+              <a:t>Hyke</a:t>
+            </a:r>
+            <a:r>
+              <a:rPr lang="de-DE" dirty="0" smtClean="0"/>
+              <a:t> Projekt[Reda2011]</a:t>
+            </a:r>
+            <a:endParaRPr lang="de-DE" dirty="0"/>
+          </a:p>
+        </p:txBody>
+      </p:sp>
+      <p:pic>
+        <p:nvPicPr>
+          <p:cNvPr id="5" name="1298653986_2.wav">
+            <a:hlinkClick r:id="" action="ppaction://media"/>
+          </p:cNvPr>
+          <p:cNvPicPr>
+            <a:picLocks noChangeAspect="1"/>
+          </p:cNvPicPr>
+          <p:nvPr>
+            <a:audioFile r:link="rId2"/>
+            <p:extLst>
+              <p:ext uri="{DAA4B4D4-6D71-4841-9C94-3DE7FCFB9230}">
+                <p14:media xmlns:p14="http://schemas.microsoft.com/office/powerpoint/2010/main" r:embed="rId1"/>
+              </p:ext>
+            </p:extLst>
+          </p:nvPr>
+        </p:nvPicPr>
+        <p:blipFill>
+          <a:blip r:embed="rId5"/>
+          <a:stretch>
+            <a:fillRect/>
+          </a:stretch>
+        </p:blipFill>
         <p:spPr>
           <a:xfrm>
-            <a:off x="277944" y="4660385"/>
-            <a:ext cx="4248472" cy="892552"/>
+            <a:off x="4139952" y="5094758"/>
+            <a:ext cx="609600" cy="609600"/>
           </a:xfrm>
           <a:prstGeom prst="rect">
             <a:avLst/>
           </a:prstGeom>
-          <a:noFill/>
         </p:spPr>
-        <p:txBody>
-          <a:bodyPr wrap="square" rtlCol="0">
-            <a:spAutoFit/>
-          </a:bodyPr>
-          <a:lstStyle/>
-          <a:p>
-            <a:pPr marL="342900" indent="-342900" algn="l">
-              <a:buFont typeface="Arial" pitchFamily="34" charset="0"/>
-              <a:buChar char="•"/>
-            </a:pPr>
-            <a:r>
-              <a:rPr lang="de-DE" dirty="0"/>
-              <a:t>4</a:t>
-            </a:r>
-            <a:r>
-              <a:rPr lang="de-DE" dirty="0" smtClean="0"/>
-              <a:t> </a:t>
-            </a:r>
-            <a:r>
-              <a:rPr lang="de-DE" dirty="0" err="1" smtClean="0"/>
-              <a:t>recordings</a:t>
-            </a:r>
-            <a:r>
-              <a:rPr lang="de-DE" dirty="0" smtClean="0"/>
-              <a:t> </a:t>
-            </a:r>
-            <a:r>
-              <a:rPr lang="de-DE" dirty="0" err="1" smtClean="0"/>
-              <a:t>each</a:t>
-            </a:r>
-            <a:r>
-              <a:rPr lang="de-DE" dirty="0" smtClean="0"/>
-              <a:t> Speaker</a:t>
-            </a:r>
-          </a:p>
-          <a:p>
-            <a:pPr marL="342900" indent="-342900" algn="l">
-              <a:buFont typeface="Arial" pitchFamily="34" charset="0"/>
-              <a:buChar char="•"/>
-            </a:pPr>
-            <a:endParaRPr lang="de-DE" sz="2800" dirty="0"/>
-          </a:p>
-        </p:txBody>
-      </p:sp>
-      <p:sp>
-        <p:nvSpPr>
-          <p:cNvPr id="11" name="Textfeld 10"/>
-          <p:cNvSpPr txBox="1"/>
-          <p:nvPr/>
-        </p:nvSpPr>
-        <p:spPr>
-          <a:xfrm>
-            <a:off x="4508935" y="4647039"/>
-            <a:ext cx="4248472" cy="830997"/>
-          </a:xfrm>
-          <a:prstGeom prst="rect">
-            <a:avLst/>
-          </a:prstGeom>
-          <a:noFill/>
-        </p:spPr>
-        <p:txBody>
-          <a:bodyPr wrap="square" rtlCol="0">
-            <a:spAutoFit/>
-          </a:bodyPr>
-          <a:lstStyle/>
-          <a:p>
-            <a:pPr marL="342900" indent="-342900" algn="l">
-              <a:buFont typeface="Arial" pitchFamily="34" charset="0"/>
-              <a:buChar char="•"/>
-            </a:pPr>
-            <a:r>
-              <a:rPr lang="de-DE" dirty="0" smtClean="0"/>
-              <a:t>1 </a:t>
-            </a:r>
-            <a:r>
-              <a:rPr lang="de-DE" dirty="0" err="1" smtClean="0"/>
-              <a:t>recording</a:t>
-            </a:r>
-            <a:r>
-              <a:rPr lang="de-DE" dirty="0" smtClean="0"/>
-              <a:t> </a:t>
-            </a:r>
-            <a:r>
-              <a:rPr lang="de-DE" dirty="0" err="1" smtClean="0"/>
-              <a:t>of</a:t>
-            </a:r>
-            <a:r>
-              <a:rPr lang="de-DE" dirty="0" smtClean="0"/>
-              <a:t> 10 </a:t>
-            </a:r>
-            <a:r>
-              <a:rPr lang="de-DE" dirty="0" err="1" smtClean="0"/>
-              <a:t>seconds</a:t>
-            </a:r>
-            <a:r>
-              <a:rPr lang="de-DE" dirty="0" smtClean="0"/>
-              <a:t> </a:t>
-            </a:r>
-            <a:r>
-              <a:rPr lang="de-DE" dirty="0" err="1" smtClean="0"/>
-              <a:t>each</a:t>
-            </a:r>
-            <a:r>
-              <a:rPr lang="de-DE" dirty="0" smtClean="0"/>
-              <a:t> Speaker</a:t>
-            </a:r>
-            <a:endParaRPr lang="de-DE" dirty="0"/>
-          </a:p>
-        </p:txBody>
-      </p:sp>
+      </p:pic>
+    </p:spTree>
+    <p:extLst>
+      <p:ext uri="{BB962C8B-B14F-4D97-AF65-F5344CB8AC3E}">
+        <p14:creationId xmlns:p14="http://schemas.microsoft.com/office/powerpoint/2010/main" val="232153111"/>
+      </p:ext>
+    </p:extLst>
+  </p:cSld>
+  <p:clrMapOvr>
+    <a:masterClrMapping/>
+  </p:clrMapOvr>
+  <p:transition spd="slow" advClick="0" advTm="4000">
+    <p:fade/>
+  </p:transition>
+  <p:timing>
+    <p:tnLst>
+      <p:par>
+        <p:cTn id="1" dur="indefinite" restart="never" nodeType="tmRoot">
+          <p:childTnLst>
+            <p:seq concurrent="1" nextAc="seek">
+              <p:cTn id="2" restart="whenNotActive" fill="hold" evtFilter="cancelBubble" nodeType="interactiveSeq">
+                <p:stCondLst>
+                  <p:cond evt="onClick" delay="0">
+                    <p:tgtEl>
+                      <p:spTgt spid="5"/>
+                    </p:tgtEl>
+                  </p:cond>
+                </p:stCondLst>
+                <p:endSync evt="end" delay="0">
+                  <p:rtn val="all"/>
+                </p:endSync>
+                <p:childTnLst>
+                  <p:par>
+                    <p:cTn id="3" fill="hold">
+                      <p:stCondLst>
+                        <p:cond delay="0"/>
+                      </p:stCondLst>
+                      <p:childTnLst>
+                        <p:par>
+                          <p:cTn id="4" fill="hold">
+                            <p:stCondLst>
+                              <p:cond delay="0"/>
+                            </p:stCondLst>
+                            <p:childTnLst>
+                              <p:par>
+                                <p:cTn id="5" presetID="1" presetClass="mediacall" presetSubtype="0" fill="hold" nodeType="clickEffect">
+                                  <p:stCondLst>
+                                    <p:cond delay="0"/>
+                                  </p:stCondLst>
+                                  <p:childTnLst>
+                                    <p:cmd type="call" cmd="playFrom(0.0)">
+                                      <p:cBhvr>
+                                        <p:cTn id="6" dur="6568" fill="hold"/>
+                                        <p:tgtEl>
+                                          <p:spTgt spid="5"/>
+                                        </p:tgtEl>
+                                      </p:cBhvr>
+                                    </p:cmd>
+                                  </p:childTnLst>
+                                </p:cTn>
+                              </p:par>
+                            </p:childTnLst>
+                          </p:cTn>
+                        </p:par>
+                      </p:childTnLst>
+                    </p:cTn>
+                  </p:par>
+                </p:childTnLst>
+              </p:cTn>
+              <p:nextCondLst>
+                <p:cond evt="onClick" delay="0">
+                  <p:tgtEl>
+                    <p:spTgt spid="5"/>
+                  </p:tgtEl>
+                </p:cond>
+              </p:nextCondLst>
+            </p:seq>
+            <p:audio>
+              <p:cMediaNode vol="80000">
+                <p:cTn id="7" fill="hold" display="0">
+                  <p:stCondLst>
+                    <p:cond delay="indefinite"/>
+                  </p:stCondLst>
+                  <p:endCondLst>
+                    <p:cond evt="onStopAudio" delay="0">
+                      <p:tgtEl>
+                        <p:sldTgt/>
+                      </p:tgtEl>
+                    </p:cond>
+                  </p:endCondLst>
+                </p:cTn>
+                <p:tgtEl>
+                  <p:spTgt spid="5"/>
+                </p:tgtEl>
+              </p:cMediaNode>
+            </p:audio>
+          </p:childTnLst>
+        </p:cTn>
+      </p:par>
+    </p:tnLst>
+  </p:timing>
+</p:sld>
+</file>
+
+<file path=ppt/slides/slide6.xml><?xml version="1.0" encoding="utf-8"?>
+<p:sld xmlns:a="http://schemas.openxmlformats.org/drawingml/2006/main" xmlns:r="http://schemas.openxmlformats.org/officeDocument/2006/relationships" xmlns:p="http://schemas.openxmlformats.org/presentationml/2006/main">
+  <p:cSld>
+    <p:spTree>
+      <p:nvGrpSpPr>
+        <p:cNvPr id="1" name=""/>
+        <p:cNvGrpSpPr/>
+        <p:nvPr/>
+      </p:nvGrpSpPr>
+      <p:grpSpPr>
+        <a:xfrm>
+          <a:off x="0" y="0"/>
+          <a:ext cx="0" cy="0"/>
+          <a:chOff x="0" y="0"/>
+          <a:chExt cx="0" cy="0"/>
+        </a:xfrm>
+      </p:grpSpPr>
       <p:sp>
         <p:nvSpPr>
           <p:cNvPr id="10" name="Titel 2"/>
@@ -7673,23 +12454,28 @@
           <a:bodyPr/>
           <a:lstStyle/>
           <a:p>
-            <a:r>
-              <a:rPr lang="en-US" sz="2000" dirty="0" smtClean="0"/>
-              <a:t>Created 3 different sets</a:t>
-            </a:r>
-          </a:p>
-          <a:p>
             <a:pPr marL="350520" indent="0">
               <a:buNone/>
             </a:pPr>
             <a:r>
-              <a:rPr lang="en-US" sz="2000" dirty="0"/>
-              <a:t>	- </a:t>
-            </a:r>
-            <a:r>
-              <a:rPr lang="en-US" sz="2000" dirty="0" smtClean="0"/>
-              <a:t>Female</a:t>
-            </a:r>
+              <a:rPr lang="en-US" sz="2400" b="1" dirty="0" smtClean="0"/>
+              <a:t>1. Step: </a:t>
+            </a:r>
+            <a:endParaRPr lang="en-US" sz="2400" b="1" dirty="0" smtClean="0"/>
+          </a:p>
+          <a:p>
+            <a:endParaRPr lang="en-US" sz="2000" dirty="0" smtClean="0"/>
+          </a:p>
+          <a:p>
+            <a:endParaRPr lang="en-US" sz="2000" dirty="0" smtClean="0"/>
+          </a:p>
+          <a:p>
+            <a:endParaRPr lang="en-US" sz="2000" dirty="0" smtClean="0"/>
+          </a:p>
+          <a:p>
+            <a:endParaRPr lang="en-US" sz="2000" dirty="0" smtClean="0"/>
+          </a:p>
+          <a:p>
             <a:endParaRPr lang="en-US" sz="2000" dirty="0"/>
           </a:p>
           <a:p>
@@ -7697,250 +12483,210 @@
               <a:buNone/>
             </a:pPr>
             <a:r>
-              <a:rPr lang="en-US" sz="2000" dirty="0"/>
-              <a:t>	- Male</a:t>
-            </a:r>
-          </a:p>
-          <a:p>
-            <a:pPr marL="350520" indent="0">
-              <a:buNone/>
-            </a:pPr>
-            <a:r>
-              <a:rPr lang="en-US" sz="2000" dirty="0"/>
-              <a:t>	- </a:t>
-            </a:r>
-            <a:r>
-              <a:rPr lang="en-US" sz="2000" dirty="0" smtClean="0"/>
-              <a:t>Mixed</a:t>
-            </a:r>
-            <a:endParaRPr lang="en-US" sz="2000" dirty="0"/>
-          </a:p>
-          <a:p>
-            <a:endParaRPr lang="en-US" sz="2000" dirty="0" smtClean="0"/>
-          </a:p>
-          <a:p>
-            <a:endParaRPr lang="en-US" sz="2000" dirty="0"/>
-          </a:p>
-          <a:p>
-            <a:pPr marL="350520" indent="0">
-              <a:buNone/>
-            </a:pPr>
-            <a:r>
-              <a:rPr lang="en-US" sz="2000" dirty="0" smtClean="0"/>
-              <a:t>Split into:</a:t>
-            </a:r>
-            <a:endParaRPr lang="en-US" sz="2000" dirty="0"/>
+              <a:rPr lang="en-US" sz="2400" b="1" dirty="0" smtClean="0"/>
+              <a:t>2. Step:</a:t>
+            </a:r>
+            <a:endParaRPr lang="en-US" sz="2000" b="1" dirty="0"/>
           </a:p>
         </p:txBody>
       </p:sp>
       <p:sp>
         <p:nvSpPr>
-          <p:cNvPr id="14" name="Titel 2"/>
-          <p:cNvSpPr txBox="1">
-            <a:spLocks/>
-          </p:cNvSpPr>
+          <p:cNvPr id="4" name="Textfeld 3"/>
+          <p:cNvSpPr txBox="1"/>
           <p:nvPr/>
         </p:nvSpPr>
         <p:spPr>
           <a:xfrm>
-            <a:off x="3995936" y="3752534"/>
-            <a:ext cx="4290316" cy="457200"/>
+            <a:off x="95814" y="3573016"/>
+            <a:ext cx="4184159" cy="1261884"/>
           </a:xfrm>
           <a:prstGeom prst="rect">
             <a:avLst/>
           </a:prstGeom>
+          <a:noFill/>
         </p:spPr>
         <p:txBody>
-          <a:bodyPr wrap="square" tIns="50800"/>
-          <a:lstStyle>
-            <a:lvl1pPr marL="533400" algn="l" defTabSz="838200" rtl="0" eaLnBrk="1" fontAlgn="base" hangingPunct="1">
-              <a:lnSpc>
-                <a:spcPct val="100000"/>
-              </a:lnSpc>
-              <a:spcBef>
-                <a:spcPct val="0"/>
-              </a:spcBef>
-              <a:spcAft>
-                <a:spcPct val="0"/>
-              </a:spcAft>
-              <a:defRPr sz="2400" b="1">
-                <a:solidFill>
-                  <a:srgbClr val="000000"/>
-                </a:solidFill>
-                <a:latin typeface="Lucida Sans Unicode"/>
-                <a:ea typeface="+mj-ea"/>
-                <a:cs typeface="+mj-cs"/>
-                <a:sym typeface="Lucida Grande" charset="0"/>
-              </a:defRPr>
-            </a:lvl1pPr>
-            <a:lvl2pPr algn="l" defTabSz="838200" rtl="0" eaLnBrk="1" fontAlgn="base" hangingPunct="1">
-              <a:lnSpc>
-                <a:spcPct val="120000"/>
-              </a:lnSpc>
-              <a:spcBef>
-                <a:spcPct val="0"/>
-              </a:spcBef>
-              <a:spcAft>
-                <a:spcPct val="0"/>
-              </a:spcAft>
-              <a:defRPr sz="1300">
-                <a:solidFill>
-                  <a:schemeClr val="tx1"/>
-                </a:solidFill>
-                <a:latin typeface="Lucida Grande" pitchFamily="-111" charset="0"/>
-                <a:ea typeface="ヒラギノ角ゴ Pro W3" pitchFamily="-111" charset="-128"/>
-                <a:cs typeface="ヒラギノ角ゴ Pro W3" pitchFamily="-111" charset="-128"/>
-                <a:sym typeface="Lucida Grande" charset="0"/>
-              </a:defRPr>
-            </a:lvl2pPr>
-            <a:lvl3pPr algn="l" defTabSz="838200" rtl="0" eaLnBrk="1" fontAlgn="base" hangingPunct="1">
-              <a:lnSpc>
-                <a:spcPct val="120000"/>
-              </a:lnSpc>
-              <a:spcBef>
-                <a:spcPct val="0"/>
-              </a:spcBef>
-              <a:spcAft>
-                <a:spcPct val="0"/>
-              </a:spcAft>
-              <a:defRPr sz="1300">
-                <a:solidFill>
-                  <a:schemeClr val="tx1"/>
-                </a:solidFill>
-                <a:latin typeface="Lucida Grande" pitchFamily="-111" charset="0"/>
-                <a:ea typeface="ヒラギノ角ゴ Pro W3" pitchFamily="-111" charset="-128"/>
-                <a:cs typeface="ヒラギノ角ゴ Pro W3" pitchFamily="-111" charset="-128"/>
-                <a:sym typeface="Lucida Grande" charset="0"/>
-              </a:defRPr>
-            </a:lvl3pPr>
-            <a:lvl4pPr algn="l" defTabSz="838200" rtl="0" eaLnBrk="1" fontAlgn="base" hangingPunct="1">
-              <a:lnSpc>
-                <a:spcPct val="120000"/>
-              </a:lnSpc>
-              <a:spcBef>
-                <a:spcPct val="0"/>
-              </a:spcBef>
-              <a:spcAft>
-                <a:spcPct val="0"/>
-              </a:spcAft>
-              <a:defRPr sz="1300">
-                <a:solidFill>
-                  <a:schemeClr val="tx1"/>
-                </a:solidFill>
-                <a:latin typeface="Lucida Grande" pitchFamily="-111" charset="0"/>
-                <a:ea typeface="ヒラギノ角ゴ Pro W3" pitchFamily="-111" charset="-128"/>
-                <a:cs typeface="ヒラギノ角ゴ Pro W3" pitchFamily="-111" charset="-128"/>
-                <a:sym typeface="Lucida Grande" charset="0"/>
-              </a:defRPr>
-            </a:lvl4pPr>
-            <a:lvl5pPr algn="l" defTabSz="838200" rtl="0" eaLnBrk="1" fontAlgn="base" hangingPunct="1">
-              <a:lnSpc>
-                <a:spcPct val="120000"/>
-              </a:lnSpc>
-              <a:spcBef>
-                <a:spcPct val="0"/>
-              </a:spcBef>
-              <a:spcAft>
-                <a:spcPct val="0"/>
-              </a:spcAft>
-              <a:defRPr sz="1300">
-                <a:solidFill>
-                  <a:schemeClr val="tx1"/>
-                </a:solidFill>
-                <a:latin typeface="Lucida Grande" pitchFamily="-111" charset="0"/>
-                <a:ea typeface="ヒラギノ角ゴ Pro W3" pitchFamily="-111" charset="-128"/>
-                <a:cs typeface="ヒラギノ角ゴ Pro W3" pitchFamily="-111" charset="-128"/>
-                <a:sym typeface="Lucida Grande" charset="0"/>
-              </a:defRPr>
-            </a:lvl5pPr>
-            <a:lvl6pPr marL="457200" algn="l" defTabSz="838200" rtl="0" eaLnBrk="1" fontAlgn="base" hangingPunct="1">
-              <a:lnSpc>
-                <a:spcPct val="120000"/>
-              </a:lnSpc>
-              <a:spcBef>
-                <a:spcPct val="0"/>
-              </a:spcBef>
-              <a:spcAft>
-                <a:spcPct val="0"/>
-              </a:spcAft>
-              <a:defRPr sz="1300">
-                <a:solidFill>
-                  <a:schemeClr val="tx1"/>
-                </a:solidFill>
-                <a:latin typeface="Lucida Grande" pitchFamily="-111" charset="0"/>
-                <a:ea typeface="ヒラギノ角ゴ Pro W3" pitchFamily="-111" charset="-128"/>
-                <a:cs typeface="ヒラギノ角ゴ Pro W3" pitchFamily="-111" charset="-128"/>
-                <a:sym typeface="Lucida Grande" pitchFamily="-111" charset="0"/>
-              </a:defRPr>
-            </a:lvl6pPr>
-            <a:lvl7pPr marL="914400" algn="l" defTabSz="838200" rtl="0" eaLnBrk="1" fontAlgn="base" hangingPunct="1">
-              <a:lnSpc>
-                <a:spcPct val="120000"/>
-              </a:lnSpc>
-              <a:spcBef>
-                <a:spcPct val="0"/>
-              </a:spcBef>
-              <a:spcAft>
-                <a:spcPct val="0"/>
-              </a:spcAft>
-              <a:defRPr sz="1300">
-                <a:solidFill>
-                  <a:schemeClr val="tx1"/>
-                </a:solidFill>
-                <a:latin typeface="Lucida Grande" pitchFamily="-111" charset="0"/>
-                <a:ea typeface="ヒラギノ角ゴ Pro W3" pitchFamily="-111" charset="-128"/>
-                <a:cs typeface="ヒラギノ角ゴ Pro W3" pitchFamily="-111" charset="-128"/>
-                <a:sym typeface="Lucida Grande" pitchFamily="-111" charset="0"/>
-              </a:defRPr>
-            </a:lvl7pPr>
-            <a:lvl8pPr marL="1371600" algn="l" defTabSz="838200" rtl="0" eaLnBrk="1" fontAlgn="base" hangingPunct="1">
-              <a:lnSpc>
-                <a:spcPct val="120000"/>
-              </a:lnSpc>
-              <a:spcBef>
-                <a:spcPct val="0"/>
-              </a:spcBef>
-              <a:spcAft>
-                <a:spcPct val="0"/>
-              </a:spcAft>
-              <a:defRPr sz="1300">
-                <a:solidFill>
-                  <a:schemeClr val="tx1"/>
-                </a:solidFill>
-                <a:latin typeface="Lucida Grande" pitchFamily="-111" charset="0"/>
-                <a:ea typeface="ヒラギノ角ゴ Pro W3" pitchFamily="-111" charset="-128"/>
-                <a:cs typeface="ヒラギノ角ゴ Pro W3" pitchFamily="-111" charset="-128"/>
-                <a:sym typeface="Lucida Grande" pitchFamily="-111" charset="0"/>
-              </a:defRPr>
-            </a:lvl8pPr>
-            <a:lvl9pPr marL="1828800" algn="l" defTabSz="838200" rtl="0" eaLnBrk="1" fontAlgn="base" hangingPunct="1">
-              <a:lnSpc>
-                <a:spcPct val="120000"/>
-              </a:lnSpc>
-              <a:spcBef>
-                <a:spcPct val="0"/>
-              </a:spcBef>
-              <a:spcAft>
-                <a:spcPct val="0"/>
-              </a:spcAft>
-              <a:defRPr sz="1300">
-                <a:solidFill>
-                  <a:schemeClr val="tx1"/>
-                </a:solidFill>
-                <a:latin typeface="Lucida Grande" pitchFamily="-111" charset="0"/>
-                <a:ea typeface="ヒラギノ角ゴ Pro W3" pitchFamily="-111" charset="-128"/>
-                <a:cs typeface="ヒラギノ角ゴ Pro W3" pitchFamily="-111" charset="-128"/>
-                <a:sym typeface="Lucida Grande" pitchFamily="-111" charset="0"/>
-              </a:defRPr>
-            </a:lvl9pPr>
-          </a:lstStyle>
-          <a:p>
-            <a:pPr algn="ctr"/>
-            <a:r>
-              <a:rPr lang="de-DE" dirty="0" smtClean="0"/>
+          <a:bodyPr wrap="none" rtlCol="0">
+            <a:spAutoFit/>
+          </a:bodyPr>
+          <a:lstStyle/>
+          <a:p>
+            <a:r>
+              <a:rPr lang="en-US" dirty="0" smtClean="0">
+                <a:latin typeface="+mn-lt"/>
+              </a:rPr>
+              <a:t>Train Set</a:t>
+            </a:r>
+          </a:p>
+          <a:p>
+            <a:endParaRPr lang="en-US" sz="1200" dirty="0" smtClean="0">
+              <a:latin typeface="+mn-lt"/>
+            </a:endParaRPr>
+          </a:p>
+          <a:p>
+            <a:pPr marL="342900" indent="-342900" algn="l">
+              <a:buFontTx/>
+              <a:buChar char="-"/>
+            </a:pPr>
+            <a:r>
+              <a:rPr lang="en-US" sz="2000" dirty="0" smtClean="0">
+                <a:latin typeface="+mn-lt"/>
+              </a:rPr>
+              <a:t>For training of the classifiers </a:t>
+            </a:r>
+          </a:p>
+          <a:p>
+            <a:pPr marL="342900" indent="-342900" algn="l">
+              <a:buFontTx/>
+              <a:buChar char="-"/>
+            </a:pPr>
+            <a:r>
+              <a:rPr lang="en-US" sz="2000" dirty="0" smtClean="0">
+                <a:latin typeface="+mn-lt"/>
+              </a:rPr>
+              <a:t>4 recordings each speaker</a:t>
+            </a:r>
+            <a:endParaRPr lang="en-US" sz="2000" dirty="0">
+              <a:latin typeface="+mn-lt"/>
+            </a:endParaRPr>
+          </a:p>
+        </p:txBody>
+      </p:sp>
+      <p:sp>
+        <p:nvSpPr>
+          <p:cNvPr id="12" name="Textfeld 11"/>
+          <p:cNvSpPr txBox="1"/>
+          <p:nvPr/>
+        </p:nvSpPr>
+        <p:spPr>
+          <a:xfrm>
+            <a:off x="4503732" y="3573016"/>
+            <a:ext cx="4565954" cy="1569660"/>
+          </a:xfrm>
+          <a:prstGeom prst="rect">
+            <a:avLst/>
+          </a:prstGeom>
+          <a:noFill/>
+        </p:spPr>
+        <p:txBody>
+          <a:bodyPr wrap="square" rtlCol="0">
+            <a:spAutoFit/>
+          </a:bodyPr>
+          <a:lstStyle/>
+          <a:p>
+            <a:r>
+              <a:rPr lang="en-US" dirty="0" smtClean="0">
+                <a:latin typeface="+mn-lt"/>
+              </a:rPr>
               <a:t>Test Set</a:t>
             </a:r>
-            <a:endParaRPr lang="de-DE" dirty="0"/>
+          </a:p>
+          <a:p>
+            <a:endParaRPr lang="en-US" sz="1200" dirty="0" smtClean="0">
+              <a:latin typeface="+mn-lt"/>
+            </a:endParaRPr>
+          </a:p>
+          <a:p>
+            <a:pPr marL="342900" indent="-342900" algn="l">
+              <a:buFontTx/>
+              <a:buChar char="-"/>
+            </a:pPr>
+            <a:r>
+              <a:rPr lang="en-US" sz="2000" dirty="0" smtClean="0">
+                <a:latin typeface="+mn-lt"/>
+              </a:rPr>
+              <a:t>For evaluation of the classifiers</a:t>
+            </a:r>
+          </a:p>
+          <a:p>
+            <a:pPr marL="342900" indent="-342900" algn="l">
+              <a:buFontTx/>
+              <a:buChar char="-"/>
+            </a:pPr>
+            <a:r>
+              <a:rPr lang="en-US" sz="2000" dirty="0" smtClean="0">
+                <a:latin typeface="+mn-lt"/>
+              </a:rPr>
+              <a:t>1 recording of 10 seconds each speaker</a:t>
+            </a:r>
+            <a:endParaRPr lang="en-US" sz="2000" dirty="0">
+              <a:latin typeface="+mn-lt"/>
+            </a:endParaRPr>
+          </a:p>
+        </p:txBody>
+      </p:sp>
+      <p:sp>
+        <p:nvSpPr>
+          <p:cNvPr id="5" name="Textfeld 4"/>
+          <p:cNvSpPr txBox="1"/>
+          <p:nvPr/>
+        </p:nvSpPr>
+        <p:spPr>
+          <a:xfrm>
+            <a:off x="1144177" y="1695645"/>
+            <a:ext cx="2087431" cy="461665"/>
+          </a:xfrm>
+          <a:prstGeom prst="rect">
+            <a:avLst/>
+          </a:prstGeom>
+          <a:noFill/>
+        </p:spPr>
+        <p:txBody>
+          <a:bodyPr wrap="none" rtlCol="0">
+            <a:spAutoFit/>
+          </a:bodyPr>
+          <a:lstStyle/>
+          <a:p>
+            <a:r>
+              <a:rPr lang="de-DE" dirty="0" smtClean="0">
+                <a:latin typeface="+mn-lt"/>
+              </a:rPr>
+              <a:t>Male/</a:t>
+            </a:r>
+            <a:r>
+              <a:rPr lang="de-DE" dirty="0" err="1" smtClean="0">
+                <a:latin typeface="+mn-lt"/>
+              </a:rPr>
+              <a:t>Female</a:t>
+            </a:r>
+            <a:endParaRPr lang="de-DE" dirty="0">
+              <a:latin typeface="+mn-lt"/>
+            </a:endParaRPr>
+          </a:p>
+        </p:txBody>
+      </p:sp>
+      <p:sp>
+        <p:nvSpPr>
+          <p:cNvPr id="15" name="Textfeld 14"/>
+          <p:cNvSpPr txBox="1"/>
+          <p:nvPr/>
+        </p:nvSpPr>
+        <p:spPr>
+          <a:xfrm>
+            <a:off x="6171796" y="1695644"/>
+            <a:ext cx="1229825" cy="461665"/>
+          </a:xfrm>
+          <a:prstGeom prst="rect">
+            <a:avLst/>
+          </a:prstGeom>
+          <a:noFill/>
+        </p:spPr>
+        <p:txBody>
+          <a:bodyPr wrap="none" rtlCol="0">
+            <a:spAutoFit/>
+          </a:bodyPr>
+          <a:lstStyle/>
+          <a:p>
+            <a:r>
+              <a:rPr lang="de-DE" dirty="0" smtClean="0">
+                <a:latin typeface="+mn-lt"/>
+              </a:rPr>
+              <a:t>Overall</a:t>
+            </a:r>
+            <a:endParaRPr lang="de-DE" dirty="0">
+              <a:latin typeface="+mn-lt"/>
+            </a:endParaRPr>
           </a:p>
         </p:txBody>
       </p:sp>
@@ -7967,7 +12713,7 @@
 </p:sld>
 </file>
 
-<file path=ppt/slides/slide5.xml><?xml version="1.0" encoding="utf-8"?>
+<file path=ppt/slides/slide7.xml><?xml version="1.0" encoding="utf-8"?>
 <p:sld xmlns:a="http://schemas.openxmlformats.org/drawingml/2006/main" xmlns:r="http://schemas.openxmlformats.org/officeDocument/2006/relationships" xmlns:p="http://schemas.openxmlformats.org/presentationml/2006/main">
   <p:cSld>
     <p:spTree>
@@ -8335,7 +13081,7 @@
 </p:sld>
 </file>
 
-<file path=ppt/slides/slide6.xml><?xml version="1.0" encoding="utf-8"?>
+<file path=ppt/slides/slide8.xml><?xml version="1.0" encoding="utf-8"?>
 <p:sld xmlns:a="http://schemas.openxmlformats.org/drawingml/2006/main" xmlns:r="http://schemas.openxmlformats.org/officeDocument/2006/relationships" xmlns:p="http://schemas.openxmlformats.org/presentationml/2006/main">
   <p:cSld>
     <p:spTree>
@@ -8687,11 +13433,7 @@
             </a:r>
             <a:r>
               <a:rPr lang="en-US" sz="2800" dirty="0" smtClean="0"/>
-              <a:t>Database was </a:t>
-            </a:r>
-            <a:r>
-              <a:rPr lang="en-US" sz="2800" dirty="0" smtClean="0"/>
-              <a:t>filtered</a:t>
+              <a:t>Database was filtered</a:t>
             </a:r>
             <a:endParaRPr lang="en-US" sz="2800" dirty="0"/>
           </a:p>
@@ -8753,7 +13495,7 @@
 </p:sld>
 </file>
 
-<file path=ppt/slides/slide7.xml><?xml version="1.0" encoding="utf-8"?>
+<file path=ppt/slides/slide9.xml><?xml version="1.0" encoding="utf-8"?>
 <p:sld xmlns:a="http://schemas.openxmlformats.org/drawingml/2006/main" xmlns:r="http://schemas.openxmlformats.org/officeDocument/2006/relationships" xmlns:p="http://schemas.openxmlformats.org/presentationml/2006/main">
   <p:cSld>
     <p:spTree>
@@ -9066,7 +13808,7 @@
         </p:nvSpPr>
         <p:spPr>
           <a:xfrm>
-            <a:off x="1772754" y="3140968"/>
+            <a:off x="1772754" y="3717032"/>
             <a:ext cx="4992072" cy="461665"/>
           </a:xfrm>
           <a:prstGeom prst="rect">
@@ -9105,13 +13847,13 @@
           <p:nvPr>
             <p:extLst>
               <p:ext uri="{D42A27DB-BD31-4B8C-83A1-F6EECF244321}">
-                <p14:modId xmlns:p14="http://schemas.microsoft.com/office/powerpoint/2010/main" val="252201863"/>
+                <p14:modId xmlns:p14="http://schemas.microsoft.com/office/powerpoint/2010/main" val="276449247"/>
               </p:ext>
             </p:extLst>
           </p:nvPr>
         </p:nvGraphicFramePr>
         <p:xfrm>
-          <a:off x="1086590" y="3717032"/>
+          <a:off x="1086590" y="4293096"/>
           <a:ext cx="6096000" cy="1478280"/>
         </p:xfrm>
         <a:graphic>
@@ -9301,502 +14043,10 @@
           </a:graphicData>
         </a:graphic>
       </p:graphicFrame>
-      <p:sp>
-        <p:nvSpPr>
-          <p:cNvPr id="11" name="Textfeld 10"/>
-          <p:cNvSpPr txBox="1"/>
-          <p:nvPr/>
-        </p:nvSpPr>
-        <p:spPr>
-          <a:xfrm>
-            <a:off x="591453" y="5517232"/>
-            <a:ext cx="8274438" cy="830997"/>
-          </a:xfrm>
-          <a:prstGeom prst="rect">
-            <a:avLst/>
-          </a:prstGeom>
-          <a:noFill/>
-        </p:spPr>
-        <p:txBody>
-          <a:bodyPr wrap="square" rtlCol="0">
-            <a:spAutoFit/>
-          </a:bodyPr>
-          <a:lstStyle/>
-          <a:p>
-            <a:r>
-              <a:rPr lang="en-US" dirty="0" smtClean="0"/>
-              <a:t>Speaker is correct classified, if the majority of samples of </a:t>
-            </a:r>
-            <a:r>
-              <a:rPr lang="en-US" b="1" dirty="0" smtClean="0"/>
-              <a:t>one</a:t>
-            </a:r>
-            <a:r>
-              <a:rPr lang="en-US" dirty="0" smtClean="0"/>
-              <a:t> recording is correct classified</a:t>
-            </a:r>
-            <a:endParaRPr lang="en-US" dirty="0"/>
-          </a:p>
-        </p:txBody>
-      </p:sp>
     </p:spTree>
     <p:extLst>
       <p:ext uri="{BB962C8B-B14F-4D97-AF65-F5344CB8AC3E}">
         <p14:creationId xmlns:p14="http://schemas.microsoft.com/office/powerpoint/2010/main" val="412362262"/>
-      </p:ext>
-    </p:extLst>
-  </p:cSld>
-  <p:clrMapOvr>
-    <a:masterClrMapping/>
-  </p:clrMapOvr>
-  <p:transition spd="slow" advClick="0" advTm="4000">
-    <p:fade/>
-  </p:transition>
-  <p:timing>
-    <p:tnLst>
-      <p:par>
-        <p:cTn id="1" dur="indefinite" restart="never" nodeType="tmRoot"/>
-      </p:par>
-    </p:tnLst>
-  </p:timing>
-</p:sld>
-</file>
-
-<file path=ppt/slides/slide8.xml><?xml version="1.0" encoding="utf-8"?>
-<p:sld xmlns:a="http://schemas.openxmlformats.org/drawingml/2006/main" xmlns:r="http://schemas.openxmlformats.org/officeDocument/2006/relationships" xmlns:p="http://schemas.openxmlformats.org/presentationml/2006/main">
-  <p:cSld>
-    <p:spTree>
-      <p:nvGrpSpPr>
-        <p:cNvPr id="1" name=""/>
-        <p:cNvGrpSpPr/>
-        <p:nvPr/>
-      </p:nvGrpSpPr>
-      <p:grpSpPr>
-        <a:xfrm>
-          <a:off x="0" y="0"/>
-          <a:ext cx="0" cy="0"/>
-          <a:chOff x="0" y="0"/>
-          <a:chExt cx="0" cy="0"/>
-        </a:xfrm>
-      </p:grpSpPr>
-      <p:pic>
-        <p:nvPicPr>
-          <p:cNvPr id="4098" name="Picture 2" descr="D:\Eigene Daten\Uni\BioSec\Matrix.png"/>
-          <p:cNvPicPr>
-            <a:picLocks noChangeAspect="1" noChangeArrowheads="1"/>
-          </p:cNvPicPr>
-          <p:nvPr/>
-        </p:nvPicPr>
-        <p:blipFill>
-          <a:blip r:embed="rId3">
-            <a:extLst>
-              <a:ext uri="{28A0092B-C50C-407E-A947-70E740481C1C}">
-                <a14:useLocalDpi xmlns:a14="http://schemas.microsoft.com/office/drawing/2010/main" val="0"/>
-              </a:ext>
-            </a:extLst>
-          </a:blip>
-          <a:srcRect/>
-          <a:stretch>
-            <a:fillRect/>
-          </a:stretch>
-        </p:blipFill>
-        <p:spPr bwMode="auto">
-          <a:xfrm>
-            <a:off x="550065" y="980728"/>
-            <a:ext cx="7868143" cy="5565922"/>
-          </a:xfrm>
-          <a:prstGeom prst="rect">
-            <a:avLst/>
-          </a:prstGeom>
-          <a:noFill/>
-          <a:extLst>
-            <a:ext uri="{909E8E84-426E-40DD-AFC4-6F175D3DCCD1}">
-              <a14:hiddenFill xmlns:a14="http://schemas.microsoft.com/office/drawing/2010/main">
-                <a:solidFill>
-                  <a:srgbClr val="FFFFFF"/>
-                </a:solidFill>
-              </a14:hiddenFill>
-            </a:ext>
-          </a:extLst>
-        </p:spPr>
-      </p:pic>
-      <p:sp>
-        <p:nvSpPr>
-          <p:cNvPr id="3" name="Titel 2"/>
-          <p:cNvSpPr>
-            <a:spLocks noGrp="1"/>
-          </p:cNvSpPr>
-          <p:nvPr>
-            <p:ph type="title"/>
-          </p:nvPr>
-        </p:nvSpPr>
-        <p:spPr/>
-        <p:txBody>
-          <a:bodyPr/>
-          <a:lstStyle/>
-          <a:p>
-            <a:r>
-              <a:rPr lang="en-US" dirty="0" err="1"/>
-              <a:t>C</a:t>
-            </a:r>
-            <a:r>
-              <a:rPr lang="en-US" dirty="0" err="1" smtClean="0"/>
-              <a:t>ovarianzmatrix</a:t>
-            </a:r>
-            <a:endParaRPr lang="en-US" dirty="0"/>
-          </a:p>
-        </p:txBody>
-      </p:sp>
-    </p:spTree>
-    <p:extLst>
-      <p:ext uri="{BB962C8B-B14F-4D97-AF65-F5344CB8AC3E}">
-        <p14:creationId xmlns:p14="http://schemas.microsoft.com/office/powerpoint/2010/main" val="1426215008"/>
-      </p:ext>
-    </p:extLst>
-  </p:cSld>
-  <p:clrMapOvr>
-    <a:masterClrMapping/>
-  </p:clrMapOvr>
-  <p:transition spd="slow" advClick="0" advTm="4000">
-    <p:fade/>
-  </p:transition>
-  <p:timing>
-    <p:tnLst>
-      <p:par>
-        <p:cTn id="1" dur="indefinite" restart="never" nodeType="tmRoot"/>
-      </p:par>
-    </p:tnLst>
-  </p:timing>
-</p:sld>
-</file>
-
-<file path=ppt/slides/slide9.xml><?xml version="1.0" encoding="utf-8"?>
-<p:sld xmlns:a="http://schemas.openxmlformats.org/drawingml/2006/main" xmlns:r="http://schemas.openxmlformats.org/officeDocument/2006/relationships" xmlns:p="http://schemas.openxmlformats.org/presentationml/2006/main">
-  <p:cSld>
-    <p:spTree>
-      <p:nvGrpSpPr>
-        <p:cNvPr id="1" name=""/>
-        <p:cNvGrpSpPr/>
-        <p:nvPr/>
-      </p:nvGrpSpPr>
-      <p:grpSpPr>
-        <a:xfrm>
-          <a:off x="0" y="0"/>
-          <a:ext cx="0" cy="0"/>
-          <a:chOff x="0" y="0"/>
-          <a:chExt cx="0" cy="0"/>
-        </a:xfrm>
-      </p:grpSpPr>
-      <p:sp>
-        <p:nvSpPr>
-          <p:cNvPr id="2" name="Textplatzhalter 1"/>
-          <p:cNvSpPr>
-            <a:spLocks noGrp="1"/>
-          </p:cNvSpPr>
-          <p:nvPr>
-            <p:ph type="body" sz="quarter" idx="10"/>
-          </p:nvPr>
-        </p:nvSpPr>
-        <p:spPr/>
-        <p:txBody>
-          <a:bodyPr/>
-          <a:lstStyle/>
-          <a:p>
-            <a:r>
-              <a:rPr lang="de-DE" sz="2000" dirty="0" err="1" smtClean="0"/>
-              <a:t>Sheeps</a:t>
-            </a:r>
-            <a:r>
-              <a:rPr lang="de-DE" sz="2000" dirty="0" smtClean="0"/>
-              <a:t>: </a:t>
-            </a:r>
-            <a:r>
-              <a:rPr lang="en-US" sz="2000" dirty="0"/>
-              <a:t>easily accepted by the system</a:t>
-            </a:r>
-          </a:p>
-          <a:p>
-            <a:pPr marL="350520" indent="0">
-              <a:buNone/>
-            </a:pPr>
-            <a:endParaRPr lang="de-DE" sz="2000" dirty="0"/>
-          </a:p>
-          <a:p>
-            <a:r>
-              <a:rPr lang="de-DE" sz="2000" dirty="0" err="1" smtClean="0"/>
-              <a:t>Goats</a:t>
-            </a:r>
-            <a:r>
-              <a:rPr lang="de-DE" sz="2000" dirty="0" smtClean="0"/>
-              <a:t>: </a:t>
-            </a:r>
-            <a:r>
-              <a:rPr lang="en-US" sz="2000" dirty="0" smtClean="0"/>
-              <a:t>exceptionally </a:t>
-            </a:r>
-            <a:r>
-              <a:rPr lang="en-US" sz="2000" dirty="0"/>
-              <a:t>unsuccessful at being accepted</a:t>
-            </a:r>
-          </a:p>
-          <a:p>
-            <a:pPr marL="350520" indent="0">
-              <a:buNone/>
-            </a:pPr>
-            <a:endParaRPr lang="de-DE" sz="2000" dirty="0"/>
-          </a:p>
-          <a:p>
-            <a:r>
-              <a:rPr lang="de-DE" sz="2000" dirty="0" smtClean="0"/>
-              <a:t>Lambs: </a:t>
-            </a:r>
-            <a:r>
-              <a:rPr lang="en-US" sz="2000" dirty="0"/>
-              <a:t>exceptionally vulnerable to impersonation</a:t>
-            </a:r>
-          </a:p>
-          <a:p>
-            <a:pPr marL="350520" indent="0">
-              <a:buNone/>
-            </a:pPr>
-            <a:endParaRPr lang="de-DE" sz="2000" dirty="0" smtClean="0"/>
-          </a:p>
-          <a:p>
-            <a:r>
-              <a:rPr lang="de-DE" sz="2000" dirty="0" err="1" smtClean="0"/>
-              <a:t>Wolves</a:t>
-            </a:r>
-            <a:r>
-              <a:rPr lang="de-DE" sz="2000" dirty="0" smtClean="0"/>
-              <a:t>: </a:t>
-            </a:r>
-            <a:r>
-              <a:rPr lang="en-US" sz="2000" dirty="0"/>
-              <a:t>exceptionally successful at impersonation</a:t>
-            </a:r>
-            <a:endParaRPr lang="de-DE" sz="2000" dirty="0"/>
-          </a:p>
-          <a:p>
-            <a:endParaRPr lang="de-DE" sz="2000" dirty="0" smtClean="0"/>
-          </a:p>
-          <a:p>
-            <a:endParaRPr lang="de-DE" sz="2000" dirty="0" smtClean="0"/>
-          </a:p>
-        </p:txBody>
-      </p:sp>
-      <p:sp>
-        <p:nvSpPr>
-          <p:cNvPr id="3" name="Titel 2"/>
-          <p:cNvSpPr>
-            <a:spLocks noGrp="1"/>
-          </p:cNvSpPr>
-          <p:nvPr>
-            <p:ph type="title"/>
-          </p:nvPr>
-        </p:nvSpPr>
-        <p:spPr/>
-        <p:txBody>
-          <a:bodyPr/>
-          <a:lstStyle/>
-          <a:p>
-            <a:r>
-              <a:rPr lang="de-DE" dirty="0" err="1" smtClean="0"/>
-              <a:t>Doddington</a:t>
-            </a:r>
-            <a:r>
-              <a:rPr lang="de-DE" dirty="0" smtClean="0"/>
-              <a:t> Zoo</a:t>
-            </a:r>
-            <a:endParaRPr lang="de-DE" dirty="0"/>
-          </a:p>
-        </p:txBody>
-      </p:sp>
-      <p:graphicFrame>
-        <p:nvGraphicFramePr>
-          <p:cNvPr id="5" name="Tabelle 4"/>
-          <p:cNvGraphicFramePr>
-            <a:graphicFrameLocks noGrp="1"/>
-          </p:cNvGraphicFramePr>
-          <p:nvPr>
-            <p:extLst>
-              <p:ext uri="{D42A27DB-BD31-4B8C-83A1-F6EECF244321}">
-                <p14:modId xmlns:p14="http://schemas.microsoft.com/office/powerpoint/2010/main" val="1656331796"/>
-              </p:ext>
-            </p:extLst>
-          </p:nvPr>
-        </p:nvGraphicFramePr>
-        <p:xfrm>
-          <a:off x="1255630" y="4005064"/>
-          <a:ext cx="6096000" cy="1854200"/>
-        </p:xfrm>
-        <a:graphic>
-          <a:graphicData uri="http://schemas.openxmlformats.org/drawingml/2006/table">
-            <a:tbl>
-              <a:tblPr firstRow="1" bandRow="1">
-                <a:tableStyleId>{21E4AEA4-8DFA-4A89-87EB-49C32662AFE0}</a:tableStyleId>
-              </a:tblPr>
-              <a:tblGrid>
-                <a:gridCol w="3048000"/>
-                <a:gridCol w="3048000"/>
-              </a:tblGrid>
-              <a:tr h="370840">
-                <a:tc>
-                  <a:txBody>
-                    <a:bodyPr/>
-                    <a:lstStyle/>
-                    <a:p>
-                      <a:r>
-                        <a:rPr lang="de-DE" dirty="0" err="1" smtClean="0"/>
-                        <a:t>character</a:t>
-                      </a:r>
-                      <a:endParaRPr lang="de-DE" dirty="0"/>
-                    </a:p>
-                  </a:txBody>
-                  <a:tcPr/>
-                </a:tc>
-                <a:tc>
-                  <a:txBody>
-                    <a:bodyPr/>
-                    <a:lstStyle/>
-                    <a:p>
-                      <a:r>
-                        <a:rPr lang="de-DE" dirty="0" err="1" smtClean="0"/>
-                        <a:t>percentage</a:t>
-                      </a:r>
-                      <a:endParaRPr lang="de-DE" dirty="0"/>
-                    </a:p>
-                  </a:txBody>
-                  <a:tcPr/>
-                </a:tc>
-              </a:tr>
-              <a:tr h="370840">
-                <a:tc>
-                  <a:txBody>
-                    <a:bodyPr/>
-                    <a:lstStyle/>
-                    <a:p>
-                      <a:r>
-                        <a:rPr lang="de-DE" dirty="0" err="1" smtClean="0"/>
-                        <a:t>Sheep</a:t>
-                      </a:r>
-                      <a:endParaRPr lang="de-DE" dirty="0"/>
-                    </a:p>
-                  </a:txBody>
-                  <a:tcPr/>
-                </a:tc>
-                <a:tc>
-                  <a:txBody>
-                    <a:bodyPr/>
-                    <a:lstStyle/>
-                    <a:p>
-                      <a:r>
-                        <a:rPr lang="de-DE" dirty="0" smtClean="0"/>
-                        <a:t>90%</a:t>
-                      </a:r>
-                      <a:endParaRPr lang="de-DE" dirty="0"/>
-                    </a:p>
-                  </a:txBody>
-                  <a:tcPr/>
-                </a:tc>
-              </a:tr>
-              <a:tr h="370840">
-                <a:tc>
-                  <a:txBody>
-                    <a:bodyPr/>
-                    <a:lstStyle/>
-                    <a:p>
-                      <a:r>
-                        <a:rPr lang="de-DE" dirty="0" err="1" smtClean="0"/>
-                        <a:t>Goat</a:t>
-                      </a:r>
-                      <a:endParaRPr lang="de-DE" dirty="0"/>
-                    </a:p>
-                  </a:txBody>
-                  <a:tcPr/>
-                </a:tc>
-                <a:tc>
-                  <a:txBody>
-                    <a:bodyPr/>
-                    <a:lstStyle/>
-                    <a:p>
-                      <a:r>
-                        <a:rPr lang="de-DE" dirty="0" smtClean="0"/>
-                        <a:t>5%</a:t>
-                      </a:r>
-                      <a:endParaRPr lang="de-DE" dirty="0"/>
-                    </a:p>
-                  </a:txBody>
-                  <a:tcPr/>
-                </a:tc>
-              </a:tr>
-              <a:tr h="370840">
-                <a:tc>
-                  <a:txBody>
-                    <a:bodyPr/>
-                    <a:lstStyle/>
-                    <a:p>
-                      <a:r>
-                        <a:rPr lang="de-DE" dirty="0" err="1" smtClean="0"/>
-                        <a:t>Lamp</a:t>
-                      </a:r>
-                      <a:endParaRPr lang="de-DE" dirty="0"/>
-                    </a:p>
-                  </a:txBody>
-                  <a:tcPr/>
-                </a:tc>
-                <a:tc>
-                  <a:txBody>
-                    <a:bodyPr/>
-                    <a:lstStyle/>
-                    <a:p>
-                      <a:r>
-                        <a:rPr lang="de-DE" dirty="0" smtClean="0"/>
-                        <a:t>2,5%</a:t>
-                      </a:r>
-                      <a:endParaRPr lang="de-DE" dirty="0"/>
-                    </a:p>
-                  </a:txBody>
-                  <a:tcPr/>
-                </a:tc>
-              </a:tr>
-              <a:tr h="370840">
-                <a:tc>
-                  <a:txBody>
-                    <a:bodyPr/>
-                    <a:lstStyle/>
-                    <a:p>
-                      <a:r>
-                        <a:rPr lang="de-DE" dirty="0" smtClean="0"/>
-                        <a:t>Wolfs</a:t>
-                      </a:r>
-                      <a:endParaRPr lang="de-DE" dirty="0"/>
-                    </a:p>
-                  </a:txBody>
-                  <a:tcPr/>
-                </a:tc>
-                <a:tc>
-                  <a:txBody>
-                    <a:bodyPr/>
-                    <a:lstStyle/>
-                    <a:p>
-                      <a:r>
-                        <a:rPr lang="de-DE" dirty="0" smtClean="0"/>
-                        <a:t>2,5%</a:t>
-                      </a:r>
-                      <a:endParaRPr lang="de-DE" dirty="0"/>
-                    </a:p>
-                  </a:txBody>
-                  <a:tcPr/>
-                </a:tc>
-              </a:tr>
-            </a:tbl>
-          </a:graphicData>
-        </a:graphic>
-      </p:graphicFrame>
-    </p:spTree>
-    <p:extLst>
-      <p:ext uri="{BB962C8B-B14F-4D97-AF65-F5344CB8AC3E}">
-        <p14:creationId xmlns:p14="http://schemas.microsoft.com/office/powerpoint/2010/main" val="3618806880"/>
       </p:ext>
     </p:extLst>
   </p:cSld>

--- a/presentation/Präsentation1.pptx
+++ b/presentation/Präsentation1.pptx
@@ -1338,6 +1338,13 @@
         </dgm:presLayoutVars>
       </dgm:prSet>
       <dgm:spPr/>
+      <dgm:t>
+        <a:bodyPr/>
+        <a:lstStyle/>
+        <a:p>
+          <a:endParaRPr lang="de-DE"/>
+        </a:p>
+      </dgm:t>
     </dgm:pt>
     <dgm:pt modelId="{345B9379-9D00-4E9A-88A0-9A89A90705D4}" type="pres">
       <dgm:prSet presAssocID="{413350AB-9F93-41E0-8970-40018F35EE75}" presName="descendantText" presStyleLbl="alignAcc1" presStyleIdx="0" presStyleCnt="5">
@@ -1346,6 +1353,13 @@
         </dgm:presLayoutVars>
       </dgm:prSet>
       <dgm:spPr/>
+      <dgm:t>
+        <a:bodyPr/>
+        <a:lstStyle/>
+        <a:p>
+          <a:endParaRPr lang="de-DE"/>
+        </a:p>
+      </dgm:t>
     </dgm:pt>
     <dgm:pt modelId="{F33E56CC-5361-4766-A5DE-F4C0A08E9C58}" type="pres">
       <dgm:prSet presAssocID="{4342373A-4CA9-44C9-AE5D-0295F535E961}" presName="sp" presStyleCnt="0"/>
@@ -1363,6 +1377,13 @@
         </dgm:presLayoutVars>
       </dgm:prSet>
       <dgm:spPr/>
+      <dgm:t>
+        <a:bodyPr/>
+        <a:lstStyle/>
+        <a:p>
+          <a:endParaRPr lang="de-DE"/>
+        </a:p>
+      </dgm:t>
     </dgm:pt>
     <dgm:pt modelId="{5B7B2730-1446-4684-BEFF-3FBDAD6B338F}" type="pres">
       <dgm:prSet presAssocID="{BCFD4DBA-ED5D-494C-8FF1-59E4C902FD9C}" presName="descendantText" presStyleLbl="alignAcc1" presStyleIdx="1" presStyleCnt="5">
@@ -1395,6 +1416,13 @@
         </dgm:presLayoutVars>
       </dgm:prSet>
       <dgm:spPr/>
+      <dgm:t>
+        <a:bodyPr/>
+        <a:lstStyle/>
+        <a:p>
+          <a:endParaRPr lang="de-DE"/>
+        </a:p>
+      </dgm:t>
     </dgm:pt>
     <dgm:pt modelId="{1E11BB37-4ACE-4054-B12B-3C4A8C3C2DE1}" type="pres">
       <dgm:prSet presAssocID="{AC671DB7-A9FD-4672-932A-69B9E15B58DE}" presName="descendantText" presStyleLbl="alignAcc1" presStyleIdx="2" presStyleCnt="5">
@@ -1427,6 +1455,13 @@
         </dgm:presLayoutVars>
       </dgm:prSet>
       <dgm:spPr/>
+      <dgm:t>
+        <a:bodyPr/>
+        <a:lstStyle/>
+        <a:p>
+          <a:endParaRPr lang="de-DE"/>
+        </a:p>
+      </dgm:t>
     </dgm:pt>
     <dgm:pt modelId="{5802484E-802E-4043-8A1D-54A7F465DEB9}" type="pres">
       <dgm:prSet presAssocID="{C37C915D-7028-488B-8229-58693C3F1620}" presName="descendantText" presStyleLbl="alignAcc1" presStyleIdx="3" presStyleCnt="5">
@@ -1459,6 +1494,13 @@
         </dgm:presLayoutVars>
       </dgm:prSet>
       <dgm:spPr/>
+      <dgm:t>
+        <a:bodyPr/>
+        <a:lstStyle/>
+        <a:p>
+          <a:endParaRPr lang="de-DE"/>
+        </a:p>
+      </dgm:t>
     </dgm:pt>
     <dgm:pt modelId="{D532A752-33EF-4B19-87F3-BBFC8B2AEF58}" type="pres">
       <dgm:prSet presAssocID="{B7DE9923-7F86-424A-BB28-0EA2A1F2D607}" presName="descendantText" presStyleLbl="alignAcc1" presStyleIdx="4" presStyleCnt="5">
@@ -1467,30 +1509,37 @@
         </dgm:presLayoutVars>
       </dgm:prSet>
       <dgm:spPr/>
+      <dgm:t>
+        <a:bodyPr/>
+        <a:lstStyle/>
+        <a:p>
+          <a:endParaRPr lang="de-DE"/>
+        </a:p>
+      </dgm:t>
     </dgm:pt>
   </dgm:ptLst>
   <dgm:cxnLst>
+    <dgm:cxn modelId="{924F3FCC-4469-4E8D-81B6-35EB4E71A37E}" srcId="{C37C915D-7028-488B-8229-58693C3F1620}" destId="{EF10002A-AE70-43EB-95FD-01D393D1B149}" srcOrd="0" destOrd="0" parTransId="{5E6D3100-C56F-4DD9-858F-F059F62EF7E9}" sibTransId="{7663D679-0B55-4CD4-BA2E-FED6EF3E874B}"/>
+    <dgm:cxn modelId="{59505865-74A2-4126-8485-D013010EE329}" type="presOf" srcId="{EF10002A-AE70-43EB-95FD-01D393D1B149}" destId="{5802484E-802E-4043-8A1D-54A7F465DEB9}" srcOrd="0" destOrd="0" presId="urn:microsoft.com/office/officeart/2005/8/layout/chevron2"/>
+    <dgm:cxn modelId="{0B6F3640-AF25-4A9B-84AD-3B93F9B386F6}" srcId="{A845F36F-30CC-4199-8E1A-54248063F77F}" destId="{413350AB-9F93-41E0-8970-40018F35EE75}" srcOrd="0" destOrd="0" parTransId="{56425014-3B7D-4F39-B72F-E8FA71C9C4BA}" sibTransId="{4342373A-4CA9-44C9-AE5D-0295F535E961}"/>
+    <dgm:cxn modelId="{FB9011BB-DE27-4F1B-8A47-0E5CA6C51F52}" srcId="{A845F36F-30CC-4199-8E1A-54248063F77F}" destId="{B7DE9923-7F86-424A-BB28-0EA2A1F2D607}" srcOrd="4" destOrd="0" parTransId="{5146309B-2A4F-4C27-8C73-E7E556E74B94}" sibTransId="{10BE0DD1-6920-44CF-A8F5-E414A207AC73}"/>
+    <dgm:cxn modelId="{E25EF656-E91D-4B71-8114-8BB43E720F86}" srcId="{413350AB-9F93-41E0-8970-40018F35EE75}" destId="{6B92CBE7-E902-444D-AE52-E860F2FCD728}" srcOrd="0" destOrd="0" parTransId="{4DE79FA1-C7AF-492E-95C1-FA5893C46F58}" sibTransId="{9D4A27C7-10E3-4CED-904E-F34E4CBCDAD2}"/>
+    <dgm:cxn modelId="{E3945B01-FCFD-45CF-A4D6-A28FB7D47DB7}" srcId="{AC671DB7-A9FD-4672-932A-69B9E15B58DE}" destId="{541B621A-F318-4799-B44C-94D64E982E25}" srcOrd="0" destOrd="0" parTransId="{7DA0A342-8CF4-4644-B2EE-93DF4BDCEA4C}" sibTransId="{6A27DC28-A4FE-42ED-8D14-ECAE6A671CE0}"/>
+    <dgm:cxn modelId="{BFE40FE6-5E01-488B-A872-FC83461B7C0A}" srcId="{B7DE9923-7F86-424A-BB28-0EA2A1F2D607}" destId="{6B8236A5-3549-4C03-8FDB-CDAE0B620C58}" srcOrd="0" destOrd="0" parTransId="{C18CD82F-E98B-45AF-8393-E1FFC9C20443}" sibTransId="{D7936AEE-5466-42F9-A8C3-9FAAB478F0F5}"/>
+    <dgm:cxn modelId="{35F7A427-4C95-4B31-A286-302FDD142FF0}" type="presOf" srcId="{A845F36F-30CC-4199-8E1A-54248063F77F}" destId="{9B86C69D-6A6C-436C-BB0E-E3CD192C9631}" srcOrd="0" destOrd="0" presId="urn:microsoft.com/office/officeart/2005/8/layout/chevron2"/>
+    <dgm:cxn modelId="{F715B01A-5C04-4447-990A-EB6CEAAECFB3}" srcId="{A845F36F-30CC-4199-8E1A-54248063F77F}" destId="{AC671DB7-A9FD-4672-932A-69B9E15B58DE}" srcOrd="2" destOrd="0" parTransId="{3D220C18-1CB4-40BE-AEF1-89D4E102711E}" sibTransId="{5F830E5E-FA51-4251-86BA-7F256313EEA7}"/>
+    <dgm:cxn modelId="{1ABB9F0B-0C01-4C23-B446-C7EBAA83C03B}" type="presOf" srcId="{413350AB-9F93-41E0-8970-40018F35EE75}" destId="{1334A13D-F0E4-4DE2-8A9E-AFAB9739D856}" srcOrd="0" destOrd="0" presId="urn:microsoft.com/office/officeart/2005/8/layout/chevron2"/>
+    <dgm:cxn modelId="{D277E939-9CB6-4A71-B842-012727EC49BC}" type="presOf" srcId="{6B92CBE7-E902-444D-AE52-E860F2FCD728}" destId="{345B9379-9D00-4E9A-88A0-9A89A90705D4}" srcOrd="0" destOrd="0" presId="urn:microsoft.com/office/officeart/2005/8/layout/chevron2"/>
+    <dgm:cxn modelId="{F0869BAC-565C-4D45-A16A-9861C6E6D191}" srcId="{BCFD4DBA-ED5D-494C-8FF1-59E4C902FD9C}" destId="{C654C476-F2BC-4F28-A196-F009235CD57C}" srcOrd="0" destOrd="0" parTransId="{522EB042-FE23-4E62-8615-EEDC33755027}" sibTransId="{76E23FF4-9F31-41EE-9CB3-670015BB8A83}"/>
+    <dgm:cxn modelId="{CD4DD00C-EDE9-4874-BFF5-BE6179EE2BDB}" type="presOf" srcId="{C37C915D-7028-488B-8229-58693C3F1620}" destId="{30F5BBE5-D1A3-4709-899F-FD47840A8E3C}" srcOrd="0" destOrd="0" presId="urn:microsoft.com/office/officeart/2005/8/layout/chevron2"/>
+    <dgm:cxn modelId="{5CA89E96-E248-4A3D-A102-79743578314D}" srcId="{A845F36F-30CC-4199-8E1A-54248063F77F}" destId="{BCFD4DBA-ED5D-494C-8FF1-59E4C902FD9C}" srcOrd="1" destOrd="0" parTransId="{D4513B5B-94ED-4D11-BC47-4E3E64D98443}" sibTransId="{D6388B87-C3A7-4CD8-AB3A-64852C3E9322}"/>
+    <dgm:cxn modelId="{55EADAD0-4AE6-4EA2-ACC4-3695A5EDDE52}" type="presOf" srcId="{BCFD4DBA-ED5D-494C-8FF1-59E4C902FD9C}" destId="{AE6372F7-3A8A-4D6C-96A6-F6C12593CB6B}" srcOrd="0" destOrd="0" presId="urn:microsoft.com/office/officeart/2005/8/layout/chevron2"/>
+    <dgm:cxn modelId="{17D44CA2-33E2-4464-B88D-8471806CFAF9}" type="presOf" srcId="{C654C476-F2BC-4F28-A196-F009235CD57C}" destId="{5B7B2730-1446-4684-BEFF-3FBDAD6B338F}" srcOrd="0" destOrd="0" presId="urn:microsoft.com/office/officeart/2005/8/layout/chevron2"/>
+    <dgm:cxn modelId="{393133DC-A419-4655-8DC2-65ABB260B134}" type="presOf" srcId="{541B621A-F318-4799-B44C-94D64E982E25}" destId="{1E11BB37-4ACE-4054-B12B-3C4A8C3C2DE1}" srcOrd="0" destOrd="0" presId="urn:microsoft.com/office/officeart/2005/8/layout/chevron2"/>
+    <dgm:cxn modelId="{6EA316DC-0907-4EB9-B148-134AF127C9F9}" type="presOf" srcId="{6B8236A5-3549-4C03-8FDB-CDAE0B620C58}" destId="{D532A752-33EF-4B19-87F3-BBFC8B2AEF58}" srcOrd="0" destOrd="0" presId="urn:microsoft.com/office/officeart/2005/8/layout/chevron2"/>
     <dgm:cxn modelId="{F2C20B38-0CDB-4C8D-8FB1-89779046A150}" type="presOf" srcId="{AC671DB7-A9FD-4672-932A-69B9E15B58DE}" destId="{5B19FEF8-CAC6-4574-A67E-C952F588D0D2}" srcOrd="0" destOrd="0" presId="urn:microsoft.com/office/officeart/2005/8/layout/chevron2"/>
-    <dgm:cxn modelId="{59505865-74A2-4126-8485-D013010EE329}" type="presOf" srcId="{EF10002A-AE70-43EB-95FD-01D393D1B149}" destId="{5802484E-802E-4043-8A1D-54A7F465DEB9}" srcOrd="0" destOrd="0" presId="urn:microsoft.com/office/officeart/2005/8/layout/chevron2"/>
-    <dgm:cxn modelId="{BFE40FE6-5E01-488B-A872-FC83461B7C0A}" srcId="{B7DE9923-7F86-424A-BB28-0EA2A1F2D607}" destId="{6B8236A5-3549-4C03-8FDB-CDAE0B620C58}" srcOrd="0" destOrd="0" parTransId="{C18CD82F-E98B-45AF-8393-E1FFC9C20443}" sibTransId="{D7936AEE-5466-42F9-A8C3-9FAAB478F0F5}"/>
-    <dgm:cxn modelId="{F715B01A-5C04-4447-990A-EB6CEAAECFB3}" srcId="{A845F36F-30CC-4199-8E1A-54248063F77F}" destId="{AC671DB7-A9FD-4672-932A-69B9E15B58DE}" srcOrd="2" destOrd="0" parTransId="{3D220C18-1CB4-40BE-AEF1-89D4E102711E}" sibTransId="{5F830E5E-FA51-4251-86BA-7F256313EEA7}"/>
-    <dgm:cxn modelId="{FB9011BB-DE27-4F1B-8A47-0E5CA6C51F52}" srcId="{A845F36F-30CC-4199-8E1A-54248063F77F}" destId="{B7DE9923-7F86-424A-BB28-0EA2A1F2D607}" srcOrd="4" destOrd="0" parTransId="{5146309B-2A4F-4C27-8C73-E7E556E74B94}" sibTransId="{10BE0DD1-6920-44CF-A8F5-E414A207AC73}"/>
-    <dgm:cxn modelId="{5CA89E96-E248-4A3D-A102-79743578314D}" srcId="{A845F36F-30CC-4199-8E1A-54248063F77F}" destId="{BCFD4DBA-ED5D-494C-8FF1-59E4C902FD9C}" srcOrd="1" destOrd="0" parTransId="{D4513B5B-94ED-4D11-BC47-4E3E64D98443}" sibTransId="{D6388B87-C3A7-4CD8-AB3A-64852C3E9322}"/>
-    <dgm:cxn modelId="{393133DC-A419-4655-8DC2-65ABB260B134}" type="presOf" srcId="{541B621A-F318-4799-B44C-94D64E982E25}" destId="{1E11BB37-4ACE-4054-B12B-3C4A8C3C2DE1}" srcOrd="0" destOrd="0" presId="urn:microsoft.com/office/officeart/2005/8/layout/chevron2"/>
-    <dgm:cxn modelId="{0B6F3640-AF25-4A9B-84AD-3B93F9B386F6}" srcId="{A845F36F-30CC-4199-8E1A-54248063F77F}" destId="{413350AB-9F93-41E0-8970-40018F35EE75}" srcOrd="0" destOrd="0" parTransId="{56425014-3B7D-4F39-B72F-E8FA71C9C4BA}" sibTransId="{4342373A-4CA9-44C9-AE5D-0295F535E961}"/>
-    <dgm:cxn modelId="{55EADAD0-4AE6-4EA2-ACC4-3695A5EDDE52}" type="presOf" srcId="{BCFD4DBA-ED5D-494C-8FF1-59E4C902FD9C}" destId="{AE6372F7-3A8A-4D6C-96A6-F6C12593CB6B}" srcOrd="0" destOrd="0" presId="urn:microsoft.com/office/officeart/2005/8/layout/chevron2"/>
-    <dgm:cxn modelId="{1ABB9F0B-0C01-4C23-B446-C7EBAA83C03B}" type="presOf" srcId="{413350AB-9F93-41E0-8970-40018F35EE75}" destId="{1334A13D-F0E4-4DE2-8A9E-AFAB9739D856}" srcOrd="0" destOrd="0" presId="urn:microsoft.com/office/officeart/2005/8/layout/chevron2"/>
-    <dgm:cxn modelId="{35F7A427-4C95-4B31-A286-302FDD142FF0}" type="presOf" srcId="{A845F36F-30CC-4199-8E1A-54248063F77F}" destId="{9B86C69D-6A6C-436C-BB0E-E3CD192C9631}" srcOrd="0" destOrd="0" presId="urn:microsoft.com/office/officeart/2005/8/layout/chevron2"/>
-    <dgm:cxn modelId="{E3945B01-FCFD-45CF-A4D6-A28FB7D47DB7}" srcId="{AC671DB7-A9FD-4672-932A-69B9E15B58DE}" destId="{541B621A-F318-4799-B44C-94D64E982E25}" srcOrd="0" destOrd="0" parTransId="{7DA0A342-8CF4-4644-B2EE-93DF4BDCEA4C}" sibTransId="{6A27DC28-A4FE-42ED-8D14-ECAE6A671CE0}"/>
     <dgm:cxn modelId="{CD64587A-07C9-42C5-AF64-BF17FD705FBE}" type="presOf" srcId="{B7DE9923-7F86-424A-BB28-0EA2A1F2D607}" destId="{984D793E-AD9F-4B17-B501-63C694295D4E}" srcOrd="0" destOrd="0" presId="urn:microsoft.com/office/officeart/2005/8/layout/chevron2"/>
-    <dgm:cxn modelId="{6EA316DC-0907-4EB9-B148-134AF127C9F9}" type="presOf" srcId="{6B8236A5-3549-4C03-8FDB-CDAE0B620C58}" destId="{D532A752-33EF-4B19-87F3-BBFC8B2AEF58}" srcOrd="0" destOrd="0" presId="urn:microsoft.com/office/officeart/2005/8/layout/chevron2"/>
-    <dgm:cxn modelId="{F0869BAC-565C-4D45-A16A-9861C6E6D191}" srcId="{BCFD4DBA-ED5D-494C-8FF1-59E4C902FD9C}" destId="{C654C476-F2BC-4F28-A196-F009235CD57C}" srcOrd="0" destOrd="0" parTransId="{522EB042-FE23-4E62-8615-EEDC33755027}" sibTransId="{76E23FF4-9F31-41EE-9CB3-670015BB8A83}"/>
-    <dgm:cxn modelId="{924F3FCC-4469-4E8D-81B6-35EB4E71A37E}" srcId="{C37C915D-7028-488B-8229-58693C3F1620}" destId="{EF10002A-AE70-43EB-95FD-01D393D1B149}" srcOrd="0" destOrd="0" parTransId="{5E6D3100-C56F-4DD9-858F-F059F62EF7E9}" sibTransId="{7663D679-0B55-4CD4-BA2E-FED6EF3E874B}"/>
-    <dgm:cxn modelId="{17D44CA2-33E2-4464-B88D-8471806CFAF9}" type="presOf" srcId="{C654C476-F2BC-4F28-A196-F009235CD57C}" destId="{5B7B2730-1446-4684-BEFF-3FBDAD6B338F}" srcOrd="0" destOrd="0" presId="urn:microsoft.com/office/officeart/2005/8/layout/chevron2"/>
-    <dgm:cxn modelId="{CD4DD00C-EDE9-4874-BFF5-BE6179EE2BDB}" type="presOf" srcId="{C37C915D-7028-488B-8229-58693C3F1620}" destId="{30F5BBE5-D1A3-4709-899F-FD47840A8E3C}" srcOrd="0" destOrd="0" presId="urn:microsoft.com/office/officeart/2005/8/layout/chevron2"/>
-    <dgm:cxn modelId="{D277E939-9CB6-4A71-B842-012727EC49BC}" type="presOf" srcId="{6B92CBE7-E902-444D-AE52-E860F2FCD728}" destId="{345B9379-9D00-4E9A-88A0-9A89A90705D4}" srcOrd="0" destOrd="0" presId="urn:microsoft.com/office/officeart/2005/8/layout/chevron2"/>
     <dgm:cxn modelId="{A63358DF-6267-4B60-BBCA-206B169C23EE}" srcId="{A845F36F-30CC-4199-8E1A-54248063F77F}" destId="{C37C915D-7028-488B-8229-58693C3F1620}" srcOrd="3" destOrd="0" parTransId="{B2047586-CFFF-4057-B845-3DDDDC0851C5}" sibTransId="{C429D1C5-E23D-4EAE-8316-F7176599AE3F}"/>
-    <dgm:cxn modelId="{E25EF656-E91D-4B71-8114-8BB43E720F86}" srcId="{413350AB-9F93-41E0-8970-40018F35EE75}" destId="{6B92CBE7-E902-444D-AE52-E860F2FCD728}" srcOrd="0" destOrd="0" parTransId="{4DE79FA1-C7AF-492E-95C1-FA5893C46F58}" sibTransId="{9D4A27C7-10E3-4CED-904E-F34E4CBCDAD2}"/>
     <dgm:cxn modelId="{15BE0397-8E73-46D0-B986-5DF5481A1E55}" type="presParOf" srcId="{9B86C69D-6A6C-436C-BB0E-E3CD192C9631}" destId="{BB437D99-03E5-49F7-AF6C-9C4ECF33DE10}" srcOrd="0" destOrd="0" presId="urn:microsoft.com/office/officeart/2005/8/layout/chevron2"/>
     <dgm:cxn modelId="{1BC6F27F-AA88-4273-A397-73A3B85CA330}" type="presParOf" srcId="{BB437D99-03E5-49F7-AF6C-9C4ECF33DE10}" destId="{1334A13D-F0E4-4DE2-8A9E-AFAB9739D856}" srcOrd="0" destOrd="0" presId="urn:microsoft.com/office/officeart/2005/8/layout/chevron2"/>
     <dgm:cxn modelId="{0BB8A153-FBFB-4647-BECD-517FECB817D2}" type="presParOf" srcId="{BB437D99-03E5-49F7-AF6C-9C4ECF33DE10}" destId="{345B9379-9D00-4E9A-88A0-9A89A90705D4}" srcOrd="1" destOrd="0" presId="urn:microsoft.com/office/officeart/2005/8/layout/chevron2"/>
@@ -3727,7 +3776,7 @@
               <a:pPr>
                 <a:defRPr/>
               </a:pPr>
-              <a:t>12.01.2015</a:t>
+              <a:t>14.01.2015</a:t>
             </a:fld>
             <a:endParaRPr lang="de-DE" dirty="0">
               <a:latin typeface="Lucida Sans Unicode"/>
@@ -3994,7 +4043,7 @@
               <a:pPr>
                 <a:defRPr/>
               </a:pPr>
-              <a:t>12.01.2015</a:t>
+              <a:t>14.01.2015</a:t>
             </a:fld>
             <a:endParaRPr lang="de-DE" dirty="0"/>
           </a:p>
@@ -4406,13 +4455,6 @@
             </a:r>
           </a:p>
           <a:p>
-            <a:endParaRPr lang="de-DE" baseline="0" dirty="0" smtClean="0"/>
-          </a:p>
-          <a:p>
-            <a:r>
-              <a:rPr lang="de-DE" baseline="0" dirty="0" err="1" smtClean="0"/>
-              <a:t>ablauf</a:t>
-            </a:r>
             <a:endParaRPr lang="de-DE" dirty="0" smtClean="0"/>
           </a:p>
         </p:txBody>
@@ -4440,7 +4482,7 @@
               <a:pPr>
                 <a:defRPr/>
               </a:pPr>
-              <a:t>12.01.2015</a:t>
+              <a:t>14.01.2015</a:t>
             </a:fld>
             <a:endParaRPr lang="de-DE" dirty="0"/>
           </a:p>
@@ -4534,7 +4576,13 @@
           <a:p>
             <a:r>
               <a:rPr lang="en-US" dirty="0" smtClean="0"/>
-              <a:t>this is a thesis we already had in the lecture</a:t>
+              <a:t>here we see all samples </a:t>
+            </a:r>
+          </a:p>
+          <a:p>
+            <a:r>
+              <a:rPr lang="en-US" dirty="0" smtClean="0"/>
+              <a:t>and where they were classified</a:t>
             </a:r>
           </a:p>
           <a:p>
@@ -4543,99 +4591,31 @@
           <a:p>
             <a:r>
               <a:rPr lang="en-US" dirty="0" smtClean="0"/>
-              <a:t>but as a small reminder</a:t>
-            </a:r>
+              <a:t>we also see that the classification is result is good because the majority of the sample lie on the diagonal of the matrix</a:t>
+            </a:r>
+          </a:p>
+          <a:p>
+            <a:endParaRPr lang="en-US" dirty="0" smtClean="0"/>
           </a:p>
           <a:p>
             <a:r>
               <a:rPr lang="en-US" dirty="0" smtClean="0"/>
-              <a:t>they assume that every speaker can be assign to one of these animals</a:t>
+              <a:t>on a closer look we see that</a:t>
             </a:r>
           </a:p>
           <a:p>
             <a:r>
               <a:rPr lang="en-US" dirty="0" smtClean="0"/>
-              <a:t>every animal represent a other </a:t>
-            </a:r>
-            <a:r>
-              <a:rPr lang="en-US" dirty="0" err="1" smtClean="0"/>
-              <a:t>charateristic</a:t>
-            </a:r>
+              <a:t>some speaker were much harder to identified as other were almost all sample were right classified</a:t>
+            </a:r>
+          </a:p>
+          <a:p>
+            <a:endParaRPr lang="en-US" dirty="0" smtClean="0"/>
+          </a:p>
+          <a:p>
             <a:r>
               <a:rPr lang="en-US" dirty="0" smtClean="0"/>
-              <a:t> of speaker</a:t>
-            </a:r>
-          </a:p>
-          <a:p>
-            <a:endParaRPr lang="en-US" dirty="0" smtClean="0"/>
-          </a:p>
-          <a:p>
-            <a:r>
-              <a:rPr lang="en-US" dirty="0" smtClean="0"/>
-              <a:t>sheep, 	represent the most speaker</a:t>
-            </a:r>
-          </a:p>
-          <a:p>
-            <a:r>
-              <a:rPr lang="en-US" dirty="0" smtClean="0"/>
-              <a:t>goats, 	where not much samples are right classified, speaker who could not authenticated are goats</a:t>
-            </a:r>
-          </a:p>
-          <a:p>
-            <a:r>
-              <a:rPr lang="en-US" dirty="0" smtClean="0"/>
-              <a:t>lambs, 	where many wrong samples are assign to, need to look on the vertical</a:t>
-            </a:r>
-          </a:p>
-          <a:p>
-            <a:r>
-              <a:rPr lang="en-US" dirty="0" smtClean="0"/>
-              <a:t>wolves,	where a lot of samples are </a:t>
-            </a:r>
-            <a:r>
-              <a:rPr lang="en-US" dirty="0" err="1" smtClean="0"/>
-              <a:t>classifed</a:t>
-            </a:r>
-            <a:r>
-              <a:rPr lang="en-US" dirty="0" smtClean="0"/>
-              <a:t> to few other speaker</a:t>
-            </a:r>
-          </a:p>
-          <a:p>
-            <a:endParaRPr lang="en-US" dirty="0" smtClean="0"/>
-          </a:p>
-          <a:p>
-            <a:r>
-              <a:rPr lang="en-US" dirty="0" smtClean="0"/>
-              <a:t>this categorization we did with all our speaker an come to the conclusion shows in this table </a:t>
-            </a:r>
-          </a:p>
-          <a:p>
-            <a:r>
-              <a:rPr lang="en-US" dirty="0" smtClean="0"/>
-              <a:t>where we can see that the most are </a:t>
-            </a:r>
-            <a:r>
-              <a:rPr lang="en-US" dirty="0" err="1" smtClean="0"/>
-              <a:t>sheeps</a:t>
-            </a:r>
-            <a:r>
-              <a:rPr lang="en-US" dirty="0" smtClean="0"/>
-              <a:t> and </a:t>
-            </a:r>
-            <a:r>
-              <a:rPr lang="en-US" dirty="0" err="1" smtClean="0"/>
-              <a:t>easly</a:t>
-            </a:r>
-            <a:r>
-              <a:rPr lang="en-US" dirty="0" smtClean="0"/>
-              <a:t> to accepted by the system</a:t>
-            </a:r>
-          </a:p>
-          <a:p>
-            <a:r>
-              <a:rPr lang="en-US" dirty="0" smtClean="0"/>
-              <a:t>and only 10% shown this unwanted feature</a:t>
+              <a:t>we come to our last topic</a:t>
             </a:r>
             <a:endParaRPr lang="de-DE" dirty="0"/>
           </a:p>
@@ -4664,7 +4644,7 @@
               <a:pPr>
                 <a:defRPr/>
               </a:pPr>
-              <a:t>12.01.2015</a:t>
+              <a:t>14.01.2015</a:t>
             </a:fld>
             <a:endParaRPr lang="de-DE" dirty="0"/>
           </a:p>
@@ -4693,7 +4673,7 @@
               <a:pPr>
                 <a:defRPr/>
               </a:pPr>
-              <a:t>12</a:t>
+              <a:t>11</a:t>
             </a:fld>
             <a:endParaRPr lang="de-DE" dirty="0"/>
           </a:p>
@@ -4702,7 +4682,7 @@
     </p:spTree>
     <p:extLst>
       <p:ext uri="{BB962C8B-B14F-4D97-AF65-F5344CB8AC3E}">
-        <p14:creationId xmlns:p14="http://schemas.microsoft.com/office/powerpoint/2010/main" val="1404781169"/>
+        <p14:creationId xmlns:p14="http://schemas.microsoft.com/office/powerpoint/2010/main" val="4078180298"/>
       </p:ext>
     </p:extLst>
   </p:cSld>
@@ -4758,57 +4738,108 @@
           <a:p>
             <a:r>
               <a:rPr lang="en-US" dirty="0" smtClean="0"/>
-              <a:t>what did we learn about </a:t>
+              <a:t>this is a thesis we already had in the lecture</a:t>
+            </a:r>
+          </a:p>
+          <a:p>
+            <a:endParaRPr lang="en-US" dirty="0" smtClean="0"/>
+          </a:p>
+          <a:p>
+            <a:r>
+              <a:rPr lang="en-US" dirty="0" smtClean="0"/>
+              <a:t>but as a small reminder</a:t>
+            </a:r>
+          </a:p>
+          <a:p>
+            <a:r>
+              <a:rPr lang="en-US" dirty="0" smtClean="0"/>
+              <a:t>they assume that every speaker can be assign to one of these animals</a:t>
+            </a:r>
+          </a:p>
+          <a:p>
+            <a:r>
+              <a:rPr lang="en-US" dirty="0" smtClean="0"/>
+              <a:t>every animal represent a other </a:t>
             </a:r>
             <a:r>
               <a:rPr lang="en-US" dirty="0" err="1" smtClean="0"/>
-              <a:t>skeaper</a:t>
+              <a:t>charateristic</a:t>
             </a:r>
             <a:r>
               <a:rPr lang="en-US" dirty="0" smtClean="0"/>
-              <a:t> recognition in our project?</a:t>
-            </a:r>
+              <a:t> of speaker</a:t>
+            </a:r>
+          </a:p>
+          <a:p>
+            <a:endParaRPr lang="en-US" dirty="0" smtClean="0"/>
           </a:p>
           <a:p>
             <a:r>
               <a:rPr lang="en-US" dirty="0" smtClean="0"/>
-              <a:t>even with a non optimal database</a:t>
-            </a:r>
-          </a:p>
-          <a:p>
-            <a:r>
-              <a:rPr lang="en-US" b="1" dirty="0" smtClean="0"/>
-              <a:t>but</a:t>
-            </a:r>
+              <a:t>sheep, 	represent the most speaker</a:t>
+            </a:r>
+          </a:p>
+          <a:p>
             <a:r>
               <a:rPr lang="en-US" dirty="0" smtClean="0"/>
-              <a:t> </a:t>
+              <a:t>goats, 	where not much samples are right classified, speaker who could not authenticated are goats</a:t>
             </a:r>
           </a:p>
           <a:p>
             <a:r>
               <a:rPr lang="en-US" dirty="0" smtClean="0"/>
-              <a:t>with the right tools, feature extraction and classification</a:t>
+              <a:t>lambs, 	where many wrong samples are assign to, need to look on the vertical</a:t>
             </a:r>
           </a:p>
           <a:p>
             <a:r>
               <a:rPr lang="en-US" dirty="0" smtClean="0"/>
-              <a:t>We could accomplish </a:t>
-            </a:r>
-          </a:p>
-          <a:p>
+              <a:t>wolves,	where a lot of samples are </a:t>
+            </a:r>
+            <a:r>
+              <a:rPr lang="en-US" dirty="0" err="1" smtClean="0"/>
+              <a:t>classifed</a:t>
+            </a:r>
             <a:r>
               <a:rPr lang="en-US" dirty="0" smtClean="0"/>
-              <a:t>A good result of 97.5% of right </a:t>
+              <a:t> to few other speaker</a:t>
+            </a:r>
+          </a:p>
+          <a:p>
+            <a:endParaRPr lang="en-US" dirty="0" smtClean="0"/>
+          </a:p>
+          <a:p>
+            <a:r>
+              <a:rPr lang="en-US" dirty="0" smtClean="0"/>
+              <a:t>this categorization we did with all our speaker an come to the conclusion shows in this table </a:t>
+            </a:r>
+          </a:p>
+          <a:p>
+            <a:r>
+              <a:rPr lang="en-US" dirty="0" smtClean="0"/>
+              <a:t>where we can see that the most are </a:t>
             </a:r>
             <a:r>
               <a:rPr lang="en-US" dirty="0" err="1" smtClean="0"/>
-              <a:t>authentificated</a:t>
-            </a:r>
-            <a:r>
-              <a:rPr lang="en-US" baseline="0" dirty="0" smtClean="0"/>
-              <a:t> speakers</a:t>
+              <a:t>sheeps</a:t>
+            </a:r>
+            <a:r>
+              <a:rPr lang="en-US" dirty="0" smtClean="0"/>
+              <a:t> and </a:t>
+            </a:r>
+            <a:r>
+              <a:rPr lang="en-US" dirty="0" err="1" smtClean="0"/>
+              <a:t>easly</a:t>
+            </a:r>
+            <a:r>
+              <a:rPr lang="en-US" dirty="0" smtClean="0"/>
+              <a:t> to accepted by the system</a:t>
+            </a:r>
+          </a:p>
+          <a:p>
+            <a:r>
+              <a:rPr lang="en-US" dirty="0" smtClean="0"/>
+              <a:t>and only 10% shown this unwanted feature</a:t>
             </a:r>
             <a:endParaRPr lang="de-DE" dirty="0"/>
           </a:p>
@@ -4837,7 +4868,188 @@
               <a:pPr>
                 <a:defRPr/>
               </a:pPr>
-              <a:t>12.01.2015</a:t>
+              <a:t>14.01.2015</a:t>
+            </a:fld>
+            <a:endParaRPr lang="de-DE" dirty="0"/>
+          </a:p>
+        </p:txBody>
+      </p:sp>
+      <p:sp>
+        <p:nvSpPr>
+          <p:cNvPr id="5" name="Foliennummernplatzhalter 4"/>
+          <p:cNvSpPr>
+            <a:spLocks noGrp="1"/>
+          </p:cNvSpPr>
+          <p:nvPr>
+            <p:ph type="sldNum" sz="quarter" idx="11"/>
+          </p:nvPr>
+        </p:nvSpPr>
+        <p:spPr/>
+        <p:txBody>
+          <a:bodyPr/>
+          <a:lstStyle/>
+          <a:p>
+            <a:pPr>
+              <a:defRPr/>
+            </a:pPr>
+            <a:fld id="{1184DDCB-7D1B-CB4F-980B-B02904018ECE}" type="slidenum">
+              <a:rPr lang="de-DE" smtClean="0"/>
+              <a:pPr>
+                <a:defRPr/>
+              </a:pPr>
+              <a:t>12</a:t>
+            </a:fld>
+            <a:endParaRPr lang="de-DE" dirty="0"/>
+          </a:p>
+        </p:txBody>
+      </p:sp>
+    </p:spTree>
+    <p:extLst>
+      <p:ext uri="{BB962C8B-B14F-4D97-AF65-F5344CB8AC3E}">
+        <p14:creationId xmlns:p14="http://schemas.microsoft.com/office/powerpoint/2010/main" val="1404781169"/>
+      </p:ext>
+    </p:extLst>
+  </p:cSld>
+  <p:clrMapOvr>
+    <a:masterClrMapping/>
+  </p:clrMapOvr>
+</p:notes>
+</file>
+
+<file path=ppt/notesSlides/notesSlide12.xml><?xml version="1.0" encoding="utf-8"?>
+<p:notes xmlns:a="http://schemas.openxmlformats.org/drawingml/2006/main" xmlns:r="http://schemas.openxmlformats.org/officeDocument/2006/relationships" xmlns:p="http://schemas.openxmlformats.org/presentationml/2006/main">
+  <p:cSld>
+    <p:spTree>
+      <p:nvGrpSpPr>
+        <p:cNvPr id="1" name=""/>
+        <p:cNvGrpSpPr/>
+        <p:nvPr/>
+      </p:nvGrpSpPr>
+      <p:grpSpPr>
+        <a:xfrm>
+          <a:off x="0" y="0"/>
+          <a:ext cx="0" cy="0"/>
+          <a:chOff x="0" y="0"/>
+          <a:chExt cx="0" cy="0"/>
+        </a:xfrm>
+      </p:grpSpPr>
+      <p:sp>
+        <p:nvSpPr>
+          <p:cNvPr id="2" name="Folienbildplatzhalter 1"/>
+          <p:cNvSpPr>
+            <a:spLocks noGrp="1" noRot="1" noChangeAspect="1"/>
+          </p:cNvSpPr>
+          <p:nvPr>
+            <p:ph type="sldImg"/>
+          </p:nvPr>
+        </p:nvSpPr>
+        <p:spPr/>
+      </p:sp>
+      <p:sp>
+        <p:nvSpPr>
+          <p:cNvPr id="3" name="Notizenplatzhalter 2"/>
+          <p:cNvSpPr>
+            <a:spLocks noGrp="1"/>
+          </p:cNvSpPr>
+          <p:nvPr>
+            <p:ph type="body" idx="1"/>
+          </p:nvPr>
+        </p:nvSpPr>
+        <p:spPr/>
+        <p:txBody>
+          <a:bodyPr/>
+          <a:lstStyle/>
+          <a:p>
+            <a:r>
+              <a:rPr lang="en-US" dirty="0" smtClean="0"/>
+              <a:t>what did we learn about </a:t>
+            </a:r>
+            <a:r>
+              <a:rPr lang="en-US" dirty="0" err="1" smtClean="0"/>
+              <a:t>skeaper</a:t>
+            </a:r>
+            <a:r>
+              <a:rPr lang="en-US" dirty="0" smtClean="0"/>
+              <a:t> recognition in our project?</a:t>
+            </a:r>
+          </a:p>
+          <a:p>
+            <a:r>
+              <a:rPr lang="en-US" dirty="0" smtClean="0"/>
+              <a:t>even with a non optimal database</a:t>
+            </a:r>
+          </a:p>
+          <a:p>
+            <a:r>
+              <a:rPr lang="en-US" b="1" dirty="0" smtClean="0"/>
+              <a:t>but</a:t>
+            </a:r>
+            <a:r>
+              <a:rPr lang="en-US" dirty="0" smtClean="0"/>
+              <a:t> </a:t>
+            </a:r>
+          </a:p>
+          <a:p>
+            <a:r>
+              <a:rPr lang="en-US" dirty="0" smtClean="0"/>
+              <a:t>with the right tools, feature extraction and classification</a:t>
+            </a:r>
+          </a:p>
+          <a:p>
+            <a:r>
+              <a:rPr lang="en-US" dirty="0" smtClean="0"/>
+              <a:t>We could accomplish </a:t>
+            </a:r>
+          </a:p>
+          <a:p>
+            <a:r>
+              <a:rPr lang="en-US" dirty="0" smtClean="0"/>
+              <a:t>A good result of </a:t>
+            </a:r>
+            <a:r>
+              <a:rPr lang="en-US" dirty="0" smtClean="0"/>
+              <a:t>96.68% </a:t>
+            </a:r>
+            <a:r>
+              <a:rPr lang="en-US" dirty="0" smtClean="0"/>
+              <a:t>of right </a:t>
+            </a:r>
+            <a:r>
+              <a:rPr lang="en-US" dirty="0" err="1" smtClean="0"/>
+              <a:t>authentificated</a:t>
+            </a:r>
+            <a:r>
+              <a:rPr lang="en-US" baseline="0" dirty="0" smtClean="0"/>
+              <a:t> speakers</a:t>
+            </a:r>
+            <a:endParaRPr lang="de-DE" dirty="0"/>
+          </a:p>
+        </p:txBody>
+      </p:sp>
+      <p:sp>
+        <p:nvSpPr>
+          <p:cNvPr id="4" name="Datumsplatzhalter 3"/>
+          <p:cNvSpPr>
+            <a:spLocks noGrp="1"/>
+          </p:cNvSpPr>
+          <p:nvPr>
+            <p:ph type="dt" idx="10"/>
+          </p:nvPr>
+        </p:nvSpPr>
+        <p:spPr/>
+        <p:txBody>
+          <a:bodyPr/>
+          <a:lstStyle/>
+          <a:p>
+            <a:pPr>
+              <a:defRPr/>
+            </a:pPr>
+            <a:fld id="{BB20452E-8883-5147-AA9D-6D93D27285EC}" type="datetime1">
+              <a:rPr lang="de-DE" smtClean="0"/>
+              <a:pPr>
+                <a:defRPr/>
+              </a:pPr>
+              <a:t>14.01.2015</a:t>
             </a:fld>
             <a:endParaRPr lang="de-DE" dirty="0"/>
           </a:p>
@@ -4929,7 +5141,58 @@
           <a:bodyPr/>
           <a:lstStyle/>
           <a:p>
-            <a:endParaRPr lang="de-DE" dirty="0"/>
+            <a:r>
+              <a:rPr lang="de-DE" dirty="0" err="1" smtClean="0"/>
+              <a:t>We</a:t>
+            </a:r>
+            <a:r>
+              <a:rPr lang="de-DE" dirty="0" smtClean="0"/>
+              <a:t> </a:t>
+            </a:r>
+            <a:r>
+              <a:rPr lang="de-DE" dirty="0" err="1" smtClean="0"/>
+              <a:t>used</a:t>
+            </a:r>
+            <a:r>
+              <a:rPr lang="de-DE" dirty="0" smtClean="0"/>
+              <a:t> </a:t>
+            </a:r>
+            <a:r>
+              <a:rPr lang="de-DE" dirty="0" err="1" smtClean="0"/>
+              <a:t>database</a:t>
+            </a:r>
+            <a:endParaRPr lang="de-DE" dirty="0" smtClean="0"/>
+          </a:p>
+          <a:p>
+            <a:r>
+              <a:rPr lang="de-DE" dirty="0" err="1" smtClean="0"/>
+              <a:t>We</a:t>
+            </a:r>
+            <a:r>
+              <a:rPr lang="de-DE" dirty="0" smtClean="0"/>
+              <a:t> </a:t>
+            </a:r>
+            <a:r>
+              <a:rPr lang="de-DE" dirty="0" err="1" smtClean="0"/>
+              <a:t>compared</a:t>
+            </a:r>
+            <a:r>
+              <a:rPr lang="de-DE" dirty="0" smtClean="0"/>
+              <a:t> </a:t>
+            </a:r>
+            <a:r>
+              <a:rPr lang="de-DE" dirty="0" err="1" smtClean="0"/>
+              <a:t>our</a:t>
+            </a:r>
+            <a:r>
+              <a:rPr lang="de-DE" dirty="0" smtClean="0"/>
+              <a:t> </a:t>
+            </a:r>
+            <a:r>
+              <a:rPr lang="de-DE" dirty="0" err="1" smtClean="0"/>
+              <a:t>results</a:t>
+            </a:r>
+            <a:endParaRPr lang="de-DE" dirty="0" smtClean="0"/>
           </a:p>
         </p:txBody>
       </p:sp>
@@ -4956,7 +5219,7 @@
               <a:pPr>
                 <a:defRPr/>
               </a:pPr>
-              <a:t>12.01.2015</a:t>
+              <a:t>14.01.2015</a:t>
             </a:fld>
             <a:endParaRPr lang="de-DE" dirty="0"/>
           </a:p>
@@ -5124,7 +5387,7 @@
               <a:pPr>
                 <a:defRPr/>
               </a:pPr>
-              <a:t>12.01.2015</a:t>
+              <a:t>14.01.2015</a:t>
             </a:fld>
             <a:endParaRPr lang="de-DE" dirty="0"/>
           </a:p>
@@ -5322,7 +5585,7 @@
               <a:pPr>
                 <a:defRPr/>
               </a:pPr>
-              <a:t>12.01.2015</a:t>
+              <a:t>14.01.2015</a:t>
             </a:fld>
             <a:endParaRPr lang="de-DE" dirty="0"/>
           </a:p>
@@ -5465,7 +5728,7 @@
               <a:pPr>
                 <a:defRPr/>
               </a:pPr>
-              <a:t>12.01.2015</a:t>
+              <a:t>14.01.2015</a:t>
             </a:fld>
             <a:endParaRPr lang="de-DE" dirty="0"/>
           </a:p>
@@ -5629,7 +5892,7 @@
               <a:pPr>
                 <a:defRPr/>
               </a:pPr>
-              <a:t>12.01.2015</a:t>
+              <a:t>14.01.2015</a:t>
             </a:fld>
             <a:endParaRPr lang="de-DE" dirty="0"/>
           </a:p>
@@ -5845,7 +6108,7 @@
               <a:pPr>
                 <a:defRPr/>
               </a:pPr>
-              <a:t>12.01.2015</a:t>
+              <a:t>14.01.2015</a:t>
             </a:fld>
             <a:endParaRPr lang="de-DE" dirty="0"/>
           </a:p>
@@ -6480,7 +6743,7 @@
               <a:pPr>
                 <a:defRPr/>
               </a:pPr>
-              <a:t>12.01.2015</a:t>
+              <a:t>14.01.2015</a:t>
             </a:fld>
             <a:endParaRPr lang="de-DE" dirty="0"/>
           </a:p>
@@ -6573,49 +6836,270 @@
           <a:lstStyle/>
           <a:p>
             <a:r>
-              <a:rPr lang="en-US" dirty="0" smtClean="0"/>
-              <a:t>here we see all samples </a:t>
-            </a:r>
-          </a:p>
-          <a:p>
-            <a:r>
-              <a:rPr lang="en-US" dirty="0" smtClean="0"/>
-              <a:t>and where they were classified</a:t>
-            </a:r>
-          </a:p>
-          <a:p>
-            <a:endParaRPr lang="en-US" dirty="0" smtClean="0"/>
-          </a:p>
-          <a:p>
-            <a:r>
-              <a:rPr lang="en-US" dirty="0" smtClean="0"/>
-              <a:t>we also see that the classification is result is good because the majority of the sample lie on the diagonal of the matrix</a:t>
-            </a:r>
-          </a:p>
-          <a:p>
-            <a:endParaRPr lang="en-US" dirty="0" smtClean="0"/>
-          </a:p>
-          <a:p>
-            <a:r>
-              <a:rPr lang="en-US" dirty="0" smtClean="0"/>
-              <a:t>on a closer look we see that</a:t>
-            </a:r>
-          </a:p>
-          <a:p>
-            <a:r>
-              <a:rPr lang="en-US" dirty="0" smtClean="0"/>
-              <a:t>some speaker were much harder to identified as other were almost all sample were right classified</a:t>
-            </a:r>
-          </a:p>
-          <a:p>
-            <a:endParaRPr lang="en-US" dirty="0" smtClean="0"/>
-          </a:p>
-          <a:p>
-            <a:r>
-              <a:rPr lang="en-US" dirty="0" smtClean="0"/>
-              <a:t>we come to our last topic</a:t>
-            </a:r>
-            <a:endParaRPr lang="de-DE" dirty="0"/>
+              <a:rPr lang="de-DE" dirty="0" err="1" smtClean="0"/>
+              <a:t>To</a:t>
+            </a:r>
+            <a:r>
+              <a:rPr lang="de-DE" dirty="0" smtClean="0"/>
+              <a:t> </a:t>
+            </a:r>
+            <a:r>
+              <a:rPr lang="de-DE" dirty="0" err="1" smtClean="0"/>
+              <a:t>explain</a:t>
+            </a:r>
+            <a:r>
+              <a:rPr lang="de-DE" dirty="0" smtClean="0"/>
+              <a:t> </a:t>
+            </a:r>
+            <a:r>
+              <a:rPr lang="de-DE" dirty="0" err="1" smtClean="0"/>
+              <a:t>out</a:t>
+            </a:r>
+            <a:r>
+              <a:rPr lang="de-DE" baseline="0" dirty="0" err="1" smtClean="0"/>
+              <a:t>r</a:t>
+            </a:r>
+            <a:r>
+              <a:rPr lang="de-DE" baseline="0" dirty="0" smtClean="0"/>
+              <a:t> </a:t>
+            </a:r>
+            <a:r>
+              <a:rPr lang="de-DE" baseline="0" dirty="0" err="1" smtClean="0"/>
+              <a:t>result</a:t>
+            </a:r>
+            <a:r>
+              <a:rPr lang="de-DE" baseline="0" dirty="0" smtClean="0"/>
+              <a:t> </a:t>
+            </a:r>
+          </a:p>
+          <a:p>
+            <a:r>
+              <a:rPr lang="de-DE" baseline="0" dirty="0" smtClean="0"/>
+              <a:t>I </a:t>
+            </a:r>
+            <a:r>
+              <a:rPr lang="de-DE" baseline="0" dirty="0" err="1" smtClean="0"/>
+              <a:t>want</a:t>
+            </a:r>
+            <a:r>
+              <a:rPr lang="de-DE" baseline="0" dirty="0" smtClean="0"/>
+              <a:t> </a:t>
+            </a:r>
+            <a:r>
+              <a:rPr lang="de-DE" baseline="0" dirty="0" err="1" smtClean="0"/>
+              <a:t>to</a:t>
+            </a:r>
+            <a:r>
+              <a:rPr lang="de-DE" baseline="0" dirty="0" smtClean="0"/>
+              <a:t> </a:t>
+            </a:r>
+            <a:r>
+              <a:rPr lang="de-DE" baseline="0" dirty="0" err="1" smtClean="0"/>
+              <a:t>draw</a:t>
+            </a:r>
+            <a:r>
+              <a:rPr lang="de-DE" baseline="0" dirty="0" smtClean="0"/>
+              <a:t> </a:t>
+            </a:r>
+            <a:r>
+              <a:rPr lang="de-DE" baseline="0" dirty="0" err="1" smtClean="0"/>
+              <a:t>attention</a:t>
+            </a:r>
+            <a:r>
+              <a:rPr lang="de-DE" baseline="0" dirty="0" smtClean="0"/>
+              <a:t> </a:t>
+            </a:r>
+            <a:r>
+              <a:rPr lang="de-DE" baseline="0" dirty="0" err="1" smtClean="0"/>
+              <a:t>to</a:t>
+            </a:r>
+            <a:r>
+              <a:rPr lang="de-DE" baseline="0" dirty="0" smtClean="0"/>
+              <a:t> </a:t>
+            </a:r>
+            <a:r>
+              <a:rPr lang="de-DE" baseline="0" dirty="0" err="1" smtClean="0"/>
+              <a:t>our</a:t>
+            </a:r>
+            <a:r>
+              <a:rPr lang="de-DE" baseline="0" dirty="0" smtClean="0"/>
+              <a:t> </a:t>
+            </a:r>
+            <a:r>
+              <a:rPr lang="de-DE" baseline="0" dirty="0" err="1" smtClean="0"/>
+              <a:t>task</a:t>
+            </a:r>
+            <a:r>
+              <a:rPr lang="de-DE" baseline="0" dirty="0" smtClean="0"/>
+              <a:t> </a:t>
+            </a:r>
+            <a:r>
+              <a:rPr lang="de-DE" baseline="0" dirty="0" err="1" smtClean="0"/>
+              <a:t>of</a:t>
+            </a:r>
+            <a:r>
+              <a:rPr lang="de-DE" baseline="0" dirty="0" smtClean="0"/>
+              <a:t> </a:t>
+            </a:r>
+            <a:r>
+              <a:rPr lang="de-DE" baseline="0" dirty="0" err="1" smtClean="0"/>
+              <a:t>closed</a:t>
+            </a:r>
+            <a:r>
+              <a:rPr lang="de-DE" baseline="0" dirty="0" smtClean="0"/>
+              <a:t> </a:t>
+            </a:r>
+            <a:r>
+              <a:rPr lang="de-DE" baseline="0" dirty="0" err="1" smtClean="0"/>
+              <a:t>set</a:t>
+            </a:r>
+            <a:r>
+              <a:rPr lang="de-DE" baseline="0" dirty="0" smtClean="0"/>
+              <a:t> </a:t>
+            </a:r>
+            <a:r>
+              <a:rPr lang="de-DE" baseline="0" dirty="0" err="1" smtClean="0"/>
+              <a:t>authentication</a:t>
+            </a:r>
+            <a:endParaRPr lang="de-DE" baseline="0" dirty="0" smtClean="0"/>
+          </a:p>
+          <a:p>
+            <a:r>
+              <a:rPr lang="de-DE" baseline="0" dirty="0" err="1" smtClean="0"/>
+              <a:t>And</a:t>
+            </a:r>
+            <a:r>
+              <a:rPr lang="de-DE" baseline="0" dirty="0" smtClean="0"/>
+              <a:t> </a:t>
+            </a:r>
+            <a:r>
+              <a:rPr lang="de-DE" baseline="0" dirty="0" err="1" smtClean="0"/>
+              <a:t>how</a:t>
+            </a:r>
+            <a:r>
+              <a:rPr lang="de-DE" baseline="0" dirty="0" smtClean="0"/>
+              <a:t> </a:t>
+            </a:r>
+            <a:r>
+              <a:rPr lang="de-DE" baseline="0" dirty="0" err="1" smtClean="0"/>
+              <a:t>does</a:t>
+            </a:r>
+            <a:r>
+              <a:rPr lang="de-DE" baseline="0" dirty="0" smtClean="0"/>
+              <a:t> </a:t>
+            </a:r>
+            <a:r>
+              <a:rPr lang="de-DE" baseline="0" dirty="0" err="1" smtClean="0"/>
+              <a:t>this</a:t>
+            </a:r>
+            <a:r>
+              <a:rPr lang="de-DE" baseline="0" dirty="0" smtClean="0"/>
+              <a:t> </a:t>
+            </a:r>
+            <a:r>
+              <a:rPr lang="de-DE" baseline="0" dirty="0" err="1" smtClean="0"/>
+              <a:t>affect</a:t>
+            </a:r>
+            <a:r>
+              <a:rPr lang="de-DE" baseline="0" dirty="0" smtClean="0"/>
+              <a:t> </a:t>
+            </a:r>
+            <a:r>
+              <a:rPr lang="de-DE" baseline="0" dirty="0" err="1" smtClean="0"/>
+              <a:t>our</a:t>
+            </a:r>
+            <a:r>
+              <a:rPr lang="de-DE" baseline="0" dirty="0" smtClean="0"/>
+              <a:t> </a:t>
+            </a:r>
+            <a:r>
+              <a:rPr lang="de-DE" baseline="0" dirty="0" err="1" smtClean="0"/>
+              <a:t>work</a:t>
+            </a:r>
+            <a:endParaRPr lang="de-DE" baseline="0" dirty="0" smtClean="0"/>
+          </a:p>
+          <a:p>
+            <a:r>
+              <a:rPr lang="de-DE" baseline="0" dirty="0" smtClean="0"/>
+              <a:t>…</a:t>
+            </a:r>
+            <a:r>
+              <a:rPr lang="de-DE" baseline="0" dirty="0" err="1" smtClean="0"/>
+              <a:t>slides</a:t>
+            </a:r>
+            <a:r>
+              <a:rPr lang="de-DE" baseline="0" dirty="0" smtClean="0"/>
+              <a:t>…</a:t>
+            </a:r>
+          </a:p>
+          <a:p>
+            <a:endParaRPr lang="de-DE" baseline="0" dirty="0" smtClean="0"/>
+          </a:p>
+          <a:p>
+            <a:endParaRPr lang="de-DE" baseline="0" dirty="0" smtClean="0"/>
+          </a:p>
+          <a:p>
+            <a:r>
+              <a:rPr lang="de-DE" baseline="0" dirty="0" err="1" smtClean="0"/>
+              <a:t>Result</a:t>
+            </a:r>
+            <a:r>
+              <a:rPr lang="de-DE" baseline="0" dirty="0" smtClean="0"/>
+              <a:t>: </a:t>
+            </a:r>
+            <a:r>
+              <a:rPr lang="de-DE" baseline="0" dirty="0" err="1" smtClean="0"/>
+              <a:t>no</a:t>
+            </a:r>
+            <a:r>
+              <a:rPr lang="de-DE" baseline="0" dirty="0" smtClean="0"/>
+              <a:t> </a:t>
+            </a:r>
+            <a:r>
+              <a:rPr lang="de-DE" baseline="0" dirty="0" err="1" smtClean="0"/>
+              <a:t>significant</a:t>
+            </a:r>
+            <a:r>
+              <a:rPr lang="de-DE" baseline="0" dirty="0" smtClean="0"/>
+              <a:t> </a:t>
+            </a:r>
+            <a:r>
+              <a:rPr lang="de-DE" baseline="0" dirty="0" err="1" smtClean="0"/>
+              <a:t>difference</a:t>
+            </a:r>
+            <a:r>
+              <a:rPr lang="de-DE" baseline="0" dirty="0" smtClean="0"/>
+              <a:t> </a:t>
+            </a:r>
+            <a:r>
+              <a:rPr lang="de-DE" baseline="0" dirty="0" err="1" smtClean="0"/>
+              <a:t>between</a:t>
+            </a:r>
+            <a:r>
+              <a:rPr lang="de-DE" baseline="0" dirty="0" smtClean="0"/>
+              <a:t> </a:t>
+            </a:r>
+            <a:r>
+              <a:rPr lang="de-DE" baseline="0" dirty="0" err="1" smtClean="0"/>
+              <a:t>the</a:t>
+            </a:r>
+            <a:r>
+              <a:rPr lang="de-DE" baseline="0" dirty="0" smtClean="0"/>
+              <a:t> male/</a:t>
+            </a:r>
+            <a:r>
+              <a:rPr lang="de-DE" baseline="0" dirty="0" err="1" smtClean="0"/>
+              <a:t>female</a:t>
+            </a:r>
+            <a:r>
+              <a:rPr lang="de-DE" baseline="0" dirty="0" smtClean="0"/>
+              <a:t> </a:t>
+            </a:r>
+            <a:r>
+              <a:rPr lang="de-DE" baseline="0" dirty="0" err="1" smtClean="0"/>
+              <a:t>set</a:t>
+            </a:r>
+            <a:endParaRPr lang="de-DE" baseline="0" dirty="0" smtClean="0"/>
           </a:p>
         </p:txBody>
       </p:sp>
@@ -6642,7 +7126,7 @@
               <a:pPr>
                 <a:defRPr/>
               </a:pPr>
-              <a:t>12.01.2015</a:t>
+              <a:t>14.01.2015</a:t>
             </a:fld>
             <a:endParaRPr lang="de-DE" dirty="0"/>
           </a:p>
@@ -6671,7 +7155,7 @@
               <a:pPr>
                 <a:defRPr/>
               </a:pPr>
-              <a:t>11</a:t>
+              <a:t>10</a:t>
             </a:fld>
             <a:endParaRPr lang="de-DE" dirty="0"/>
           </a:p>
@@ -6680,7 +7164,7 @@
     </p:spTree>
     <p:extLst>
       <p:ext uri="{BB962C8B-B14F-4D97-AF65-F5344CB8AC3E}">
-        <p14:creationId xmlns:p14="http://schemas.microsoft.com/office/powerpoint/2010/main" val="4078180298"/>
+        <p14:creationId xmlns:p14="http://schemas.microsoft.com/office/powerpoint/2010/main" val="1217578304"/>
       </p:ext>
     </p:extLst>
   </p:cSld>
@@ -6722,7 +7206,6 @@
       </p:par>
     </p:tnLst>
   </p:timing>
-  <p:hf sldNum="0" hdr="0" ftr="0" dt="0"/>
 </p:sldLayout>
 </file>
 
@@ -6952,9 +7435,14 @@
   <p:clrMapOvr>
     <a:masterClrMapping/>
   </p:clrMapOvr>
-  <p:transition spd="slow" advClick="0" advTm="4000">
-    <p:fade/>
-  </p:transition>
+  <mc:AlternateContent xmlns:mc="http://schemas.openxmlformats.org/markup-compatibility/2006">
+    <mc:Choice xmlns:p14="http://schemas.microsoft.com/office/powerpoint/2010/main" Requires="p14">
+      <p:transition p14:dur="10" advClick="0" advTm="4000"/>
+    </mc:Choice>
+    <mc:Fallback>
+      <p:transition advClick="0" advTm="4000"/>
+    </mc:Fallback>
+  </mc:AlternateContent>
   <p:timing>
     <p:tnLst>
       <p:par>
@@ -9299,6 +9787,7 @@
       </p:par>
     </p:tnLst>
   </p:timing>
+  <p:hf sldNum="0" hdr="0" ftr="0" dt="0"/>
   <p:txStyles>
     <p:titleStyle>
       <a:lvl1pPr algn="l" defTabSz="838200" rtl="0" eaLnBrk="1" fontAlgn="base" hangingPunct="1">
@@ -10122,9 +10611,14 @@
   <p:clrMapOvr>
     <a:masterClrMapping/>
   </p:clrMapOvr>
-  <p:transition spd="slow" advClick="0" advTm="4000">
-    <p:fade/>
-  </p:transition>
+  <mc:AlternateContent xmlns:mc="http://schemas.openxmlformats.org/markup-compatibility/2006" xmlns:p14="http://schemas.microsoft.com/office/powerpoint/2010/main">
+    <mc:Choice Requires="p14">
+      <p:transition p14:dur="0" advClick="0" advTm="4000"/>
+    </mc:Choice>
+    <mc:Fallback xmlns="">
+      <p:transition advClick="0" advTm="4000"/>
+    </mc:Fallback>
+  </mc:AlternateContent>
   <p:timing>
     <p:tnLst>
       <p:par>
@@ -10167,49 +10661,128 @@
           <a:bodyPr/>
           <a:lstStyle/>
           <a:p>
-            <a:r>
-              <a:rPr lang="en-US" dirty="0" err="1" smtClean="0"/>
-              <a:t>Unterschied</a:t>
+            <a:pPr marL="350520" indent="0">
+              <a:buNone/>
+            </a:pPr>
+            <a:endParaRPr lang="en-US" dirty="0" smtClean="0"/>
+          </a:p>
+          <a:p>
+            <a:pPr marL="350520" indent="0">
+              <a:buNone/>
+            </a:pPr>
+            <a:endParaRPr lang="en-US" dirty="0" smtClean="0"/>
+          </a:p>
+          <a:p>
+            <a:pPr marL="350520" indent="0">
+              <a:buNone/>
+            </a:pPr>
+            <a:r>
+              <a:rPr lang="en-US" b="1" dirty="0" smtClean="0"/>
+              <a:t>Task</a:t>
             </a:r>
             <a:r>
               <a:rPr lang="en-US" dirty="0" smtClean="0"/>
-              <a:t> samples recordings</a:t>
-            </a:r>
-          </a:p>
-          <a:p>
-            <a:endParaRPr lang="en-US" dirty="0"/>
-          </a:p>
-          <a:p>
+              <a:t>: closed</a:t>
+            </a:r>
             <a:r>
               <a:rPr lang="en-US" dirty="0" smtClean="0"/>
-              <a:t>Speaker </a:t>
-            </a:r>
+              <a:t> speaker recognition</a:t>
+            </a:r>
+          </a:p>
+          <a:p>
+            <a:pPr marL="350520" indent="0">
+              <a:buNone/>
+            </a:pPr>
+            <a:r>
+              <a:rPr lang="en-US" dirty="0" smtClean="0"/>
+              <a:t>	- no rejection scheme</a:t>
+            </a:r>
+          </a:p>
+          <a:p>
+            <a:pPr marL="350520" indent="0">
+              <a:buNone/>
+            </a:pPr>
+            <a:r>
+              <a:rPr lang="en-US" dirty="0" smtClean="0"/>
+              <a:t>	- no acceptance threshold</a:t>
+            </a:r>
+          </a:p>
+          <a:p>
+            <a:pPr marL="350520" indent="0">
+              <a:buNone/>
+            </a:pPr>
+            <a:r>
+              <a:rPr lang="en-US" smtClean="0"/>
+              <a:t>	</a:t>
+            </a:r>
+            <a:endParaRPr lang="en-US" dirty="0" smtClean="0"/>
+          </a:p>
+          <a:p>
+            <a:pPr marL="350520" indent="0">
+              <a:buNone/>
+            </a:pPr>
+            <a:r>
+              <a:rPr lang="en-US" b="1" dirty="0" smtClean="0"/>
+              <a:t>Only need</a:t>
+            </a:r>
+            <a:r>
+              <a:rPr lang="en-US" dirty="0" smtClean="0"/>
+              <a:t>:</a:t>
+            </a:r>
+          </a:p>
+          <a:p>
+            <a:pPr marL="350520" indent="0">
+              <a:buNone/>
+            </a:pPr>
             <a:r>
               <a:rPr lang="en-US" dirty="0"/>
-              <a:t>is correct classified, if the majority of samples of one recording is correct </a:t>
+              <a:t>	</a:t>
             </a:r>
             <a:r>
               <a:rPr lang="en-US" dirty="0" smtClean="0"/>
-              <a:t>classified</a:t>
-            </a:r>
-            <a:endParaRPr lang="de-DE" dirty="0" smtClean="0"/>
-          </a:p>
-          <a:p>
-            <a:endParaRPr lang="de-DE" dirty="0" smtClean="0"/>
-          </a:p>
-          <a:p>
-            <a:r>
-              <a:rPr lang="de-DE" dirty="0" smtClean="0"/>
-              <a:t>Tabelle vergleich </a:t>
-            </a:r>
-            <a:r>
-              <a:rPr lang="de-DE" dirty="0" err="1" smtClean="0"/>
-              <a:t>Hyke</a:t>
-            </a:r>
-            <a:r>
-              <a:rPr lang="de-DE" dirty="0" smtClean="0"/>
-              <a:t> vs. unser Ergebnis</a:t>
-            </a:r>
+              <a:t>- closest match, witch means the majority of samples</a:t>
+            </a:r>
+          </a:p>
+          <a:p>
+            <a:pPr marL="350520" indent="0">
+              <a:buNone/>
+            </a:pPr>
+            <a:endParaRPr lang="en-US" dirty="0" smtClean="0"/>
+          </a:p>
+          <a:p>
+            <a:pPr marL="350520" indent="0">
+              <a:buNone/>
+            </a:pPr>
+            <a:r>
+              <a:rPr lang="en-US" b="1" dirty="0" smtClean="0"/>
+              <a:t>Result</a:t>
+            </a:r>
+            <a:r>
+              <a:rPr lang="en-US" dirty="0" smtClean="0"/>
+              <a:t>: </a:t>
+            </a:r>
+          </a:p>
+          <a:p>
+            <a:pPr marL="350520" indent="0">
+              <a:buNone/>
+            </a:pPr>
+            <a:r>
+              <a:rPr lang="en-US" dirty="0"/>
+              <a:t>	</a:t>
+            </a:r>
+            <a:r>
+              <a:rPr lang="en-US" dirty="0" smtClean="0"/>
+              <a:t>- 96,68 % </a:t>
+            </a:r>
+            <a:r>
+              <a:rPr lang="en-US" dirty="0"/>
+              <a:t>correctly  </a:t>
+            </a:r>
+            <a:r>
+              <a:rPr lang="en-US" dirty="0" smtClean="0"/>
+              <a:t>authenticated</a:t>
+            </a:r>
+            <a:endParaRPr lang="en-US" dirty="0" smtClean="0"/>
           </a:p>
         </p:txBody>
       </p:sp>
@@ -10229,26 +10802,10 @@
           <a:lstStyle/>
           <a:p>
             <a:r>
-              <a:rPr lang="de-DE" dirty="0" err="1" smtClean="0"/>
-              <a:t>Result</a:t>
-            </a:r>
-            <a:r>
-              <a:rPr lang="de-DE" dirty="0"/>
-              <a:t> </a:t>
-            </a:r>
-            <a:r>
-              <a:rPr lang="de-DE" dirty="0" err="1" smtClean="0"/>
-              <a:t>of</a:t>
-            </a:r>
-            <a:r>
-              <a:rPr lang="de-DE" dirty="0" smtClean="0"/>
-              <a:t> </a:t>
-            </a:r>
-            <a:r>
-              <a:rPr lang="de-DE" dirty="0" err="1" smtClean="0"/>
-              <a:t>classification</a:t>
-            </a:r>
-            <a:endParaRPr lang="de-DE" dirty="0"/>
+              <a:rPr lang="en-US" dirty="0" smtClean="0"/>
+              <a:t>Result of classification</a:t>
+            </a:r>
+            <a:endParaRPr lang="en-US" dirty="0"/>
           </a:p>
         </p:txBody>
       </p:sp>
@@ -10260,7 +10817,7 @@
         </p:nvSpPr>
         <p:spPr>
           <a:xfrm>
-            <a:off x="-9361" y="5373216"/>
+            <a:off x="467544" y="4957716"/>
             <a:ext cx="8274438" cy="830997"/>
           </a:xfrm>
           <a:prstGeom prst="rect">
@@ -10300,9 +10857,21 @@
   <p:clrMapOvr>
     <a:masterClrMapping/>
   </p:clrMapOvr>
-  <p:transition spd="slow" advClick="0" advTm="4000">
-    <p:fade/>
-  </p:transition>
+  <mc:AlternateContent xmlns:mc="http://schemas.openxmlformats.org/markup-compatibility/2006">
+    <mc:Choice xmlns:p14="http://schemas.microsoft.com/office/powerpoint/2010/main" Requires="p14">
+      <p:transition p14:dur="10" advClick="0" advTm="4000"/>
+    </mc:Choice>
+    <mc:Fallback>
+      <p:transition advClick="0" advTm="4000"/>
+    </mc:Fallback>
+  </mc:AlternateContent>
+  <p:timing>
+    <p:tnLst>
+      <p:par>
+        <p:cTn id="1" dur="indefinite" restart="never" nodeType="tmRoot"/>
+      </p:par>
+    </p:tnLst>
+  </p:timing>
 </p:sld>
 </file>
 
@@ -10401,9 +10970,14 @@
   <p:clrMapOvr>
     <a:masterClrMapping/>
   </p:clrMapOvr>
-  <p:transition spd="slow" advClick="0" advTm="4000">
-    <p:fade/>
-  </p:transition>
+  <mc:AlternateContent xmlns:mc="http://schemas.openxmlformats.org/markup-compatibility/2006">
+    <mc:Choice xmlns:p14="http://schemas.microsoft.com/office/powerpoint/2010/main" Requires="p14">
+      <p:transition p14:dur="10" advClick="0" advTm="4000"/>
+    </mc:Choice>
+    <mc:Fallback>
+      <p:transition advClick="0" advTm="4000"/>
+    </mc:Fallback>
+  </mc:AlternateContent>
   <p:timing>
     <p:tnLst>
       <p:par>
@@ -10564,7 +11138,7 @@
           <p:nvPr>
             <p:extLst>
               <p:ext uri="{D42A27DB-BD31-4B8C-83A1-F6EECF244321}">
-                <p14:modId xmlns:p14="http://schemas.microsoft.com/office/powerpoint/2010/main" val="1656331796"/>
+                <p14:modId xmlns:p14="http://schemas.microsoft.com/office/powerpoint/2010/main" val="3527389672"/>
               </p:ext>
             </p:extLst>
           </p:nvPr>
@@ -10635,7 +11209,7 @@
                     <a:p>
                       <a:r>
                         <a:rPr lang="de-DE" dirty="0" smtClean="0"/>
-                        <a:t>90%</a:t>
+                        <a:t>93,36%</a:t>
                       </a:r>
                       <a:endParaRPr lang="de-DE" dirty="0"/>
                     </a:p>
@@ -10665,7 +11239,7 @@
                     <a:p>
                       <a:r>
                         <a:rPr lang="de-DE" dirty="0" smtClean="0"/>
-                        <a:t>5%</a:t>
+                        <a:t>3,32%</a:t>
                       </a:r>
                       <a:endParaRPr lang="de-DE" dirty="0"/>
                     </a:p>
@@ -10695,7 +11269,7 @@
                     <a:p>
                       <a:r>
                         <a:rPr lang="de-DE" dirty="0" smtClean="0"/>
-                        <a:t>2,5%</a:t>
+                        <a:t>1,66%</a:t>
                       </a:r>
                       <a:endParaRPr lang="de-DE" dirty="0"/>
                     </a:p>
@@ -10725,7 +11299,7 @@
                     <a:p>
                       <a:r>
                         <a:rPr lang="de-DE" dirty="0" smtClean="0"/>
-                        <a:t>2,5%</a:t>
+                        <a:t>1,66%</a:t>
                       </a:r>
                       <a:endParaRPr lang="de-DE" dirty="0"/>
                     </a:p>
@@ -10747,9 +11321,14 @@
   <p:clrMapOvr>
     <a:masterClrMapping/>
   </p:clrMapOvr>
-  <p:transition spd="slow" advClick="0" advTm="4000">
-    <p:fade/>
-  </p:transition>
+  <mc:AlternateContent xmlns:mc="http://schemas.openxmlformats.org/markup-compatibility/2006">
+    <mc:Choice xmlns:p14="http://schemas.microsoft.com/office/powerpoint/2010/main" Requires="p14">
+      <p:transition p14:dur="10" advClick="0" advTm="4000"/>
+    </mc:Choice>
+    <mc:Fallback>
+      <p:transition advClick="0" advTm="4000"/>
+    </mc:Fallback>
+  </mc:AlternateContent>
   <p:timing>
     <p:tnLst>
       <p:par>
@@ -10862,8 +11441,39 @@
           <a:p>
             <a:r>
               <a:rPr lang="en-US" sz="2400" dirty="0" smtClean="0"/>
-              <a:t>97,5% authentication rate</a:t>
-            </a:r>
+              <a:t>96,68% </a:t>
+            </a:r>
+            <a:r>
+              <a:rPr lang="en-US" sz="2400" dirty="0" smtClean="0"/>
+              <a:t>authentication </a:t>
+            </a:r>
+            <a:r>
+              <a:rPr lang="en-US" sz="2400" dirty="0" smtClean="0"/>
+              <a:t>rate</a:t>
+            </a:r>
+          </a:p>
+          <a:p>
+            <a:r>
+              <a:rPr lang="en-US" sz="2400" dirty="0" smtClean="0"/>
+              <a:t>Successfully projection of </a:t>
+            </a:r>
+            <a:r>
+              <a:rPr lang="en-US" sz="2400" dirty="0"/>
+              <a:t>‘</a:t>
+            </a:r>
+            <a:r>
+              <a:rPr lang="en-US" sz="2400" dirty="0" err="1"/>
+              <a:t>Doddingtons</a:t>
+            </a:r>
+            <a:r>
+              <a:rPr lang="en-US" sz="2400" dirty="0"/>
+              <a:t> Zoo</a:t>
+            </a:r>
+            <a:r>
+              <a:rPr lang="en-US" sz="2400" dirty="0" smtClean="0"/>
+              <a:t>’</a:t>
+            </a:r>
+            <a:endParaRPr lang="en-US" sz="2400" dirty="0" smtClean="0"/>
           </a:p>
           <a:p>
             <a:endParaRPr lang="de-DE" sz="2400" dirty="0" smtClean="0"/>
@@ -10910,9 +11520,14 @@
   <p:clrMapOvr>
     <a:masterClrMapping/>
   </p:clrMapOvr>
-  <p:transition spd="slow" advClick="0" advTm="4000">
-    <p:fade/>
-  </p:transition>
+  <mc:AlternateContent xmlns:mc="http://schemas.openxmlformats.org/markup-compatibility/2006">
+    <mc:Choice xmlns:p14="http://schemas.microsoft.com/office/powerpoint/2010/main" Requires="p14">
+      <p:transition p14:dur="10" advClick="0" advTm="4000"/>
+    </mc:Choice>
+    <mc:Fallback>
+      <p:transition advClick="0" advTm="4000"/>
+    </mc:Fallback>
+  </mc:AlternateContent>
   <p:timing>
     <p:tnLst>
       <p:par>
@@ -11458,20 +12073,28 @@
             <a:pPr marL="350520" indent="0">
               <a:buNone/>
             </a:pPr>
-            <a:endParaRPr lang="en-US" sz="2000" dirty="0"/>
+            <a:endParaRPr lang="en-US" sz="2000" dirty="0" smtClean="0"/>
           </a:p>
           <a:p>
             <a:pPr marL="350520" indent="0">
               <a:buNone/>
             </a:pPr>
+            <a:endParaRPr lang="en-US" sz="2000" dirty="0"/>
+          </a:p>
+          <a:p>
+            <a:pPr marL="350520" indent="0">
+              <a:buNone/>
+            </a:pPr>
             <a:r>
               <a:rPr lang="en-US" sz="2000" dirty="0" smtClean="0"/>
-              <a:t>Our task </a:t>
-            </a:r>
-            <a:r>
-              <a:rPr lang="en-US" sz="2000" dirty="0" smtClean="0"/>
-              <a:t>was:</a:t>
-            </a:r>
+              <a:t>Our task was:</a:t>
+            </a:r>
+          </a:p>
+          <a:p>
+            <a:pPr marL="350520" indent="0">
+              <a:buNone/>
+            </a:pPr>
+            <a:endParaRPr lang="en-US" sz="2000" dirty="0" smtClean="0"/>
           </a:p>
           <a:p>
             <a:r>
@@ -11496,6 +12119,9 @@
             </a:r>
           </a:p>
           <a:p>
+            <a:endParaRPr lang="en-US" sz="2000" dirty="0" smtClean="0"/>
+          </a:p>
+          <a:p>
             <a:r>
               <a:rPr lang="en-US" sz="2000" dirty="0" smtClean="0"/>
               <a:t>Compare </a:t>
@@ -11526,6 +12152,9 @@
             </a:r>
           </a:p>
           <a:p>
+            <a:endParaRPr lang="en-US" sz="2000" dirty="0" smtClean="0"/>
+          </a:p>
+          <a:p>
             <a:r>
               <a:rPr lang="en-US" sz="2000" dirty="0" smtClean="0"/>
               <a:t>A </a:t>
@@ -11546,7 +12175,6 @@
               <a:rPr lang="en-US" sz="2000" dirty="0" smtClean="0"/>
               <a:t>’ [Doddington1998]</a:t>
             </a:r>
-            <a:endParaRPr lang="en-US" sz="2000" dirty="0" smtClean="0"/>
           </a:p>
         </p:txBody>
       </p:sp>
@@ -11583,9 +12211,14 @@
   <p:clrMapOvr>
     <a:masterClrMapping/>
   </p:clrMapOvr>
-  <p:transition spd="slow" advClick="0" advTm="4000">
-    <p:fade/>
-  </p:transition>
+  <mc:AlternateContent xmlns:mc="http://schemas.openxmlformats.org/markup-compatibility/2006">
+    <mc:Choice xmlns:p14="http://schemas.microsoft.com/office/powerpoint/2010/main" Requires="p14">
+      <p:transition p14:dur="10" advClick="0" advTm="4000"/>
+    </mc:Choice>
+    <mc:Fallback>
+      <p:transition advClick="0" advTm="4000"/>
+    </mc:Fallback>
+  </mc:AlternateContent>
   <p:timing>
     <p:tnLst>
       <p:par>
@@ -11623,38 +12256,114 @@
             <p:ph type="body" sz="quarter" idx="10"/>
           </p:nvPr>
         </p:nvSpPr>
-        <p:spPr/>
+        <p:spPr>
+          <a:xfrm>
+            <a:off x="2" y="1143000"/>
+            <a:ext cx="8537574" cy="4662264"/>
+          </a:xfrm>
+        </p:spPr>
         <p:txBody>
           <a:bodyPr/>
           <a:lstStyle/>
           <a:p>
-            <a:r>
-              <a:rPr lang="de-DE" dirty="0" smtClean="0"/>
-              <a:t>Von wem?</a:t>
-            </a:r>
-          </a:p>
-          <a:p>
-            <a:r>
-              <a:rPr lang="de-DE" dirty="0" smtClean="0"/>
-              <a:t>Wo?</a:t>
-            </a:r>
-          </a:p>
-          <a:p>
-            <a:r>
-              <a:rPr lang="de-DE" dirty="0" smtClean="0"/>
-              <a:t>Ziel</a:t>
-            </a:r>
-          </a:p>
-          <a:p>
-            <a:r>
-              <a:rPr lang="de-DE" dirty="0" smtClean="0"/>
-              <a:t>Was wurde dafür getan?</a:t>
-            </a:r>
-          </a:p>
-          <a:p>
-            <a:r>
-              <a:rPr lang="de-DE" dirty="0" smtClean="0"/>
-              <a:t>Was hat das mit uns zu tun?</a:t>
+            <a:endParaRPr lang="en-US" dirty="0" smtClean="0"/>
+          </a:p>
+          <a:p>
+            <a:r>
+              <a:rPr lang="en-US" dirty="0" smtClean="0"/>
+              <a:t>Attendance tracking </a:t>
+            </a:r>
+          </a:p>
+          <a:p>
+            <a:pPr marL="350520" indent="0">
+              <a:buNone/>
+            </a:pPr>
+            <a:r>
+              <a:rPr lang="en-US" dirty="0"/>
+              <a:t>	</a:t>
+            </a:r>
+            <a:r>
+              <a:rPr lang="en-US" dirty="0" smtClean="0"/>
+              <a:t>- </a:t>
+            </a:r>
+            <a:r>
+              <a:rPr lang="en-US" dirty="0" smtClean="0"/>
+              <a:t>without trusted administrator on-side</a:t>
+            </a:r>
+          </a:p>
+          <a:p>
+            <a:endParaRPr lang="en-US" dirty="0" smtClean="0"/>
+          </a:p>
+          <a:p>
+            <a:r>
+              <a:rPr lang="en-US" dirty="0" smtClean="0"/>
+              <a:t>Teacher in northwestern Indian</a:t>
+            </a:r>
+          </a:p>
+          <a:p>
+            <a:endParaRPr lang="en-US" dirty="0" smtClean="0"/>
+          </a:p>
+          <a:p>
+            <a:r>
+              <a:rPr lang="en-US" dirty="0" smtClean="0"/>
+              <a:t>In past: </a:t>
+            </a:r>
+          </a:p>
+          <a:p>
+            <a:pPr marL="350520" lvl="1" indent="0">
+              <a:buNone/>
+            </a:pPr>
+            <a:r>
+              <a:rPr lang="en-US" dirty="0" smtClean="0"/>
+              <a:t>	- camera based</a:t>
+            </a:r>
+          </a:p>
+          <a:p>
+            <a:pPr marL="350520" lvl="1" indent="0">
+              <a:buNone/>
+            </a:pPr>
+            <a:r>
+              <a:rPr lang="en-US" dirty="0" smtClean="0"/>
+              <a:t>	- two photos per day (with timestamp)</a:t>
+            </a:r>
+          </a:p>
+          <a:p>
+            <a:pPr marL="350520" lvl="1" indent="0">
+              <a:buNone/>
+            </a:pPr>
+            <a:r>
+              <a:rPr lang="en-US" dirty="0" smtClean="0"/>
+              <a:t>	- physically verified</a:t>
+            </a:r>
+          </a:p>
+          <a:p>
+            <a:pPr marL="350520" lvl="1" indent="0">
+              <a:buNone/>
+            </a:pPr>
+            <a:endParaRPr lang="de-DE" dirty="0" smtClean="0"/>
+          </a:p>
+          <a:p>
+            <a:r>
+              <a:rPr lang="en-US" dirty="0" smtClean="0"/>
+              <a:t>Advantages of speaker recognition:</a:t>
+            </a:r>
+          </a:p>
+          <a:p>
+            <a:pPr marL="350520" indent="0">
+              <a:buNone/>
+            </a:pPr>
+            <a:r>
+              <a:rPr lang="en-US" dirty="0" smtClean="0"/>
+              <a:t>	- cheap device</a:t>
+            </a:r>
+          </a:p>
+          <a:p>
+            <a:pPr marL="350520" indent="0">
+              <a:buNone/>
+            </a:pPr>
+            <a:r>
+              <a:rPr lang="en-US" dirty="0" smtClean="0"/>
+              <a:t>	- no need of internet</a:t>
             </a:r>
           </a:p>
         </p:txBody>
@@ -11696,9 +12405,14 @@
   <p:clrMapOvr>
     <a:masterClrMapping/>
   </p:clrMapOvr>
-  <p:transition spd="slow" advClick="0" advTm="4000">
-    <p:fade/>
-  </p:transition>
+  <mc:AlternateContent xmlns:mc="http://schemas.openxmlformats.org/markup-compatibility/2006">
+    <mc:Choice xmlns:p14="http://schemas.microsoft.com/office/powerpoint/2010/main" Requires="p14">
+      <p:transition p14:dur="10" advClick="0" advTm="4000"/>
+    </mc:Choice>
+    <mc:Fallback>
+      <p:transition advClick="0" advTm="4000"/>
+    </mc:Fallback>
+  </mc:AlternateContent>
   <p:timing>
     <p:tnLst>
       <p:par>
@@ -11781,9 +12495,14 @@
   <p:clrMapOvr>
     <a:masterClrMapping/>
   </p:clrMapOvr>
-  <p:transition spd="slow" advClick="0" advTm="4000">
-    <p:fade/>
-  </p:transition>
+  <mc:AlternateContent xmlns:mc="http://schemas.openxmlformats.org/markup-compatibility/2006">
+    <mc:Choice xmlns:p14="http://schemas.microsoft.com/office/powerpoint/2010/main" Requires="p14">
+      <p:transition p14:dur="10" advClick="0" advTm="4000"/>
+    </mc:Choice>
+    <mc:Fallback>
+      <p:transition advClick="0" advTm="4000"/>
+    </mc:Fallback>
+  </mc:AlternateContent>
   <p:timing>
     <p:tnLst>
       <p:par>
@@ -11840,7 +12559,6 @@
               <a:rPr lang="en-US" sz="2000" dirty="0" smtClean="0"/>
               <a:t>83:</a:t>
             </a:r>
-            <a:endParaRPr lang="en-US" sz="2000" dirty="0" smtClean="0"/>
           </a:p>
           <a:p>
             <a:pPr marL="350520" lvl="4" indent="0">
@@ -11862,11 +12580,7 @@
             </a:r>
             <a:r>
               <a:rPr lang="en-US" sz="2000" dirty="0" smtClean="0"/>
-              <a:t>- Female: </a:t>
-            </a:r>
-            <a:r>
-              <a:rPr lang="en-US" sz="2000" dirty="0" smtClean="0"/>
-              <a:t>35</a:t>
+              <a:t>- Female: 35</a:t>
             </a:r>
           </a:p>
           <a:p>
@@ -11892,11 +12606,7 @@
             </a:r>
             <a:r>
               <a:rPr lang="en-US" sz="2000" dirty="0" smtClean="0"/>
-              <a:t>recordings of each </a:t>
-            </a:r>
-            <a:r>
-              <a:rPr lang="en-US" sz="2000" dirty="0" smtClean="0"/>
-              <a:t>speaker</a:t>
+              <a:t>recordings of each speaker</a:t>
             </a:r>
           </a:p>
           <a:p>
@@ -11927,19 +12637,7 @@
             </a:r>
             <a:r>
               <a:rPr lang="en-US" sz="2000" dirty="0" smtClean="0"/>
-              <a:t>- </a:t>
-            </a:r>
-            <a:r>
-              <a:rPr lang="en-US" sz="2000" dirty="0" smtClean="0"/>
-              <a:t>length </a:t>
-            </a:r>
-            <a:r>
-              <a:rPr lang="en-US" sz="2000" dirty="0" smtClean="0"/>
-              <a:t>between 5 and 35 </a:t>
-            </a:r>
-            <a:r>
-              <a:rPr lang="en-US" sz="2000" dirty="0" smtClean="0"/>
-              <a:t>seconds</a:t>
+              <a:t>- length between 5 and 35 seconds</a:t>
             </a:r>
           </a:p>
           <a:p>
@@ -11952,11 +12650,7 @@
             </a:r>
             <a:r>
               <a:rPr lang="en-US" sz="2000" dirty="0" smtClean="0"/>
-              <a:t>- overall Size </a:t>
-            </a:r>
-            <a:r>
-              <a:rPr lang="en-US" sz="2000" dirty="0" smtClean="0"/>
-              <a:t>100mb</a:t>
+              <a:t>- overall Size 100mb</a:t>
             </a:r>
             <a:endParaRPr lang="en-US" sz="2000" dirty="0"/>
           </a:p>
@@ -11966,19 +12660,7 @@
             </a:pPr>
             <a:r>
               <a:rPr lang="en-US" sz="2000" dirty="0" smtClean="0"/>
-              <a:t>	</a:t>
-            </a:r>
-            <a:r>
-              <a:rPr lang="en-US" sz="2000" dirty="0" smtClean="0"/>
-              <a:t>- recorded </a:t>
-            </a:r>
-            <a:r>
-              <a:rPr lang="en-US" sz="2000" dirty="0" smtClean="0"/>
-              <a:t>with normal </a:t>
-            </a:r>
-            <a:r>
-              <a:rPr lang="en-US" sz="2000" dirty="0" smtClean="0"/>
-              <a:t>telephones</a:t>
+              <a:t>	- recorded with normal telephones</a:t>
             </a:r>
           </a:p>
           <a:p>
@@ -11993,7 +12675,6 @@
               <a:rPr lang="en-US" sz="2000" dirty="0" smtClean="0"/>
               <a:t>- natural environment</a:t>
             </a:r>
-            <a:endParaRPr lang="en-US" sz="2000" dirty="0" smtClean="0"/>
           </a:p>
           <a:p>
             <a:endParaRPr lang="en-US" sz="2000" dirty="0" smtClean="0"/>
@@ -12016,11 +12697,7 @@
             </a:pPr>
             <a:r>
               <a:rPr lang="en-US" sz="2000" dirty="0" smtClean="0"/>
-              <a:t>Source</a:t>
-            </a:r>
-            <a:r>
-              <a:rPr lang="en-US" sz="2000" dirty="0" smtClean="0"/>
-              <a:t>: </a:t>
+              <a:t>Source: </a:t>
             </a:r>
             <a:r>
               <a:rPr lang="en-US" sz="2000" dirty="0"/>
@@ -12115,9 +12792,14 @@
   <p:clrMapOvr>
     <a:masterClrMapping/>
   </p:clrMapOvr>
-  <p:transition spd="slow" advClick="0" advTm="4000">
-    <p:fade/>
-  </p:transition>
+  <mc:AlternateContent xmlns:mc="http://schemas.openxmlformats.org/markup-compatibility/2006">
+    <mc:Choice xmlns:p14="http://schemas.microsoft.com/office/powerpoint/2010/main" Requires="p14">
+      <p:transition p14:dur="10" advClick="0" advTm="4000"/>
+    </mc:Choice>
+    <mc:Fallback>
+      <p:transition advClick="0" advTm="4000"/>
+    </mc:Fallback>
+  </mc:AlternateContent>
   <p:timing>
     <p:tnLst>
       <p:par>
@@ -12461,7 +13143,6 @@
               <a:rPr lang="en-US" sz="2400" b="1" dirty="0" smtClean="0"/>
               <a:t>1. Step: </a:t>
             </a:r>
-            <a:endParaRPr lang="en-US" sz="2400" b="1" dirty="0" smtClean="0"/>
           </a:p>
           <a:p>
             <a:endParaRPr lang="en-US" sz="2000" dirty="0" smtClean="0"/>
@@ -12700,9 +13381,14 @@
   <p:clrMapOvr>
     <a:masterClrMapping/>
   </p:clrMapOvr>
-  <p:transition spd="slow" advClick="0" advTm="4000">
-    <p:fade/>
-  </p:transition>
+  <mc:AlternateContent xmlns:mc="http://schemas.openxmlformats.org/markup-compatibility/2006">
+    <mc:Choice xmlns:p14="http://schemas.microsoft.com/office/powerpoint/2010/main" Requires="p14">
+      <p:transition p14:dur="10" advClick="0" advTm="4000"/>
+    </mc:Choice>
+    <mc:Fallback>
+      <p:transition advClick="0" advTm="4000"/>
+    </mc:Fallback>
+  </mc:AlternateContent>
   <p:timing>
     <p:tnLst>
       <p:par>
@@ -13068,9 +13754,14 @@
   <p:clrMapOvr>
     <a:masterClrMapping/>
   </p:clrMapOvr>
-  <p:transition spd="slow" advClick="0" advTm="4000">
-    <p:fade/>
-  </p:transition>
+  <mc:AlternateContent xmlns:mc="http://schemas.openxmlformats.org/markup-compatibility/2006">
+    <mc:Choice xmlns:p14="http://schemas.microsoft.com/office/powerpoint/2010/main" Requires="p14">
+      <p:transition p14:dur="10" advClick="0" advTm="4000"/>
+    </mc:Choice>
+    <mc:Fallback>
+      <p:transition advClick="0" advTm="4000"/>
+    </mc:Fallback>
+  </mc:AlternateContent>
   <p:timing>
     <p:tnLst>
       <p:par>
@@ -13482,9 +14173,14 @@
   <p:clrMapOvr>
     <a:masterClrMapping/>
   </p:clrMapOvr>
-  <p:transition spd="slow" advClick="0" advTm="4000">
-    <p:fade/>
-  </p:transition>
+  <mc:AlternateContent xmlns:mc="http://schemas.openxmlformats.org/markup-compatibility/2006">
+    <mc:Choice xmlns:p14="http://schemas.microsoft.com/office/powerpoint/2010/main" Requires="p14">
+      <p:transition p14:dur="10" advClick="0" advTm="4000"/>
+    </mc:Choice>
+    <mc:Fallback>
+      <p:transition advClick="0" advTm="4000"/>
+    </mc:Fallback>
+  </mc:AlternateContent>
   <p:timing>
     <p:tnLst>
       <p:par>
@@ -14053,9 +14749,14 @@
   <p:clrMapOvr>
     <a:masterClrMapping/>
   </p:clrMapOvr>
-  <p:transition spd="slow" advClick="0" advTm="4000">
-    <p:fade/>
-  </p:transition>
+  <mc:AlternateContent xmlns:mc="http://schemas.openxmlformats.org/markup-compatibility/2006">
+    <mc:Choice xmlns:p14="http://schemas.microsoft.com/office/powerpoint/2010/main" Requires="p14">
+      <p:transition p14:dur="10" advClick="0" advTm="4000"/>
+    </mc:Choice>
+    <mc:Fallback>
+      <p:transition advClick="0" advTm="4000"/>
+    </mc:Fallback>
+  </mc:AlternateContent>
   <p:timing>
     <p:tnLst>
       <p:par>
